--- a/Presentation.pptx
+++ b/Presentation.pptx
@@ -5,11 +5,17 @@
     <p:sldMasterId id="2147483648" r:id="rId1"/>
   </p:sldMasterIdLst>
   <p:notesMasterIdLst>
-    <p:notesMasterId r:id="rId4"/>
+    <p:notesMasterId r:id="rId10"/>
   </p:notesMasterIdLst>
   <p:sldIdLst>
     <p:sldId id="256" r:id="rId2"/>
     <p:sldId id="257" r:id="rId3"/>
+    <p:sldId id="258" r:id="rId4"/>
+    <p:sldId id="259" r:id="rId5"/>
+    <p:sldId id="260" r:id="rId6"/>
+    <p:sldId id="261" r:id="rId7"/>
+    <p:sldId id="262" r:id="rId8"/>
+    <p:sldId id="263" r:id="rId9"/>
   </p:sldIdLst>
   <p:sldSz cx="9144000" cy="6858000" type="screen4x3"/>
   <p:notesSz cx="6858000" cy="9144000"/>
@@ -108,7 +114,6813 @@
       </a:defRPr>
     </a:lvl9pPr>
   </p:defaultTextStyle>
+  <p:extLst>
+    <p:ext uri="{EFAFB233-063F-42B5-8137-9DF3F51BA10A}">
+      <p15:sldGuideLst xmlns:p15="http://schemas.microsoft.com/office/powerpoint/2012/main">
+        <p15:guide id="1" orient="horz" pos="2160">
+          <p15:clr>
+            <a:srgbClr val="A4A3A4"/>
+          </p15:clr>
+        </p15:guide>
+        <p15:guide id="2" pos="2880">
+          <p15:clr>
+            <a:srgbClr val="A4A3A4"/>
+          </p15:clr>
+        </p15:guide>
+      </p15:sldGuideLst>
+    </p:ext>
+  </p:extLst>
 </p:presentation>
+</file>
+
+<file path=ppt/diagrams/colors1.xml><?xml version="1.0" encoding="utf-8"?>
+<dgm:colorsDef xmlns:dgm="http://schemas.openxmlformats.org/drawingml/2006/diagram" xmlns:a="http://schemas.openxmlformats.org/drawingml/2006/main" uniqueId="urn:microsoft.com/office/officeart/2005/8/colors/accent1_2">
+  <dgm:title val=""/>
+  <dgm:desc val=""/>
+  <dgm:catLst>
+    <dgm:cat type="accent1" pri="11200"/>
+  </dgm:catLst>
+  <dgm:styleLbl name="node0">
+    <dgm:fillClrLst meth="repeat">
+      <a:schemeClr val="accent1"/>
+    </dgm:fillClrLst>
+    <dgm:linClrLst meth="repeat">
+      <a:schemeClr val="lt1"/>
+    </dgm:linClrLst>
+    <dgm:effectClrLst/>
+    <dgm:txLinClrLst/>
+    <dgm:txFillClrLst/>
+    <dgm:txEffectClrLst/>
+  </dgm:styleLbl>
+  <dgm:styleLbl name="alignNode1">
+    <dgm:fillClrLst meth="repeat">
+      <a:schemeClr val="accent1"/>
+    </dgm:fillClrLst>
+    <dgm:linClrLst meth="repeat">
+      <a:schemeClr val="accent1"/>
+    </dgm:linClrLst>
+    <dgm:effectClrLst/>
+    <dgm:txLinClrLst/>
+    <dgm:txFillClrLst/>
+    <dgm:txEffectClrLst/>
+  </dgm:styleLbl>
+  <dgm:styleLbl name="node1">
+    <dgm:fillClrLst meth="repeat">
+      <a:schemeClr val="accent1"/>
+    </dgm:fillClrLst>
+    <dgm:linClrLst meth="repeat">
+      <a:schemeClr val="lt1"/>
+    </dgm:linClrLst>
+    <dgm:effectClrLst/>
+    <dgm:txLinClrLst/>
+    <dgm:txFillClrLst/>
+    <dgm:txEffectClrLst/>
+  </dgm:styleLbl>
+  <dgm:styleLbl name="lnNode1">
+    <dgm:fillClrLst meth="repeat">
+      <a:schemeClr val="accent1"/>
+    </dgm:fillClrLst>
+    <dgm:linClrLst meth="repeat">
+      <a:schemeClr val="lt1"/>
+    </dgm:linClrLst>
+    <dgm:effectClrLst/>
+    <dgm:txLinClrLst/>
+    <dgm:txFillClrLst/>
+    <dgm:txEffectClrLst/>
+  </dgm:styleLbl>
+  <dgm:styleLbl name="vennNode1">
+    <dgm:fillClrLst meth="repeat">
+      <a:schemeClr val="accent1">
+        <a:alpha val="50000"/>
+      </a:schemeClr>
+    </dgm:fillClrLst>
+    <dgm:linClrLst meth="repeat">
+      <a:schemeClr val="lt1"/>
+    </dgm:linClrLst>
+    <dgm:effectClrLst/>
+    <dgm:txLinClrLst/>
+    <dgm:txFillClrLst/>
+    <dgm:txEffectClrLst/>
+  </dgm:styleLbl>
+  <dgm:styleLbl name="node2">
+    <dgm:fillClrLst meth="repeat">
+      <a:schemeClr val="accent1"/>
+    </dgm:fillClrLst>
+    <dgm:linClrLst meth="repeat">
+      <a:schemeClr val="lt1"/>
+    </dgm:linClrLst>
+    <dgm:effectClrLst/>
+    <dgm:txLinClrLst/>
+    <dgm:txFillClrLst/>
+    <dgm:txEffectClrLst/>
+  </dgm:styleLbl>
+  <dgm:styleLbl name="node3">
+    <dgm:fillClrLst meth="repeat">
+      <a:schemeClr val="accent1"/>
+    </dgm:fillClrLst>
+    <dgm:linClrLst meth="repeat">
+      <a:schemeClr val="lt1"/>
+    </dgm:linClrLst>
+    <dgm:effectClrLst/>
+    <dgm:txLinClrLst/>
+    <dgm:txFillClrLst/>
+    <dgm:txEffectClrLst/>
+  </dgm:styleLbl>
+  <dgm:styleLbl name="node4">
+    <dgm:fillClrLst meth="repeat">
+      <a:schemeClr val="accent1"/>
+    </dgm:fillClrLst>
+    <dgm:linClrLst meth="repeat">
+      <a:schemeClr val="lt1"/>
+    </dgm:linClrLst>
+    <dgm:effectClrLst/>
+    <dgm:txLinClrLst/>
+    <dgm:txFillClrLst/>
+    <dgm:txEffectClrLst/>
+  </dgm:styleLbl>
+  <dgm:styleLbl name="fgImgPlace1">
+    <dgm:fillClrLst meth="repeat">
+      <a:schemeClr val="accent1">
+        <a:tint val="50000"/>
+      </a:schemeClr>
+    </dgm:fillClrLst>
+    <dgm:linClrLst meth="repeat">
+      <a:schemeClr val="lt1"/>
+    </dgm:linClrLst>
+    <dgm:effectClrLst/>
+    <dgm:txLinClrLst/>
+    <dgm:txFillClrLst meth="repeat">
+      <a:schemeClr val="lt1"/>
+    </dgm:txFillClrLst>
+    <dgm:txEffectClrLst/>
+  </dgm:styleLbl>
+  <dgm:styleLbl name="alignImgPlace1">
+    <dgm:fillClrLst meth="repeat">
+      <a:schemeClr val="accent1">
+        <a:tint val="50000"/>
+      </a:schemeClr>
+    </dgm:fillClrLst>
+    <dgm:linClrLst meth="repeat">
+      <a:schemeClr val="lt1"/>
+    </dgm:linClrLst>
+    <dgm:effectClrLst/>
+    <dgm:txLinClrLst/>
+    <dgm:txFillClrLst meth="repeat">
+      <a:schemeClr val="lt1"/>
+    </dgm:txFillClrLst>
+    <dgm:txEffectClrLst/>
+  </dgm:styleLbl>
+  <dgm:styleLbl name="bgImgPlace1">
+    <dgm:fillClrLst meth="repeat">
+      <a:schemeClr val="accent1">
+        <a:tint val="50000"/>
+      </a:schemeClr>
+    </dgm:fillClrLst>
+    <dgm:linClrLst meth="repeat">
+      <a:schemeClr val="lt1"/>
+    </dgm:linClrLst>
+    <dgm:effectClrLst/>
+    <dgm:txLinClrLst/>
+    <dgm:txFillClrLst meth="repeat">
+      <a:schemeClr val="lt1"/>
+    </dgm:txFillClrLst>
+    <dgm:txEffectClrLst/>
+  </dgm:styleLbl>
+  <dgm:styleLbl name="sibTrans2D1">
+    <dgm:fillClrLst meth="repeat">
+      <a:schemeClr val="accent1">
+        <a:tint val="60000"/>
+      </a:schemeClr>
+    </dgm:fillClrLst>
+    <dgm:linClrLst meth="repeat">
+      <a:schemeClr val="accent1">
+        <a:tint val="60000"/>
+      </a:schemeClr>
+    </dgm:linClrLst>
+    <dgm:effectClrLst/>
+    <dgm:txLinClrLst/>
+    <dgm:txFillClrLst/>
+    <dgm:txEffectClrLst/>
+  </dgm:styleLbl>
+  <dgm:styleLbl name="fgSibTrans2D1">
+    <dgm:fillClrLst meth="repeat">
+      <a:schemeClr val="accent1">
+        <a:tint val="60000"/>
+      </a:schemeClr>
+    </dgm:fillClrLst>
+    <dgm:linClrLst meth="repeat">
+      <a:schemeClr val="accent1">
+        <a:tint val="60000"/>
+      </a:schemeClr>
+    </dgm:linClrLst>
+    <dgm:effectClrLst/>
+    <dgm:txLinClrLst/>
+    <dgm:txFillClrLst/>
+    <dgm:txEffectClrLst/>
+  </dgm:styleLbl>
+  <dgm:styleLbl name="bgSibTrans2D1">
+    <dgm:fillClrLst meth="repeat">
+      <a:schemeClr val="accent1">
+        <a:tint val="60000"/>
+      </a:schemeClr>
+    </dgm:fillClrLst>
+    <dgm:linClrLst meth="repeat">
+      <a:schemeClr val="accent1">
+        <a:tint val="60000"/>
+      </a:schemeClr>
+    </dgm:linClrLst>
+    <dgm:effectClrLst/>
+    <dgm:txLinClrLst/>
+    <dgm:txFillClrLst/>
+    <dgm:txEffectClrLst/>
+  </dgm:styleLbl>
+  <dgm:styleLbl name="sibTrans1D1">
+    <dgm:fillClrLst meth="repeat">
+      <a:schemeClr val="accent1"/>
+    </dgm:fillClrLst>
+    <dgm:linClrLst meth="repeat">
+      <a:schemeClr val="accent1"/>
+    </dgm:linClrLst>
+    <dgm:effectClrLst/>
+    <dgm:txLinClrLst/>
+    <dgm:txFillClrLst meth="repeat">
+      <a:schemeClr val="tx1"/>
+    </dgm:txFillClrLst>
+    <dgm:txEffectClrLst/>
+  </dgm:styleLbl>
+  <dgm:styleLbl name="callout">
+    <dgm:fillClrLst meth="repeat">
+      <a:schemeClr val="accent1"/>
+    </dgm:fillClrLst>
+    <dgm:linClrLst meth="repeat">
+      <a:schemeClr val="accent1">
+        <a:tint val="50000"/>
+      </a:schemeClr>
+    </dgm:linClrLst>
+    <dgm:effectClrLst/>
+    <dgm:txLinClrLst/>
+    <dgm:txFillClrLst meth="repeat">
+      <a:schemeClr val="tx1"/>
+    </dgm:txFillClrLst>
+    <dgm:txEffectClrLst/>
+  </dgm:styleLbl>
+  <dgm:styleLbl name="asst0">
+    <dgm:fillClrLst meth="repeat">
+      <a:schemeClr val="accent1"/>
+    </dgm:fillClrLst>
+    <dgm:linClrLst meth="repeat">
+      <a:schemeClr val="lt1"/>
+    </dgm:linClrLst>
+    <dgm:effectClrLst/>
+    <dgm:txLinClrLst/>
+    <dgm:txFillClrLst/>
+    <dgm:txEffectClrLst/>
+  </dgm:styleLbl>
+  <dgm:styleLbl name="asst1">
+    <dgm:fillClrLst meth="repeat">
+      <a:schemeClr val="accent1"/>
+    </dgm:fillClrLst>
+    <dgm:linClrLst meth="repeat">
+      <a:schemeClr val="lt1"/>
+    </dgm:linClrLst>
+    <dgm:effectClrLst/>
+    <dgm:txLinClrLst/>
+    <dgm:txFillClrLst/>
+    <dgm:txEffectClrLst/>
+  </dgm:styleLbl>
+  <dgm:styleLbl name="asst2">
+    <dgm:fillClrLst meth="repeat">
+      <a:schemeClr val="accent1"/>
+    </dgm:fillClrLst>
+    <dgm:linClrLst meth="repeat">
+      <a:schemeClr val="lt1"/>
+    </dgm:linClrLst>
+    <dgm:effectClrLst/>
+    <dgm:txLinClrLst/>
+    <dgm:txFillClrLst/>
+    <dgm:txEffectClrLst/>
+  </dgm:styleLbl>
+  <dgm:styleLbl name="asst3">
+    <dgm:fillClrLst meth="repeat">
+      <a:schemeClr val="accent1"/>
+    </dgm:fillClrLst>
+    <dgm:linClrLst meth="repeat">
+      <a:schemeClr val="lt1"/>
+    </dgm:linClrLst>
+    <dgm:effectClrLst/>
+    <dgm:txLinClrLst/>
+    <dgm:txFillClrLst/>
+    <dgm:txEffectClrLst/>
+  </dgm:styleLbl>
+  <dgm:styleLbl name="asst4">
+    <dgm:fillClrLst meth="repeat">
+      <a:schemeClr val="accent1"/>
+    </dgm:fillClrLst>
+    <dgm:linClrLst meth="repeat">
+      <a:schemeClr val="lt1"/>
+    </dgm:linClrLst>
+    <dgm:effectClrLst/>
+    <dgm:txLinClrLst/>
+    <dgm:txFillClrLst/>
+    <dgm:txEffectClrLst/>
+  </dgm:styleLbl>
+  <dgm:styleLbl name="parChTrans2D1">
+    <dgm:fillClrLst meth="repeat">
+      <a:schemeClr val="accent1">
+        <a:tint val="60000"/>
+      </a:schemeClr>
+    </dgm:fillClrLst>
+    <dgm:linClrLst meth="repeat">
+      <a:schemeClr val="accent1">
+        <a:tint val="60000"/>
+      </a:schemeClr>
+    </dgm:linClrLst>
+    <dgm:effectClrLst/>
+    <dgm:txLinClrLst/>
+    <dgm:txFillClrLst meth="repeat">
+      <a:schemeClr val="lt1"/>
+    </dgm:txFillClrLst>
+    <dgm:txEffectClrLst/>
+  </dgm:styleLbl>
+  <dgm:styleLbl name="parChTrans2D2">
+    <dgm:fillClrLst meth="repeat">
+      <a:schemeClr val="accent1"/>
+    </dgm:fillClrLst>
+    <dgm:linClrLst meth="repeat">
+      <a:schemeClr val="accent1"/>
+    </dgm:linClrLst>
+    <dgm:effectClrLst/>
+    <dgm:txLinClrLst/>
+    <dgm:txFillClrLst meth="repeat">
+      <a:schemeClr val="lt1"/>
+    </dgm:txFillClrLst>
+    <dgm:txEffectClrLst/>
+  </dgm:styleLbl>
+  <dgm:styleLbl name="parChTrans2D3">
+    <dgm:fillClrLst meth="repeat">
+      <a:schemeClr val="accent1"/>
+    </dgm:fillClrLst>
+    <dgm:linClrLst meth="repeat">
+      <a:schemeClr val="accent1"/>
+    </dgm:linClrLst>
+    <dgm:effectClrLst/>
+    <dgm:txLinClrLst/>
+    <dgm:txFillClrLst meth="repeat">
+      <a:schemeClr val="lt1"/>
+    </dgm:txFillClrLst>
+    <dgm:txEffectClrLst/>
+  </dgm:styleLbl>
+  <dgm:styleLbl name="parChTrans2D4">
+    <dgm:fillClrLst meth="repeat">
+      <a:schemeClr val="accent1"/>
+    </dgm:fillClrLst>
+    <dgm:linClrLst meth="repeat">
+      <a:schemeClr val="accent1"/>
+    </dgm:linClrLst>
+    <dgm:effectClrLst/>
+    <dgm:txLinClrLst/>
+    <dgm:txFillClrLst meth="repeat">
+      <a:schemeClr val="lt1"/>
+    </dgm:txFillClrLst>
+    <dgm:txEffectClrLst/>
+  </dgm:styleLbl>
+  <dgm:styleLbl name="parChTrans1D1">
+    <dgm:fillClrLst meth="repeat">
+      <a:schemeClr val="accent1"/>
+    </dgm:fillClrLst>
+    <dgm:linClrLst meth="repeat">
+      <a:schemeClr val="accent1">
+        <a:shade val="60000"/>
+      </a:schemeClr>
+    </dgm:linClrLst>
+    <dgm:effectClrLst/>
+    <dgm:txLinClrLst/>
+    <dgm:txFillClrLst meth="repeat">
+      <a:schemeClr val="tx1"/>
+    </dgm:txFillClrLst>
+    <dgm:txEffectClrLst/>
+  </dgm:styleLbl>
+  <dgm:styleLbl name="parChTrans1D2">
+    <dgm:fillClrLst meth="repeat">
+      <a:schemeClr val="accent1"/>
+    </dgm:fillClrLst>
+    <dgm:linClrLst meth="repeat">
+      <a:schemeClr val="accent1">
+        <a:shade val="60000"/>
+      </a:schemeClr>
+    </dgm:linClrLst>
+    <dgm:effectClrLst/>
+    <dgm:txLinClrLst/>
+    <dgm:txFillClrLst meth="repeat">
+      <a:schemeClr val="tx1"/>
+    </dgm:txFillClrLst>
+    <dgm:txEffectClrLst/>
+  </dgm:styleLbl>
+  <dgm:styleLbl name="parChTrans1D3">
+    <dgm:fillClrLst meth="repeat">
+      <a:schemeClr val="accent1"/>
+    </dgm:fillClrLst>
+    <dgm:linClrLst meth="repeat">
+      <a:schemeClr val="accent1">
+        <a:shade val="80000"/>
+      </a:schemeClr>
+    </dgm:linClrLst>
+    <dgm:effectClrLst/>
+    <dgm:txLinClrLst/>
+    <dgm:txFillClrLst meth="repeat">
+      <a:schemeClr val="tx1"/>
+    </dgm:txFillClrLst>
+    <dgm:txEffectClrLst/>
+  </dgm:styleLbl>
+  <dgm:styleLbl name="parChTrans1D4">
+    <dgm:fillClrLst meth="repeat">
+      <a:schemeClr val="accent1"/>
+    </dgm:fillClrLst>
+    <dgm:linClrLst meth="repeat">
+      <a:schemeClr val="accent1">
+        <a:shade val="80000"/>
+      </a:schemeClr>
+    </dgm:linClrLst>
+    <dgm:effectClrLst/>
+    <dgm:txLinClrLst/>
+    <dgm:txFillClrLst meth="repeat">
+      <a:schemeClr val="tx1"/>
+    </dgm:txFillClrLst>
+    <dgm:txEffectClrLst/>
+  </dgm:styleLbl>
+  <dgm:styleLbl name="fgAcc1">
+    <dgm:fillClrLst meth="repeat">
+      <a:schemeClr val="lt1">
+        <a:alpha val="90000"/>
+      </a:schemeClr>
+    </dgm:fillClrLst>
+    <dgm:linClrLst meth="repeat">
+      <a:schemeClr val="accent1"/>
+    </dgm:linClrLst>
+    <dgm:effectClrLst/>
+    <dgm:txLinClrLst/>
+    <dgm:txFillClrLst meth="repeat">
+      <a:schemeClr val="dk1"/>
+    </dgm:txFillClrLst>
+    <dgm:txEffectClrLst/>
+  </dgm:styleLbl>
+  <dgm:styleLbl name="conFgAcc1">
+    <dgm:fillClrLst meth="repeat">
+      <a:schemeClr val="lt1">
+        <a:alpha val="90000"/>
+      </a:schemeClr>
+    </dgm:fillClrLst>
+    <dgm:linClrLst meth="repeat">
+      <a:schemeClr val="accent1"/>
+    </dgm:linClrLst>
+    <dgm:effectClrLst/>
+    <dgm:txLinClrLst/>
+    <dgm:txFillClrLst meth="repeat">
+      <a:schemeClr val="dk1"/>
+    </dgm:txFillClrLst>
+    <dgm:txEffectClrLst/>
+  </dgm:styleLbl>
+  <dgm:styleLbl name="alignAcc1">
+    <dgm:fillClrLst meth="repeat">
+      <a:schemeClr val="lt1">
+        <a:alpha val="90000"/>
+      </a:schemeClr>
+    </dgm:fillClrLst>
+    <dgm:linClrLst meth="repeat">
+      <a:schemeClr val="accent1"/>
+    </dgm:linClrLst>
+    <dgm:effectClrLst/>
+    <dgm:txLinClrLst/>
+    <dgm:txFillClrLst meth="repeat">
+      <a:schemeClr val="dk1"/>
+    </dgm:txFillClrLst>
+    <dgm:txEffectClrLst/>
+  </dgm:styleLbl>
+  <dgm:styleLbl name="trAlignAcc1">
+    <dgm:fillClrLst meth="repeat">
+      <a:schemeClr val="lt1">
+        <a:alpha val="40000"/>
+      </a:schemeClr>
+    </dgm:fillClrLst>
+    <dgm:linClrLst meth="repeat">
+      <a:schemeClr val="accent1"/>
+    </dgm:linClrLst>
+    <dgm:effectClrLst/>
+    <dgm:txLinClrLst/>
+    <dgm:txFillClrLst meth="repeat">
+      <a:schemeClr val="dk1"/>
+    </dgm:txFillClrLst>
+    <dgm:txEffectClrLst/>
+  </dgm:styleLbl>
+  <dgm:styleLbl name="bgAcc1">
+    <dgm:fillClrLst meth="repeat">
+      <a:schemeClr val="lt1">
+        <a:alpha val="90000"/>
+      </a:schemeClr>
+    </dgm:fillClrLst>
+    <dgm:linClrLst meth="repeat">
+      <a:schemeClr val="accent1"/>
+    </dgm:linClrLst>
+    <dgm:effectClrLst/>
+    <dgm:txLinClrLst/>
+    <dgm:txFillClrLst meth="repeat">
+      <a:schemeClr val="dk1"/>
+    </dgm:txFillClrLst>
+    <dgm:txEffectClrLst/>
+  </dgm:styleLbl>
+  <dgm:styleLbl name="solidFgAcc1">
+    <dgm:fillClrLst meth="repeat">
+      <a:schemeClr val="lt1"/>
+    </dgm:fillClrLst>
+    <dgm:linClrLst meth="repeat">
+      <a:schemeClr val="accent1"/>
+    </dgm:linClrLst>
+    <dgm:effectClrLst/>
+    <dgm:txLinClrLst/>
+    <dgm:txFillClrLst meth="repeat">
+      <a:schemeClr val="dk1"/>
+    </dgm:txFillClrLst>
+    <dgm:txEffectClrLst/>
+  </dgm:styleLbl>
+  <dgm:styleLbl name="solidAlignAcc1">
+    <dgm:fillClrLst meth="repeat">
+      <a:schemeClr val="lt1"/>
+    </dgm:fillClrLst>
+    <dgm:linClrLst meth="repeat">
+      <a:schemeClr val="accent1"/>
+    </dgm:linClrLst>
+    <dgm:effectClrLst/>
+    <dgm:txLinClrLst/>
+    <dgm:txFillClrLst meth="repeat">
+      <a:schemeClr val="dk1"/>
+    </dgm:txFillClrLst>
+    <dgm:txEffectClrLst/>
+  </dgm:styleLbl>
+  <dgm:styleLbl name="solidBgAcc1">
+    <dgm:fillClrLst meth="repeat">
+      <a:schemeClr val="lt1"/>
+    </dgm:fillClrLst>
+    <dgm:linClrLst meth="repeat">
+      <a:schemeClr val="accent1"/>
+    </dgm:linClrLst>
+    <dgm:effectClrLst/>
+    <dgm:txLinClrLst/>
+    <dgm:txFillClrLst meth="repeat">
+      <a:schemeClr val="dk1"/>
+    </dgm:txFillClrLst>
+    <dgm:txEffectClrLst/>
+  </dgm:styleLbl>
+  <dgm:styleLbl name="fgAccFollowNode1">
+    <dgm:fillClrLst meth="repeat">
+      <a:schemeClr val="accent1">
+        <a:alpha val="90000"/>
+        <a:tint val="40000"/>
+      </a:schemeClr>
+    </dgm:fillClrLst>
+    <dgm:linClrLst meth="repeat">
+      <a:schemeClr val="accent1">
+        <a:alpha val="90000"/>
+        <a:tint val="40000"/>
+      </a:schemeClr>
+    </dgm:linClrLst>
+    <dgm:effectClrLst/>
+    <dgm:txLinClrLst/>
+    <dgm:txFillClrLst meth="repeat">
+      <a:schemeClr val="dk1"/>
+    </dgm:txFillClrLst>
+    <dgm:txEffectClrLst/>
+  </dgm:styleLbl>
+  <dgm:styleLbl name="alignAccFollowNode1">
+    <dgm:fillClrLst meth="repeat">
+      <a:schemeClr val="accent1">
+        <a:alpha val="90000"/>
+        <a:tint val="40000"/>
+      </a:schemeClr>
+    </dgm:fillClrLst>
+    <dgm:linClrLst meth="repeat">
+      <a:schemeClr val="accent1">
+        <a:alpha val="90000"/>
+        <a:tint val="40000"/>
+      </a:schemeClr>
+    </dgm:linClrLst>
+    <dgm:effectClrLst/>
+    <dgm:txLinClrLst/>
+    <dgm:txFillClrLst meth="repeat">
+      <a:schemeClr val="dk1"/>
+    </dgm:txFillClrLst>
+    <dgm:txEffectClrLst/>
+  </dgm:styleLbl>
+  <dgm:styleLbl name="bgAccFollowNode1">
+    <dgm:fillClrLst meth="repeat">
+      <a:schemeClr val="accent1">
+        <a:alpha val="90000"/>
+        <a:tint val="40000"/>
+      </a:schemeClr>
+    </dgm:fillClrLst>
+    <dgm:linClrLst meth="repeat">
+      <a:schemeClr val="accent1">
+        <a:alpha val="90000"/>
+        <a:tint val="40000"/>
+      </a:schemeClr>
+    </dgm:linClrLst>
+    <dgm:effectClrLst/>
+    <dgm:txLinClrLst/>
+    <dgm:txFillClrLst meth="repeat">
+      <a:schemeClr val="dk1"/>
+    </dgm:txFillClrLst>
+    <dgm:txEffectClrLst/>
+  </dgm:styleLbl>
+  <dgm:styleLbl name="fgAcc0">
+    <dgm:fillClrLst meth="repeat">
+      <a:schemeClr val="lt1">
+        <a:alpha val="90000"/>
+      </a:schemeClr>
+    </dgm:fillClrLst>
+    <dgm:linClrLst meth="repeat">
+      <a:schemeClr val="accent1"/>
+    </dgm:linClrLst>
+    <dgm:effectClrLst/>
+    <dgm:txLinClrLst/>
+    <dgm:txFillClrLst meth="repeat">
+      <a:schemeClr val="dk1"/>
+    </dgm:txFillClrLst>
+    <dgm:txEffectClrLst/>
+  </dgm:styleLbl>
+  <dgm:styleLbl name="fgAcc2">
+    <dgm:fillClrLst meth="repeat">
+      <a:schemeClr val="lt1">
+        <a:alpha val="90000"/>
+      </a:schemeClr>
+    </dgm:fillClrLst>
+    <dgm:linClrLst meth="repeat">
+      <a:schemeClr val="accent1"/>
+    </dgm:linClrLst>
+    <dgm:effectClrLst/>
+    <dgm:txLinClrLst/>
+    <dgm:txFillClrLst meth="repeat">
+      <a:schemeClr val="dk1"/>
+    </dgm:txFillClrLst>
+    <dgm:txEffectClrLst/>
+  </dgm:styleLbl>
+  <dgm:styleLbl name="fgAcc3">
+    <dgm:fillClrLst meth="repeat">
+      <a:schemeClr val="lt1">
+        <a:alpha val="90000"/>
+      </a:schemeClr>
+    </dgm:fillClrLst>
+    <dgm:linClrLst meth="repeat">
+      <a:schemeClr val="accent1"/>
+    </dgm:linClrLst>
+    <dgm:effectClrLst/>
+    <dgm:txLinClrLst/>
+    <dgm:txFillClrLst meth="repeat">
+      <a:schemeClr val="dk1"/>
+    </dgm:txFillClrLst>
+    <dgm:txEffectClrLst/>
+  </dgm:styleLbl>
+  <dgm:styleLbl name="fgAcc4">
+    <dgm:fillClrLst meth="repeat">
+      <a:schemeClr val="lt1">
+        <a:alpha val="90000"/>
+      </a:schemeClr>
+    </dgm:fillClrLst>
+    <dgm:linClrLst meth="repeat">
+      <a:schemeClr val="accent1"/>
+    </dgm:linClrLst>
+    <dgm:effectClrLst/>
+    <dgm:txLinClrLst/>
+    <dgm:txFillClrLst meth="repeat">
+      <a:schemeClr val="dk1"/>
+    </dgm:txFillClrLst>
+    <dgm:txEffectClrLst/>
+  </dgm:styleLbl>
+  <dgm:styleLbl name="bgShp">
+    <dgm:fillClrLst meth="repeat">
+      <a:schemeClr val="accent1">
+        <a:tint val="40000"/>
+      </a:schemeClr>
+    </dgm:fillClrLst>
+    <dgm:linClrLst meth="repeat">
+      <a:schemeClr val="accent1"/>
+    </dgm:linClrLst>
+    <dgm:effectClrLst/>
+    <dgm:txLinClrLst/>
+    <dgm:txFillClrLst meth="repeat">
+      <a:schemeClr val="dk1"/>
+    </dgm:txFillClrLst>
+    <dgm:txEffectClrLst/>
+  </dgm:styleLbl>
+  <dgm:styleLbl name="dkBgShp">
+    <dgm:fillClrLst meth="repeat">
+      <a:schemeClr val="accent1">
+        <a:shade val="80000"/>
+      </a:schemeClr>
+    </dgm:fillClrLst>
+    <dgm:linClrLst meth="repeat">
+      <a:schemeClr val="accent1"/>
+    </dgm:linClrLst>
+    <dgm:effectClrLst/>
+    <dgm:txLinClrLst/>
+    <dgm:txFillClrLst meth="repeat">
+      <a:schemeClr val="lt1"/>
+    </dgm:txFillClrLst>
+    <dgm:txEffectClrLst/>
+  </dgm:styleLbl>
+  <dgm:styleLbl name="trBgShp">
+    <dgm:fillClrLst meth="repeat">
+      <a:schemeClr val="accent1">
+        <a:tint val="50000"/>
+        <a:alpha val="40000"/>
+      </a:schemeClr>
+    </dgm:fillClrLst>
+    <dgm:linClrLst meth="repeat">
+      <a:schemeClr val="accent1"/>
+    </dgm:linClrLst>
+    <dgm:effectClrLst/>
+    <dgm:txLinClrLst/>
+    <dgm:txFillClrLst meth="repeat">
+      <a:schemeClr val="lt1"/>
+    </dgm:txFillClrLst>
+    <dgm:txEffectClrLst/>
+  </dgm:styleLbl>
+  <dgm:styleLbl name="fgShp">
+    <dgm:fillClrLst meth="repeat">
+      <a:schemeClr val="accent1">
+        <a:tint val="60000"/>
+      </a:schemeClr>
+    </dgm:fillClrLst>
+    <dgm:linClrLst meth="repeat">
+      <a:schemeClr val="lt1"/>
+    </dgm:linClrLst>
+    <dgm:effectClrLst/>
+    <dgm:txLinClrLst/>
+    <dgm:txFillClrLst meth="repeat">
+      <a:schemeClr val="dk1"/>
+    </dgm:txFillClrLst>
+    <dgm:txEffectClrLst/>
+  </dgm:styleLbl>
+  <dgm:styleLbl name="revTx">
+    <dgm:fillClrLst meth="repeat">
+      <a:schemeClr val="lt1">
+        <a:alpha val="0"/>
+      </a:schemeClr>
+    </dgm:fillClrLst>
+    <dgm:linClrLst meth="repeat">
+      <a:schemeClr val="dk1">
+        <a:alpha val="0"/>
+      </a:schemeClr>
+    </dgm:linClrLst>
+    <dgm:effectClrLst/>
+    <dgm:txLinClrLst/>
+    <dgm:txFillClrLst meth="repeat">
+      <a:schemeClr val="tx1"/>
+    </dgm:txFillClrLst>
+    <dgm:txEffectClrLst/>
+  </dgm:styleLbl>
+</dgm:colorsDef>
+</file>
+
+<file path=ppt/diagrams/colors2.xml><?xml version="1.0" encoding="utf-8"?>
+<dgm:colorsDef xmlns:dgm="http://schemas.openxmlformats.org/drawingml/2006/diagram" xmlns:a="http://schemas.openxmlformats.org/drawingml/2006/main" uniqueId="urn:microsoft.com/office/officeart/2005/8/colors/accent1_2">
+  <dgm:title val=""/>
+  <dgm:desc val=""/>
+  <dgm:catLst>
+    <dgm:cat type="accent1" pri="11200"/>
+  </dgm:catLst>
+  <dgm:styleLbl name="node0">
+    <dgm:fillClrLst meth="repeat">
+      <a:schemeClr val="accent1"/>
+    </dgm:fillClrLst>
+    <dgm:linClrLst meth="repeat">
+      <a:schemeClr val="lt1"/>
+    </dgm:linClrLst>
+    <dgm:effectClrLst/>
+    <dgm:txLinClrLst/>
+    <dgm:txFillClrLst/>
+    <dgm:txEffectClrLst/>
+  </dgm:styleLbl>
+  <dgm:styleLbl name="alignNode1">
+    <dgm:fillClrLst meth="repeat">
+      <a:schemeClr val="accent1"/>
+    </dgm:fillClrLst>
+    <dgm:linClrLst meth="repeat">
+      <a:schemeClr val="accent1"/>
+    </dgm:linClrLst>
+    <dgm:effectClrLst/>
+    <dgm:txLinClrLst/>
+    <dgm:txFillClrLst/>
+    <dgm:txEffectClrLst/>
+  </dgm:styleLbl>
+  <dgm:styleLbl name="node1">
+    <dgm:fillClrLst meth="repeat">
+      <a:schemeClr val="accent1"/>
+    </dgm:fillClrLst>
+    <dgm:linClrLst meth="repeat">
+      <a:schemeClr val="lt1"/>
+    </dgm:linClrLst>
+    <dgm:effectClrLst/>
+    <dgm:txLinClrLst/>
+    <dgm:txFillClrLst/>
+    <dgm:txEffectClrLst/>
+  </dgm:styleLbl>
+  <dgm:styleLbl name="lnNode1">
+    <dgm:fillClrLst meth="repeat">
+      <a:schemeClr val="accent1"/>
+    </dgm:fillClrLst>
+    <dgm:linClrLst meth="repeat">
+      <a:schemeClr val="lt1"/>
+    </dgm:linClrLst>
+    <dgm:effectClrLst/>
+    <dgm:txLinClrLst/>
+    <dgm:txFillClrLst/>
+    <dgm:txEffectClrLst/>
+  </dgm:styleLbl>
+  <dgm:styleLbl name="vennNode1">
+    <dgm:fillClrLst meth="repeat">
+      <a:schemeClr val="accent1">
+        <a:alpha val="50000"/>
+      </a:schemeClr>
+    </dgm:fillClrLst>
+    <dgm:linClrLst meth="repeat">
+      <a:schemeClr val="lt1"/>
+    </dgm:linClrLst>
+    <dgm:effectClrLst/>
+    <dgm:txLinClrLst/>
+    <dgm:txFillClrLst/>
+    <dgm:txEffectClrLst/>
+  </dgm:styleLbl>
+  <dgm:styleLbl name="node2">
+    <dgm:fillClrLst meth="repeat">
+      <a:schemeClr val="accent1"/>
+    </dgm:fillClrLst>
+    <dgm:linClrLst meth="repeat">
+      <a:schemeClr val="lt1"/>
+    </dgm:linClrLst>
+    <dgm:effectClrLst/>
+    <dgm:txLinClrLst/>
+    <dgm:txFillClrLst/>
+    <dgm:txEffectClrLst/>
+  </dgm:styleLbl>
+  <dgm:styleLbl name="node3">
+    <dgm:fillClrLst meth="repeat">
+      <a:schemeClr val="accent1"/>
+    </dgm:fillClrLst>
+    <dgm:linClrLst meth="repeat">
+      <a:schemeClr val="lt1"/>
+    </dgm:linClrLst>
+    <dgm:effectClrLst/>
+    <dgm:txLinClrLst/>
+    <dgm:txFillClrLst/>
+    <dgm:txEffectClrLst/>
+  </dgm:styleLbl>
+  <dgm:styleLbl name="node4">
+    <dgm:fillClrLst meth="repeat">
+      <a:schemeClr val="accent1"/>
+    </dgm:fillClrLst>
+    <dgm:linClrLst meth="repeat">
+      <a:schemeClr val="lt1"/>
+    </dgm:linClrLst>
+    <dgm:effectClrLst/>
+    <dgm:txLinClrLst/>
+    <dgm:txFillClrLst/>
+    <dgm:txEffectClrLst/>
+  </dgm:styleLbl>
+  <dgm:styleLbl name="fgImgPlace1">
+    <dgm:fillClrLst meth="repeat">
+      <a:schemeClr val="accent1">
+        <a:tint val="50000"/>
+      </a:schemeClr>
+    </dgm:fillClrLst>
+    <dgm:linClrLst meth="repeat">
+      <a:schemeClr val="lt1"/>
+    </dgm:linClrLst>
+    <dgm:effectClrLst/>
+    <dgm:txLinClrLst/>
+    <dgm:txFillClrLst meth="repeat">
+      <a:schemeClr val="lt1"/>
+    </dgm:txFillClrLst>
+    <dgm:txEffectClrLst/>
+  </dgm:styleLbl>
+  <dgm:styleLbl name="alignImgPlace1">
+    <dgm:fillClrLst meth="repeat">
+      <a:schemeClr val="accent1">
+        <a:tint val="50000"/>
+      </a:schemeClr>
+    </dgm:fillClrLst>
+    <dgm:linClrLst meth="repeat">
+      <a:schemeClr val="lt1"/>
+    </dgm:linClrLst>
+    <dgm:effectClrLst/>
+    <dgm:txLinClrLst/>
+    <dgm:txFillClrLst meth="repeat">
+      <a:schemeClr val="lt1"/>
+    </dgm:txFillClrLst>
+    <dgm:txEffectClrLst/>
+  </dgm:styleLbl>
+  <dgm:styleLbl name="bgImgPlace1">
+    <dgm:fillClrLst meth="repeat">
+      <a:schemeClr val="accent1">
+        <a:tint val="50000"/>
+      </a:schemeClr>
+    </dgm:fillClrLst>
+    <dgm:linClrLst meth="repeat">
+      <a:schemeClr val="lt1"/>
+    </dgm:linClrLst>
+    <dgm:effectClrLst/>
+    <dgm:txLinClrLst/>
+    <dgm:txFillClrLst meth="repeat">
+      <a:schemeClr val="lt1"/>
+    </dgm:txFillClrLst>
+    <dgm:txEffectClrLst/>
+  </dgm:styleLbl>
+  <dgm:styleLbl name="sibTrans2D1">
+    <dgm:fillClrLst meth="repeat">
+      <a:schemeClr val="accent1">
+        <a:tint val="60000"/>
+      </a:schemeClr>
+    </dgm:fillClrLst>
+    <dgm:linClrLst meth="repeat">
+      <a:schemeClr val="accent1">
+        <a:tint val="60000"/>
+      </a:schemeClr>
+    </dgm:linClrLst>
+    <dgm:effectClrLst/>
+    <dgm:txLinClrLst/>
+    <dgm:txFillClrLst/>
+    <dgm:txEffectClrLst/>
+  </dgm:styleLbl>
+  <dgm:styleLbl name="fgSibTrans2D1">
+    <dgm:fillClrLst meth="repeat">
+      <a:schemeClr val="accent1">
+        <a:tint val="60000"/>
+      </a:schemeClr>
+    </dgm:fillClrLst>
+    <dgm:linClrLst meth="repeat">
+      <a:schemeClr val="accent1">
+        <a:tint val="60000"/>
+      </a:schemeClr>
+    </dgm:linClrLst>
+    <dgm:effectClrLst/>
+    <dgm:txLinClrLst/>
+    <dgm:txFillClrLst/>
+    <dgm:txEffectClrLst/>
+  </dgm:styleLbl>
+  <dgm:styleLbl name="bgSibTrans2D1">
+    <dgm:fillClrLst meth="repeat">
+      <a:schemeClr val="accent1">
+        <a:tint val="60000"/>
+      </a:schemeClr>
+    </dgm:fillClrLst>
+    <dgm:linClrLst meth="repeat">
+      <a:schemeClr val="accent1">
+        <a:tint val="60000"/>
+      </a:schemeClr>
+    </dgm:linClrLst>
+    <dgm:effectClrLst/>
+    <dgm:txLinClrLst/>
+    <dgm:txFillClrLst/>
+    <dgm:txEffectClrLst/>
+  </dgm:styleLbl>
+  <dgm:styleLbl name="sibTrans1D1">
+    <dgm:fillClrLst meth="repeat">
+      <a:schemeClr val="accent1"/>
+    </dgm:fillClrLst>
+    <dgm:linClrLst meth="repeat">
+      <a:schemeClr val="accent1"/>
+    </dgm:linClrLst>
+    <dgm:effectClrLst/>
+    <dgm:txLinClrLst/>
+    <dgm:txFillClrLst meth="repeat">
+      <a:schemeClr val="tx1"/>
+    </dgm:txFillClrLst>
+    <dgm:txEffectClrLst/>
+  </dgm:styleLbl>
+  <dgm:styleLbl name="callout">
+    <dgm:fillClrLst meth="repeat">
+      <a:schemeClr val="accent1"/>
+    </dgm:fillClrLst>
+    <dgm:linClrLst meth="repeat">
+      <a:schemeClr val="accent1">
+        <a:tint val="50000"/>
+      </a:schemeClr>
+    </dgm:linClrLst>
+    <dgm:effectClrLst/>
+    <dgm:txLinClrLst/>
+    <dgm:txFillClrLst meth="repeat">
+      <a:schemeClr val="tx1"/>
+    </dgm:txFillClrLst>
+    <dgm:txEffectClrLst/>
+  </dgm:styleLbl>
+  <dgm:styleLbl name="asst0">
+    <dgm:fillClrLst meth="repeat">
+      <a:schemeClr val="accent1"/>
+    </dgm:fillClrLst>
+    <dgm:linClrLst meth="repeat">
+      <a:schemeClr val="lt1"/>
+    </dgm:linClrLst>
+    <dgm:effectClrLst/>
+    <dgm:txLinClrLst/>
+    <dgm:txFillClrLst/>
+    <dgm:txEffectClrLst/>
+  </dgm:styleLbl>
+  <dgm:styleLbl name="asst1">
+    <dgm:fillClrLst meth="repeat">
+      <a:schemeClr val="accent1"/>
+    </dgm:fillClrLst>
+    <dgm:linClrLst meth="repeat">
+      <a:schemeClr val="lt1"/>
+    </dgm:linClrLst>
+    <dgm:effectClrLst/>
+    <dgm:txLinClrLst/>
+    <dgm:txFillClrLst/>
+    <dgm:txEffectClrLst/>
+  </dgm:styleLbl>
+  <dgm:styleLbl name="asst2">
+    <dgm:fillClrLst meth="repeat">
+      <a:schemeClr val="accent1"/>
+    </dgm:fillClrLst>
+    <dgm:linClrLst meth="repeat">
+      <a:schemeClr val="lt1"/>
+    </dgm:linClrLst>
+    <dgm:effectClrLst/>
+    <dgm:txLinClrLst/>
+    <dgm:txFillClrLst/>
+    <dgm:txEffectClrLst/>
+  </dgm:styleLbl>
+  <dgm:styleLbl name="asst3">
+    <dgm:fillClrLst meth="repeat">
+      <a:schemeClr val="accent1"/>
+    </dgm:fillClrLst>
+    <dgm:linClrLst meth="repeat">
+      <a:schemeClr val="lt1"/>
+    </dgm:linClrLst>
+    <dgm:effectClrLst/>
+    <dgm:txLinClrLst/>
+    <dgm:txFillClrLst/>
+    <dgm:txEffectClrLst/>
+  </dgm:styleLbl>
+  <dgm:styleLbl name="asst4">
+    <dgm:fillClrLst meth="repeat">
+      <a:schemeClr val="accent1"/>
+    </dgm:fillClrLst>
+    <dgm:linClrLst meth="repeat">
+      <a:schemeClr val="lt1"/>
+    </dgm:linClrLst>
+    <dgm:effectClrLst/>
+    <dgm:txLinClrLst/>
+    <dgm:txFillClrLst/>
+    <dgm:txEffectClrLst/>
+  </dgm:styleLbl>
+  <dgm:styleLbl name="parChTrans2D1">
+    <dgm:fillClrLst meth="repeat">
+      <a:schemeClr val="accent1">
+        <a:tint val="60000"/>
+      </a:schemeClr>
+    </dgm:fillClrLst>
+    <dgm:linClrLst meth="repeat">
+      <a:schemeClr val="accent1">
+        <a:tint val="60000"/>
+      </a:schemeClr>
+    </dgm:linClrLst>
+    <dgm:effectClrLst/>
+    <dgm:txLinClrLst/>
+    <dgm:txFillClrLst meth="repeat">
+      <a:schemeClr val="lt1"/>
+    </dgm:txFillClrLst>
+    <dgm:txEffectClrLst/>
+  </dgm:styleLbl>
+  <dgm:styleLbl name="parChTrans2D2">
+    <dgm:fillClrLst meth="repeat">
+      <a:schemeClr val="accent1"/>
+    </dgm:fillClrLst>
+    <dgm:linClrLst meth="repeat">
+      <a:schemeClr val="accent1"/>
+    </dgm:linClrLst>
+    <dgm:effectClrLst/>
+    <dgm:txLinClrLst/>
+    <dgm:txFillClrLst meth="repeat">
+      <a:schemeClr val="lt1"/>
+    </dgm:txFillClrLst>
+    <dgm:txEffectClrLst/>
+  </dgm:styleLbl>
+  <dgm:styleLbl name="parChTrans2D3">
+    <dgm:fillClrLst meth="repeat">
+      <a:schemeClr val="accent1"/>
+    </dgm:fillClrLst>
+    <dgm:linClrLst meth="repeat">
+      <a:schemeClr val="accent1"/>
+    </dgm:linClrLst>
+    <dgm:effectClrLst/>
+    <dgm:txLinClrLst/>
+    <dgm:txFillClrLst meth="repeat">
+      <a:schemeClr val="lt1"/>
+    </dgm:txFillClrLst>
+    <dgm:txEffectClrLst/>
+  </dgm:styleLbl>
+  <dgm:styleLbl name="parChTrans2D4">
+    <dgm:fillClrLst meth="repeat">
+      <a:schemeClr val="accent1"/>
+    </dgm:fillClrLst>
+    <dgm:linClrLst meth="repeat">
+      <a:schemeClr val="accent1"/>
+    </dgm:linClrLst>
+    <dgm:effectClrLst/>
+    <dgm:txLinClrLst/>
+    <dgm:txFillClrLst meth="repeat">
+      <a:schemeClr val="lt1"/>
+    </dgm:txFillClrLst>
+    <dgm:txEffectClrLst/>
+  </dgm:styleLbl>
+  <dgm:styleLbl name="parChTrans1D1">
+    <dgm:fillClrLst meth="repeat">
+      <a:schemeClr val="accent1"/>
+    </dgm:fillClrLst>
+    <dgm:linClrLst meth="repeat">
+      <a:schemeClr val="accent1">
+        <a:shade val="60000"/>
+      </a:schemeClr>
+    </dgm:linClrLst>
+    <dgm:effectClrLst/>
+    <dgm:txLinClrLst/>
+    <dgm:txFillClrLst meth="repeat">
+      <a:schemeClr val="tx1"/>
+    </dgm:txFillClrLst>
+    <dgm:txEffectClrLst/>
+  </dgm:styleLbl>
+  <dgm:styleLbl name="parChTrans1D2">
+    <dgm:fillClrLst meth="repeat">
+      <a:schemeClr val="accent1"/>
+    </dgm:fillClrLst>
+    <dgm:linClrLst meth="repeat">
+      <a:schemeClr val="accent1">
+        <a:shade val="60000"/>
+      </a:schemeClr>
+    </dgm:linClrLst>
+    <dgm:effectClrLst/>
+    <dgm:txLinClrLst/>
+    <dgm:txFillClrLst meth="repeat">
+      <a:schemeClr val="tx1"/>
+    </dgm:txFillClrLst>
+    <dgm:txEffectClrLst/>
+  </dgm:styleLbl>
+  <dgm:styleLbl name="parChTrans1D3">
+    <dgm:fillClrLst meth="repeat">
+      <a:schemeClr val="accent1"/>
+    </dgm:fillClrLst>
+    <dgm:linClrLst meth="repeat">
+      <a:schemeClr val="accent1">
+        <a:shade val="80000"/>
+      </a:schemeClr>
+    </dgm:linClrLst>
+    <dgm:effectClrLst/>
+    <dgm:txLinClrLst/>
+    <dgm:txFillClrLst meth="repeat">
+      <a:schemeClr val="tx1"/>
+    </dgm:txFillClrLst>
+    <dgm:txEffectClrLst/>
+  </dgm:styleLbl>
+  <dgm:styleLbl name="parChTrans1D4">
+    <dgm:fillClrLst meth="repeat">
+      <a:schemeClr val="accent1"/>
+    </dgm:fillClrLst>
+    <dgm:linClrLst meth="repeat">
+      <a:schemeClr val="accent1">
+        <a:shade val="80000"/>
+      </a:schemeClr>
+    </dgm:linClrLst>
+    <dgm:effectClrLst/>
+    <dgm:txLinClrLst/>
+    <dgm:txFillClrLst meth="repeat">
+      <a:schemeClr val="tx1"/>
+    </dgm:txFillClrLst>
+    <dgm:txEffectClrLst/>
+  </dgm:styleLbl>
+  <dgm:styleLbl name="fgAcc1">
+    <dgm:fillClrLst meth="repeat">
+      <a:schemeClr val="lt1">
+        <a:alpha val="90000"/>
+      </a:schemeClr>
+    </dgm:fillClrLst>
+    <dgm:linClrLst meth="repeat">
+      <a:schemeClr val="accent1"/>
+    </dgm:linClrLst>
+    <dgm:effectClrLst/>
+    <dgm:txLinClrLst/>
+    <dgm:txFillClrLst meth="repeat">
+      <a:schemeClr val="dk1"/>
+    </dgm:txFillClrLst>
+    <dgm:txEffectClrLst/>
+  </dgm:styleLbl>
+  <dgm:styleLbl name="conFgAcc1">
+    <dgm:fillClrLst meth="repeat">
+      <a:schemeClr val="lt1">
+        <a:alpha val="90000"/>
+      </a:schemeClr>
+    </dgm:fillClrLst>
+    <dgm:linClrLst meth="repeat">
+      <a:schemeClr val="accent1"/>
+    </dgm:linClrLst>
+    <dgm:effectClrLst/>
+    <dgm:txLinClrLst/>
+    <dgm:txFillClrLst meth="repeat">
+      <a:schemeClr val="dk1"/>
+    </dgm:txFillClrLst>
+    <dgm:txEffectClrLst/>
+  </dgm:styleLbl>
+  <dgm:styleLbl name="alignAcc1">
+    <dgm:fillClrLst meth="repeat">
+      <a:schemeClr val="lt1">
+        <a:alpha val="90000"/>
+      </a:schemeClr>
+    </dgm:fillClrLst>
+    <dgm:linClrLst meth="repeat">
+      <a:schemeClr val="accent1"/>
+    </dgm:linClrLst>
+    <dgm:effectClrLst/>
+    <dgm:txLinClrLst/>
+    <dgm:txFillClrLst meth="repeat">
+      <a:schemeClr val="dk1"/>
+    </dgm:txFillClrLst>
+    <dgm:txEffectClrLst/>
+  </dgm:styleLbl>
+  <dgm:styleLbl name="trAlignAcc1">
+    <dgm:fillClrLst meth="repeat">
+      <a:schemeClr val="lt1">
+        <a:alpha val="40000"/>
+      </a:schemeClr>
+    </dgm:fillClrLst>
+    <dgm:linClrLst meth="repeat">
+      <a:schemeClr val="accent1"/>
+    </dgm:linClrLst>
+    <dgm:effectClrLst/>
+    <dgm:txLinClrLst/>
+    <dgm:txFillClrLst meth="repeat">
+      <a:schemeClr val="dk1"/>
+    </dgm:txFillClrLst>
+    <dgm:txEffectClrLst/>
+  </dgm:styleLbl>
+  <dgm:styleLbl name="bgAcc1">
+    <dgm:fillClrLst meth="repeat">
+      <a:schemeClr val="lt1">
+        <a:alpha val="90000"/>
+      </a:schemeClr>
+    </dgm:fillClrLst>
+    <dgm:linClrLst meth="repeat">
+      <a:schemeClr val="accent1"/>
+    </dgm:linClrLst>
+    <dgm:effectClrLst/>
+    <dgm:txLinClrLst/>
+    <dgm:txFillClrLst meth="repeat">
+      <a:schemeClr val="dk1"/>
+    </dgm:txFillClrLst>
+    <dgm:txEffectClrLst/>
+  </dgm:styleLbl>
+  <dgm:styleLbl name="solidFgAcc1">
+    <dgm:fillClrLst meth="repeat">
+      <a:schemeClr val="lt1"/>
+    </dgm:fillClrLst>
+    <dgm:linClrLst meth="repeat">
+      <a:schemeClr val="accent1"/>
+    </dgm:linClrLst>
+    <dgm:effectClrLst/>
+    <dgm:txLinClrLst/>
+    <dgm:txFillClrLst meth="repeat">
+      <a:schemeClr val="dk1"/>
+    </dgm:txFillClrLst>
+    <dgm:txEffectClrLst/>
+  </dgm:styleLbl>
+  <dgm:styleLbl name="solidAlignAcc1">
+    <dgm:fillClrLst meth="repeat">
+      <a:schemeClr val="lt1"/>
+    </dgm:fillClrLst>
+    <dgm:linClrLst meth="repeat">
+      <a:schemeClr val="accent1"/>
+    </dgm:linClrLst>
+    <dgm:effectClrLst/>
+    <dgm:txLinClrLst/>
+    <dgm:txFillClrLst meth="repeat">
+      <a:schemeClr val="dk1"/>
+    </dgm:txFillClrLst>
+    <dgm:txEffectClrLst/>
+  </dgm:styleLbl>
+  <dgm:styleLbl name="solidBgAcc1">
+    <dgm:fillClrLst meth="repeat">
+      <a:schemeClr val="lt1"/>
+    </dgm:fillClrLst>
+    <dgm:linClrLst meth="repeat">
+      <a:schemeClr val="accent1"/>
+    </dgm:linClrLst>
+    <dgm:effectClrLst/>
+    <dgm:txLinClrLst/>
+    <dgm:txFillClrLst meth="repeat">
+      <a:schemeClr val="dk1"/>
+    </dgm:txFillClrLst>
+    <dgm:txEffectClrLst/>
+  </dgm:styleLbl>
+  <dgm:styleLbl name="fgAccFollowNode1">
+    <dgm:fillClrLst meth="repeat">
+      <a:schemeClr val="accent1">
+        <a:alpha val="90000"/>
+        <a:tint val="40000"/>
+      </a:schemeClr>
+    </dgm:fillClrLst>
+    <dgm:linClrLst meth="repeat">
+      <a:schemeClr val="accent1">
+        <a:alpha val="90000"/>
+        <a:tint val="40000"/>
+      </a:schemeClr>
+    </dgm:linClrLst>
+    <dgm:effectClrLst/>
+    <dgm:txLinClrLst/>
+    <dgm:txFillClrLst meth="repeat">
+      <a:schemeClr val="dk1"/>
+    </dgm:txFillClrLst>
+    <dgm:txEffectClrLst/>
+  </dgm:styleLbl>
+  <dgm:styleLbl name="alignAccFollowNode1">
+    <dgm:fillClrLst meth="repeat">
+      <a:schemeClr val="accent1">
+        <a:alpha val="90000"/>
+        <a:tint val="40000"/>
+      </a:schemeClr>
+    </dgm:fillClrLst>
+    <dgm:linClrLst meth="repeat">
+      <a:schemeClr val="accent1">
+        <a:alpha val="90000"/>
+        <a:tint val="40000"/>
+      </a:schemeClr>
+    </dgm:linClrLst>
+    <dgm:effectClrLst/>
+    <dgm:txLinClrLst/>
+    <dgm:txFillClrLst meth="repeat">
+      <a:schemeClr val="dk1"/>
+    </dgm:txFillClrLst>
+    <dgm:txEffectClrLst/>
+  </dgm:styleLbl>
+  <dgm:styleLbl name="bgAccFollowNode1">
+    <dgm:fillClrLst meth="repeat">
+      <a:schemeClr val="accent1">
+        <a:alpha val="90000"/>
+        <a:tint val="40000"/>
+      </a:schemeClr>
+    </dgm:fillClrLst>
+    <dgm:linClrLst meth="repeat">
+      <a:schemeClr val="accent1">
+        <a:alpha val="90000"/>
+        <a:tint val="40000"/>
+      </a:schemeClr>
+    </dgm:linClrLst>
+    <dgm:effectClrLst/>
+    <dgm:txLinClrLst/>
+    <dgm:txFillClrLst meth="repeat">
+      <a:schemeClr val="dk1"/>
+    </dgm:txFillClrLst>
+    <dgm:txEffectClrLst/>
+  </dgm:styleLbl>
+  <dgm:styleLbl name="fgAcc0">
+    <dgm:fillClrLst meth="repeat">
+      <a:schemeClr val="lt1">
+        <a:alpha val="90000"/>
+      </a:schemeClr>
+    </dgm:fillClrLst>
+    <dgm:linClrLst meth="repeat">
+      <a:schemeClr val="accent1"/>
+    </dgm:linClrLst>
+    <dgm:effectClrLst/>
+    <dgm:txLinClrLst/>
+    <dgm:txFillClrLst meth="repeat">
+      <a:schemeClr val="dk1"/>
+    </dgm:txFillClrLst>
+    <dgm:txEffectClrLst/>
+  </dgm:styleLbl>
+  <dgm:styleLbl name="fgAcc2">
+    <dgm:fillClrLst meth="repeat">
+      <a:schemeClr val="lt1">
+        <a:alpha val="90000"/>
+      </a:schemeClr>
+    </dgm:fillClrLst>
+    <dgm:linClrLst meth="repeat">
+      <a:schemeClr val="accent1"/>
+    </dgm:linClrLst>
+    <dgm:effectClrLst/>
+    <dgm:txLinClrLst/>
+    <dgm:txFillClrLst meth="repeat">
+      <a:schemeClr val="dk1"/>
+    </dgm:txFillClrLst>
+    <dgm:txEffectClrLst/>
+  </dgm:styleLbl>
+  <dgm:styleLbl name="fgAcc3">
+    <dgm:fillClrLst meth="repeat">
+      <a:schemeClr val="lt1">
+        <a:alpha val="90000"/>
+      </a:schemeClr>
+    </dgm:fillClrLst>
+    <dgm:linClrLst meth="repeat">
+      <a:schemeClr val="accent1"/>
+    </dgm:linClrLst>
+    <dgm:effectClrLst/>
+    <dgm:txLinClrLst/>
+    <dgm:txFillClrLst meth="repeat">
+      <a:schemeClr val="dk1"/>
+    </dgm:txFillClrLst>
+    <dgm:txEffectClrLst/>
+  </dgm:styleLbl>
+  <dgm:styleLbl name="fgAcc4">
+    <dgm:fillClrLst meth="repeat">
+      <a:schemeClr val="lt1">
+        <a:alpha val="90000"/>
+      </a:schemeClr>
+    </dgm:fillClrLst>
+    <dgm:linClrLst meth="repeat">
+      <a:schemeClr val="accent1"/>
+    </dgm:linClrLst>
+    <dgm:effectClrLst/>
+    <dgm:txLinClrLst/>
+    <dgm:txFillClrLst meth="repeat">
+      <a:schemeClr val="dk1"/>
+    </dgm:txFillClrLst>
+    <dgm:txEffectClrLst/>
+  </dgm:styleLbl>
+  <dgm:styleLbl name="bgShp">
+    <dgm:fillClrLst meth="repeat">
+      <a:schemeClr val="accent1">
+        <a:tint val="40000"/>
+      </a:schemeClr>
+    </dgm:fillClrLst>
+    <dgm:linClrLst meth="repeat">
+      <a:schemeClr val="accent1"/>
+    </dgm:linClrLst>
+    <dgm:effectClrLst/>
+    <dgm:txLinClrLst/>
+    <dgm:txFillClrLst meth="repeat">
+      <a:schemeClr val="dk1"/>
+    </dgm:txFillClrLst>
+    <dgm:txEffectClrLst/>
+  </dgm:styleLbl>
+  <dgm:styleLbl name="dkBgShp">
+    <dgm:fillClrLst meth="repeat">
+      <a:schemeClr val="accent1">
+        <a:shade val="80000"/>
+      </a:schemeClr>
+    </dgm:fillClrLst>
+    <dgm:linClrLst meth="repeat">
+      <a:schemeClr val="accent1"/>
+    </dgm:linClrLst>
+    <dgm:effectClrLst/>
+    <dgm:txLinClrLst/>
+    <dgm:txFillClrLst meth="repeat">
+      <a:schemeClr val="lt1"/>
+    </dgm:txFillClrLst>
+    <dgm:txEffectClrLst/>
+  </dgm:styleLbl>
+  <dgm:styleLbl name="trBgShp">
+    <dgm:fillClrLst meth="repeat">
+      <a:schemeClr val="accent1">
+        <a:tint val="50000"/>
+        <a:alpha val="40000"/>
+      </a:schemeClr>
+    </dgm:fillClrLst>
+    <dgm:linClrLst meth="repeat">
+      <a:schemeClr val="accent1"/>
+    </dgm:linClrLst>
+    <dgm:effectClrLst/>
+    <dgm:txLinClrLst/>
+    <dgm:txFillClrLst meth="repeat">
+      <a:schemeClr val="lt1"/>
+    </dgm:txFillClrLst>
+    <dgm:txEffectClrLst/>
+  </dgm:styleLbl>
+  <dgm:styleLbl name="fgShp">
+    <dgm:fillClrLst meth="repeat">
+      <a:schemeClr val="accent1">
+        <a:tint val="60000"/>
+      </a:schemeClr>
+    </dgm:fillClrLst>
+    <dgm:linClrLst meth="repeat">
+      <a:schemeClr val="lt1"/>
+    </dgm:linClrLst>
+    <dgm:effectClrLst/>
+    <dgm:txLinClrLst/>
+    <dgm:txFillClrLst meth="repeat">
+      <a:schemeClr val="dk1"/>
+    </dgm:txFillClrLst>
+    <dgm:txEffectClrLst/>
+  </dgm:styleLbl>
+  <dgm:styleLbl name="revTx">
+    <dgm:fillClrLst meth="repeat">
+      <a:schemeClr val="lt1">
+        <a:alpha val="0"/>
+      </a:schemeClr>
+    </dgm:fillClrLst>
+    <dgm:linClrLst meth="repeat">
+      <a:schemeClr val="dk1">
+        <a:alpha val="0"/>
+      </a:schemeClr>
+    </dgm:linClrLst>
+    <dgm:effectClrLst/>
+    <dgm:txLinClrLst/>
+    <dgm:txFillClrLst meth="repeat">
+      <a:schemeClr val="tx1"/>
+    </dgm:txFillClrLst>
+    <dgm:txEffectClrLst/>
+  </dgm:styleLbl>
+</dgm:colorsDef>
+</file>
+
+<file path=ppt/diagrams/data1.xml><?xml version="1.0" encoding="utf-8"?>
+<dgm:dataModel xmlns:dgm="http://schemas.openxmlformats.org/drawingml/2006/diagram" xmlns:a="http://schemas.openxmlformats.org/drawingml/2006/main">
+  <dgm:ptLst>
+    <dgm:pt modelId="{6BC1DDFF-D5C9-4DBE-B59C-9EE92C511967}" type="doc">
+      <dgm:prSet loTypeId="urn:microsoft.com/office/officeart/2005/8/layout/rings+Icon" loCatId="officeonline" qsTypeId="urn:microsoft.com/office/officeart/2005/8/quickstyle/simple1" qsCatId="simple" csTypeId="urn:microsoft.com/office/officeart/2005/8/colors/accent1_2" csCatId="accent1" phldr="1"/>
+      <dgm:spPr/>
+    </dgm:pt>
+    <dgm:pt modelId="{DDEE6C9E-0B4D-4B43-8FF7-C5CC3F0C1AB6}">
+      <dgm:prSet phldrT="[Text]"/>
+      <dgm:spPr>
+        <a:solidFill>
+          <a:srgbClr val="00B0F0">
+            <a:alpha val="50000"/>
+          </a:srgbClr>
+        </a:solidFill>
+      </dgm:spPr>
+      <dgm:t>
+        <a:bodyPr/>
+        <a:lstStyle/>
+        <a:p>
+          <a:r>
+            <a:rPr lang="en-IE" b="1" dirty="0" smtClean="0"/>
+            <a:t>Learning</a:t>
+          </a:r>
+          <a:endParaRPr lang="en-IE" b="1" dirty="0"/>
+        </a:p>
+      </dgm:t>
+    </dgm:pt>
+    <dgm:pt modelId="{89E2FB44-4633-48AD-8BE4-07875574BC22}" type="parTrans" cxnId="{62537C63-F2F9-4C51-99BA-5A4E45D110C1}">
+      <dgm:prSet/>
+      <dgm:spPr/>
+      <dgm:t>
+        <a:bodyPr/>
+        <a:lstStyle/>
+        <a:p>
+          <a:endParaRPr lang="en-IE"/>
+        </a:p>
+      </dgm:t>
+    </dgm:pt>
+    <dgm:pt modelId="{B78F863E-FD2D-4609-A39A-B1332C75E8BE}" type="sibTrans" cxnId="{62537C63-F2F9-4C51-99BA-5A4E45D110C1}">
+      <dgm:prSet/>
+      <dgm:spPr/>
+      <dgm:t>
+        <a:bodyPr/>
+        <a:lstStyle/>
+        <a:p>
+          <a:endParaRPr lang="en-IE"/>
+        </a:p>
+      </dgm:t>
+    </dgm:pt>
+    <dgm:pt modelId="{6B65ABCD-FCF9-4AD9-A0ED-61852D6C4506}">
+      <dgm:prSet phldrT="[Text]"/>
+      <dgm:spPr>
+        <a:solidFill>
+          <a:srgbClr val="FFC000">
+            <a:alpha val="51000"/>
+          </a:srgbClr>
+        </a:solidFill>
+      </dgm:spPr>
+      <dgm:t>
+        <a:bodyPr/>
+        <a:lstStyle/>
+        <a:p>
+          <a:r>
+            <a:rPr lang="en-IE" b="1" dirty="0" smtClean="0"/>
+            <a:t>Fun</a:t>
+          </a:r>
+          <a:endParaRPr lang="en-IE" b="1" dirty="0"/>
+        </a:p>
+      </dgm:t>
+    </dgm:pt>
+    <dgm:pt modelId="{078F02BE-3D9D-4317-AF33-A9D775D06278}" type="parTrans" cxnId="{26CEBB7B-3CDC-4839-A0F5-B2D89C09859F}">
+      <dgm:prSet/>
+      <dgm:spPr/>
+      <dgm:t>
+        <a:bodyPr/>
+        <a:lstStyle/>
+        <a:p>
+          <a:endParaRPr lang="en-IE"/>
+        </a:p>
+      </dgm:t>
+    </dgm:pt>
+    <dgm:pt modelId="{254CDEC8-45A9-4F89-A977-44564B8F4101}" type="sibTrans" cxnId="{26CEBB7B-3CDC-4839-A0F5-B2D89C09859F}">
+      <dgm:prSet/>
+      <dgm:spPr/>
+      <dgm:t>
+        <a:bodyPr/>
+        <a:lstStyle/>
+        <a:p>
+          <a:endParaRPr lang="en-IE"/>
+        </a:p>
+      </dgm:t>
+    </dgm:pt>
+    <dgm:pt modelId="{6EEB0151-879E-4CA3-B763-48AB666C520E}">
+      <dgm:prSet phldrT="[Text]"/>
+      <dgm:spPr>
+        <a:solidFill>
+          <a:srgbClr val="00B050">
+            <a:alpha val="49000"/>
+          </a:srgbClr>
+        </a:solidFill>
+      </dgm:spPr>
+      <dgm:t>
+        <a:bodyPr/>
+        <a:lstStyle/>
+        <a:p>
+          <a:r>
+            <a:rPr lang="en-IE" b="1" dirty="0" smtClean="0"/>
+            <a:t>Interaction</a:t>
+          </a:r>
+          <a:endParaRPr lang="en-IE" b="1" dirty="0"/>
+        </a:p>
+      </dgm:t>
+    </dgm:pt>
+    <dgm:pt modelId="{EADF1115-53C4-4201-ABB1-D74CFB614EFA}" type="parTrans" cxnId="{BC98986D-7D14-4DC7-86E8-4896B6D0BE1F}">
+      <dgm:prSet/>
+      <dgm:spPr/>
+      <dgm:t>
+        <a:bodyPr/>
+        <a:lstStyle/>
+        <a:p>
+          <a:endParaRPr lang="en-IE"/>
+        </a:p>
+      </dgm:t>
+    </dgm:pt>
+    <dgm:pt modelId="{2013DE1E-0EAB-4E09-A8B1-CEFAE2FAEB7F}" type="sibTrans" cxnId="{BC98986D-7D14-4DC7-86E8-4896B6D0BE1F}">
+      <dgm:prSet/>
+      <dgm:spPr/>
+      <dgm:t>
+        <a:bodyPr/>
+        <a:lstStyle/>
+        <a:p>
+          <a:endParaRPr lang="en-IE"/>
+        </a:p>
+      </dgm:t>
+    </dgm:pt>
+    <dgm:pt modelId="{1D0294FA-5F1B-4F53-AE38-CFCC18400E68}" type="pres">
+      <dgm:prSet presAssocID="{6BC1DDFF-D5C9-4DBE-B59C-9EE92C511967}" presName="Name0" presStyleCnt="0">
+        <dgm:presLayoutVars>
+          <dgm:chMax val="7"/>
+          <dgm:dir/>
+          <dgm:resizeHandles val="exact"/>
+        </dgm:presLayoutVars>
+      </dgm:prSet>
+      <dgm:spPr/>
+    </dgm:pt>
+    <dgm:pt modelId="{D5030842-6569-4BDE-ABE0-C1E4E0180ED5}" type="pres">
+      <dgm:prSet presAssocID="{6BC1DDFF-D5C9-4DBE-B59C-9EE92C511967}" presName="ellipse1" presStyleLbl="vennNode1" presStyleIdx="0" presStyleCnt="3">
+        <dgm:presLayoutVars>
+          <dgm:bulletEnabled val="1"/>
+        </dgm:presLayoutVars>
+      </dgm:prSet>
+      <dgm:spPr/>
+    </dgm:pt>
+    <dgm:pt modelId="{BA4258BA-5BE7-4A86-BC6C-C8F6690C49F7}" type="pres">
+      <dgm:prSet presAssocID="{6BC1DDFF-D5C9-4DBE-B59C-9EE92C511967}" presName="ellipse2" presStyleLbl="vennNode1" presStyleIdx="1" presStyleCnt="3">
+        <dgm:presLayoutVars>
+          <dgm:bulletEnabled val="1"/>
+        </dgm:presLayoutVars>
+      </dgm:prSet>
+      <dgm:spPr/>
+    </dgm:pt>
+    <dgm:pt modelId="{0F0574EE-73F3-465C-9C28-B010E5DAA0D4}" type="pres">
+      <dgm:prSet presAssocID="{6BC1DDFF-D5C9-4DBE-B59C-9EE92C511967}" presName="ellipse3" presStyleLbl="vennNode1" presStyleIdx="2" presStyleCnt="3">
+        <dgm:presLayoutVars>
+          <dgm:bulletEnabled val="1"/>
+        </dgm:presLayoutVars>
+      </dgm:prSet>
+      <dgm:spPr/>
+    </dgm:pt>
+  </dgm:ptLst>
+  <dgm:cxnLst>
+    <dgm:cxn modelId="{9A9C445F-B946-45FA-A95C-E17EEEA76F9A}" type="presOf" srcId="{DDEE6C9E-0B4D-4B43-8FF7-C5CC3F0C1AB6}" destId="{D5030842-6569-4BDE-ABE0-C1E4E0180ED5}" srcOrd="0" destOrd="0" presId="urn:microsoft.com/office/officeart/2005/8/layout/rings+Icon"/>
+    <dgm:cxn modelId="{83B419EB-8C5B-4B8C-8E79-A73D1FEE8127}" type="presOf" srcId="{6EEB0151-879E-4CA3-B763-48AB666C520E}" destId="{0F0574EE-73F3-465C-9C28-B010E5DAA0D4}" srcOrd="0" destOrd="0" presId="urn:microsoft.com/office/officeart/2005/8/layout/rings+Icon"/>
+    <dgm:cxn modelId="{942D08EA-FC95-490F-85CB-63BB8F9949F1}" type="presOf" srcId="{6B65ABCD-FCF9-4AD9-A0ED-61852D6C4506}" destId="{BA4258BA-5BE7-4A86-BC6C-C8F6690C49F7}" srcOrd="0" destOrd="0" presId="urn:microsoft.com/office/officeart/2005/8/layout/rings+Icon"/>
+    <dgm:cxn modelId="{1F379D2F-2ED4-4225-8837-F805018547B2}" type="presOf" srcId="{6BC1DDFF-D5C9-4DBE-B59C-9EE92C511967}" destId="{1D0294FA-5F1B-4F53-AE38-CFCC18400E68}" srcOrd="0" destOrd="0" presId="urn:microsoft.com/office/officeart/2005/8/layout/rings+Icon"/>
+    <dgm:cxn modelId="{62537C63-F2F9-4C51-99BA-5A4E45D110C1}" srcId="{6BC1DDFF-D5C9-4DBE-B59C-9EE92C511967}" destId="{DDEE6C9E-0B4D-4B43-8FF7-C5CC3F0C1AB6}" srcOrd="0" destOrd="0" parTransId="{89E2FB44-4633-48AD-8BE4-07875574BC22}" sibTransId="{B78F863E-FD2D-4609-A39A-B1332C75E8BE}"/>
+    <dgm:cxn modelId="{BC98986D-7D14-4DC7-86E8-4896B6D0BE1F}" srcId="{6BC1DDFF-D5C9-4DBE-B59C-9EE92C511967}" destId="{6EEB0151-879E-4CA3-B763-48AB666C520E}" srcOrd="2" destOrd="0" parTransId="{EADF1115-53C4-4201-ABB1-D74CFB614EFA}" sibTransId="{2013DE1E-0EAB-4E09-A8B1-CEFAE2FAEB7F}"/>
+    <dgm:cxn modelId="{26CEBB7B-3CDC-4839-A0F5-B2D89C09859F}" srcId="{6BC1DDFF-D5C9-4DBE-B59C-9EE92C511967}" destId="{6B65ABCD-FCF9-4AD9-A0ED-61852D6C4506}" srcOrd="1" destOrd="0" parTransId="{078F02BE-3D9D-4317-AF33-A9D775D06278}" sibTransId="{254CDEC8-45A9-4F89-A977-44564B8F4101}"/>
+    <dgm:cxn modelId="{B1A25F5A-D135-443E-8D4E-9D12E25AD8F3}" type="presParOf" srcId="{1D0294FA-5F1B-4F53-AE38-CFCC18400E68}" destId="{D5030842-6569-4BDE-ABE0-C1E4E0180ED5}" srcOrd="0" destOrd="0" presId="urn:microsoft.com/office/officeart/2005/8/layout/rings+Icon"/>
+    <dgm:cxn modelId="{031439B0-3E5C-4F06-A968-3373AE6E227F}" type="presParOf" srcId="{1D0294FA-5F1B-4F53-AE38-CFCC18400E68}" destId="{BA4258BA-5BE7-4A86-BC6C-C8F6690C49F7}" srcOrd="1" destOrd="0" presId="urn:microsoft.com/office/officeart/2005/8/layout/rings+Icon"/>
+    <dgm:cxn modelId="{75B1F18D-D915-4430-88B7-440FE61A1A40}" type="presParOf" srcId="{1D0294FA-5F1B-4F53-AE38-CFCC18400E68}" destId="{0F0574EE-73F3-465C-9C28-B010E5DAA0D4}" srcOrd="2" destOrd="0" presId="urn:microsoft.com/office/officeart/2005/8/layout/rings+Icon"/>
+  </dgm:cxnLst>
+  <dgm:bg/>
+  <dgm:whole/>
+  <dgm:extLst>
+    <a:ext uri="http://schemas.microsoft.com/office/drawing/2008/diagram">
+      <dsp:dataModelExt xmlns:dsp="http://schemas.microsoft.com/office/drawing/2008/diagram" relId="rId6" minVer="http://schemas.openxmlformats.org/drawingml/2006/diagram"/>
+    </a:ext>
+  </dgm:extLst>
+</dgm:dataModel>
+</file>
+
+<file path=ppt/diagrams/data2.xml><?xml version="1.0" encoding="utf-8"?>
+<dgm:dataModel xmlns:dgm="http://schemas.openxmlformats.org/drawingml/2006/diagram" xmlns:a="http://schemas.openxmlformats.org/drawingml/2006/main">
+  <dgm:ptLst>
+    <dgm:pt modelId="{0455E02B-EBF5-460C-B55F-FFBC41805113}" type="doc">
+      <dgm:prSet loTypeId="urn:microsoft.com/office/officeart/2008/layout/HorizontalMultiLevelHierarchy" loCatId="hierarchy" qsTypeId="urn:microsoft.com/office/officeart/2005/8/quickstyle/simple1" qsCatId="simple" csTypeId="urn:microsoft.com/office/officeart/2005/8/colors/accent1_2" csCatId="accent1" phldr="1"/>
+      <dgm:spPr/>
+      <dgm:t>
+        <a:bodyPr/>
+        <a:lstStyle/>
+        <a:p>
+          <a:endParaRPr lang="en-IE"/>
+        </a:p>
+      </dgm:t>
+    </dgm:pt>
+    <dgm:pt modelId="{D2EE87A1-EBCD-44FE-B185-F2A7981E28D4}">
+      <dgm:prSet phldrT="[Text]"/>
+      <dgm:spPr>
+        <a:solidFill>
+          <a:schemeClr val="tx1">
+            <a:lumMod val="50000"/>
+            <a:lumOff val="50000"/>
+          </a:schemeClr>
+        </a:solidFill>
+      </dgm:spPr>
+      <dgm:t>
+        <a:bodyPr/>
+        <a:lstStyle/>
+        <a:p>
+          <a:r>
+            <a:rPr lang="en-IE" dirty="0" smtClean="0"/>
+            <a:t>MCU</a:t>
+          </a:r>
+          <a:endParaRPr lang="en-IE" dirty="0"/>
+        </a:p>
+      </dgm:t>
+    </dgm:pt>
+    <dgm:pt modelId="{2EFD7B5F-8592-4DB8-AE9B-4A84649143C1}" type="parTrans" cxnId="{0155A910-AC36-4541-85BA-9EEAA3DE00F0}">
+      <dgm:prSet/>
+      <dgm:spPr/>
+      <dgm:t>
+        <a:bodyPr/>
+        <a:lstStyle/>
+        <a:p>
+          <a:endParaRPr lang="en-IE"/>
+        </a:p>
+      </dgm:t>
+    </dgm:pt>
+    <dgm:pt modelId="{AB4A511C-004F-4DA4-9225-D9D184A89D16}" type="sibTrans" cxnId="{0155A910-AC36-4541-85BA-9EEAA3DE00F0}">
+      <dgm:prSet/>
+      <dgm:spPr/>
+      <dgm:t>
+        <a:bodyPr/>
+        <a:lstStyle/>
+        <a:p>
+          <a:endParaRPr lang="en-IE"/>
+        </a:p>
+      </dgm:t>
+    </dgm:pt>
+    <dgm:pt modelId="{5D0FD195-5968-4C4A-B554-62706A4BCDD1}">
+      <dgm:prSet phldrT="[Text]"/>
+      <dgm:spPr>
+        <a:solidFill>
+          <a:schemeClr val="accent3"/>
+        </a:solidFill>
+      </dgm:spPr>
+      <dgm:t>
+        <a:bodyPr/>
+        <a:lstStyle/>
+        <a:p>
+          <a:r>
+            <a:rPr lang="en-IE" dirty="0" smtClean="0"/>
+            <a:t>Sensors</a:t>
+          </a:r>
+          <a:endParaRPr lang="en-IE" dirty="0"/>
+        </a:p>
+      </dgm:t>
+    </dgm:pt>
+    <dgm:pt modelId="{7144A442-154D-420E-BB82-F337902F2D7A}" type="parTrans" cxnId="{630D485F-D3A6-499A-955A-A6DD2FC01625}">
+      <dgm:prSet/>
+      <dgm:spPr>
+        <a:solidFill>
+          <a:schemeClr val="accent3"/>
+        </a:solidFill>
+        <a:ln>
+          <a:solidFill>
+            <a:schemeClr val="accent3"/>
+          </a:solidFill>
+        </a:ln>
+      </dgm:spPr>
+      <dgm:t>
+        <a:bodyPr/>
+        <a:lstStyle/>
+        <a:p>
+          <a:endParaRPr lang="en-IE"/>
+        </a:p>
+      </dgm:t>
+    </dgm:pt>
+    <dgm:pt modelId="{8A95E905-2483-4659-B88C-7F40DC2143B4}" type="sibTrans" cxnId="{630D485F-D3A6-499A-955A-A6DD2FC01625}">
+      <dgm:prSet/>
+      <dgm:spPr/>
+      <dgm:t>
+        <a:bodyPr/>
+        <a:lstStyle/>
+        <a:p>
+          <a:endParaRPr lang="en-IE"/>
+        </a:p>
+      </dgm:t>
+    </dgm:pt>
+    <dgm:pt modelId="{41E186BF-4FB9-47EE-9E15-E7ABD1FC1EC4}">
+      <dgm:prSet phldrT="[Text]"/>
+      <dgm:spPr>
+        <a:solidFill>
+          <a:schemeClr val="accent2"/>
+        </a:solidFill>
+        <a:ln>
+          <a:solidFill>
+            <a:schemeClr val="accent2"/>
+          </a:solidFill>
+        </a:ln>
+      </dgm:spPr>
+      <dgm:t>
+        <a:bodyPr/>
+        <a:lstStyle/>
+        <a:p>
+          <a:r>
+            <a:rPr lang="en-IE" dirty="0" smtClean="0"/>
+            <a:t>Infrared</a:t>
+          </a:r>
+          <a:endParaRPr lang="en-IE" dirty="0"/>
+        </a:p>
+      </dgm:t>
+    </dgm:pt>
+    <dgm:pt modelId="{C35F2300-35E6-4AE1-9646-0CCF8B701558}" type="parTrans" cxnId="{EA6F24D0-0A24-4BE4-8334-2135D0D28273}">
+      <dgm:prSet/>
+      <dgm:spPr>
+        <a:solidFill>
+          <a:schemeClr val="accent2"/>
+        </a:solidFill>
+        <a:ln>
+          <a:solidFill>
+            <a:schemeClr val="accent2"/>
+          </a:solidFill>
+        </a:ln>
+      </dgm:spPr>
+      <dgm:t>
+        <a:bodyPr/>
+        <a:lstStyle/>
+        <a:p>
+          <a:endParaRPr lang="en-IE"/>
+        </a:p>
+      </dgm:t>
+    </dgm:pt>
+    <dgm:pt modelId="{7A408880-DBF6-48C2-B99E-D8A8266F85F3}" type="sibTrans" cxnId="{EA6F24D0-0A24-4BE4-8334-2135D0D28273}">
+      <dgm:prSet/>
+      <dgm:spPr/>
+      <dgm:t>
+        <a:bodyPr/>
+        <a:lstStyle/>
+        <a:p>
+          <a:endParaRPr lang="en-IE"/>
+        </a:p>
+      </dgm:t>
+    </dgm:pt>
+    <dgm:pt modelId="{50DF5907-A0D5-462C-B44A-145F83B06C07}">
+      <dgm:prSet phldrT="[Text]"/>
+      <dgm:spPr/>
+      <dgm:t>
+        <a:bodyPr/>
+        <a:lstStyle/>
+        <a:p>
+          <a:r>
+            <a:rPr lang="en-IE" dirty="0" smtClean="0"/>
+            <a:t>RF Motes</a:t>
+          </a:r>
+          <a:endParaRPr lang="en-IE" dirty="0"/>
+        </a:p>
+      </dgm:t>
+    </dgm:pt>
+    <dgm:pt modelId="{D690B1AE-83B4-4245-B5F8-2EE03637F3F6}" type="parTrans" cxnId="{BC00AF4C-950F-4B1A-8848-A6E56D262CC1}">
+      <dgm:prSet/>
+      <dgm:spPr/>
+      <dgm:t>
+        <a:bodyPr/>
+        <a:lstStyle/>
+        <a:p>
+          <a:endParaRPr lang="en-IE"/>
+        </a:p>
+      </dgm:t>
+    </dgm:pt>
+    <dgm:pt modelId="{CC7F00F2-36F2-4BFA-A548-563B20B93869}" type="sibTrans" cxnId="{BC00AF4C-950F-4B1A-8848-A6E56D262CC1}">
+      <dgm:prSet/>
+      <dgm:spPr/>
+      <dgm:t>
+        <a:bodyPr/>
+        <a:lstStyle/>
+        <a:p>
+          <a:endParaRPr lang="en-IE"/>
+        </a:p>
+      </dgm:t>
+    </dgm:pt>
+    <dgm:pt modelId="{24F0C4F9-54A2-4493-BC9F-F8795199AE94}">
+      <dgm:prSet phldrT="[Text]"/>
+      <dgm:spPr>
+        <a:solidFill>
+          <a:schemeClr val="accent3"/>
+        </a:solidFill>
+      </dgm:spPr>
+      <dgm:t>
+        <a:bodyPr/>
+        <a:lstStyle/>
+        <a:p>
+          <a:r>
+            <a:rPr lang="en-IE" dirty="0" smtClean="0"/>
+            <a:t>Contact</a:t>
+          </a:r>
+          <a:endParaRPr lang="en-IE" dirty="0"/>
+        </a:p>
+      </dgm:t>
+    </dgm:pt>
+    <dgm:pt modelId="{27FCE33F-4A01-4210-987F-079170A77AD6}" type="parTrans" cxnId="{9DE4557E-2224-4E1B-85B1-8E35C59422FA}">
+      <dgm:prSet/>
+      <dgm:spPr>
+        <a:solidFill>
+          <a:schemeClr val="accent3"/>
+        </a:solidFill>
+        <a:ln>
+          <a:solidFill>
+            <a:schemeClr val="accent3"/>
+          </a:solidFill>
+        </a:ln>
+      </dgm:spPr>
+      <dgm:t>
+        <a:bodyPr/>
+        <a:lstStyle/>
+        <a:p>
+          <a:endParaRPr lang="en-IE"/>
+        </a:p>
+      </dgm:t>
+    </dgm:pt>
+    <dgm:pt modelId="{B7DC7A9D-0955-4569-BE53-B5007EBEC336}" type="sibTrans" cxnId="{9DE4557E-2224-4E1B-85B1-8E35C59422FA}">
+      <dgm:prSet/>
+      <dgm:spPr/>
+      <dgm:t>
+        <a:bodyPr/>
+        <a:lstStyle/>
+        <a:p>
+          <a:endParaRPr lang="en-IE"/>
+        </a:p>
+      </dgm:t>
+    </dgm:pt>
+    <dgm:pt modelId="{4FB75DF1-01AB-4A9B-96E0-79BC0A50E3A1}">
+      <dgm:prSet phldrT="[Text]"/>
+      <dgm:spPr>
+        <a:solidFill>
+          <a:schemeClr val="accent3"/>
+        </a:solidFill>
+      </dgm:spPr>
+      <dgm:t>
+        <a:bodyPr/>
+        <a:lstStyle/>
+        <a:p>
+          <a:r>
+            <a:rPr lang="en-IE" dirty="0" smtClean="0"/>
+            <a:t>Atmosphere</a:t>
+          </a:r>
+          <a:endParaRPr lang="en-IE" dirty="0"/>
+        </a:p>
+      </dgm:t>
+    </dgm:pt>
+    <dgm:pt modelId="{34E3424E-2BC5-4523-BEDB-B7AC770FD9F4}" type="parTrans" cxnId="{01A0F67C-CA4F-4D86-81DE-4D8F9B69428F}">
+      <dgm:prSet/>
+      <dgm:spPr>
+        <a:ln>
+          <a:solidFill>
+            <a:schemeClr val="accent3"/>
+          </a:solidFill>
+        </a:ln>
+      </dgm:spPr>
+      <dgm:t>
+        <a:bodyPr/>
+        <a:lstStyle/>
+        <a:p>
+          <a:endParaRPr lang="en-IE"/>
+        </a:p>
+      </dgm:t>
+    </dgm:pt>
+    <dgm:pt modelId="{2D898CC0-9B52-4139-8F2B-83FA8ABC4729}" type="sibTrans" cxnId="{01A0F67C-CA4F-4D86-81DE-4D8F9B69428F}">
+      <dgm:prSet/>
+      <dgm:spPr/>
+      <dgm:t>
+        <a:bodyPr/>
+        <a:lstStyle/>
+        <a:p>
+          <a:endParaRPr lang="en-IE"/>
+        </a:p>
+      </dgm:t>
+    </dgm:pt>
+    <dgm:pt modelId="{A2EBF9A0-3B9F-4B25-A1F2-8D4C1502329C}">
+      <dgm:prSet phldrT="[Text]"/>
+      <dgm:spPr>
+        <a:solidFill>
+          <a:schemeClr val="accent3"/>
+        </a:solidFill>
+      </dgm:spPr>
+      <dgm:t>
+        <a:bodyPr/>
+        <a:lstStyle/>
+        <a:p>
+          <a:r>
+            <a:rPr lang="en-IE" dirty="0" smtClean="0"/>
+            <a:t>Motion</a:t>
+          </a:r>
+          <a:endParaRPr lang="en-IE" dirty="0"/>
+        </a:p>
+      </dgm:t>
+    </dgm:pt>
+    <dgm:pt modelId="{BEB1B20A-EFEE-42D3-AA35-FDF58163B62C}" type="parTrans" cxnId="{946D2E87-430C-4A14-B8F7-4B8BD3AA7E58}">
+      <dgm:prSet/>
+      <dgm:spPr>
+        <a:solidFill>
+          <a:schemeClr val="accent3"/>
+        </a:solidFill>
+        <a:ln>
+          <a:solidFill>
+            <a:schemeClr val="accent3"/>
+          </a:solidFill>
+        </a:ln>
+      </dgm:spPr>
+      <dgm:t>
+        <a:bodyPr/>
+        <a:lstStyle/>
+        <a:p>
+          <a:endParaRPr lang="en-IE"/>
+        </a:p>
+      </dgm:t>
+    </dgm:pt>
+    <dgm:pt modelId="{EC94EE39-C616-4328-95F3-E66EA058991A}" type="sibTrans" cxnId="{946D2E87-430C-4A14-B8F7-4B8BD3AA7E58}">
+      <dgm:prSet/>
+      <dgm:spPr/>
+      <dgm:t>
+        <a:bodyPr/>
+        <a:lstStyle/>
+        <a:p>
+          <a:endParaRPr lang="en-IE"/>
+        </a:p>
+      </dgm:t>
+    </dgm:pt>
+    <dgm:pt modelId="{A035D778-7D3D-4D7D-8C1B-B1CA047D9A85}">
+      <dgm:prSet phldrT="[Text]"/>
+      <dgm:spPr>
+        <a:solidFill>
+          <a:schemeClr val="accent2"/>
+        </a:solidFill>
+        <a:ln>
+          <a:solidFill>
+            <a:schemeClr val="accent2"/>
+          </a:solidFill>
+        </a:ln>
+      </dgm:spPr>
+      <dgm:t>
+        <a:bodyPr/>
+        <a:lstStyle/>
+        <a:p>
+          <a:r>
+            <a:rPr lang="en-IE" dirty="0" smtClean="0"/>
+            <a:t>Send/Receive</a:t>
+          </a:r>
+          <a:endParaRPr lang="en-IE" dirty="0"/>
+        </a:p>
+      </dgm:t>
+    </dgm:pt>
+    <dgm:pt modelId="{92D03482-B078-459F-AD21-8CA91497C022}" type="parTrans" cxnId="{77D4D0BB-7F7D-4B0E-BBB1-E0111B045540}">
+      <dgm:prSet/>
+      <dgm:spPr>
+        <a:solidFill>
+          <a:schemeClr val="accent2"/>
+        </a:solidFill>
+        <a:ln>
+          <a:solidFill>
+            <a:schemeClr val="accent2"/>
+          </a:solidFill>
+        </a:ln>
+      </dgm:spPr>
+      <dgm:t>
+        <a:bodyPr/>
+        <a:lstStyle/>
+        <a:p>
+          <a:endParaRPr lang="en-IE"/>
+        </a:p>
+      </dgm:t>
+    </dgm:pt>
+    <dgm:pt modelId="{8239915A-F508-4C14-8644-77A9BE5C706C}" type="sibTrans" cxnId="{77D4D0BB-7F7D-4B0E-BBB1-E0111B045540}">
+      <dgm:prSet/>
+      <dgm:spPr/>
+      <dgm:t>
+        <a:bodyPr/>
+        <a:lstStyle/>
+        <a:p>
+          <a:endParaRPr lang="en-IE"/>
+        </a:p>
+      </dgm:t>
+    </dgm:pt>
+    <dgm:pt modelId="{F218E17F-11D2-4213-BD38-769DE6F5EE89}" type="pres">
+      <dgm:prSet presAssocID="{0455E02B-EBF5-460C-B55F-FFBC41805113}" presName="Name0" presStyleCnt="0">
+        <dgm:presLayoutVars>
+          <dgm:chPref val="1"/>
+          <dgm:dir/>
+          <dgm:animOne val="branch"/>
+          <dgm:animLvl val="lvl"/>
+          <dgm:resizeHandles val="exact"/>
+        </dgm:presLayoutVars>
+      </dgm:prSet>
+      <dgm:spPr/>
+    </dgm:pt>
+    <dgm:pt modelId="{A9604C9E-5421-4578-9E97-3FBD2F8FDF85}" type="pres">
+      <dgm:prSet presAssocID="{D2EE87A1-EBCD-44FE-B185-F2A7981E28D4}" presName="root1" presStyleCnt="0"/>
+      <dgm:spPr/>
+    </dgm:pt>
+    <dgm:pt modelId="{EB1D0A75-60C7-41BC-945E-416CC3129373}" type="pres">
+      <dgm:prSet presAssocID="{D2EE87A1-EBCD-44FE-B185-F2A7981E28D4}" presName="LevelOneTextNode" presStyleLbl="node0" presStyleIdx="0" presStyleCnt="1" custLinFactNeighborX="-45393" custLinFactNeighborY="-11276">
+        <dgm:presLayoutVars>
+          <dgm:chPref val="3"/>
+        </dgm:presLayoutVars>
+      </dgm:prSet>
+      <dgm:spPr/>
+      <dgm:t>
+        <a:bodyPr/>
+        <a:lstStyle/>
+        <a:p>
+          <a:endParaRPr lang="en-IE"/>
+        </a:p>
+      </dgm:t>
+    </dgm:pt>
+    <dgm:pt modelId="{423040F8-2BF5-47C2-AAEB-F54880F765B3}" type="pres">
+      <dgm:prSet presAssocID="{D2EE87A1-EBCD-44FE-B185-F2A7981E28D4}" presName="level2hierChild" presStyleCnt="0"/>
+      <dgm:spPr/>
+    </dgm:pt>
+    <dgm:pt modelId="{B67E08C2-EC45-49B7-853F-4C1D83138AC8}" type="pres">
+      <dgm:prSet presAssocID="{7144A442-154D-420E-BB82-F337902F2D7A}" presName="conn2-1" presStyleLbl="parChTrans1D2" presStyleIdx="0" presStyleCnt="3"/>
+      <dgm:spPr/>
+    </dgm:pt>
+    <dgm:pt modelId="{BB942C3E-E145-4314-99F5-0DC5E03D8184}" type="pres">
+      <dgm:prSet presAssocID="{7144A442-154D-420E-BB82-F337902F2D7A}" presName="connTx" presStyleLbl="parChTrans1D2" presStyleIdx="0" presStyleCnt="3"/>
+      <dgm:spPr/>
+    </dgm:pt>
+    <dgm:pt modelId="{8AA67462-2ECE-4904-8CDD-074ECECFD975}" type="pres">
+      <dgm:prSet presAssocID="{5D0FD195-5968-4C4A-B554-62706A4BCDD1}" presName="root2" presStyleCnt="0"/>
+      <dgm:spPr/>
+    </dgm:pt>
+    <dgm:pt modelId="{9D4550D1-9501-4344-B8BA-8A3AB9A987F7}" type="pres">
+      <dgm:prSet presAssocID="{5D0FD195-5968-4C4A-B554-62706A4BCDD1}" presName="LevelTwoTextNode" presStyleLbl="node2" presStyleIdx="0" presStyleCnt="3" custScaleX="112546" custScaleY="118719" custLinFactNeighborX="24958" custLinFactNeighborY="-54712">
+        <dgm:presLayoutVars>
+          <dgm:chPref val="3"/>
+        </dgm:presLayoutVars>
+      </dgm:prSet>
+      <dgm:spPr/>
+      <dgm:t>
+        <a:bodyPr/>
+        <a:lstStyle/>
+        <a:p>
+          <a:endParaRPr lang="en-IE"/>
+        </a:p>
+      </dgm:t>
+    </dgm:pt>
+    <dgm:pt modelId="{835888C2-4340-4618-A6F2-4F878FF5A6F6}" type="pres">
+      <dgm:prSet presAssocID="{5D0FD195-5968-4C4A-B554-62706A4BCDD1}" presName="level3hierChild" presStyleCnt="0"/>
+      <dgm:spPr/>
+    </dgm:pt>
+    <dgm:pt modelId="{76DFC18C-2EAC-4B8B-8208-989F77F4AF84}" type="pres">
+      <dgm:prSet presAssocID="{27FCE33F-4A01-4210-987F-079170A77AD6}" presName="conn2-1" presStyleLbl="parChTrans1D3" presStyleIdx="0" presStyleCnt="4"/>
+      <dgm:spPr/>
+    </dgm:pt>
+    <dgm:pt modelId="{1A63EA25-A3F4-4927-9BE6-8E6FCA2A7315}" type="pres">
+      <dgm:prSet presAssocID="{27FCE33F-4A01-4210-987F-079170A77AD6}" presName="connTx" presStyleLbl="parChTrans1D3" presStyleIdx="0" presStyleCnt="4"/>
+      <dgm:spPr/>
+    </dgm:pt>
+    <dgm:pt modelId="{50CAAE9E-46FC-4A71-89AC-7DA57840AC93}" type="pres">
+      <dgm:prSet presAssocID="{24F0C4F9-54A2-4493-BC9F-F8795199AE94}" presName="root2" presStyleCnt="0"/>
+      <dgm:spPr/>
+    </dgm:pt>
+    <dgm:pt modelId="{2523565B-AD8C-46AD-A2F4-B5B7AE0C56C5}" type="pres">
+      <dgm:prSet presAssocID="{24F0C4F9-54A2-4493-BC9F-F8795199AE94}" presName="LevelTwoTextNode" presStyleLbl="node3" presStyleIdx="0" presStyleCnt="4" custLinFactNeighborX="45983" custLinFactNeighborY="-23476">
+        <dgm:presLayoutVars>
+          <dgm:chPref val="3"/>
+        </dgm:presLayoutVars>
+      </dgm:prSet>
+      <dgm:spPr/>
+      <dgm:t>
+        <a:bodyPr/>
+        <a:lstStyle/>
+        <a:p>
+          <a:endParaRPr lang="en-IE"/>
+        </a:p>
+      </dgm:t>
+    </dgm:pt>
+    <dgm:pt modelId="{E1B4F916-8BF4-4FA8-A230-C3EA049CE15F}" type="pres">
+      <dgm:prSet presAssocID="{24F0C4F9-54A2-4493-BC9F-F8795199AE94}" presName="level3hierChild" presStyleCnt="0"/>
+      <dgm:spPr/>
+    </dgm:pt>
+    <dgm:pt modelId="{C0AA2116-4466-4013-B859-CF03DFB08E5A}" type="pres">
+      <dgm:prSet presAssocID="{34E3424E-2BC5-4523-BEDB-B7AC770FD9F4}" presName="conn2-1" presStyleLbl="parChTrans1D3" presStyleIdx="1" presStyleCnt="4"/>
+      <dgm:spPr/>
+    </dgm:pt>
+    <dgm:pt modelId="{3041A42D-1B7B-45B4-A746-146DE4FE35FD}" type="pres">
+      <dgm:prSet presAssocID="{34E3424E-2BC5-4523-BEDB-B7AC770FD9F4}" presName="connTx" presStyleLbl="parChTrans1D3" presStyleIdx="1" presStyleCnt="4"/>
+      <dgm:spPr/>
+    </dgm:pt>
+    <dgm:pt modelId="{F73A98BE-E5B3-4A05-8EBD-62755A68E74C}" type="pres">
+      <dgm:prSet presAssocID="{4FB75DF1-01AB-4A9B-96E0-79BC0A50E3A1}" presName="root2" presStyleCnt="0"/>
+      <dgm:spPr/>
+    </dgm:pt>
+    <dgm:pt modelId="{4C2D1797-6C79-4F81-B200-F5E4E2077112}" type="pres">
+      <dgm:prSet presAssocID="{4FB75DF1-01AB-4A9B-96E0-79BC0A50E3A1}" presName="LevelTwoTextNode" presStyleLbl="node3" presStyleIdx="1" presStyleCnt="4" custLinFactNeighborX="45983" custLinFactNeighborY="3809">
+        <dgm:presLayoutVars>
+          <dgm:chPref val="3"/>
+        </dgm:presLayoutVars>
+      </dgm:prSet>
+      <dgm:spPr/>
+      <dgm:t>
+        <a:bodyPr/>
+        <a:lstStyle/>
+        <a:p>
+          <a:endParaRPr lang="en-IE"/>
+        </a:p>
+      </dgm:t>
+    </dgm:pt>
+    <dgm:pt modelId="{580324FC-9A90-427C-A317-B13270B3859D}" type="pres">
+      <dgm:prSet presAssocID="{4FB75DF1-01AB-4A9B-96E0-79BC0A50E3A1}" presName="level3hierChild" presStyleCnt="0"/>
+      <dgm:spPr/>
+    </dgm:pt>
+    <dgm:pt modelId="{CF03AFE5-6820-4426-8916-FE5167BBD535}" type="pres">
+      <dgm:prSet presAssocID="{BEB1B20A-EFEE-42D3-AA35-FDF58163B62C}" presName="conn2-1" presStyleLbl="parChTrans1D3" presStyleIdx="2" presStyleCnt="4"/>
+      <dgm:spPr/>
+    </dgm:pt>
+    <dgm:pt modelId="{E6D2FFB7-872C-43D4-A5E6-7BA2FD05440A}" type="pres">
+      <dgm:prSet presAssocID="{BEB1B20A-EFEE-42D3-AA35-FDF58163B62C}" presName="connTx" presStyleLbl="parChTrans1D3" presStyleIdx="2" presStyleCnt="4"/>
+      <dgm:spPr/>
+    </dgm:pt>
+    <dgm:pt modelId="{D4DF6D0D-CFED-441C-90B3-81DC57AF1A56}" type="pres">
+      <dgm:prSet presAssocID="{A2EBF9A0-3B9F-4B25-A1F2-8D4C1502329C}" presName="root2" presStyleCnt="0"/>
+      <dgm:spPr/>
+    </dgm:pt>
+    <dgm:pt modelId="{C756D92D-E6C9-4CB9-B30E-AC2A31A13795}" type="pres">
+      <dgm:prSet presAssocID="{A2EBF9A0-3B9F-4B25-A1F2-8D4C1502329C}" presName="LevelTwoTextNode" presStyleLbl="node3" presStyleIdx="2" presStyleCnt="4" custLinFactNeighborX="45983" custLinFactNeighborY="7665">
+        <dgm:presLayoutVars>
+          <dgm:chPref val="3"/>
+        </dgm:presLayoutVars>
+      </dgm:prSet>
+      <dgm:spPr/>
+      <dgm:t>
+        <a:bodyPr/>
+        <a:lstStyle/>
+        <a:p>
+          <a:endParaRPr lang="en-IE"/>
+        </a:p>
+      </dgm:t>
+    </dgm:pt>
+    <dgm:pt modelId="{9311E826-E4DB-4477-9E05-9677B04DA295}" type="pres">
+      <dgm:prSet presAssocID="{A2EBF9A0-3B9F-4B25-A1F2-8D4C1502329C}" presName="level3hierChild" presStyleCnt="0"/>
+      <dgm:spPr/>
+    </dgm:pt>
+    <dgm:pt modelId="{7E0F9626-0874-4B18-95D5-615B83F48A4A}" type="pres">
+      <dgm:prSet presAssocID="{C35F2300-35E6-4AE1-9646-0CCF8B701558}" presName="conn2-1" presStyleLbl="parChTrans1D2" presStyleIdx="1" presStyleCnt="3"/>
+      <dgm:spPr/>
+    </dgm:pt>
+    <dgm:pt modelId="{2431160A-31F0-485C-9D41-DD7E2243D256}" type="pres">
+      <dgm:prSet presAssocID="{C35F2300-35E6-4AE1-9646-0CCF8B701558}" presName="connTx" presStyleLbl="parChTrans1D2" presStyleIdx="1" presStyleCnt="3"/>
+      <dgm:spPr/>
+    </dgm:pt>
+    <dgm:pt modelId="{63E3BAE3-E5D0-49F2-8A28-F31F39D52B5C}" type="pres">
+      <dgm:prSet presAssocID="{41E186BF-4FB9-47EE-9E15-E7ABD1FC1EC4}" presName="root2" presStyleCnt="0"/>
+      <dgm:spPr/>
+    </dgm:pt>
+    <dgm:pt modelId="{1775ECB7-D66C-42EB-B2AB-A489BD7EBCDB}" type="pres">
+      <dgm:prSet presAssocID="{41E186BF-4FB9-47EE-9E15-E7ABD1FC1EC4}" presName="LevelTwoTextNode" presStyleLbl="node2" presStyleIdx="1" presStyleCnt="3" custScaleX="112546" custScaleY="108104" custLinFactY="-1569" custLinFactNeighborX="24958" custLinFactNeighborY="-100000">
+        <dgm:presLayoutVars>
+          <dgm:chPref val="3"/>
+        </dgm:presLayoutVars>
+      </dgm:prSet>
+      <dgm:spPr/>
+      <dgm:t>
+        <a:bodyPr/>
+        <a:lstStyle/>
+        <a:p>
+          <a:endParaRPr lang="en-IE"/>
+        </a:p>
+      </dgm:t>
+    </dgm:pt>
+    <dgm:pt modelId="{58991EF0-AFD1-4FC2-86CA-F74AF9088104}" type="pres">
+      <dgm:prSet presAssocID="{41E186BF-4FB9-47EE-9E15-E7ABD1FC1EC4}" presName="level3hierChild" presStyleCnt="0"/>
+      <dgm:spPr/>
+    </dgm:pt>
+    <dgm:pt modelId="{7F5FEEF2-7EFB-4C9D-9DE5-C64CE42EEB2A}" type="pres">
+      <dgm:prSet presAssocID="{92D03482-B078-459F-AD21-8CA91497C022}" presName="conn2-1" presStyleLbl="parChTrans1D3" presStyleIdx="3" presStyleCnt="4"/>
+      <dgm:spPr/>
+    </dgm:pt>
+    <dgm:pt modelId="{A6895A63-8333-4F91-9E00-6A9FB316F876}" type="pres">
+      <dgm:prSet presAssocID="{92D03482-B078-459F-AD21-8CA91497C022}" presName="connTx" presStyleLbl="parChTrans1D3" presStyleIdx="3" presStyleCnt="4"/>
+      <dgm:spPr/>
+    </dgm:pt>
+    <dgm:pt modelId="{E18252CE-A2CE-497D-912E-5AD7A22D71D2}" type="pres">
+      <dgm:prSet presAssocID="{A035D778-7D3D-4D7D-8C1B-B1CA047D9A85}" presName="root2" presStyleCnt="0"/>
+      <dgm:spPr/>
+    </dgm:pt>
+    <dgm:pt modelId="{D3D8FB51-04FB-489E-9990-C6E42AB36F31}" type="pres">
+      <dgm:prSet presAssocID="{A035D778-7D3D-4D7D-8C1B-B1CA047D9A85}" presName="LevelTwoTextNode" presStyleLbl="node3" presStyleIdx="3" presStyleCnt="4" custLinFactNeighborX="42411" custLinFactNeighborY="34950">
+        <dgm:presLayoutVars>
+          <dgm:chPref val="3"/>
+        </dgm:presLayoutVars>
+      </dgm:prSet>
+      <dgm:spPr/>
+      <dgm:t>
+        <a:bodyPr/>
+        <a:lstStyle/>
+        <a:p>
+          <a:endParaRPr lang="en-IE"/>
+        </a:p>
+      </dgm:t>
+    </dgm:pt>
+    <dgm:pt modelId="{13E7786B-B9BB-4EF2-8A61-5F85784F5220}" type="pres">
+      <dgm:prSet presAssocID="{A035D778-7D3D-4D7D-8C1B-B1CA047D9A85}" presName="level3hierChild" presStyleCnt="0"/>
+      <dgm:spPr/>
+    </dgm:pt>
+    <dgm:pt modelId="{C657F8A0-5DEB-493E-A1A9-E61A829330DD}" type="pres">
+      <dgm:prSet presAssocID="{D690B1AE-83B4-4245-B5F8-2EE03637F3F6}" presName="conn2-1" presStyleLbl="parChTrans1D2" presStyleIdx="2" presStyleCnt="3"/>
+      <dgm:spPr/>
+    </dgm:pt>
+    <dgm:pt modelId="{D18B017C-7875-4F16-AF43-FCB0E5C4DFD4}" type="pres">
+      <dgm:prSet presAssocID="{D690B1AE-83B4-4245-B5F8-2EE03637F3F6}" presName="connTx" presStyleLbl="parChTrans1D2" presStyleIdx="2" presStyleCnt="3"/>
+      <dgm:spPr/>
+    </dgm:pt>
+    <dgm:pt modelId="{C498306F-3BF2-4ABC-BD3E-3FAA749073DB}" type="pres">
+      <dgm:prSet presAssocID="{50DF5907-A0D5-462C-B44A-145F83B06C07}" presName="root2" presStyleCnt="0"/>
+      <dgm:spPr/>
+    </dgm:pt>
+    <dgm:pt modelId="{1B43D903-5FCA-40B7-AFF5-6D1F92E25612}" type="pres">
+      <dgm:prSet presAssocID="{50DF5907-A0D5-462C-B44A-145F83B06C07}" presName="LevelTwoTextNode" presStyleLbl="node2" presStyleIdx="2" presStyleCnt="3" custScaleX="112546" custScaleY="118935" custLinFactNeighborX="24958" custLinFactNeighborY="-54712">
+        <dgm:presLayoutVars>
+          <dgm:chPref val="3"/>
+        </dgm:presLayoutVars>
+      </dgm:prSet>
+      <dgm:spPr/>
+      <dgm:t>
+        <a:bodyPr/>
+        <a:lstStyle/>
+        <a:p>
+          <a:endParaRPr lang="en-IE"/>
+        </a:p>
+      </dgm:t>
+    </dgm:pt>
+    <dgm:pt modelId="{6C9DDFA8-E033-49A3-9DCC-7503525BE1FB}" type="pres">
+      <dgm:prSet presAssocID="{50DF5907-A0D5-462C-B44A-145F83B06C07}" presName="level3hierChild" presStyleCnt="0"/>
+      <dgm:spPr/>
+    </dgm:pt>
+  </dgm:ptLst>
+  <dgm:cxnLst>
+    <dgm:cxn modelId="{7AE1069D-42F7-4D4C-B1B6-1E266D9BC58E}" type="presOf" srcId="{92D03482-B078-459F-AD21-8CA91497C022}" destId="{7F5FEEF2-7EFB-4C9D-9DE5-C64CE42EEB2A}" srcOrd="0" destOrd="0" presId="urn:microsoft.com/office/officeart/2008/layout/HorizontalMultiLevelHierarchy"/>
+    <dgm:cxn modelId="{F53B03BD-C8D5-4C46-9EB4-0050E66C74CC}" type="presOf" srcId="{0455E02B-EBF5-460C-B55F-FFBC41805113}" destId="{F218E17F-11D2-4213-BD38-769DE6F5EE89}" srcOrd="0" destOrd="0" presId="urn:microsoft.com/office/officeart/2008/layout/HorizontalMultiLevelHierarchy"/>
+    <dgm:cxn modelId="{507CE8FD-4660-4D7B-90BE-59E3BDE08D5A}" type="presOf" srcId="{34E3424E-2BC5-4523-BEDB-B7AC770FD9F4}" destId="{3041A42D-1B7B-45B4-A746-146DE4FE35FD}" srcOrd="1" destOrd="0" presId="urn:microsoft.com/office/officeart/2008/layout/HorizontalMultiLevelHierarchy"/>
+    <dgm:cxn modelId="{EA6F24D0-0A24-4BE4-8334-2135D0D28273}" srcId="{D2EE87A1-EBCD-44FE-B185-F2A7981E28D4}" destId="{41E186BF-4FB9-47EE-9E15-E7ABD1FC1EC4}" srcOrd="1" destOrd="0" parTransId="{C35F2300-35E6-4AE1-9646-0CCF8B701558}" sibTransId="{7A408880-DBF6-48C2-B99E-D8A8266F85F3}"/>
+    <dgm:cxn modelId="{49B65F70-D682-4042-886D-8EE51CCB5743}" type="presOf" srcId="{34E3424E-2BC5-4523-BEDB-B7AC770FD9F4}" destId="{C0AA2116-4466-4013-B859-CF03DFB08E5A}" srcOrd="0" destOrd="0" presId="urn:microsoft.com/office/officeart/2008/layout/HorizontalMultiLevelHierarchy"/>
+    <dgm:cxn modelId="{6EF50A6C-119E-4464-BC57-C3BF6F71E38E}" type="presOf" srcId="{41E186BF-4FB9-47EE-9E15-E7ABD1FC1EC4}" destId="{1775ECB7-D66C-42EB-B2AB-A489BD7EBCDB}" srcOrd="0" destOrd="0" presId="urn:microsoft.com/office/officeart/2008/layout/HorizontalMultiLevelHierarchy"/>
+    <dgm:cxn modelId="{DB4DD688-6883-4AC3-AF02-85DB92D13106}" type="presOf" srcId="{7144A442-154D-420E-BB82-F337902F2D7A}" destId="{B67E08C2-EC45-49B7-853F-4C1D83138AC8}" srcOrd="0" destOrd="0" presId="urn:microsoft.com/office/officeart/2008/layout/HorizontalMultiLevelHierarchy"/>
+    <dgm:cxn modelId="{C3C52169-706E-42A1-824F-706BA315FFF0}" type="presOf" srcId="{BEB1B20A-EFEE-42D3-AA35-FDF58163B62C}" destId="{E6D2FFB7-872C-43D4-A5E6-7BA2FD05440A}" srcOrd="1" destOrd="0" presId="urn:microsoft.com/office/officeart/2008/layout/HorizontalMultiLevelHierarchy"/>
+    <dgm:cxn modelId="{BC5CAF6A-F884-4688-84D0-9471680A8379}" type="presOf" srcId="{D690B1AE-83B4-4245-B5F8-2EE03637F3F6}" destId="{D18B017C-7875-4F16-AF43-FCB0E5C4DFD4}" srcOrd="1" destOrd="0" presId="urn:microsoft.com/office/officeart/2008/layout/HorizontalMultiLevelHierarchy"/>
+    <dgm:cxn modelId="{0155A910-AC36-4541-85BA-9EEAA3DE00F0}" srcId="{0455E02B-EBF5-460C-B55F-FFBC41805113}" destId="{D2EE87A1-EBCD-44FE-B185-F2A7981E28D4}" srcOrd="0" destOrd="0" parTransId="{2EFD7B5F-8592-4DB8-AE9B-4A84649143C1}" sibTransId="{AB4A511C-004F-4DA4-9225-D9D184A89D16}"/>
+    <dgm:cxn modelId="{2BED16AC-3825-4023-9D3A-393704075C93}" type="presOf" srcId="{50DF5907-A0D5-462C-B44A-145F83B06C07}" destId="{1B43D903-5FCA-40B7-AFF5-6D1F92E25612}" srcOrd="0" destOrd="0" presId="urn:microsoft.com/office/officeart/2008/layout/HorizontalMultiLevelHierarchy"/>
+    <dgm:cxn modelId="{01A0F67C-CA4F-4D86-81DE-4D8F9B69428F}" srcId="{5D0FD195-5968-4C4A-B554-62706A4BCDD1}" destId="{4FB75DF1-01AB-4A9B-96E0-79BC0A50E3A1}" srcOrd="1" destOrd="0" parTransId="{34E3424E-2BC5-4523-BEDB-B7AC770FD9F4}" sibTransId="{2D898CC0-9B52-4139-8F2B-83FA8ABC4729}"/>
+    <dgm:cxn modelId="{946D2E87-430C-4A14-B8F7-4B8BD3AA7E58}" srcId="{5D0FD195-5968-4C4A-B554-62706A4BCDD1}" destId="{A2EBF9A0-3B9F-4B25-A1F2-8D4C1502329C}" srcOrd="2" destOrd="0" parTransId="{BEB1B20A-EFEE-42D3-AA35-FDF58163B62C}" sibTransId="{EC94EE39-C616-4328-95F3-E66EA058991A}"/>
+    <dgm:cxn modelId="{20DBE3DC-AFBB-4B0A-92ED-D123FAE4B837}" type="presOf" srcId="{27FCE33F-4A01-4210-987F-079170A77AD6}" destId="{76DFC18C-2EAC-4B8B-8208-989F77F4AF84}" srcOrd="0" destOrd="0" presId="urn:microsoft.com/office/officeart/2008/layout/HorizontalMultiLevelHierarchy"/>
+    <dgm:cxn modelId="{3A1343C0-9EC9-48D9-9A23-4621448AF21B}" type="presOf" srcId="{C35F2300-35E6-4AE1-9646-0CCF8B701558}" destId="{7E0F9626-0874-4B18-95D5-615B83F48A4A}" srcOrd="0" destOrd="0" presId="urn:microsoft.com/office/officeart/2008/layout/HorizontalMultiLevelHierarchy"/>
+    <dgm:cxn modelId="{BC00AF4C-950F-4B1A-8848-A6E56D262CC1}" srcId="{D2EE87A1-EBCD-44FE-B185-F2A7981E28D4}" destId="{50DF5907-A0D5-462C-B44A-145F83B06C07}" srcOrd="2" destOrd="0" parTransId="{D690B1AE-83B4-4245-B5F8-2EE03637F3F6}" sibTransId="{CC7F00F2-36F2-4BFA-A548-563B20B93869}"/>
+    <dgm:cxn modelId="{8BDF12E3-25A5-436A-B5C1-759BD4AEBDE6}" type="presOf" srcId="{92D03482-B078-459F-AD21-8CA91497C022}" destId="{A6895A63-8333-4F91-9E00-6A9FB316F876}" srcOrd="1" destOrd="0" presId="urn:microsoft.com/office/officeart/2008/layout/HorizontalMultiLevelHierarchy"/>
+    <dgm:cxn modelId="{9DE4557E-2224-4E1B-85B1-8E35C59422FA}" srcId="{5D0FD195-5968-4C4A-B554-62706A4BCDD1}" destId="{24F0C4F9-54A2-4493-BC9F-F8795199AE94}" srcOrd="0" destOrd="0" parTransId="{27FCE33F-4A01-4210-987F-079170A77AD6}" sibTransId="{B7DC7A9D-0955-4569-BE53-B5007EBEC336}"/>
+    <dgm:cxn modelId="{87AA5F79-069E-4771-89FB-C4B4F27F62B2}" type="presOf" srcId="{4FB75DF1-01AB-4A9B-96E0-79BC0A50E3A1}" destId="{4C2D1797-6C79-4F81-B200-F5E4E2077112}" srcOrd="0" destOrd="0" presId="urn:microsoft.com/office/officeart/2008/layout/HorizontalMultiLevelHierarchy"/>
+    <dgm:cxn modelId="{D3E83AE6-A40F-41E7-ADE0-B30375D3E448}" type="presOf" srcId="{D690B1AE-83B4-4245-B5F8-2EE03637F3F6}" destId="{C657F8A0-5DEB-493E-A1A9-E61A829330DD}" srcOrd="0" destOrd="0" presId="urn:microsoft.com/office/officeart/2008/layout/HorizontalMultiLevelHierarchy"/>
+    <dgm:cxn modelId="{630D485F-D3A6-499A-955A-A6DD2FC01625}" srcId="{D2EE87A1-EBCD-44FE-B185-F2A7981E28D4}" destId="{5D0FD195-5968-4C4A-B554-62706A4BCDD1}" srcOrd="0" destOrd="0" parTransId="{7144A442-154D-420E-BB82-F337902F2D7A}" sibTransId="{8A95E905-2483-4659-B88C-7F40DC2143B4}"/>
+    <dgm:cxn modelId="{237C17B5-225B-4F2A-A2FB-8613139A3564}" type="presOf" srcId="{BEB1B20A-EFEE-42D3-AA35-FDF58163B62C}" destId="{CF03AFE5-6820-4426-8916-FE5167BBD535}" srcOrd="0" destOrd="0" presId="urn:microsoft.com/office/officeart/2008/layout/HorizontalMultiLevelHierarchy"/>
+    <dgm:cxn modelId="{86E00F9C-8F2C-497B-B9AA-FF0ACD6213FC}" type="presOf" srcId="{5D0FD195-5968-4C4A-B554-62706A4BCDD1}" destId="{9D4550D1-9501-4344-B8BA-8A3AB9A987F7}" srcOrd="0" destOrd="0" presId="urn:microsoft.com/office/officeart/2008/layout/HorizontalMultiLevelHierarchy"/>
+    <dgm:cxn modelId="{77D4D0BB-7F7D-4B0E-BBB1-E0111B045540}" srcId="{41E186BF-4FB9-47EE-9E15-E7ABD1FC1EC4}" destId="{A035D778-7D3D-4D7D-8C1B-B1CA047D9A85}" srcOrd="0" destOrd="0" parTransId="{92D03482-B078-459F-AD21-8CA91497C022}" sibTransId="{8239915A-F508-4C14-8644-77A9BE5C706C}"/>
+    <dgm:cxn modelId="{E3535931-C088-453E-95E7-7CC6D6FDC549}" type="presOf" srcId="{7144A442-154D-420E-BB82-F337902F2D7A}" destId="{BB942C3E-E145-4314-99F5-0DC5E03D8184}" srcOrd="1" destOrd="0" presId="urn:microsoft.com/office/officeart/2008/layout/HorizontalMultiLevelHierarchy"/>
+    <dgm:cxn modelId="{E83717F0-EFDC-4BBA-A6DA-3A0E3705E62D}" type="presOf" srcId="{A035D778-7D3D-4D7D-8C1B-B1CA047D9A85}" destId="{D3D8FB51-04FB-489E-9990-C6E42AB36F31}" srcOrd="0" destOrd="0" presId="urn:microsoft.com/office/officeart/2008/layout/HorizontalMultiLevelHierarchy"/>
+    <dgm:cxn modelId="{E8E85A84-ECD0-4522-AA5D-A364C89C0568}" type="presOf" srcId="{D2EE87A1-EBCD-44FE-B185-F2A7981E28D4}" destId="{EB1D0A75-60C7-41BC-945E-416CC3129373}" srcOrd="0" destOrd="0" presId="urn:microsoft.com/office/officeart/2008/layout/HorizontalMultiLevelHierarchy"/>
+    <dgm:cxn modelId="{2241465A-7572-4BD7-89D0-B3B04E734910}" type="presOf" srcId="{C35F2300-35E6-4AE1-9646-0CCF8B701558}" destId="{2431160A-31F0-485C-9D41-DD7E2243D256}" srcOrd="1" destOrd="0" presId="urn:microsoft.com/office/officeart/2008/layout/HorizontalMultiLevelHierarchy"/>
+    <dgm:cxn modelId="{73D94D1F-B281-4F0D-95FB-3F27E4A0329C}" type="presOf" srcId="{24F0C4F9-54A2-4493-BC9F-F8795199AE94}" destId="{2523565B-AD8C-46AD-A2F4-B5B7AE0C56C5}" srcOrd="0" destOrd="0" presId="urn:microsoft.com/office/officeart/2008/layout/HorizontalMultiLevelHierarchy"/>
+    <dgm:cxn modelId="{7C0E5083-96D3-4424-8B18-BA49AF2097CD}" type="presOf" srcId="{27FCE33F-4A01-4210-987F-079170A77AD6}" destId="{1A63EA25-A3F4-4927-9BE6-8E6FCA2A7315}" srcOrd="1" destOrd="0" presId="urn:microsoft.com/office/officeart/2008/layout/HorizontalMultiLevelHierarchy"/>
+    <dgm:cxn modelId="{E3E5556E-C30D-45F5-BCCE-6F7D26222E7D}" type="presOf" srcId="{A2EBF9A0-3B9F-4B25-A1F2-8D4C1502329C}" destId="{C756D92D-E6C9-4CB9-B30E-AC2A31A13795}" srcOrd="0" destOrd="0" presId="urn:microsoft.com/office/officeart/2008/layout/HorizontalMultiLevelHierarchy"/>
+    <dgm:cxn modelId="{3CC6CB36-4108-4C83-904D-CE4D7DA4EC69}" type="presParOf" srcId="{F218E17F-11D2-4213-BD38-769DE6F5EE89}" destId="{A9604C9E-5421-4578-9E97-3FBD2F8FDF85}" srcOrd="0" destOrd="0" presId="urn:microsoft.com/office/officeart/2008/layout/HorizontalMultiLevelHierarchy"/>
+    <dgm:cxn modelId="{6EA9BA2E-9E67-4EA1-87ED-57BCF8A77720}" type="presParOf" srcId="{A9604C9E-5421-4578-9E97-3FBD2F8FDF85}" destId="{EB1D0A75-60C7-41BC-945E-416CC3129373}" srcOrd="0" destOrd="0" presId="urn:microsoft.com/office/officeart/2008/layout/HorizontalMultiLevelHierarchy"/>
+    <dgm:cxn modelId="{755E1AA8-3894-4D31-B320-381DB82D1577}" type="presParOf" srcId="{A9604C9E-5421-4578-9E97-3FBD2F8FDF85}" destId="{423040F8-2BF5-47C2-AAEB-F54880F765B3}" srcOrd="1" destOrd="0" presId="urn:microsoft.com/office/officeart/2008/layout/HorizontalMultiLevelHierarchy"/>
+    <dgm:cxn modelId="{C65B0E31-B085-4D38-AB71-8957F9EA3CCC}" type="presParOf" srcId="{423040F8-2BF5-47C2-AAEB-F54880F765B3}" destId="{B67E08C2-EC45-49B7-853F-4C1D83138AC8}" srcOrd="0" destOrd="0" presId="urn:microsoft.com/office/officeart/2008/layout/HorizontalMultiLevelHierarchy"/>
+    <dgm:cxn modelId="{1495A029-201F-4139-97D0-332A193FC262}" type="presParOf" srcId="{B67E08C2-EC45-49B7-853F-4C1D83138AC8}" destId="{BB942C3E-E145-4314-99F5-0DC5E03D8184}" srcOrd="0" destOrd="0" presId="urn:microsoft.com/office/officeart/2008/layout/HorizontalMultiLevelHierarchy"/>
+    <dgm:cxn modelId="{2DD9205A-65A5-4C3F-8E1D-F12C351B58EF}" type="presParOf" srcId="{423040F8-2BF5-47C2-AAEB-F54880F765B3}" destId="{8AA67462-2ECE-4904-8CDD-074ECECFD975}" srcOrd="1" destOrd="0" presId="urn:microsoft.com/office/officeart/2008/layout/HorizontalMultiLevelHierarchy"/>
+    <dgm:cxn modelId="{2876DFB9-E118-49B3-AC47-0AEBCAFD70CA}" type="presParOf" srcId="{8AA67462-2ECE-4904-8CDD-074ECECFD975}" destId="{9D4550D1-9501-4344-B8BA-8A3AB9A987F7}" srcOrd="0" destOrd="0" presId="urn:microsoft.com/office/officeart/2008/layout/HorizontalMultiLevelHierarchy"/>
+    <dgm:cxn modelId="{8BF0A79D-F31F-41B8-BB0F-143790F7308B}" type="presParOf" srcId="{8AA67462-2ECE-4904-8CDD-074ECECFD975}" destId="{835888C2-4340-4618-A6F2-4F878FF5A6F6}" srcOrd="1" destOrd="0" presId="urn:microsoft.com/office/officeart/2008/layout/HorizontalMultiLevelHierarchy"/>
+    <dgm:cxn modelId="{E009AA12-9160-49B6-9364-6A9F575ADB5E}" type="presParOf" srcId="{835888C2-4340-4618-A6F2-4F878FF5A6F6}" destId="{76DFC18C-2EAC-4B8B-8208-989F77F4AF84}" srcOrd="0" destOrd="0" presId="urn:microsoft.com/office/officeart/2008/layout/HorizontalMultiLevelHierarchy"/>
+    <dgm:cxn modelId="{E5B21226-F497-4D3A-8A40-8F3ADFC03FAD}" type="presParOf" srcId="{76DFC18C-2EAC-4B8B-8208-989F77F4AF84}" destId="{1A63EA25-A3F4-4927-9BE6-8E6FCA2A7315}" srcOrd="0" destOrd="0" presId="urn:microsoft.com/office/officeart/2008/layout/HorizontalMultiLevelHierarchy"/>
+    <dgm:cxn modelId="{CCA3E6DB-B823-4F34-A77D-377F8E6A9B2D}" type="presParOf" srcId="{835888C2-4340-4618-A6F2-4F878FF5A6F6}" destId="{50CAAE9E-46FC-4A71-89AC-7DA57840AC93}" srcOrd="1" destOrd="0" presId="urn:microsoft.com/office/officeart/2008/layout/HorizontalMultiLevelHierarchy"/>
+    <dgm:cxn modelId="{EB284B27-F58D-403F-A3D7-628B4082CE0B}" type="presParOf" srcId="{50CAAE9E-46FC-4A71-89AC-7DA57840AC93}" destId="{2523565B-AD8C-46AD-A2F4-B5B7AE0C56C5}" srcOrd="0" destOrd="0" presId="urn:microsoft.com/office/officeart/2008/layout/HorizontalMultiLevelHierarchy"/>
+    <dgm:cxn modelId="{02B3A392-1F72-41A1-BE96-4EB8B64F1F27}" type="presParOf" srcId="{50CAAE9E-46FC-4A71-89AC-7DA57840AC93}" destId="{E1B4F916-8BF4-4FA8-A230-C3EA049CE15F}" srcOrd="1" destOrd="0" presId="urn:microsoft.com/office/officeart/2008/layout/HorizontalMultiLevelHierarchy"/>
+    <dgm:cxn modelId="{4C9EB574-FF4A-42B6-A12F-513C9F49AF2D}" type="presParOf" srcId="{835888C2-4340-4618-A6F2-4F878FF5A6F6}" destId="{C0AA2116-4466-4013-B859-CF03DFB08E5A}" srcOrd="2" destOrd="0" presId="urn:microsoft.com/office/officeart/2008/layout/HorizontalMultiLevelHierarchy"/>
+    <dgm:cxn modelId="{F41EFFCD-5EA3-4530-A8AB-EAABAEECA97D}" type="presParOf" srcId="{C0AA2116-4466-4013-B859-CF03DFB08E5A}" destId="{3041A42D-1B7B-45B4-A746-146DE4FE35FD}" srcOrd="0" destOrd="0" presId="urn:microsoft.com/office/officeart/2008/layout/HorizontalMultiLevelHierarchy"/>
+    <dgm:cxn modelId="{A9B9DFDF-1998-474C-A6E6-B05B5B9DDC39}" type="presParOf" srcId="{835888C2-4340-4618-A6F2-4F878FF5A6F6}" destId="{F73A98BE-E5B3-4A05-8EBD-62755A68E74C}" srcOrd="3" destOrd="0" presId="urn:microsoft.com/office/officeart/2008/layout/HorizontalMultiLevelHierarchy"/>
+    <dgm:cxn modelId="{A9FB7E35-FB9E-42EB-8DFE-AB0BE9A65778}" type="presParOf" srcId="{F73A98BE-E5B3-4A05-8EBD-62755A68E74C}" destId="{4C2D1797-6C79-4F81-B200-F5E4E2077112}" srcOrd="0" destOrd="0" presId="urn:microsoft.com/office/officeart/2008/layout/HorizontalMultiLevelHierarchy"/>
+    <dgm:cxn modelId="{43DBEFEF-FF49-4D30-8B9E-6F28E43F7363}" type="presParOf" srcId="{F73A98BE-E5B3-4A05-8EBD-62755A68E74C}" destId="{580324FC-9A90-427C-A317-B13270B3859D}" srcOrd="1" destOrd="0" presId="urn:microsoft.com/office/officeart/2008/layout/HorizontalMultiLevelHierarchy"/>
+    <dgm:cxn modelId="{6BC6A0AC-423D-4785-B6A8-4B84DCE1DE6F}" type="presParOf" srcId="{835888C2-4340-4618-A6F2-4F878FF5A6F6}" destId="{CF03AFE5-6820-4426-8916-FE5167BBD535}" srcOrd="4" destOrd="0" presId="urn:microsoft.com/office/officeart/2008/layout/HorizontalMultiLevelHierarchy"/>
+    <dgm:cxn modelId="{29EC1D29-5552-4F30-B6C6-8F5EFB4E2960}" type="presParOf" srcId="{CF03AFE5-6820-4426-8916-FE5167BBD535}" destId="{E6D2FFB7-872C-43D4-A5E6-7BA2FD05440A}" srcOrd="0" destOrd="0" presId="urn:microsoft.com/office/officeart/2008/layout/HorizontalMultiLevelHierarchy"/>
+    <dgm:cxn modelId="{96FF48E1-C5F0-4BA2-995A-A4553316D653}" type="presParOf" srcId="{835888C2-4340-4618-A6F2-4F878FF5A6F6}" destId="{D4DF6D0D-CFED-441C-90B3-81DC57AF1A56}" srcOrd="5" destOrd="0" presId="urn:microsoft.com/office/officeart/2008/layout/HorizontalMultiLevelHierarchy"/>
+    <dgm:cxn modelId="{E07B802D-A2E3-4A2D-A603-8220AFC9C9F3}" type="presParOf" srcId="{D4DF6D0D-CFED-441C-90B3-81DC57AF1A56}" destId="{C756D92D-E6C9-4CB9-B30E-AC2A31A13795}" srcOrd="0" destOrd="0" presId="urn:microsoft.com/office/officeart/2008/layout/HorizontalMultiLevelHierarchy"/>
+    <dgm:cxn modelId="{70520785-53A5-42BE-8EAD-6E086700382C}" type="presParOf" srcId="{D4DF6D0D-CFED-441C-90B3-81DC57AF1A56}" destId="{9311E826-E4DB-4477-9E05-9677B04DA295}" srcOrd="1" destOrd="0" presId="urn:microsoft.com/office/officeart/2008/layout/HorizontalMultiLevelHierarchy"/>
+    <dgm:cxn modelId="{80D2BF3E-D662-49F7-AD9C-B9ABBFAF9FD1}" type="presParOf" srcId="{423040F8-2BF5-47C2-AAEB-F54880F765B3}" destId="{7E0F9626-0874-4B18-95D5-615B83F48A4A}" srcOrd="2" destOrd="0" presId="urn:microsoft.com/office/officeart/2008/layout/HorizontalMultiLevelHierarchy"/>
+    <dgm:cxn modelId="{C4945BFE-CC3A-4BA0-BB05-FC0BB3281309}" type="presParOf" srcId="{7E0F9626-0874-4B18-95D5-615B83F48A4A}" destId="{2431160A-31F0-485C-9D41-DD7E2243D256}" srcOrd="0" destOrd="0" presId="urn:microsoft.com/office/officeart/2008/layout/HorizontalMultiLevelHierarchy"/>
+    <dgm:cxn modelId="{6AC6F401-0D7F-46E8-AD52-B27A2F194FFD}" type="presParOf" srcId="{423040F8-2BF5-47C2-AAEB-F54880F765B3}" destId="{63E3BAE3-E5D0-49F2-8A28-F31F39D52B5C}" srcOrd="3" destOrd="0" presId="urn:microsoft.com/office/officeart/2008/layout/HorizontalMultiLevelHierarchy"/>
+    <dgm:cxn modelId="{296AA75B-CD6E-44C7-9208-B7E696CC242E}" type="presParOf" srcId="{63E3BAE3-E5D0-49F2-8A28-F31F39D52B5C}" destId="{1775ECB7-D66C-42EB-B2AB-A489BD7EBCDB}" srcOrd="0" destOrd="0" presId="urn:microsoft.com/office/officeart/2008/layout/HorizontalMultiLevelHierarchy"/>
+    <dgm:cxn modelId="{6A05AD95-3869-4E21-B331-AC8296AC2BB1}" type="presParOf" srcId="{63E3BAE3-E5D0-49F2-8A28-F31F39D52B5C}" destId="{58991EF0-AFD1-4FC2-86CA-F74AF9088104}" srcOrd="1" destOrd="0" presId="urn:microsoft.com/office/officeart/2008/layout/HorizontalMultiLevelHierarchy"/>
+    <dgm:cxn modelId="{A49EB34C-9699-4118-9364-64AD7184FA1C}" type="presParOf" srcId="{58991EF0-AFD1-4FC2-86CA-F74AF9088104}" destId="{7F5FEEF2-7EFB-4C9D-9DE5-C64CE42EEB2A}" srcOrd="0" destOrd="0" presId="urn:microsoft.com/office/officeart/2008/layout/HorizontalMultiLevelHierarchy"/>
+    <dgm:cxn modelId="{6C5B9AB8-02CA-4AF6-88ED-AD125D1790A2}" type="presParOf" srcId="{7F5FEEF2-7EFB-4C9D-9DE5-C64CE42EEB2A}" destId="{A6895A63-8333-4F91-9E00-6A9FB316F876}" srcOrd="0" destOrd="0" presId="urn:microsoft.com/office/officeart/2008/layout/HorizontalMultiLevelHierarchy"/>
+    <dgm:cxn modelId="{19F383E1-EF92-48F3-A77C-D11B0CE40E5F}" type="presParOf" srcId="{58991EF0-AFD1-4FC2-86CA-F74AF9088104}" destId="{E18252CE-A2CE-497D-912E-5AD7A22D71D2}" srcOrd="1" destOrd="0" presId="urn:microsoft.com/office/officeart/2008/layout/HorizontalMultiLevelHierarchy"/>
+    <dgm:cxn modelId="{D4B3AB34-0738-4E32-983A-34BCDB3F8128}" type="presParOf" srcId="{E18252CE-A2CE-497D-912E-5AD7A22D71D2}" destId="{D3D8FB51-04FB-489E-9990-C6E42AB36F31}" srcOrd="0" destOrd="0" presId="urn:microsoft.com/office/officeart/2008/layout/HorizontalMultiLevelHierarchy"/>
+    <dgm:cxn modelId="{01A642BF-1553-4B0F-9E51-26BB6990DADD}" type="presParOf" srcId="{E18252CE-A2CE-497D-912E-5AD7A22D71D2}" destId="{13E7786B-B9BB-4EF2-8A61-5F85784F5220}" srcOrd="1" destOrd="0" presId="urn:microsoft.com/office/officeart/2008/layout/HorizontalMultiLevelHierarchy"/>
+    <dgm:cxn modelId="{42E755C3-BB7F-4B31-AF69-C8F6D0C48591}" type="presParOf" srcId="{423040F8-2BF5-47C2-AAEB-F54880F765B3}" destId="{C657F8A0-5DEB-493E-A1A9-E61A829330DD}" srcOrd="4" destOrd="0" presId="urn:microsoft.com/office/officeart/2008/layout/HorizontalMultiLevelHierarchy"/>
+    <dgm:cxn modelId="{098AB5A8-D5D2-4660-B335-7733705FA9E6}" type="presParOf" srcId="{C657F8A0-5DEB-493E-A1A9-E61A829330DD}" destId="{D18B017C-7875-4F16-AF43-FCB0E5C4DFD4}" srcOrd="0" destOrd="0" presId="urn:microsoft.com/office/officeart/2008/layout/HorizontalMultiLevelHierarchy"/>
+    <dgm:cxn modelId="{67DB23F3-72DA-4728-B8FC-1E71D9C2ADBA}" type="presParOf" srcId="{423040F8-2BF5-47C2-AAEB-F54880F765B3}" destId="{C498306F-3BF2-4ABC-BD3E-3FAA749073DB}" srcOrd="5" destOrd="0" presId="urn:microsoft.com/office/officeart/2008/layout/HorizontalMultiLevelHierarchy"/>
+    <dgm:cxn modelId="{D4440260-13F1-4F51-B14D-C311AE668E23}" type="presParOf" srcId="{C498306F-3BF2-4ABC-BD3E-3FAA749073DB}" destId="{1B43D903-5FCA-40B7-AFF5-6D1F92E25612}" srcOrd="0" destOrd="0" presId="urn:microsoft.com/office/officeart/2008/layout/HorizontalMultiLevelHierarchy"/>
+    <dgm:cxn modelId="{846CD8C0-4042-41E6-8B46-1E33171D40CE}" type="presParOf" srcId="{C498306F-3BF2-4ABC-BD3E-3FAA749073DB}" destId="{6C9DDFA8-E033-49A3-9DCC-7503525BE1FB}" srcOrd="1" destOrd="0" presId="urn:microsoft.com/office/officeart/2008/layout/HorizontalMultiLevelHierarchy"/>
+  </dgm:cxnLst>
+  <dgm:bg/>
+  <dgm:whole/>
+  <dgm:extLst>
+    <a:ext uri="http://schemas.microsoft.com/office/drawing/2008/diagram">
+      <dsp:dataModelExt xmlns:dsp="http://schemas.microsoft.com/office/drawing/2008/diagram" relId="rId6" minVer="http://schemas.openxmlformats.org/drawingml/2006/diagram"/>
+    </a:ext>
+  </dgm:extLst>
+</dgm:dataModel>
+</file>
+
+<file path=ppt/diagrams/drawing1.xml><?xml version="1.0" encoding="utf-8"?>
+<dsp:drawing xmlns:dgm="http://schemas.openxmlformats.org/drawingml/2006/diagram" xmlns:dsp="http://schemas.microsoft.com/office/drawing/2008/diagram" xmlns:a="http://schemas.openxmlformats.org/drawingml/2006/main">
+  <dsp:spTree>
+    <dsp:nvGrpSpPr>
+      <dsp:cNvPr id="0" name=""/>
+      <dsp:cNvGrpSpPr/>
+    </dsp:nvGrpSpPr>
+    <dsp:grpSpPr/>
+    <dsp:sp modelId="{D5030842-6569-4BDE-ABE0-C1E4E0180ED5}">
+      <dsp:nvSpPr>
+        <dsp:cNvPr id="0" name=""/>
+        <dsp:cNvSpPr/>
+      </dsp:nvSpPr>
+      <dsp:spPr>
+        <a:xfrm>
+          <a:off x="1360525" y="0"/>
+          <a:ext cx="2715164" cy="2715125"/>
+        </a:xfrm>
+        <a:prstGeom prst="ellipse">
+          <a:avLst/>
+        </a:prstGeom>
+        <a:solidFill>
+          <a:srgbClr val="00B0F0">
+            <a:alpha val="50000"/>
+          </a:srgbClr>
+        </a:solidFill>
+        <a:ln w="25400" cap="flat" cmpd="sng" algn="ctr">
+          <a:solidFill>
+            <a:schemeClr val="lt1">
+              <a:hueOff val="0"/>
+              <a:satOff val="0"/>
+              <a:lumOff val="0"/>
+              <a:alphaOff val="0"/>
+            </a:schemeClr>
+          </a:solidFill>
+          <a:prstDash val="solid"/>
+        </a:ln>
+        <a:effectLst/>
+      </dsp:spPr>
+      <dsp:style>
+        <a:lnRef idx="2">
+          <a:scrgbClr r="0" g="0" b="0"/>
+        </a:lnRef>
+        <a:fillRef idx="1">
+          <a:scrgbClr r="0" g="0" b="0"/>
+        </a:fillRef>
+        <a:effectRef idx="0">
+          <a:scrgbClr r="0" g="0" b="0"/>
+        </a:effectRef>
+        <a:fontRef idx="minor">
+          <a:schemeClr val="tx1"/>
+        </a:fontRef>
+      </dsp:style>
+      <dsp:txBody>
+        <a:bodyPr spcFirstLastPara="0" vert="horz" wrap="square" lIns="110490" tIns="110490" rIns="110490" bIns="110490" numCol="1" spcCol="1270" anchor="ctr" anchorCtr="0">
+          <a:noAutofit/>
+        </a:bodyPr>
+        <a:lstStyle/>
+        <a:p>
+          <a:pPr lvl="0" algn="ctr" defTabSz="1289050">
+            <a:lnSpc>
+              <a:spcPct val="90000"/>
+            </a:lnSpc>
+            <a:spcBef>
+              <a:spcPct val="0"/>
+            </a:spcBef>
+            <a:spcAft>
+              <a:spcPct val="35000"/>
+            </a:spcAft>
+          </a:pPr>
+          <a:r>
+            <a:rPr lang="en-IE" sz="2900" b="1" kern="1200" dirty="0" smtClean="0"/>
+            <a:t>Learning</a:t>
+          </a:r>
+          <a:endParaRPr lang="en-IE" sz="2900" b="1" kern="1200" dirty="0"/>
+        </a:p>
+      </dsp:txBody>
+      <dsp:txXfrm>
+        <a:off x="1758152" y="397621"/>
+        <a:ext cx="1919910" cy="1919883"/>
+      </dsp:txXfrm>
+    </dsp:sp>
+    <dsp:sp modelId="{BA4258BA-5BE7-4A86-BC6C-C8F6690C49F7}">
+      <dsp:nvSpPr>
+        <dsp:cNvPr id="0" name=""/>
+        <dsp:cNvSpPr/>
+      </dsp:nvSpPr>
+      <dsp:spPr>
+        <a:xfrm>
+          <a:off x="2758044" y="1810837"/>
+          <a:ext cx="2715164" cy="2715125"/>
+        </a:xfrm>
+        <a:prstGeom prst="ellipse">
+          <a:avLst/>
+        </a:prstGeom>
+        <a:solidFill>
+          <a:srgbClr val="FFC000">
+            <a:alpha val="51000"/>
+          </a:srgbClr>
+        </a:solidFill>
+        <a:ln w="25400" cap="flat" cmpd="sng" algn="ctr">
+          <a:solidFill>
+            <a:schemeClr val="lt1">
+              <a:hueOff val="0"/>
+              <a:satOff val="0"/>
+              <a:lumOff val="0"/>
+              <a:alphaOff val="0"/>
+            </a:schemeClr>
+          </a:solidFill>
+          <a:prstDash val="solid"/>
+        </a:ln>
+        <a:effectLst/>
+      </dsp:spPr>
+      <dsp:style>
+        <a:lnRef idx="2">
+          <a:scrgbClr r="0" g="0" b="0"/>
+        </a:lnRef>
+        <a:fillRef idx="1">
+          <a:scrgbClr r="0" g="0" b="0"/>
+        </a:fillRef>
+        <a:effectRef idx="0">
+          <a:scrgbClr r="0" g="0" b="0"/>
+        </a:effectRef>
+        <a:fontRef idx="minor">
+          <a:schemeClr val="tx1"/>
+        </a:fontRef>
+      </dsp:style>
+      <dsp:txBody>
+        <a:bodyPr spcFirstLastPara="0" vert="horz" wrap="square" lIns="110490" tIns="110490" rIns="110490" bIns="110490" numCol="1" spcCol="1270" anchor="ctr" anchorCtr="0">
+          <a:noAutofit/>
+        </a:bodyPr>
+        <a:lstStyle/>
+        <a:p>
+          <a:pPr lvl="0" algn="ctr" defTabSz="1289050">
+            <a:lnSpc>
+              <a:spcPct val="90000"/>
+            </a:lnSpc>
+            <a:spcBef>
+              <a:spcPct val="0"/>
+            </a:spcBef>
+            <a:spcAft>
+              <a:spcPct val="35000"/>
+            </a:spcAft>
+          </a:pPr>
+          <a:r>
+            <a:rPr lang="en-IE" sz="2900" b="1" kern="1200" dirty="0" smtClean="0"/>
+            <a:t>Fun</a:t>
+          </a:r>
+          <a:endParaRPr lang="en-IE" sz="2900" b="1" kern="1200" dirty="0"/>
+        </a:p>
+      </dsp:txBody>
+      <dsp:txXfrm>
+        <a:off x="3155671" y="2208458"/>
+        <a:ext cx="1919910" cy="1919883"/>
+      </dsp:txXfrm>
+    </dsp:sp>
+    <dsp:sp modelId="{0F0574EE-73F3-465C-9C28-B010E5DAA0D4}">
+      <dsp:nvSpPr>
+        <dsp:cNvPr id="0" name=""/>
+        <dsp:cNvSpPr/>
+      </dsp:nvSpPr>
+      <dsp:spPr>
+        <a:xfrm>
+          <a:off x="4153910" y="0"/>
+          <a:ext cx="2715164" cy="2715125"/>
+        </a:xfrm>
+        <a:prstGeom prst="ellipse">
+          <a:avLst/>
+        </a:prstGeom>
+        <a:solidFill>
+          <a:srgbClr val="00B050">
+            <a:alpha val="49000"/>
+          </a:srgbClr>
+        </a:solidFill>
+        <a:ln w="25400" cap="flat" cmpd="sng" algn="ctr">
+          <a:solidFill>
+            <a:schemeClr val="lt1">
+              <a:hueOff val="0"/>
+              <a:satOff val="0"/>
+              <a:lumOff val="0"/>
+              <a:alphaOff val="0"/>
+            </a:schemeClr>
+          </a:solidFill>
+          <a:prstDash val="solid"/>
+        </a:ln>
+        <a:effectLst/>
+      </dsp:spPr>
+      <dsp:style>
+        <a:lnRef idx="2">
+          <a:scrgbClr r="0" g="0" b="0"/>
+        </a:lnRef>
+        <a:fillRef idx="1">
+          <a:scrgbClr r="0" g="0" b="0"/>
+        </a:fillRef>
+        <a:effectRef idx="0">
+          <a:scrgbClr r="0" g="0" b="0"/>
+        </a:effectRef>
+        <a:fontRef idx="minor">
+          <a:schemeClr val="tx1"/>
+        </a:fontRef>
+      </dsp:style>
+      <dsp:txBody>
+        <a:bodyPr spcFirstLastPara="0" vert="horz" wrap="square" lIns="110490" tIns="110490" rIns="110490" bIns="110490" numCol="1" spcCol="1270" anchor="ctr" anchorCtr="0">
+          <a:noAutofit/>
+        </a:bodyPr>
+        <a:lstStyle/>
+        <a:p>
+          <a:pPr lvl="0" algn="ctr" defTabSz="1289050">
+            <a:lnSpc>
+              <a:spcPct val="90000"/>
+            </a:lnSpc>
+            <a:spcBef>
+              <a:spcPct val="0"/>
+            </a:spcBef>
+            <a:spcAft>
+              <a:spcPct val="35000"/>
+            </a:spcAft>
+          </a:pPr>
+          <a:r>
+            <a:rPr lang="en-IE" sz="2900" b="1" kern="1200" dirty="0" smtClean="0"/>
+            <a:t>Interaction</a:t>
+          </a:r>
+          <a:endParaRPr lang="en-IE" sz="2900" b="1" kern="1200" dirty="0"/>
+        </a:p>
+      </dsp:txBody>
+      <dsp:txXfrm>
+        <a:off x="4551537" y="397621"/>
+        <a:ext cx="1919910" cy="1919883"/>
+      </dsp:txXfrm>
+    </dsp:sp>
+  </dsp:spTree>
+</dsp:drawing>
+</file>
+
+<file path=ppt/diagrams/drawing2.xml><?xml version="1.0" encoding="utf-8"?>
+<dsp:drawing xmlns:dgm="http://schemas.openxmlformats.org/drawingml/2006/diagram" xmlns:dsp="http://schemas.microsoft.com/office/drawing/2008/diagram" xmlns:a="http://schemas.openxmlformats.org/drawingml/2006/main">
+  <dsp:spTree>
+    <dsp:nvGrpSpPr>
+      <dsp:cNvPr id="0" name=""/>
+      <dsp:cNvGrpSpPr/>
+    </dsp:nvGrpSpPr>
+    <dsp:grpSpPr/>
+    <dsp:sp modelId="{C657F8A0-5DEB-493E-A1A9-E61A829330DD}">
+      <dsp:nvSpPr>
+        <dsp:cNvPr id="0" name=""/>
+        <dsp:cNvSpPr/>
+      </dsp:nvSpPr>
+      <dsp:spPr>
+        <a:xfrm>
+          <a:off x="1334784" y="1905677"/>
+          <a:ext cx="1185493" cy="1222289"/>
+        </a:xfrm>
+        <a:custGeom>
+          <a:avLst/>
+          <a:gdLst/>
+          <a:ahLst/>
+          <a:cxnLst/>
+          <a:rect l="0" t="0" r="0" b="0"/>
+          <a:pathLst>
+            <a:path>
+              <a:moveTo>
+                <a:pt x="0" y="0"/>
+              </a:moveTo>
+              <a:lnTo>
+                <a:pt x="592746" y="0"/>
+              </a:lnTo>
+              <a:lnTo>
+                <a:pt x="592746" y="1222289"/>
+              </a:lnTo>
+              <a:lnTo>
+                <a:pt x="1185493" y="1222289"/>
+              </a:lnTo>
+            </a:path>
+          </a:pathLst>
+        </a:custGeom>
+        <a:noFill/>
+        <a:ln w="25400" cap="flat" cmpd="sng" algn="ctr">
+          <a:solidFill>
+            <a:schemeClr val="accent1">
+              <a:shade val="60000"/>
+              <a:hueOff val="0"/>
+              <a:satOff val="0"/>
+              <a:lumOff val="0"/>
+              <a:alphaOff val="0"/>
+            </a:schemeClr>
+          </a:solidFill>
+          <a:prstDash val="solid"/>
+        </a:ln>
+        <a:effectLst/>
+      </dsp:spPr>
+      <dsp:style>
+        <a:lnRef idx="2">
+          <a:scrgbClr r="0" g="0" b="0"/>
+        </a:lnRef>
+        <a:fillRef idx="0">
+          <a:scrgbClr r="0" g="0" b="0"/>
+        </a:fillRef>
+        <a:effectRef idx="0">
+          <a:scrgbClr r="0" g="0" b="0"/>
+        </a:effectRef>
+        <a:fontRef idx="minor"/>
+      </dsp:style>
+      <dsp:txBody>
+        <a:bodyPr spcFirstLastPara="0" vert="horz" wrap="square" lIns="12700" tIns="0" rIns="12700" bIns="0" numCol="1" spcCol="1270" anchor="ctr" anchorCtr="0">
+          <a:noAutofit/>
+        </a:bodyPr>
+        <a:lstStyle/>
+        <a:p>
+          <a:pPr lvl="0" algn="ctr" defTabSz="266700">
+            <a:lnSpc>
+              <a:spcPct val="90000"/>
+            </a:lnSpc>
+            <a:spcBef>
+              <a:spcPct val="0"/>
+            </a:spcBef>
+            <a:spcAft>
+              <a:spcPct val="35000"/>
+            </a:spcAft>
+          </a:pPr>
+          <a:endParaRPr lang="en-IE" sz="600" kern="1200"/>
+        </a:p>
+      </dsp:txBody>
+      <dsp:txXfrm>
+        <a:off x="1884962" y="2474252"/>
+        <a:ext cx="85137" cy="85137"/>
+      </dsp:txXfrm>
+    </dsp:sp>
+    <dsp:sp modelId="{7F5FEEF2-7EFB-4C9D-9DE5-C64CE42EEB2A}">
+      <dsp:nvSpPr>
+        <dsp:cNvPr id="0" name=""/>
+        <dsp:cNvSpPr/>
+      </dsp:nvSpPr>
+      <dsp:spPr>
+        <a:xfrm>
+          <a:off x="4789472" y="1988445"/>
+          <a:ext cx="755141" cy="839191"/>
+        </a:xfrm>
+        <a:custGeom>
+          <a:avLst/>
+          <a:gdLst/>
+          <a:ahLst/>
+          <a:cxnLst/>
+          <a:rect l="0" t="0" r="0" b="0"/>
+          <a:pathLst>
+            <a:path>
+              <a:moveTo>
+                <a:pt x="0" y="0"/>
+              </a:moveTo>
+              <a:lnTo>
+                <a:pt x="377570" y="0"/>
+              </a:lnTo>
+              <a:lnTo>
+                <a:pt x="377570" y="839191"/>
+              </a:lnTo>
+              <a:lnTo>
+                <a:pt x="755141" y="839191"/>
+              </a:lnTo>
+            </a:path>
+          </a:pathLst>
+        </a:custGeom>
+        <a:noFill/>
+        <a:ln w="25400" cap="flat" cmpd="sng" algn="ctr">
+          <a:solidFill>
+            <a:schemeClr val="accent2"/>
+          </a:solidFill>
+          <a:prstDash val="solid"/>
+        </a:ln>
+        <a:effectLst/>
+      </dsp:spPr>
+      <dsp:style>
+        <a:lnRef idx="2">
+          <a:scrgbClr r="0" g="0" b="0"/>
+        </a:lnRef>
+        <a:fillRef idx="0">
+          <a:scrgbClr r="0" g="0" b="0"/>
+        </a:fillRef>
+        <a:effectRef idx="0">
+          <a:scrgbClr r="0" g="0" b="0"/>
+        </a:effectRef>
+        <a:fontRef idx="minor"/>
+      </dsp:style>
+      <dsp:txBody>
+        <a:bodyPr spcFirstLastPara="0" vert="horz" wrap="square" lIns="12700" tIns="0" rIns="12700" bIns="0" numCol="1" spcCol="1270" anchor="ctr" anchorCtr="0">
+          <a:noAutofit/>
+        </a:bodyPr>
+        <a:lstStyle/>
+        <a:p>
+          <a:pPr lvl="0" algn="ctr" defTabSz="222250">
+            <a:lnSpc>
+              <a:spcPct val="90000"/>
+            </a:lnSpc>
+            <a:spcBef>
+              <a:spcPct val="0"/>
+            </a:spcBef>
+            <a:spcAft>
+              <a:spcPct val="35000"/>
+            </a:spcAft>
+          </a:pPr>
+          <a:endParaRPr lang="en-IE" sz="500" kern="1200"/>
+        </a:p>
+      </dsp:txBody>
+      <dsp:txXfrm>
+        <a:off x="5138819" y="2379817"/>
+        <a:ext cx="56446" cy="56446"/>
+      </dsp:txXfrm>
+    </dsp:sp>
+    <dsp:sp modelId="{7E0F9626-0874-4B18-95D5-615B83F48A4A}">
+      <dsp:nvSpPr>
+        <dsp:cNvPr id="0" name=""/>
+        <dsp:cNvSpPr/>
+      </dsp:nvSpPr>
+      <dsp:spPr>
+        <a:xfrm>
+          <a:off x="1334784" y="1859957"/>
+          <a:ext cx="1185493" cy="91440"/>
+        </a:xfrm>
+        <a:custGeom>
+          <a:avLst/>
+          <a:gdLst/>
+          <a:ahLst/>
+          <a:cxnLst/>
+          <a:rect l="0" t="0" r="0" b="0"/>
+          <a:pathLst>
+            <a:path>
+              <a:moveTo>
+                <a:pt x="0" y="45720"/>
+              </a:moveTo>
+              <a:lnTo>
+                <a:pt x="592746" y="45720"/>
+              </a:lnTo>
+              <a:lnTo>
+                <a:pt x="592746" y="128487"/>
+              </a:lnTo>
+              <a:lnTo>
+                <a:pt x="1185493" y="128487"/>
+              </a:lnTo>
+            </a:path>
+          </a:pathLst>
+        </a:custGeom>
+        <a:noFill/>
+        <a:ln w="25400" cap="flat" cmpd="sng" algn="ctr">
+          <a:solidFill>
+            <a:schemeClr val="accent2"/>
+          </a:solidFill>
+          <a:prstDash val="solid"/>
+        </a:ln>
+        <a:effectLst/>
+      </dsp:spPr>
+      <dsp:style>
+        <a:lnRef idx="2">
+          <a:scrgbClr r="0" g="0" b="0"/>
+        </a:lnRef>
+        <a:fillRef idx="0">
+          <a:scrgbClr r="0" g="0" b="0"/>
+        </a:fillRef>
+        <a:effectRef idx="0">
+          <a:scrgbClr r="0" g="0" b="0"/>
+        </a:effectRef>
+        <a:fontRef idx="minor"/>
+      </dsp:style>
+      <dsp:txBody>
+        <a:bodyPr spcFirstLastPara="0" vert="horz" wrap="square" lIns="12700" tIns="0" rIns="12700" bIns="0" numCol="1" spcCol="1270" anchor="ctr" anchorCtr="0">
+          <a:noAutofit/>
+        </a:bodyPr>
+        <a:lstStyle/>
+        <a:p>
+          <a:pPr lvl="0" algn="ctr" defTabSz="222250">
+            <a:lnSpc>
+              <a:spcPct val="90000"/>
+            </a:lnSpc>
+            <a:spcBef>
+              <a:spcPct val="0"/>
+            </a:spcBef>
+            <a:spcAft>
+              <a:spcPct val="35000"/>
+            </a:spcAft>
+          </a:pPr>
+          <a:endParaRPr lang="en-IE" sz="500" kern="1200"/>
+        </a:p>
+      </dsp:txBody>
+      <dsp:txXfrm>
+        <a:off x="1897821" y="1875967"/>
+        <a:ext cx="59418" cy="59418"/>
+      </dsp:txXfrm>
+    </dsp:sp>
+    <dsp:sp modelId="{CF03AFE5-6820-4426-8916-FE5167BBD535}">
+      <dsp:nvSpPr>
+        <dsp:cNvPr id="0" name=""/>
+        <dsp:cNvSpPr/>
+      </dsp:nvSpPr>
+      <dsp:spPr>
+        <a:xfrm>
+          <a:off x="4789472" y="739712"/>
+          <a:ext cx="827161" cy="1151818"/>
+        </a:xfrm>
+        <a:custGeom>
+          <a:avLst/>
+          <a:gdLst/>
+          <a:ahLst/>
+          <a:cxnLst/>
+          <a:rect l="0" t="0" r="0" b="0"/>
+          <a:pathLst>
+            <a:path>
+              <a:moveTo>
+                <a:pt x="0" y="0"/>
+              </a:moveTo>
+              <a:lnTo>
+                <a:pt x="413580" y="0"/>
+              </a:lnTo>
+              <a:lnTo>
+                <a:pt x="413580" y="1151818"/>
+              </a:lnTo>
+              <a:lnTo>
+                <a:pt x="827161" y="1151818"/>
+              </a:lnTo>
+            </a:path>
+          </a:pathLst>
+        </a:custGeom>
+        <a:noFill/>
+        <a:ln w="25400" cap="flat" cmpd="sng" algn="ctr">
+          <a:solidFill>
+            <a:schemeClr val="accent3"/>
+          </a:solidFill>
+          <a:prstDash val="solid"/>
+        </a:ln>
+        <a:effectLst/>
+      </dsp:spPr>
+      <dsp:style>
+        <a:lnRef idx="2">
+          <a:scrgbClr r="0" g="0" b="0"/>
+        </a:lnRef>
+        <a:fillRef idx="0">
+          <a:scrgbClr r="0" g="0" b="0"/>
+        </a:fillRef>
+        <a:effectRef idx="0">
+          <a:scrgbClr r="0" g="0" b="0"/>
+        </a:effectRef>
+        <a:fontRef idx="minor"/>
+      </dsp:style>
+      <dsp:txBody>
+        <a:bodyPr spcFirstLastPara="0" vert="horz" wrap="square" lIns="12700" tIns="0" rIns="12700" bIns="0" numCol="1" spcCol="1270" anchor="ctr" anchorCtr="0">
+          <a:noAutofit/>
+        </a:bodyPr>
+        <a:lstStyle/>
+        <a:p>
+          <a:pPr lvl="0" algn="ctr" defTabSz="222250">
+            <a:lnSpc>
+              <a:spcPct val="90000"/>
+            </a:lnSpc>
+            <a:spcBef>
+              <a:spcPct val="0"/>
+            </a:spcBef>
+            <a:spcAft>
+              <a:spcPct val="35000"/>
+            </a:spcAft>
+          </a:pPr>
+          <a:endParaRPr lang="en-IE" sz="500" kern="1200"/>
+        </a:p>
+      </dsp:txBody>
+      <dsp:txXfrm>
+        <a:off x="5167601" y="1280169"/>
+        <a:ext cx="70902" cy="70902"/>
+      </dsp:txXfrm>
+    </dsp:sp>
+    <dsp:sp modelId="{C0AA2116-4466-4013-B859-CF03DFB08E5A}">
+      <dsp:nvSpPr>
+        <dsp:cNvPr id="0" name=""/>
+        <dsp:cNvSpPr/>
+      </dsp:nvSpPr>
+      <dsp:spPr>
+        <a:xfrm>
+          <a:off x="4789472" y="739712"/>
+          <a:ext cx="827161" cy="359732"/>
+        </a:xfrm>
+        <a:custGeom>
+          <a:avLst/>
+          <a:gdLst/>
+          <a:ahLst/>
+          <a:cxnLst/>
+          <a:rect l="0" t="0" r="0" b="0"/>
+          <a:pathLst>
+            <a:path>
+              <a:moveTo>
+                <a:pt x="0" y="0"/>
+              </a:moveTo>
+              <a:lnTo>
+                <a:pt x="413580" y="0"/>
+              </a:lnTo>
+              <a:lnTo>
+                <a:pt x="413580" y="359732"/>
+              </a:lnTo>
+              <a:lnTo>
+                <a:pt x="827161" y="359732"/>
+              </a:lnTo>
+            </a:path>
+          </a:pathLst>
+        </a:custGeom>
+        <a:noFill/>
+        <a:ln w="25400" cap="flat" cmpd="sng" algn="ctr">
+          <a:solidFill>
+            <a:schemeClr val="accent3"/>
+          </a:solidFill>
+          <a:prstDash val="solid"/>
+        </a:ln>
+        <a:effectLst/>
+      </dsp:spPr>
+      <dsp:style>
+        <a:lnRef idx="2">
+          <a:scrgbClr r="0" g="0" b="0"/>
+        </a:lnRef>
+        <a:fillRef idx="0">
+          <a:scrgbClr r="0" g="0" b="0"/>
+        </a:fillRef>
+        <a:effectRef idx="0">
+          <a:scrgbClr r="0" g="0" b="0"/>
+        </a:effectRef>
+        <a:fontRef idx="minor"/>
+      </dsp:style>
+      <dsp:txBody>
+        <a:bodyPr spcFirstLastPara="0" vert="horz" wrap="square" lIns="12700" tIns="0" rIns="12700" bIns="0" numCol="1" spcCol="1270" anchor="ctr" anchorCtr="0">
+          <a:noAutofit/>
+        </a:bodyPr>
+        <a:lstStyle/>
+        <a:p>
+          <a:pPr lvl="0" algn="ctr" defTabSz="222250">
+            <a:lnSpc>
+              <a:spcPct val="90000"/>
+            </a:lnSpc>
+            <a:spcBef>
+              <a:spcPct val="0"/>
+            </a:spcBef>
+            <a:spcAft>
+              <a:spcPct val="35000"/>
+            </a:spcAft>
+          </a:pPr>
+          <a:endParaRPr lang="en-IE" sz="500" kern="1200"/>
+        </a:p>
+      </dsp:txBody>
+      <dsp:txXfrm>
+        <a:off x="5180502" y="897028"/>
+        <a:ext cx="45099" cy="45099"/>
+      </dsp:txXfrm>
+    </dsp:sp>
+    <dsp:sp modelId="{76DFC18C-2EAC-4B8B-8208-989F77F4AF84}">
+      <dsp:nvSpPr>
+        <dsp:cNvPr id="0" name=""/>
+        <dsp:cNvSpPr/>
+      </dsp:nvSpPr>
+      <dsp:spPr>
+        <a:xfrm>
+          <a:off x="4789472" y="307353"/>
+          <a:ext cx="827161" cy="432358"/>
+        </a:xfrm>
+        <a:custGeom>
+          <a:avLst/>
+          <a:gdLst/>
+          <a:ahLst/>
+          <a:cxnLst/>
+          <a:rect l="0" t="0" r="0" b="0"/>
+          <a:pathLst>
+            <a:path>
+              <a:moveTo>
+                <a:pt x="0" y="432358"/>
+              </a:moveTo>
+              <a:lnTo>
+                <a:pt x="413580" y="432358"/>
+              </a:lnTo>
+              <a:lnTo>
+                <a:pt x="413580" y="0"/>
+              </a:lnTo>
+              <a:lnTo>
+                <a:pt x="827161" y="0"/>
+              </a:lnTo>
+            </a:path>
+          </a:pathLst>
+        </a:custGeom>
+        <a:noFill/>
+        <a:ln w="25400" cap="flat" cmpd="sng" algn="ctr">
+          <a:solidFill>
+            <a:schemeClr val="accent3"/>
+          </a:solidFill>
+          <a:prstDash val="solid"/>
+        </a:ln>
+        <a:effectLst/>
+      </dsp:spPr>
+      <dsp:style>
+        <a:lnRef idx="2">
+          <a:scrgbClr r="0" g="0" b="0"/>
+        </a:lnRef>
+        <a:fillRef idx="0">
+          <a:scrgbClr r="0" g="0" b="0"/>
+        </a:fillRef>
+        <a:effectRef idx="0">
+          <a:scrgbClr r="0" g="0" b="0"/>
+        </a:effectRef>
+        <a:fontRef idx="minor"/>
+      </dsp:style>
+      <dsp:txBody>
+        <a:bodyPr spcFirstLastPara="0" vert="horz" wrap="square" lIns="12700" tIns="0" rIns="12700" bIns="0" numCol="1" spcCol="1270" anchor="ctr" anchorCtr="0">
+          <a:noAutofit/>
+        </a:bodyPr>
+        <a:lstStyle/>
+        <a:p>
+          <a:pPr lvl="0" algn="ctr" defTabSz="222250">
+            <a:lnSpc>
+              <a:spcPct val="90000"/>
+            </a:lnSpc>
+            <a:spcBef>
+              <a:spcPct val="0"/>
+            </a:spcBef>
+            <a:spcAft>
+              <a:spcPct val="35000"/>
+            </a:spcAft>
+          </a:pPr>
+          <a:endParaRPr lang="en-IE" sz="500" kern="1200"/>
+        </a:p>
+      </dsp:txBody>
+      <dsp:txXfrm>
+        <a:off x="5179719" y="500199"/>
+        <a:ext cx="46667" cy="46667"/>
+      </dsp:txXfrm>
+    </dsp:sp>
+    <dsp:sp modelId="{B67E08C2-EC45-49B7-853F-4C1D83138AC8}">
+      <dsp:nvSpPr>
+        <dsp:cNvPr id="0" name=""/>
+        <dsp:cNvSpPr/>
+      </dsp:nvSpPr>
+      <dsp:spPr>
+        <a:xfrm>
+          <a:off x="1334784" y="739712"/>
+          <a:ext cx="1185493" cy="1165965"/>
+        </a:xfrm>
+        <a:custGeom>
+          <a:avLst/>
+          <a:gdLst/>
+          <a:ahLst/>
+          <a:cxnLst/>
+          <a:rect l="0" t="0" r="0" b="0"/>
+          <a:pathLst>
+            <a:path>
+              <a:moveTo>
+                <a:pt x="0" y="1165965"/>
+              </a:moveTo>
+              <a:lnTo>
+                <a:pt x="592746" y="1165965"/>
+              </a:lnTo>
+              <a:lnTo>
+                <a:pt x="592746" y="0"/>
+              </a:lnTo>
+              <a:lnTo>
+                <a:pt x="1185493" y="0"/>
+              </a:lnTo>
+            </a:path>
+          </a:pathLst>
+        </a:custGeom>
+        <a:noFill/>
+        <a:ln w="25400" cap="flat" cmpd="sng" algn="ctr">
+          <a:solidFill>
+            <a:schemeClr val="accent3"/>
+          </a:solidFill>
+          <a:prstDash val="solid"/>
+        </a:ln>
+        <a:effectLst/>
+      </dsp:spPr>
+      <dsp:style>
+        <a:lnRef idx="2">
+          <a:scrgbClr r="0" g="0" b="0"/>
+        </a:lnRef>
+        <a:fillRef idx="0">
+          <a:scrgbClr r="0" g="0" b="0"/>
+        </a:fillRef>
+        <a:effectRef idx="0">
+          <a:scrgbClr r="0" g="0" b="0"/>
+        </a:effectRef>
+        <a:fontRef idx="minor"/>
+      </dsp:style>
+      <dsp:txBody>
+        <a:bodyPr spcFirstLastPara="0" vert="horz" wrap="square" lIns="12700" tIns="0" rIns="12700" bIns="0" numCol="1" spcCol="1270" anchor="ctr" anchorCtr="0">
+          <a:noAutofit/>
+        </a:bodyPr>
+        <a:lstStyle/>
+        <a:p>
+          <a:pPr lvl="0" algn="ctr" defTabSz="222250">
+            <a:lnSpc>
+              <a:spcPct val="90000"/>
+            </a:lnSpc>
+            <a:spcBef>
+              <a:spcPct val="0"/>
+            </a:spcBef>
+            <a:spcAft>
+              <a:spcPct val="35000"/>
+            </a:spcAft>
+          </a:pPr>
+          <a:endParaRPr lang="en-IE" sz="500" kern="1200"/>
+        </a:p>
+      </dsp:txBody>
+      <dsp:txXfrm>
+        <a:off x="1885961" y="1281125"/>
+        <a:ext cx="83139" cy="83139"/>
+      </dsp:txXfrm>
+    </dsp:sp>
+    <dsp:sp modelId="{EB1D0A75-60C7-41BC-945E-416CC3129373}">
+      <dsp:nvSpPr>
+        <dsp:cNvPr id="0" name=""/>
+        <dsp:cNvSpPr/>
+      </dsp:nvSpPr>
+      <dsp:spPr>
+        <a:xfrm rot="16200000">
+          <a:off x="-590217" y="1598324"/>
+          <a:ext cx="3235296" cy="614706"/>
+        </a:xfrm>
+        <a:prstGeom prst="rect">
+          <a:avLst/>
+        </a:prstGeom>
+        <a:solidFill>
+          <a:schemeClr val="tx1">
+            <a:lumMod val="50000"/>
+            <a:lumOff val="50000"/>
+          </a:schemeClr>
+        </a:solidFill>
+        <a:ln w="25400" cap="flat" cmpd="sng" algn="ctr">
+          <a:solidFill>
+            <a:schemeClr val="lt1">
+              <a:hueOff val="0"/>
+              <a:satOff val="0"/>
+              <a:lumOff val="0"/>
+              <a:alphaOff val="0"/>
+            </a:schemeClr>
+          </a:solidFill>
+          <a:prstDash val="solid"/>
+        </a:ln>
+        <a:effectLst/>
+      </dsp:spPr>
+      <dsp:style>
+        <a:lnRef idx="2">
+          <a:scrgbClr r="0" g="0" b="0"/>
+        </a:lnRef>
+        <a:fillRef idx="1">
+          <a:scrgbClr r="0" g="0" b="0"/>
+        </a:fillRef>
+        <a:effectRef idx="0">
+          <a:scrgbClr r="0" g="0" b="0"/>
+        </a:effectRef>
+        <a:fontRef idx="minor">
+          <a:schemeClr val="lt1"/>
+        </a:fontRef>
+      </dsp:style>
+      <dsp:txBody>
+        <a:bodyPr spcFirstLastPara="0" vert="horz" wrap="square" lIns="25400" tIns="25400" rIns="25400" bIns="25400" numCol="1" spcCol="1270" anchor="ctr" anchorCtr="0">
+          <a:noAutofit/>
+        </a:bodyPr>
+        <a:lstStyle/>
+        <a:p>
+          <a:pPr lvl="0" algn="ctr" defTabSz="1778000">
+            <a:lnSpc>
+              <a:spcPct val="90000"/>
+            </a:lnSpc>
+            <a:spcBef>
+              <a:spcPct val="0"/>
+            </a:spcBef>
+            <a:spcAft>
+              <a:spcPct val="35000"/>
+            </a:spcAft>
+          </a:pPr>
+          <a:r>
+            <a:rPr lang="en-IE" sz="4000" kern="1200" dirty="0" smtClean="0"/>
+            <a:t>MCU</a:t>
+          </a:r>
+          <a:endParaRPr lang="en-IE" sz="4000" kern="1200" dirty="0"/>
+        </a:p>
+      </dsp:txBody>
+      <dsp:txXfrm>
+        <a:off x="-590217" y="1598324"/>
+        <a:ext cx="3235296" cy="614706"/>
+      </dsp:txXfrm>
+    </dsp:sp>
+    <dsp:sp modelId="{9D4550D1-9501-4344-B8BA-8A3AB9A987F7}">
+      <dsp:nvSpPr>
+        <dsp:cNvPr id="0" name=""/>
+        <dsp:cNvSpPr/>
+      </dsp:nvSpPr>
+      <dsp:spPr>
+        <a:xfrm>
+          <a:off x="2520278" y="374825"/>
+          <a:ext cx="2269194" cy="729773"/>
+        </a:xfrm>
+        <a:prstGeom prst="rect">
+          <a:avLst/>
+        </a:prstGeom>
+        <a:solidFill>
+          <a:schemeClr val="accent3"/>
+        </a:solidFill>
+        <a:ln w="25400" cap="flat" cmpd="sng" algn="ctr">
+          <a:solidFill>
+            <a:schemeClr val="lt1">
+              <a:hueOff val="0"/>
+              <a:satOff val="0"/>
+              <a:lumOff val="0"/>
+              <a:alphaOff val="0"/>
+            </a:schemeClr>
+          </a:solidFill>
+          <a:prstDash val="solid"/>
+        </a:ln>
+        <a:effectLst/>
+      </dsp:spPr>
+      <dsp:style>
+        <a:lnRef idx="2">
+          <a:scrgbClr r="0" g="0" b="0"/>
+        </a:lnRef>
+        <a:fillRef idx="1">
+          <a:scrgbClr r="0" g="0" b="0"/>
+        </a:fillRef>
+        <a:effectRef idx="0">
+          <a:scrgbClr r="0" g="0" b="0"/>
+        </a:effectRef>
+        <a:fontRef idx="minor">
+          <a:schemeClr val="lt1"/>
+        </a:fontRef>
+      </dsp:style>
+      <dsp:txBody>
+        <a:bodyPr spcFirstLastPara="0" vert="horz" wrap="square" lIns="17780" tIns="17780" rIns="17780" bIns="17780" numCol="1" spcCol="1270" anchor="ctr" anchorCtr="0">
+          <a:noAutofit/>
+        </a:bodyPr>
+        <a:lstStyle/>
+        <a:p>
+          <a:pPr lvl="0" algn="ctr" defTabSz="1244600">
+            <a:lnSpc>
+              <a:spcPct val="90000"/>
+            </a:lnSpc>
+            <a:spcBef>
+              <a:spcPct val="0"/>
+            </a:spcBef>
+            <a:spcAft>
+              <a:spcPct val="35000"/>
+            </a:spcAft>
+          </a:pPr>
+          <a:r>
+            <a:rPr lang="en-IE" sz="2800" kern="1200" dirty="0" smtClean="0"/>
+            <a:t>Sensors</a:t>
+          </a:r>
+          <a:endParaRPr lang="en-IE" sz="2800" kern="1200" dirty="0"/>
+        </a:p>
+      </dsp:txBody>
+      <dsp:txXfrm>
+        <a:off x="2520278" y="374825"/>
+        <a:ext cx="2269194" cy="729773"/>
+      </dsp:txXfrm>
+    </dsp:sp>
+    <dsp:sp modelId="{2523565B-AD8C-46AD-A2F4-B5B7AE0C56C5}">
+      <dsp:nvSpPr>
+        <dsp:cNvPr id="0" name=""/>
+        <dsp:cNvSpPr/>
+      </dsp:nvSpPr>
+      <dsp:spPr>
+        <a:xfrm>
+          <a:off x="5616633" y="0"/>
+          <a:ext cx="2016237" cy="614706"/>
+        </a:xfrm>
+        <a:prstGeom prst="rect">
+          <a:avLst/>
+        </a:prstGeom>
+        <a:solidFill>
+          <a:schemeClr val="accent3"/>
+        </a:solidFill>
+        <a:ln w="25400" cap="flat" cmpd="sng" algn="ctr">
+          <a:solidFill>
+            <a:schemeClr val="lt1">
+              <a:hueOff val="0"/>
+              <a:satOff val="0"/>
+              <a:lumOff val="0"/>
+              <a:alphaOff val="0"/>
+            </a:schemeClr>
+          </a:solidFill>
+          <a:prstDash val="solid"/>
+        </a:ln>
+        <a:effectLst/>
+      </dsp:spPr>
+      <dsp:style>
+        <a:lnRef idx="2">
+          <a:scrgbClr r="0" g="0" b="0"/>
+        </a:lnRef>
+        <a:fillRef idx="1">
+          <a:scrgbClr r="0" g="0" b="0"/>
+        </a:fillRef>
+        <a:effectRef idx="0">
+          <a:scrgbClr r="0" g="0" b="0"/>
+        </a:effectRef>
+        <a:fontRef idx="minor">
+          <a:schemeClr val="lt1"/>
+        </a:fontRef>
+      </dsp:style>
+      <dsp:txBody>
+        <a:bodyPr spcFirstLastPara="0" vert="horz" wrap="square" lIns="17780" tIns="17780" rIns="17780" bIns="17780" numCol="1" spcCol="1270" anchor="ctr" anchorCtr="0">
+          <a:noAutofit/>
+        </a:bodyPr>
+        <a:lstStyle/>
+        <a:p>
+          <a:pPr lvl="0" algn="ctr" defTabSz="1244600">
+            <a:lnSpc>
+              <a:spcPct val="90000"/>
+            </a:lnSpc>
+            <a:spcBef>
+              <a:spcPct val="0"/>
+            </a:spcBef>
+            <a:spcAft>
+              <a:spcPct val="35000"/>
+            </a:spcAft>
+          </a:pPr>
+          <a:r>
+            <a:rPr lang="en-IE" sz="2800" kern="1200" dirty="0" smtClean="0"/>
+            <a:t>Contact</a:t>
+          </a:r>
+          <a:endParaRPr lang="en-IE" sz="2800" kern="1200" dirty="0"/>
+        </a:p>
+      </dsp:txBody>
+      <dsp:txXfrm>
+        <a:off x="5616633" y="0"/>
+        <a:ext cx="2016237" cy="614706"/>
+      </dsp:txXfrm>
+    </dsp:sp>
+    <dsp:sp modelId="{4C2D1797-6C79-4F81-B200-F5E4E2077112}">
+      <dsp:nvSpPr>
+        <dsp:cNvPr id="0" name=""/>
+        <dsp:cNvSpPr/>
+      </dsp:nvSpPr>
+      <dsp:spPr>
+        <a:xfrm>
+          <a:off x="5616633" y="792091"/>
+          <a:ext cx="2016237" cy="614706"/>
+        </a:xfrm>
+        <a:prstGeom prst="rect">
+          <a:avLst/>
+        </a:prstGeom>
+        <a:solidFill>
+          <a:schemeClr val="accent3"/>
+        </a:solidFill>
+        <a:ln w="25400" cap="flat" cmpd="sng" algn="ctr">
+          <a:solidFill>
+            <a:schemeClr val="lt1">
+              <a:hueOff val="0"/>
+              <a:satOff val="0"/>
+              <a:lumOff val="0"/>
+              <a:alphaOff val="0"/>
+            </a:schemeClr>
+          </a:solidFill>
+          <a:prstDash val="solid"/>
+        </a:ln>
+        <a:effectLst/>
+      </dsp:spPr>
+      <dsp:style>
+        <a:lnRef idx="2">
+          <a:scrgbClr r="0" g="0" b="0"/>
+        </a:lnRef>
+        <a:fillRef idx="1">
+          <a:scrgbClr r="0" g="0" b="0"/>
+        </a:fillRef>
+        <a:effectRef idx="0">
+          <a:scrgbClr r="0" g="0" b="0"/>
+        </a:effectRef>
+        <a:fontRef idx="minor">
+          <a:schemeClr val="lt1"/>
+        </a:fontRef>
+      </dsp:style>
+      <dsp:txBody>
+        <a:bodyPr spcFirstLastPara="0" vert="horz" wrap="square" lIns="17780" tIns="17780" rIns="17780" bIns="17780" numCol="1" spcCol="1270" anchor="ctr" anchorCtr="0">
+          <a:noAutofit/>
+        </a:bodyPr>
+        <a:lstStyle/>
+        <a:p>
+          <a:pPr lvl="0" algn="ctr" defTabSz="1244600">
+            <a:lnSpc>
+              <a:spcPct val="90000"/>
+            </a:lnSpc>
+            <a:spcBef>
+              <a:spcPct val="0"/>
+            </a:spcBef>
+            <a:spcAft>
+              <a:spcPct val="35000"/>
+            </a:spcAft>
+          </a:pPr>
+          <a:r>
+            <a:rPr lang="en-IE" sz="2800" kern="1200" dirty="0" smtClean="0"/>
+            <a:t>Atmosphere</a:t>
+          </a:r>
+          <a:endParaRPr lang="en-IE" sz="2800" kern="1200" dirty="0"/>
+        </a:p>
+      </dsp:txBody>
+      <dsp:txXfrm>
+        <a:off x="5616633" y="792091"/>
+        <a:ext cx="2016237" cy="614706"/>
+      </dsp:txXfrm>
+    </dsp:sp>
+    <dsp:sp modelId="{C756D92D-E6C9-4CB9-B30E-AC2A31A13795}">
+      <dsp:nvSpPr>
+        <dsp:cNvPr id="0" name=""/>
+        <dsp:cNvSpPr/>
+      </dsp:nvSpPr>
+      <dsp:spPr>
+        <a:xfrm>
+          <a:off x="5616633" y="1584177"/>
+          <a:ext cx="2016237" cy="614706"/>
+        </a:xfrm>
+        <a:prstGeom prst="rect">
+          <a:avLst/>
+        </a:prstGeom>
+        <a:solidFill>
+          <a:schemeClr val="accent3"/>
+        </a:solidFill>
+        <a:ln w="25400" cap="flat" cmpd="sng" algn="ctr">
+          <a:solidFill>
+            <a:schemeClr val="lt1">
+              <a:hueOff val="0"/>
+              <a:satOff val="0"/>
+              <a:lumOff val="0"/>
+              <a:alphaOff val="0"/>
+            </a:schemeClr>
+          </a:solidFill>
+          <a:prstDash val="solid"/>
+        </a:ln>
+        <a:effectLst/>
+      </dsp:spPr>
+      <dsp:style>
+        <a:lnRef idx="2">
+          <a:scrgbClr r="0" g="0" b="0"/>
+        </a:lnRef>
+        <a:fillRef idx="1">
+          <a:scrgbClr r="0" g="0" b="0"/>
+        </a:fillRef>
+        <a:effectRef idx="0">
+          <a:scrgbClr r="0" g="0" b="0"/>
+        </a:effectRef>
+        <a:fontRef idx="minor">
+          <a:schemeClr val="lt1"/>
+        </a:fontRef>
+      </dsp:style>
+      <dsp:txBody>
+        <a:bodyPr spcFirstLastPara="0" vert="horz" wrap="square" lIns="17780" tIns="17780" rIns="17780" bIns="17780" numCol="1" spcCol="1270" anchor="ctr" anchorCtr="0">
+          <a:noAutofit/>
+        </a:bodyPr>
+        <a:lstStyle/>
+        <a:p>
+          <a:pPr lvl="0" algn="ctr" defTabSz="1244600">
+            <a:lnSpc>
+              <a:spcPct val="90000"/>
+            </a:lnSpc>
+            <a:spcBef>
+              <a:spcPct val="0"/>
+            </a:spcBef>
+            <a:spcAft>
+              <a:spcPct val="35000"/>
+            </a:spcAft>
+          </a:pPr>
+          <a:r>
+            <a:rPr lang="en-IE" sz="2800" kern="1200" dirty="0" smtClean="0"/>
+            <a:t>Motion</a:t>
+          </a:r>
+          <a:endParaRPr lang="en-IE" sz="2800" kern="1200" dirty="0"/>
+        </a:p>
+      </dsp:txBody>
+      <dsp:txXfrm>
+        <a:off x="5616633" y="1584177"/>
+        <a:ext cx="2016237" cy="614706"/>
+      </dsp:txXfrm>
+    </dsp:sp>
+    <dsp:sp modelId="{1775ECB7-D66C-42EB-B2AB-A489BD7EBCDB}">
+      <dsp:nvSpPr>
+        <dsp:cNvPr id="0" name=""/>
+        <dsp:cNvSpPr/>
+      </dsp:nvSpPr>
+      <dsp:spPr>
+        <a:xfrm>
+          <a:off x="2520278" y="1656184"/>
+          <a:ext cx="2269194" cy="664522"/>
+        </a:xfrm>
+        <a:prstGeom prst="rect">
+          <a:avLst/>
+        </a:prstGeom>
+        <a:solidFill>
+          <a:schemeClr val="accent2"/>
+        </a:solidFill>
+        <a:ln w="25400" cap="flat" cmpd="sng" algn="ctr">
+          <a:solidFill>
+            <a:schemeClr val="accent2"/>
+          </a:solidFill>
+          <a:prstDash val="solid"/>
+        </a:ln>
+        <a:effectLst/>
+      </dsp:spPr>
+      <dsp:style>
+        <a:lnRef idx="2">
+          <a:scrgbClr r="0" g="0" b="0"/>
+        </a:lnRef>
+        <a:fillRef idx="1">
+          <a:scrgbClr r="0" g="0" b="0"/>
+        </a:fillRef>
+        <a:effectRef idx="0">
+          <a:scrgbClr r="0" g="0" b="0"/>
+        </a:effectRef>
+        <a:fontRef idx="minor">
+          <a:schemeClr val="lt1"/>
+        </a:fontRef>
+      </dsp:style>
+      <dsp:txBody>
+        <a:bodyPr spcFirstLastPara="0" vert="horz" wrap="square" lIns="17780" tIns="17780" rIns="17780" bIns="17780" numCol="1" spcCol="1270" anchor="ctr" anchorCtr="0">
+          <a:noAutofit/>
+        </a:bodyPr>
+        <a:lstStyle/>
+        <a:p>
+          <a:pPr lvl="0" algn="ctr" defTabSz="1244600">
+            <a:lnSpc>
+              <a:spcPct val="90000"/>
+            </a:lnSpc>
+            <a:spcBef>
+              <a:spcPct val="0"/>
+            </a:spcBef>
+            <a:spcAft>
+              <a:spcPct val="35000"/>
+            </a:spcAft>
+          </a:pPr>
+          <a:r>
+            <a:rPr lang="en-IE" sz="2800" kern="1200" dirty="0" smtClean="0"/>
+            <a:t>Infrared</a:t>
+          </a:r>
+          <a:endParaRPr lang="en-IE" sz="2800" kern="1200" dirty="0"/>
+        </a:p>
+      </dsp:txBody>
+      <dsp:txXfrm>
+        <a:off x="2520278" y="1656184"/>
+        <a:ext cx="2269194" cy="664522"/>
+      </dsp:txXfrm>
+    </dsp:sp>
+    <dsp:sp modelId="{D3D8FB51-04FB-489E-9990-C6E42AB36F31}">
+      <dsp:nvSpPr>
+        <dsp:cNvPr id="0" name=""/>
+        <dsp:cNvSpPr/>
+      </dsp:nvSpPr>
+      <dsp:spPr>
+        <a:xfrm>
+          <a:off x="5544613" y="2520283"/>
+          <a:ext cx="2016237" cy="614706"/>
+        </a:xfrm>
+        <a:prstGeom prst="rect">
+          <a:avLst/>
+        </a:prstGeom>
+        <a:solidFill>
+          <a:schemeClr val="accent2"/>
+        </a:solidFill>
+        <a:ln w="25400" cap="flat" cmpd="sng" algn="ctr">
+          <a:solidFill>
+            <a:schemeClr val="accent2"/>
+          </a:solidFill>
+          <a:prstDash val="solid"/>
+        </a:ln>
+        <a:effectLst/>
+      </dsp:spPr>
+      <dsp:style>
+        <a:lnRef idx="2">
+          <a:scrgbClr r="0" g="0" b="0"/>
+        </a:lnRef>
+        <a:fillRef idx="1">
+          <a:scrgbClr r="0" g="0" b="0"/>
+        </a:fillRef>
+        <a:effectRef idx="0">
+          <a:scrgbClr r="0" g="0" b="0"/>
+        </a:effectRef>
+        <a:fontRef idx="minor">
+          <a:schemeClr val="lt1"/>
+        </a:fontRef>
+      </dsp:style>
+      <dsp:txBody>
+        <a:bodyPr spcFirstLastPara="0" vert="horz" wrap="square" lIns="17780" tIns="17780" rIns="17780" bIns="17780" numCol="1" spcCol="1270" anchor="ctr" anchorCtr="0">
+          <a:noAutofit/>
+        </a:bodyPr>
+        <a:lstStyle/>
+        <a:p>
+          <a:pPr lvl="0" algn="ctr" defTabSz="1244600">
+            <a:lnSpc>
+              <a:spcPct val="90000"/>
+            </a:lnSpc>
+            <a:spcBef>
+              <a:spcPct val="0"/>
+            </a:spcBef>
+            <a:spcAft>
+              <a:spcPct val="35000"/>
+            </a:spcAft>
+          </a:pPr>
+          <a:r>
+            <a:rPr lang="en-IE" sz="2800" kern="1200" dirty="0" smtClean="0"/>
+            <a:t>Send/Receive</a:t>
+          </a:r>
+          <a:endParaRPr lang="en-IE" sz="2800" kern="1200" dirty="0"/>
+        </a:p>
+      </dsp:txBody>
+      <dsp:txXfrm>
+        <a:off x="5544613" y="2520283"/>
+        <a:ext cx="2016237" cy="614706"/>
+      </dsp:txXfrm>
+    </dsp:sp>
+    <dsp:sp modelId="{1B43D903-5FCA-40B7-AFF5-6D1F92E25612}">
+      <dsp:nvSpPr>
+        <dsp:cNvPr id="0" name=""/>
+        <dsp:cNvSpPr/>
+      </dsp:nvSpPr>
+      <dsp:spPr>
+        <a:xfrm>
+          <a:off x="2520278" y="2762415"/>
+          <a:ext cx="2269194" cy="731101"/>
+        </a:xfrm>
+        <a:prstGeom prst="rect">
+          <a:avLst/>
+        </a:prstGeom>
+        <a:solidFill>
+          <a:schemeClr val="accent1">
+            <a:hueOff val="0"/>
+            <a:satOff val="0"/>
+            <a:lumOff val="0"/>
+            <a:alphaOff val="0"/>
+          </a:schemeClr>
+        </a:solidFill>
+        <a:ln w="25400" cap="flat" cmpd="sng" algn="ctr">
+          <a:solidFill>
+            <a:schemeClr val="lt1">
+              <a:hueOff val="0"/>
+              <a:satOff val="0"/>
+              <a:lumOff val="0"/>
+              <a:alphaOff val="0"/>
+            </a:schemeClr>
+          </a:solidFill>
+          <a:prstDash val="solid"/>
+        </a:ln>
+        <a:effectLst/>
+      </dsp:spPr>
+      <dsp:style>
+        <a:lnRef idx="2">
+          <a:scrgbClr r="0" g="0" b="0"/>
+        </a:lnRef>
+        <a:fillRef idx="1">
+          <a:scrgbClr r="0" g="0" b="0"/>
+        </a:fillRef>
+        <a:effectRef idx="0">
+          <a:scrgbClr r="0" g="0" b="0"/>
+        </a:effectRef>
+        <a:fontRef idx="minor">
+          <a:schemeClr val="lt1"/>
+        </a:fontRef>
+      </dsp:style>
+      <dsp:txBody>
+        <a:bodyPr spcFirstLastPara="0" vert="horz" wrap="square" lIns="17780" tIns="17780" rIns="17780" bIns="17780" numCol="1" spcCol="1270" anchor="ctr" anchorCtr="0">
+          <a:noAutofit/>
+        </a:bodyPr>
+        <a:lstStyle/>
+        <a:p>
+          <a:pPr lvl="0" algn="ctr" defTabSz="1244600">
+            <a:lnSpc>
+              <a:spcPct val="90000"/>
+            </a:lnSpc>
+            <a:spcBef>
+              <a:spcPct val="0"/>
+            </a:spcBef>
+            <a:spcAft>
+              <a:spcPct val="35000"/>
+            </a:spcAft>
+          </a:pPr>
+          <a:r>
+            <a:rPr lang="en-IE" sz="2800" kern="1200" dirty="0" smtClean="0"/>
+            <a:t>RF Motes</a:t>
+          </a:r>
+          <a:endParaRPr lang="en-IE" sz="2800" kern="1200" dirty="0"/>
+        </a:p>
+      </dsp:txBody>
+      <dsp:txXfrm>
+        <a:off x="2520278" y="2762415"/>
+        <a:ext cx="2269194" cy="731101"/>
+      </dsp:txXfrm>
+    </dsp:sp>
+  </dsp:spTree>
+</dsp:drawing>
+</file>
+
+<file path=ppt/diagrams/layout1.xml><?xml version="1.0" encoding="utf-8"?>
+<dgm:layoutDef xmlns:dgm="http://schemas.openxmlformats.org/drawingml/2006/diagram" xmlns:a="http://schemas.openxmlformats.org/drawingml/2006/main" uniqueId="urn:microsoft.com/office/officeart/2005/8/layout/rings+Icon">
+  <dgm:title val="Interconnected Rings"/>
+  <dgm:desc val="Use to show overlapping or interconnected ideas or concepts. The first seven lines of Level 1 text correspond with a circle. Unused text does not appear, but remains available if you switch layouts.  "/>
+  <dgm:catLst>
+    <dgm:cat type="relationship" pri="32000"/>
+    <dgm:cat type="officeonline" pri="6000"/>
+  </dgm:catLst>
+  <dgm:sampData useDef="1">
+    <dgm:dataModel>
+      <dgm:ptLst/>
+      <dgm:bg/>
+      <dgm:whole/>
+    </dgm:dataModel>
+  </dgm:sampData>
+  <dgm:styleData>
+    <dgm:dataModel>
+      <dgm:ptLst>
+        <dgm:pt modelId="0" type="doc"/>
+        <dgm:pt modelId="10"/>
+        <dgm:pt modelId="20"/>
+      </dgm:ptLst>
+      <dgm:cxnLst>
+        <dgm:cxn modelId="30" srcId="0" destId="10" srcOrd="0" destOrd="0"/>
+        <dgm:cxn modelId="40" srcId="0" destId="20" srcOrd="1" destOrd="0"/>
+      </dgm:cxnLst>
+      <dgm:bg/>
+      <dgm:whole/>
+    </dgm:dataModel>
+  </dgm:styleData>
+  <dgm:clrData>
+    <dgm:dataModel>
+      <dgm:ptLst>
+        <dgm:pt modelId="0" type="doc"/>
+        <dgm:pt modelId="10"/>
+        <dgm:pt modelId="20"/>
+        <dgm:pt modelId="30"/>
+        <dgm:pt modelId="40"/>
+      </dgm:ptLst>
+      <dgm:cxnLst>
+        <dgm:cxn modelId="50" srcId="0" destId="10" srcOrd="0" destOrd="0"/>
+        <dgm:cxn modelId="60" srcId="0" destId="20" srcOrd="1" destOrd="0"/>
+        <dgm:cxn modelId="70" srcId="0" destId="30" srcOrd="2" destOrd="0"/>
+        <dgm:cxn modelId="80" srcId="0" destId="40" srcOrd="2" destOrd="0"/>
+      </dgm:cxnLst>
+      <dgm:bg/>
+      <dgm:whole/>
+    </dgm:dataModel>
+  </dgm:clrData>
+  <dgm:layoutNode name="Name0">
+    <dgm:varLst>
+      <dgm:chMax val="7"/>
+      <dgm:dir/>
+      <dgm:resizeHandles val="exact"/>
+    </dgm:varLst>
+    <dgm:choose name="Name1">
+      <dgm:if name="Name2" axis="ch" ptType="node" func="cnt" op="lt" val="1">
+        <dgm:alg type="composite"/>
+        <dgm:shape xmlns:r="http://schemas.openxmlformats.org/officeDocument/2006/relationships" r:blip="">
+          <dgm:adjLst/>
+        </dgm:shape>
+        <dgm:presOf/>
+        <dgm:constrLst/>
+        <dgm:ruleLst/>
+      </dgm:if>
+      <dgm:if name="Name3" axis="ch" ptType="node" func="cnt" op="equ" val="1">
+        <dgm:alg type="composite">
+          <dgm:param type="ar" val="1"/>
+        </dgm:alg>
+        <dgm:shape xmlns:r="http://schemas.openxmlformats.org/officeDocument/2006/relationships" r:blip="">
+          <dgm:adjLst/>
+        </dgm:shape>
+        <dgm:presOf/>
+        <dgm:constrLst>
+          <dgm:constr type="primFontSz" for="des" ptType="node" op="equ" val="65"/>
+          <dgm:constr type="l" for="ch" forName="ellipse1" refType="w" fact="0"/>
+          <dgm:constr type="t" for="ch" forName="ellipse1" refType="h" fact="0"/>
+          <dgm:constr type="w" for="ch" forName="ellipse1" refType="w"/>
+          <dgm:constr type="h" for="ch" forName="ellipse1" refType="h"/>
+        </dgm:constrLst>
+      </dgm:if>
+      <dgm:if name="Name4" axis="ch" ptType="node" func="cnt" op="equ" val="2">
+        <dgm:alg type="composite">
+          <dgm:param type="ar" val="0.9086"/>
+        </dgm:alg>
+        <dgm:shape xmlns:r="http://schemas.openxmlformats.org/officeDocument/2006/relationships" r:blip="">
+          <dgm:adjLst/>
+        </dgm:shape>
+        <dgm:presOf/>
+        <dgm:constrLst>
+          <dgm:constr type="primFontSz" for="des" ptType="node" op="equ" val="65"/>
+          <dgm:constr type="l" for="ch" forName="ellipse1" refType="w" fact="0"/>
+          <dgm:constr type="t" for="ch" forName="ellipse1" refType="h" fact="0"/>
+          <dgm:constr type="w" for="ch" forName="ellipse1" refType="w" fact="0.6602"/>
+          <dgm:constr type="h" for="ch" forName="ellipse1" refType="h" fact="0.5999"/>
+          <dgm:constr type="l" for="ch" forName="ellipse2" refType="w" fact="0.3398"/>
+          <dgm:constr type="t" for="ch" forName="ellipse2" refType="h" fact="0.4001"/>
+          <dgm:constr type="w" for="ch" forName="ellipse2" refType="w" fact="0.6602"/>
+          <dgm:constr type="h" for="ch" forName="ellipse2" refType="h" fact="0.5999"/>
+        </dgm:constrLst>
+      </dgm:if>
+      <dgm:if name="Name5" axis="ch" ptType="node" func="cnt" op="equ" val="3">
+        <dgm:alg type="composite">
+          <dgm:param type="ar" val="1.2171"/>
+        </dgm:alg>
+        <dgm:shape xmlns:r="http://schemas.openxmlformats.org/officeDocument/2006/relationships" r:blip="">
+          <dgm:adjLst/>
+        </dgm:shape>
+        <dgm:presOf/>
+        <dgm:constrLst>
+          <dgm:constr type="primFontSz" for="des" ptType="node" op="equ" val="65"/>
+          <dgm:constr type="l" for="ch" forName="ellipse1" refType="w" fact="0"/>
+          <dgm:constr type="t" for="ch" forName="ellipse1" refType="h" fact="0"/>
+          <dgm:constr type="w" for="ch" forName="ellipse1" refType="w" fact="0.4929"/>
+          <dgm:constr type="h" for="ch" forName="ellipse1" refType="h" fact="0.5999"/>
+          <dgm:constr type="l" for="ch" forName="ellipse2" refType="w" fact="0.2537"/>
+          <dgm:constr type="t" for="ch" forName="ellipse2" refType="h" fact="0.4001"/>
+          <dgm:constr type="w" for="ch" forName="ellipse2" refType="w" fact="0.4929"/>
+          <dgm:constr type="h" for="ch" forName="ellipse2" refType="h" fact="0.5999"/>
+          <dgm:constr type="l" for="ch" forName="ellipse3" refType="w" fact="0.5071"/>
+          <dgm:constr type="t" for="ch" forName="ellipse3" refType="h" fact="0"/>
+          <dgm:constr type="w" for="ch" forName="ellipse3" refType="w" fact="0.4929"/>
+          <dgm:constr type="h" for="ch" forName="ellipse3" refType="h" fact="0.5999"/>
+        </dgm:constrLst>
+      </dgm:if>
+      <dgm:if name="Name6" axis="ch" ptType="node" func="cnt" op="equ" val="4">
+        <dgm:alg type="composite">
+          <dgm:param type="ar" val="1.5255"/>
+        </dgm:alg>
+        <dgm:shape xmlns:r="http://schemas.openxmlformats.org/officeDocument/2006/relationships" r:blip="">
+          <dgm:adjLst/>
+        </dgm:shape>
+        <dgm:presOf/>
+        <dgm:constrLst>
+          <dgm:constr type="primFontSz" for="des" ptType="node" op="equ" val="65"/>
+          <dgm:constr type="l" for="ch" forName="ellipse1" refType="w" fact="0"/>
+          <dgm:constr type="t" for="ch" forName="ellipse1" refType="h" fact="0"/>
+          <dgm:constr type="w" for="ch" forName="ellipse1" refType="w" fact="0.3932"/>
+          <dgm:constr type="h" for="ch" forName="ellipse1" refType="h" fact="0.5999"/>
+          <dgm:constr type="l" for="ch" forName="ellipse2" refType="w" fact="0.2023"/>
+          <dgm:constr type="t" for="ch" forName="ellipse2" refType="h" fact="0.4001"/>
+          <dgm:constr type="w" for="ch" forName="ellipse2" refType="w" fact="0.3932"/>
+          <dgm:constr type="h" for="ch" forName="ellipse2" refType="h" fact="0.5999"/>
+          <dgm:constr type="l" for="ch" forName="ellipse3" refType="w" fact="0.4045"/>
+          <dgm:constr type="t" for="ch" forName="ellipse3" refType="h" fact="0"/>
+          <dgm:constr type="w" for="ch" forName="ellipse3" refType="w" fact="0.3932"/>
+          <dgm:constr type="h" for="ch" forName="ellipse3" refType="h" fact="0.5999"/>
+          <dgm:constr type="l" for="ch" forName="ellipse4" refType="w" fact="0.6068"/>
+          <dgm:constr type="t" for="ch" forName="ellipse4" refType="h" fact="0.4001"/>
+          <dgm:constr type="w" for="ch" forName="ellipse4" refType="w" fact="0.3932"/>
+          <dgm:constr type="h" for="ch" forName="ellipse4" refType="h" fact="0.5999"/>
+        </dgm:constrLst>
+      </dgm:if>
+      <dgm:if name="Name7" axis="ch" ptType="node" func="cnt" op="equ" val="5">
+        <dgm:alg type="composite">
+          <dgm:param type="ar" val="1.834"/>
+        </dgm:alg>
+        <dgm:shape xmlns:r="http://schemas.openxmlformats.org/officeDocument/2006/relationships" r:blip="">
+          <dgm:adjLst/>
+        </dgm:shape>
+        <dgm:presOf/>
+        <dgm:constrLst>
+          <dgm:constr type="primFontSz" for="des" ptType="node" op="equ" val="65"/>
+          <dgm:constr type="l" for="ch" forName="ellipse1" refType="w" fact="0"/>
+          <dgm:constr type="t" for="ch" forName="ellipse1" refType="h" fact="0"/>
+          <dgm:constr type="w" for="ch" forName="ellipse1" refType="w" fact="0.3271"/>
+          <dgm:constr type="h" for="ch" forName="ellipse1" refType="h" fact="0.5999"/>
+          <dgm:constr type="l" for="ch" forName="ellipse2" refType="w" fact="0.1682"/>
+          <dgm:constr type="t" for="ch" forName="ellipse2" refType="h" fact="0.4001"/>
+          <dgm:constr type="w" for="ch" forName="ellipse2" refType="w" fact="0.3271"/>
+          <dgm:constr type="h" for="ch" forName="ellipse2" refType="h" fact="0.5999"/>
+          <dgm:constr type="l" for="ch" forName="ellipse3" refType="w" fact="0.3365"/>
+          <dgm:constr type="t" for="ch" forName="ellipse3" refType="h" fact="0"/>
+          <dgm:constr type="w" for="ch" forName="ellipse3" refType="w" fact="0.3271"/>
+          <dgm:constr type="h" for="ch" forName="ellipse3" refType="h" fact="0.5999"/>
+          <dgm:constr type="l" for="ch" forName="ellipse4" refType="w" fact="0.5047"/>
+          <dgm:constr type="t" for="ch" forName="ellipse4" refType="h" fact="0.4001"/>
+          <dgm:constr type="w" for="ch" forName="ellipse4" refType="w" fact="0.3271"/>
+          <dgm:constr type="h" for="ch" forName="ellipse4" refType="h" fact="0.5999"/>
+          <dgm:constr type="l" for="ch" forName="ellipse5" refType="w" fact="0.6729"/>
+          <dgm:constr type="t" for="ch" forName="ellipse5" refType="h" fact="0"/>
+          <dgm:constr type="w" for="ch" forName="ellipse5" refType="w" fact="0.3271"/>
+          <dgm:constr type="h" for="ch" forName="ellipse5" refType="h" fact="0.5999"/>
+        </dgm:constrLst>
+      </dgm:if>
+      <dgm:if name="Name8" axis="ch" ptType="node" func="cnt" op="equ" val="6">
+        <dgm:alg type="composite">
+          <dgm:param type="ar" val="2.1873"/>
+        </dgm:alg>
+        <dgm:shape xmlns:r="http://schemas.openxmlformats.org/officeDocument/2006/relationships" r:blip="">
+          <dgm:adjLst/>
+        </dgm:shape>
+        <dgm:presOf/>
+        <dgm:constrLst>
+          <dgm:constr type="primFontSz" for="des" ptType="node" op="equ" val="65"/>
+          <dgm:constr type="l" for="ch" forName="ellipse1" refType="w" fact="0"/>
+          <dgm:constr type="t" for="ch" forName="ellipse1" refType="h" fact="0"/>
+          <dgm:constr type="w" for="ch" forName="ellipse1" refType="w" fact="0.278"/>
+          <dgm:constr type="h" for="ch" forName="ellipse1" refType="h" fact="0.6081"/>
+          <dgm:constr type="l" for="ch" forName="ellipse2" refType="w" fact="0.1444"/>
+          <dgm:constr type="t" for="ch" forName="ellipse2" refType="h" fact="0.3919"/>
+          <dgm:constr type="w" for="ch" forName="ellipse2" refType="w" fact="0.278"/>
+          <dgm:constr type="h" for="ch" forName="ellipse2" refType="h" fact="0.6081"/>
+          <dgm:constr type="l" for="ch" forName="ellipse3" refType="w" fact="0.2888"/>
+          <dgm:constr type="t" for="ch" forName="ellipse3" refType="h" fact="0"/>
+          <dgm:constr type="w" for="ch" forName="ellipse3" refType="w" fact="0.278"/>
+          <dgm:constr type="h" for="ch" forName="ellipse3" refType="h" fact="0.6081"/>
+          <dgm:constr type="l" for="ch" forName="ellipse4" refType="w" fact="0.4332"/>
+          <dgm:constr type="t" for="ch" forName="ellipse4" refType="h" fact="0.3919"/>
+          <dgm:constr type="w" for="ch" forName="ellipse4" refType="w" fact="0.278"/>
+          <dgm:constr type="h" for="ch" forName="ellipse4" refType="h" fact="0.6081"/>
+          <dgm:constr type="l" for="ch" forName="ellipse5" refType="w" fact="0.5776"/>
+          <dgm:constr type="t" for="ch" forName="ellipse5" refType="h" fact="0"/>
+          <dgm:constr type="w" for="ch" forName="ellipse5" refType="w" fact="0.278"/>
+          <dgm:constr type="h" for="ch" forName="ellipse5" refType="h" fact="0.6081"/>
+          <dgm:constr type="l" for="ch" forName="ellipse6" refType="w" fact="0.722"/>
+          <dgm:constr type="t" for="ch" forName="ellipse6" refType="h" fact="0.3919"/>
+          <dgm:constr type="w" for="ch" forName="ellipse6" refType="w" fact="0.278"/>
+          <dgm:constr type="h" for="ch" forName="ellipse6" refType="h" fact="0.6081"/>
+        </dgm:constrLst>
+      </dgm:if>
+      <dgm:else name="Name9">
+        <dgm:alg type="composite">
+          <dgm:param type="ar" val="2.3466"/>
+        </dgm:alg>
+        <dgm:shape xmlns:r="http://schemas.openxmlformats.org/officeDocument/2006/relationships" r:blip="">
+          <dgm:adjLst/>
+        </dgm:shape>
+        <dgm:presOf/>
+        <dgm:constrLst>
+          <dgm:constr type="primFontSz" for="des" ptType="node" op="equ" val="65"/>
+          <dgm:constr type="l" for="ch" forName="ellipse1" refType="w" fact="0"/>
+          <dgm:constr type="t" for="ch" forName="ellipse1" refType="h" fact="0"/>
+          <dgm:constr type="w" for="ch" forName="ellipse1" refType="w" fact="0.2455"/>
+          <dgm:constr type="h" for="ch" forName="ellipse1" refType="h" fact="0.5761"/>
+          <dgm:constr type="l" for="ch" forName="ellipse2" refType="w" fact="0.1257"/>
+          <dgm:constr type="t" for="ch" forName="ellipse2" refType="h" fact="0.4239"/>
+          <dgm:constr type="w" for="ch" forName="ellipse2" refType="w" fact="0.2455"/>
+          <dgm:constr type="h" for="ch" forName="ellipse2" refType="h" fact="0.5761"/>
+          <dgm:constr type="l" for="ch" forName="ellipse3" refType="w" fact="0.2515"/>
+          <dgm:constr type="t" for="ch" forName="ellipse3" refType="h" fact="0"/>
+          <dgm:constr type="w" for="ch" forName="ellipse3" refType="w" fact="0.2455"/>
+          <dgm:constr type="h" for="ch" forName="ellipse3" refType="h" fact="0.5761"/>
+          <dgm:constr type="l" for="ch" forName="ellipse4" refType="w" fact="0.3772"/>
+          <dgm:constr type="t" for="ch" forName="ellipse4" refType="h" fact="0.4239"/>
+          <dgm:constr type="w" for="ch" forName="ellipse4" refType="w" fact="0.2455"/>
+          <dgm:constr type="h" for="ch" forName="ellipse4" refType="h" fact="0.5761"/>
+          <dgm:constr type="l" for="ch" forName="ellipse5" refType="w" fact="0.503"/>
+          <dgm:constr type="t" for="ch" forName="ellipse5" refType="h" fact="0"/>
+          <dgm:constr type="w" for="ch" forName="ellipse5" refType="w" fact="0.2455"/>
+          <dgm:constr type="h" for="ch" forName="ellipse5" refType="h" fact="0.5761"/>
+          <dgm:constr type="l" for="ch" forName="ellipse6" refType="w" fact="0.6287"/>
+          <dgm:constr type="t" for="ch" forName="ellipse6" refType="h" fact="0.4239"/>
+          <dgm:constr type="w" for="ch" forName="ellipse6" refType="w" fact="0.2455"/>
+          <dgm:constr type="h" for="ch" forName="ellipse6" refType="h" fact="0.5761"/>
+          <dgm:constr type="l" for="ch" forName="ellipse7" refType="w" fact="0.7545"/>
+          <dgm:constr type="t" for="ch" forName="ellipse7" refType="h" fact="0"/>
+          <dgm:constr type="w" for="ch" forName="ellipse7" refType="w" fact="0.2455"/>
+          <dgm:constr type="h" for="ch" forName="ellipse7" refType="h" fact="0.5761"/>
+        </dgm:constrLst>
+      </dgm:else>
+    </dgm:choose>
+    <dgm:choose name="Name10">
+      <dgm:if name="Name11" axis="ch" ptType="node" func="cnt" op="gte" val="1">
+        <dgm:layoutNode name="ellipse1" styleLbl="vennNode1">
+          <dgm:varLst>
+            <dgm:bulletEnabled val="1"/>
+          </dgm:varLst>
+          <dgm:alg type="tx"/>
+          <dgm:shape xmlns:r="http://schemas.openxmlformats.org/officeDocument/2006/relationships" type="ellipse" r:blip="">
+            <dgm:adjLst/>
+          </dgm:shape>
+          <dgm:choose name="Name12">
+            <dgm:if name="Name13" func="var" arg="dir" op="equ" val="norm">
+              <dgm:presOf axis="ch desOrSelf" ptType="node node" st="1 1" cnt="1 0"/>
+            </dgm:if>
+            <dgm:else name="Name14">
+              <dgm:choose name="Name15">
+                <dgm:if name="Name16" axis="ch" ptType="node" func="cnt" op="equ" val="1">
+                  <dgm:presOf axis="ch desOrSelf" ptType="node node" st="1 1" cnt="1 0"/>
+                </dgm:if>
+                <dgm:if name="Name17" axis="ch" ptType="node" func="cnt" op="equ" val="2">
+                  <dgm:presOf axis="ch desOrSelf" ptType="node node" st="2 1" cnt="1 0"/>
+                </dgm:if>
+                <dgm:if name="Name18" axis="ch" ptType="node" func="cnt" op="equ" val="3">
+                  <dgm:presOf axis="ch desOrSelf" ptType="node node" st="3 1" cnt="1 0"/>
+                </dgm:if>
+                <dgm:if name="Name19" axis="ch" ptType="node" func="cnt" op="equ" val="4">
+                  <dgm:presOf axis="ch desOrSelf" ptType="node node" st="4 1" cnt="1 0"/>
+                </dgm:if>
+                <dgm:if name="Name20" axis="ch" ptType="node" func="cnt" op="equ" val="5">
+                  <dgm:presOf axis="ch desOrSelf" ptType="node node" st="5 1" cnt="1 0"/>
+                </dgm:if>
+                <dgm:if name="Name21" axis="ch" ptType="node" func="cnt" op="equ" val="6">
+                  <dgm:presOf axis="ch desOrSelf" ptType="node node" st="6 1" cnt="1 0"/>
+                </dgm:if>
+                <dgm:if name="Name22" axis="ch" ptType="node" func="cnt" op="gte" val="7">
+                  <dgm:presOf axis="ch desOrSelf" ptType="node node" st="7 1" cnt="1 0"/>
+                </dgm:if>
+                <dgm:else name="Name23"/>
+              </dgm:choose>
+            </dgm:else>
+          </dgm:choose>
+          <dgm:constrLst>
+            <dgm:constr type="lMarg" refType="primFontSz" fact="0.3"/>
+            <dgm:constr type="rMarg" refType="primFontSz" fact="0.3"/>
+            <dgm:constr type="tMarg" refType="primFontSz" fact="0.3"/>
+            <dgm:constr type="bMarg" refType="primFontSz" fact="0.3"/>
+          </dgm:constrLst>
+          <dgm:ruleLst>
+            <dgm:rule type="primFontSz" val="5" fact="NaN" max="NaN"/>
+          </dgm:ruleLst>
+        </dgm:layoutNode>
+      </dgm:if>
+      <dgm:else name="Name24"/>
+    </dgm:choose>
+    <dgm:choose name="Name25">
+      <dgm:if name="Name26" axis="ch" ptType="node" func="cnt" op="gte" val="2">
+        <dgm:layoutNode name="ellipse2" styleLbl="vennNode1">
+          <dgm:varLst>
+            <dgm:bulletEnabled val="1"/>
+          </dgm:varLst>
+          <dgm:alg type="tx"/>
+          <dgm:choose name="Name27">
+            <dgm:if name="Name28" func="var" arg="dir" op="equ" val="norm">
+              <dgm:shape xmlns:r="http://schemas.openxmlformats.org/officeDocument/2006/relationships" type="ellipse" r:blip="">
+                <dgm:adjLst/>
+              </dgm:shape>
+              <dgm:presOf axis="ch desOrSelf" ptType="node node" st="2 1" cnt="1 0"/>
+            </dgm:if>
+            <dgm:else name="Name29">
+              <dgm:shape xmlns:r="http://schemas.openxmlformats.org/officeDocument/2006/relationships" type="ellipse" r:blip="" zOrderOff="-2">
+                <dgm:adjLst/>
+              </dgm:shape>
+              <dgm:choose name="Name30">
+                <dgm:if name="Name31" axis="ch" ptType="node" func="cnt" op="equ" val="2">
+                  <dgm:presOf axis="ch desOrSelf" ptType="node node" st="1 1" cnt="1 0"/>
+                </dgm:if>
+                <dgm:if name="Name32" axis="ch" ptType="node" func="cnt" op="equ" val="3">
+                  <dgm:presOf axis="ch desOrSelf" ptType="node node" st="2 1" cnt="1 0"/>
+                </dgm:if>
+                <dgm:if name="Name33" axis="ch" ptType="node" func="cnt" op="equ" val="4">
+                  <dgm:presOf axis="ch desOrSelf" ptType="node node" st="3 1" cnt="1 0"/>
+                </dgm:if>
+                <dgm:if name="Name34" axis="ch" ptType="node" func="cnt" op="equ" val="5">
+                  <dgm:presOf axis="ch desOrSelf" ptType="node node" st="4 1" cnt="1 0"/>
+                </dgm:if>
+                <dgm:if name="Name35" axis="ch" ptType="node" func="cnt" op="equ" val="6">
+                  <dgm:presOf axis="ch desOrSelf" ptType="node node" st="5 1" cnt="1 0"/>
+                </dgm:if>
+                <dgm:if name="Name36" axis="ch" ptType="node" func="cnt" op="gte" val="7">
+                  <dgm:presOf axis="ch desOrSelf" ptType="node node" st="6 1" cnt="1 0"/>
+                </dgm:if>
+                <dgm:else name="Name37"/>
+              </dgm:choose>
+            </dgm:else>
+          </dgm:choose>
+          <dgm:constrLst>
+            <dgm:constr type="lMarg" refType="primFontSz" fact="0.3"/>
+            <dgm:constr type="rMarg" refType="primFontSz" fact="0.3"/>
+            <dgm:constr type="tMarg" refType="primFontSz" fact="0.3"/>
+            <dgm:constr type="bMarg" refType="primFontSz" fact="0.3"/>
+          </dgm:constrLst>
+          <dgm:ruleLst>
+            <dgm:rule type="primFontSz" val="5" fact="NaN" max="NaN"/>
+          </dgm:ruleLst>
+        </dgm:layoutNode>
+      </dgm:if>
+      <dgm:else name="Name38"/>
+    </dgm:choose>
+    <dgm:choose name="Name39">
+      <dgm:if name="Name40" axis="ch" ptType="node" func="cnt" op="gte" val="3">
+        <dgm:layoutNode name="ellipse3" styleLbl="vennNode1">
+          <dgm:varLst>
+            <dgm:bulletEnabled val="1"/>
+          </dgm:varLst>
+          <dgm:alg type="tx"/>
+          <dgm:shape xmlns:r="http://schemas.openxmlformats.org/officeDocument/2006/relationships" type="ellipse" r:blip="">
+            <dgm:adjLst/>
+          </dgm:shape>
+          <dgm:choose name="Name41">
+            <dgm:if name="Name42" func="var" arg="dir" op="equ" val="norm">
+              <dgm:shape xmlns:r="http://schemas.openxmlformats.org/officeDocument/2006/relationships" type="ellipse" r:blip="">
+                <dgm:adjLst/>
+              </dgm:shape>
+              <dgm:presOf axis="ch desOrSelf" ptType="node node" st="3 1" cnt="1 0"/>
+            </dgm:if>
+            <dgm:else name="Name43">
+              <dgm:shape xmlns:r="http://schemas.openxmlformats.org/officeDocument/2006/relationships" type="ellipse" r:blip="" zOrderOff="-4">
+                <dgm:adjLst/>
+              </dgm:shape>
+              <dgm:choose name="Name44">
+                <dgm:if name="Name45" axis="ch" ptType="node" func="cnt" op="equ" val="3">
+                  <dgm:presOf axis="ch desOrSelf" ptType="node node" st="1 1" cnt="1 0"/>
+                </dgm:if>
+                <dgm:if name="Name46" axis="ch" ptType="node" func="cnt" op="equ" val="4">
+                  <dgm:presOf axis="ch desOrSelf" ptType="node node" st="2 1" cnt="1 0"/>
+                </dgm:if>
+                <dgm:if name="Name47" axis="ch" ptType="node" func="cnt" op="equ" val="5">
+                  <dgm:presOf axis="ch desOrSelf" ptType="node node" st="3 1" cnt="1 0"/>
+                </dgm:if>
+                <dgm:if name="Name48" axis="ch" ptType="node" func="cnt" op="equ" val="6">
+                  <dgm:presOf axis="ch desOrSelf" ptType="node node" st="4 1" cnt="1 0"/>
+                </dgm:if>
+                <dgm:if name="Name49" axis="ch" ptType="node" func="cnt" op="gte" val="7">
+                  <dgm:presOf axis="ch desOrSelf" ptType="node node" st="5 1" cnt="1 0"/>
+                </dgm:if>
+                <dgm:else name="Name50"/>
+              </dgm:choose>
+            </dgm:else>
+          </dgm:choose>
+          <dgm:constrLst>
+            <dgm:constr type="lMarg" refType="primFontSz" fact="0.3"/>
+            <dgm:constr type="rMarg" refType="primFontSz" fact="0.3"/>
+            <dgm:constr type="tMarg" refType="primFontSz" fact="0.3"/>
+            <dgm:constr type="bMarg" refType="primFontSz" fact="0.3"/>
+          </dgm:constrLst>
+          <dgm:ruleLst>
+            <dgm:rule type="primFontSz" val="5" fact="NaN" max="NaN"/>
+          </dgm:ruleLst>
+        </dgm:layoutNode>
+      </dgm:if>
+      <dgm:else name="Name51"/>
+    </dgm:choose>
+    <dgm:choose name="Name52">
+      <dgm:if name="Name53" axis="ch" ptType="node" func="cnt" op="gte" val="4">
+        <dgm:layoutNode name="ellipse4" styleLbl="vennNode1">
+          <dgm:varLst>
+            <dgm:bulletEnabled val="1"/>
+          </dgm:varLst>
+          <dgm:alg type="tx"/>
+          <dgm:choose name="Name54">
+            <dgm:if name="Name55" func="var" arg="dir" op="equ" val="norm">
+              <dgm:shape xmlns:r="http://schemas.openxmlformats.org/officeDocument/2006/relationships" type="ellipse" r:blip="">
+                <dgm:adjLst/>
+              </dgm:shape>
+              <dgm:presOf axis="ch desOrSelf" ptType="node node" st="4 1" cnt="1 0"/>
+            </dgm:if>
+            <dgm:else name="Name56">
+              <dgm:shape xmlns:r="http://schemas.openxmlformats.org/officeDocument/2006/relationships" type="ellipse" r:blip="" zOrderOff="-6">
+                <dgm:adjLst/>
+              </dgm:shape>
+              <dgm:choose name="Name57">
+                <dgm:if name="Name58" axis="ch" ptType="node" func="cnt" op="equ" val="4">
+                  <dgm:presOf axis="ch desOrSelf" ptType="node node" st="1 1" cnt="1 0"/>
+                </dgm:if>
+                <dgm:if name="Name59" axis="ch" ptType="node" func="cnt" op="equ" val="5">
+                  <dgm:presOf axis="ch desOrSelf" ptType="node node" st="2 1" cnt="1 0"/>
+                </dgm:if>
+                <dgm:if name="Name60" axis="ch" ptType="node" func="cnt" op="equ" val="6">
+                  <dgm:presOf axis="ch desOrSelf" ptType="node node" st="3 1" cnt="1 0"/>
+                </dgm:if>
+                <dgm:if name="Name61" axis="ch" ptType="node" func="cnt" op="gte" val="7">
+                  <dgm:presOf axis="ch desOrSelf" ptType="node node" st="4 1" cnt="1 0"/>
+                </dgm:if>
+                <dgm:else name="Name62"/>
+              </dgm:choose>
+            </dgm:else>
+          </dgm:choose>
+          <dgm:constrLst>
+            <dgm:constr type="lMarg" refType="primFontSz" fact="0.3"/>
+            <dgm:constr type="rMarg" refType="primFontSz" fact="0.3"/>
+            <dgm:constr type="tMarg" refType="primFontSz" fact="0.3"/>
+            <dgm:constr type="bMarg" refType="primFontSz" fact="0.3"/>
+          </dgm:constrLst>
+          <dgm:ruleLst>
+            <dgm:rule type="primFontSz" val="5" fact="NaN" max="NaN"/>
+          </dgm:ruleLst>
+        </dgm:layoutNode>
+      </dgm:if>
+      <dgm:else name="Name63"/>
+    </dgm:choose>
+    <dgm:choose name="Name64">
+      <dgm:if name="Name65" axis="ch" ptType="node" func="cnt" op="gte" val="5">
+        <dgm:layoutNode name="ellipse5" styleLbl="vennNode1">
+          <dgm:varLst>
+            <dgm:bulletEnabled val="1"/>
+          </dgm:varLst>
+          <dgm:alg type="tx"/>
+          <dgm:choose name="Name66">
+            <dgm:if name="Name67" func="var" arg="dir" op="equ" val="norm">
+              <dgm:shape xmlns:r="http://schemas.openxmlformats.org/officeDocument/2006/relationships" type="ellipse" r:blip="">
+                <dgm:adjLst/>
+              </dgm:shape>
+              <dgm:presOf axis="ch desOrSelf" ptType="node node" st="5 1" cnt="1 0"/>
+            </dgm:if>
+            <dgm:else name="Name68">
+              <dgm:shape xmlns:r="http://schemas.openxmlformats.org/officeDocument/2006/relationships" type="ellipse" r:blip="" zOrderOff="-8">
+                <dgm:adjLst/>
+              </dgm:shape>
+              <dgm:choose name="Name69">
+                <dgm:if name="Name70" axis="ch" ptType="node" func="cnt" op="equ" val="5">
+                  <dgm:presOf axis="ch desOrSelf" ptType="node node" st="1 1" cnt="1 0"/>
+                </dgm:if>
+                <dgm:if name="Name71" axis="ch" ptType="node" func="cnt" op="equ" val="6">
+                  <dgm:presOf axis="ch desOrSelf" ptType="node node" st="2 1" cnt="1 0"/>
+                </dgm:if>
+                <dgm:if name="Name72" axis="ch" ptType="node" func="cnt" op="gte" val="7">
+                  <dgm:presOf axis="ch desOrSelf" ptType="node node" st="3 1" cnt="1 0"/>
+                </dgm:if>
+                <dgm:else name="Name73"/>
+              </dgm:choose>
+            </dgm:else>
+          </dgm:choose>
+          <dgm:constrLst>
+            <dgm:constr type="lMarg" refType="primFontSz" fact="0.3"/>
+            <dgm:constr type="rMarg" refType="primFontSz" fact="0.3"/>
+            <dgm:constr type="tMarg" refType="primFontSz" fact="0.3"/>
+            <dgm:constr type="bMarg" refType="primFontSz" fact="0.3"/>
+          </dgm:constrLst>
+          <dgm:ruleLst>
+            <dgm:rule type="primFontSz" val="5" fact="NaN" max="NaN"/>
+          </dgm:ruleLst>
+        </dgm:layoutNode>
+      </dgm:if>
+      <dgm:else name="Name74"/>
+    </dgm:choose>
+    <dgm:choose name="Name75">
+      <dgm:if name="Name76" axis="ch" ptType="node" func="cnt" op="gte" val="6">
+        <dgm:layoutNode name="ellipse6" styleLbl="vennNode1">
+          <dgm:varLst>
+            <dgm:bulletEnabled val="1"/>
+          </dgm:varLst>
+          <dgm:alg type="tx"/>
+          <dgm:choose name="Name77">
+            <dgm:if name="Name78" func="var" arg="dir" op="equ" val="norm">
+              <dgm:shape xmlns:r="http://schemas.openxmlformats.org/officeDocument/2006/relationships" type="ellipse" r:blip="">
+                <dgm:adjLst/>
+              </dgm:shape>
+              <dgm:presOf axis="ch desOrSelf" ptType="node node" st="6 1" cnt="1 0"/>
+            </dgm:if>
+            <dgm:else name="Name79">
+              <dgm:shape xmlns:r="http://schemas.openxmlformats.org/officeDocument/2006/relationships" type="ellipse" r:blip="" zOrderOff="-10">
+                <dgm:adjLst/>
+              </dgm:shape>
+              <dgm:choose name="Name80">
+                <dgm:if name="Name81" axis="ch" ptType="node" func="cnt" op="equ" val="6">
+                  <dgm:presOf axis="ch desOrSelf" ptType="node node" st="1 1" cnt="1 0"/>
+                </dgm:if>
+                <dgm:if name="Name82" axis="ch" ptType="node" func="cnt" op="gte" val="7">
+                  <dgm:presOf axis="ch desOrSelf" ptType="node node" st="2 1" cnt="1 0"/>
+                </dgm:if>
+                <dgm:else name="Name83"/>
+              </dgm:choose>
+            </dgm:else>
+          </dgm:choose>
+          <dgm:constrLst>
+            <dgm:constr type="lMarg" refType="primFontSz" fact="0.3"/>
+            <dgm:constr type="rMarg" refType="primFontSz" fact="0.3"/>
+            <dgm:constr type="tMarg" refType="primFontSz" fact="0.3"/>
+            <dgm:constr type="bMarg" refType="primFontSz" fact="0.3"/>
+          </dgm:constrLst>
+          <dgm:ruleLst>
+            <dgm:rule type="primFontSz" val="5" fact="NaN" max="NaN"/>
+          </dgm:ruleLst>
+        </dgm:layoutNode>
+      </dgm:if>
+      <dgm:else name="Name84"/>
+    </dgm:choose>
+    <dgm:choose name="Name85">
+      <dgm:if name="Name86" axis="ch" ptType="node" func="cnt" op="gte" val="7">
+        <dgm:layoutNode name="ellipse7" styleLbl="vennNode1">
+          <dgm:varLst>
+            <dgm:bulletEnabled val="1"/>
+          </dgm:varLst>
+          <dgm:alg type="tx"/>
+          <dgm:choose name="Name87">
+            <dgm:if name="Name88" func="var" arg="dir" op="equ" val="norm">
+              <dgm:shape xmlns:r="http://schemas.openxmlformats.org/officeDocument/2006/relationships" type="ellipse" r:blip="">
+                <dgm:adjLst/>
+              </dgm:shape>
+              <dgm:presOf axis="ch desOrSelf" ptType="node node" st="7 1" cnt="1 0"/>
+            </dgm:if>
+            <dgm:else name="Name89">
+              <dgm:shape xmlns:r="http://schemas.openxmlformats.org/officeDocument/2006/relationships" type="ellipse" r:blip="" zOrderOff="-12">
+                <dgm:adjLst/>
+              </dgm:shape>
+              <dgm:presOf axis="ch desOrSelf" ptType="node node" st="1 1" cnt="1 0"/>
+            </dgm:else>
+          </dgm:choose>
+          <dgm:constrLst>
+            <dgm:constr type="lMarg" refType="primFontSz" fact="0.3"/>
+            <dgm:constr type="rMarg" refType="primFontSz" fact="0.3"/>
+            <dgm:constr type="tMarg" refType="primFontSz" fact="0.3"/>
+            <dgm:constr type="bMarg" refType="primFontSz" fact="0.3"/>
+          </dgm:constrLst>
+          <dgm:ruleLst>
+            <dgm:rule type="primFontSz" val="5" fact="NaN" max="NaN"/>
+          </dgm:ruleLst>
+        </dgm:layoutNode>
+      </dgm:if>
+      <dgm:else name="Name90"/>
+    </dgm:choose>
+  </dgm:layoutNode>
+</dgm:layoutDef>
+</file>
+
+<file path=ppt/diagrams/layout2.xml><?xml version="1.0" encoding="utf-8"?>
+<dgm:layoutDef xmlns:dgm="http://schemas.openxmlformats.org/drawingml/2006/diagram" xmlns:a="http://schemas.openxmlformats.org/drawingml/2006/main" uniqueId="urn:microsoft.com/office/officeart/2008/layout/HorizontalMultiLevelHierarchy">
+  <dgm:title val=""/>
+  <dgm:desc val=""/>
+  <dgm:catLst>
+    <dgm:cat type="hierarchy" pri="4600"/>
+  </dgm:catLst>
+  <dgm:sampData>
+    <dgm:dataModel>
+      <dgm:ptLst>
+        <dgm:pt modelId="0" type="doc"/>
+        <dgm:pt modelId="1">
+          <dgm:prSet phldr="1"/>
+        </dgm:pt>
+        <dgm:pt modelId="11">
+          <dgm:prSet phldr="1"/>
+        </dgm:pt>
+        <dgm:pt modelId="12">
+          <dgm:prSet phldr="1"/>
+        </dgm:pt>
+        <dgm:pt modelId="13">
+          <dgm:prSet phldr="1"/>
+        </dgm:pt>
+      </dgm:ptLst>
+      <dgm:cxnLst>
+        <dgm:cxn modelId="2" srcId="0" destId="1" srcOrd="0" destOrd="0"/>
+        <dgm:cxn modelId="3" srcId="1" destId="11" srcOrd="0" destOrd="0"/>
+        <dgm:cxn modelId="4" srcId="1" destId="12" srcOrd="1" destOrd="0"/>
+        <dgm:cxn modelId="5" srcId="1" destId="13" srcOrd="2" destOrd="0"/>
+      </dgm:cxnLst>
+      <dgm:bg/>
+      <dgm:whole/>
+    </dgm:dataModel>
+  </dgm:sampData>
+  <dgm:styleData>
+    <dgm:dataModel>
+      <dgm:ptLst>
+        <dgm:pt modelId="0" type="doc"/>
+        <dgm:pt modelId="1">
+          <dgm:prSet phldr="1"/>
+        </dgm:pt>
+        <dgm:pt modelId="11">
+          <dgm:prSet phldr="1"/>
+        </dgm:pt>
+        <dgm:pt modelId="12">
+          <dgm:prSet phldr="1"/>
+        </dgm:pt>
+      </dgm:ptLst>
+      <dgm:cxnLst>
+        <dgm:cxn modelId="2" srcId="0" destId="1" srcOrd="0" destOrd="0"/>
+        <dgm:cxn modelId="3" srcId="1" destId="11" srcOrd="0" destOrd="0"/>
+        <dgm:cxn modelId="4" srcId="1" destId="12" srcOrd="1" destOrd="0"/>
+      </dgm:cxnLst>
+      <dgm:bg/>
+      <dgm:whole/>
+    </dgm:dataModel>
+  </dgm:styleData>
+  <dgm:clrData>
+    <dgm:dataModel>
+      <dgm:ptLst>
+        <dgm:pt modelId="0" type="doc"/>
+        <dgm:pt modelId="1">
+          <dgm:prSet phldr="1"/>
+        </dgm:pt>
+        <dgm:pt modelId="11">
+          <dgm:prSet phldr="1"/>
+        </dgm:pt>
+        <dgm:pt modelId="12">
+          <dgm:prSet phldr="1"/>
+        </dgm:pt>
+        <dgm:pt modelId="13">
+          <dgm:prSet phldr="1"/>
+        </dgm:pt>
+      </dgm:ptLst>
+      <dgm:cxnLst>
+        <dgm:cxn modelId="2" srcId="0" destId="1" srcOrd="0" destOrd="0"/>
+        <dgm:cxn modelId="3" srcId="1" destId="11" srcOrd="0" destOrd="0"/>
+        <dgm:cxn modelId="4" srcId="1" destId="12" srcOrd="1" destOrd="0"/>
+        <dgm:cxn modelId="5" srcId="1" destId="13" srcOrd="2" destOrd="0"/>
+      </dgm:cxnLst>
+      <dgm:bg/>
+      <dgm:whole/>
+    </dgm:dataModel>
+  </dgm:clrData>
+  <dgm:layoutNode name="Name0">
+    <dgm:varLst>
+      <dgm:chPref val="1"/>
+      <dgm:dir/>
+      <dgm:animOne val="branch"/>
+      <dgm:animLvl val="lvl"/>
+      <dgm:resizeHandles val="exact"/>
+    </dgm:varLst>
+    <dgm:choose name="Name1">
+      <dgm:if name="Name2" func="var" arg="dir" op="equ" val="norm">
+        <dgm:alg type="hierChild">
+          <dgm:param type="linDir" val="fromT"/>
+          <dgm:param type="chAlign" val="l"/>
+        </dgm:alg>
+      </dgm:if>
+      <dgm:else name="Name3">
+        <dgm:alg type="hierChild">
+          <dgm:param type="linDir" val="fromT"/>
+          <dgm:param type="chAlign" val="r"/>
+        </dgm:alg>
+      </dgm:else>
+    </dgm:choose>
+    <dgm:shape xmlns:r="http://schemas.openxmlformats.org/officeDocument/2006/relationships" r:blip="">
+      <dgm:adjLst/>
+    </dgm:shape>
+    <dgm:presOf/>
+    <dgm:constrLst>
+      <dgm:constr type="h" for="des" forName="LevelOneTextNode" refType="h"/>
+      <dgm:constr type="w" for="des" forName="LevelOneTextNode" refType="h" refFor="des" refForName="LevelOneTextNode" fact="0.19"/>
+      <dgm:constr type="h" for="des" forName="LevelTwoTextNode" refType="w" refFor="des" refForName="LevelOneTextNode"/>
+      <dgm:constr type="w" for="des" forName="LevelTwoTextNode" refType="h" refFor="des" refForName="LevelTwoTextNode" fact="3.28"/>
+      <dgm:constr type="sibSp" refType="h" refFor="des" refForName="LevelTwoTextNode" op="equ" fact="0.25"/>
+      <dgm:constr type="sibSp" for="des" forName="level2hierChild" refType="h" refFor="des" refForName="LevelTwoTextNode" op="equ" fact="0.25"/>
+      <dgm:constr type="sibSp" for="des" forName="level3hierChild" refType="h" refFor="des" refForName="LevelTwoTextNode" op="equ" fact="0.25"/>
+      <dgm:constr type="sp" for="des" forName="root1" refType="w" refFor="des" refForName="LevelTwoTextNode" fact="0.2"/>
+      <dgm:constr type="sp" for="des" forName="root2" refType="sp" refFor="des" refForName="root1" op="equ"/>
+      <dgm:constr type="primFontSz" for="des" forName="LevelOneTextNode" op="equ" val="65"/>
+      <dgm:constr type="primFontSz" for="des" forName="LevelTwoTextNode" op="equ" val="65"/>
+      <dgm:constr type="primFontSz" for="des" forName="LevelTwoTextNode" refType="primFontSz" refFor="des" refForName="LevelOneTextNode" op="lte"/>
+      <dgm:constr type="primFontSz" for="des" forName="connTx" op="equ" val="50"/>
+      <dgm:constr type="primFontSz" for="des" forName="connTx" refType="primFontSz" refFor="des" refForName="LevelOneTextNode" op="lte" fact="0.78"/>
+    </dgm:constrLst>
+    <dgm:forEach name="Name4" axis="ch">
+      <dgm:forEach name="Name5" axis="self" ptType="node">
+        <dgm:layoutNode name="root1">
+          <dgm:choose name="Name6">
+            <dgm:if name="Name7" func="var" arg="dir" op="equ" val="norm">
+              <dgm:alg type="hierRoot">
+                <dgm:param type="hierAlign" val="lCtrCh"/>
+              </dgm:alg>
+            </dgm:if>
+            <dgm:else name="Name8">
+              <dgm:alg type="hierRoot">
+                <dgm:param type="hierAlign" val="rCtrCh"/>
+              </dgm:alg>
+            </dgm:else>
+          </dgm:choose>
+          <dgm:shape xmlns:r="http://schemas.openxmlformats.org/officeDocument/2006/relationships" r:blip="">
+            <dgm:adjLst/>
+          </dgm:shape>
+          <dgm:presOf/>
+          <dgm:layoutNode name="LevelOneTextNode" styleLbl="node0">
+            <dgm:varLst>
+              <dgm:chPref val="3"/>
+            </dgm:varLst>
+            <dgm:alg type="tx">
+              <dgm:param type="autoTxRot" val="grav"/>
+            </dgm:alg>
+            <dgm:choose name="Name9">
+              <dgm:if name="Name10" func="var" arg="dir" op="equ" val="norm">
+                <dgm:shape xmlns:r="http://schemas.openxmlformats.org/officeDocument/2006/relationships" rot="270" type="rect" r:blip="">
+                  <dgm:adjLst/>
+                </dgm:shape>
+              </dgm:if>
+              <dgm:else name="Name11">
+                <dgm:shape xmlns:r="http://schemas.openxmlformats.org/officeDocument/2006/relationships" rot="90" type="rect" r:blip="">
+                  <dgm:adjLst/>
+                </dgm:shape>
+              </dgm:else>
+            </dgm:choose>
+            <dgm:presOf axis="self"/>
+            <dgm:constrLst>
+              <dgm:constr type="tMarg" refType="primFontSz" fact="0.05"/>
+              <dgm:constr type="bMarg" refType="primFontSz" fact="0.05"/>
+              <dgm:constr type="lMarg" refType="primFontSz" fact="0.05"/>
+              <dgm:constr type="rMarg" refType="primFontSz" fact="0.05"/>
+            </dgm:constrLst>
+            <dgm:ruleLst>
+              <dgm:rule type="primFontSz" val="2" fact="NaN" max="NaN"/>
+            </dgm:ruleLst>
+          </dgm:layoutNode>
+          <dgm:layoutNode name="level2hierChild">
+            <dgm:choose name="Name12">
+              <dgm:if name="Name13" func="var" arg="dir" op="equ" val="norm">
+                <dgm:alg type="hierChild">
+                  <dgm:param type="linDir" val="fromT"/>
+                  <dgm:param type="chAlign" val="l"/>
+                </dgm:alg>
+              </dgm:if>
+              <dgm:else name="Name14">
+                <dgm:alg type="hierChild">
+                  <dgm:param type="linDir" val="fromT"/>
+                  <dgm:param type="chAlign" val="r"/>
+                </dgm:alg>
+              </dgm:else>
+            </dgm:choose>
+            <dgm:shape xmlns:r="http://schemas.openxmlformats.org/officeDocument/2006/relationships" r:blip="">
+              <dgm:adjLst/>
+            </dgm:shape>
+            <dgm:presOf/>
+            <dgm:forEach name="repeat" axis="ch">
+              <dgm:forEach name="Name15" axis="self" ptType="parTrans" cnt="1">
+                <dgm:layoutNode name="conn2-1">
+                  <dgm:choose name="Name16">
+                    <dgm:if name="Name17" func="var" arg="dir" op="equ" val="norm">
+                      <dgm:alg type="conn">
+                        <dgm:param type="dim" val="1D"/>
+                        <dgm:param type="begPts" val="midR"/>
+                        <dgm:param type="endPts" val="midL"/>
+                        <dgm:param type="endSty" val="noArr"/>
+                        <dgm:param type="connRout" val="bend"/>
+                      </dgm:alg>
+                    </dgm:if>
+                    <dgm:else name="Name18">
+                      <dgm:alg type="conn">
+                        <dgm:param type="dim" val="1D"/>
+                        <dgm:param type="begPts" val="midL"/>
+                        <dgm:param type="endPts" val="midR"/>
+                        <dgm:param type="endSty" val="noArr"/>
+                        <dgm:param type="connRout" val="bend"/>
+                      </dgm:alg>
+                    </dgm:else>
+                  </dgm:choose>
+                  <dgm:shape xmlns:r="http://schemas.openxmlformats.org/officeDocument/2006/relationships" type="conn" r:blip="" zOrderOff="-99999">
+                    <dgm:adjLst/>
+                  </dgm:shape>
+                  <dgm:presOf axis="self"/>
+                  <dgm:constrLst>
+                    <dgm:constr type="w" val="1"/>
+                    <dgm:constr type="h" val="5"/>
+                    <dgm:constr type="connDist"/>
+                    <dgm:constr type="begPad"/>
+                    <dgm:constr type="endPad"/>
+                    <dgm:constr type="userA" for="ch" refType="connDist"/>
+                  </dgm:constrLst>
+                  <dgm:layoutNode name="connTx">
+                    <dgm:alg type="tx">
+                      <dgm:param type="autoTxRot" val="grav"/>
+                    </dgm:alg>
+                    <dgm:shape xmlns:r="http://schemas.openxmlformats.org/officeDocument/2006/relationships" type="rect" r:blip="" hideGeom="1">
+                      <dgm:adjLst/>
+                    </dgm:shape>
+                    <dgm:presOf axis="self"/>
+                    <dgm:constrLst>
+                      <dgm:constr type="userA"/>
+                      <dgm:constr type="w" refType="userA" fact="0.05"/>
+                      <dgm:constr type="h" refType="userA" fact="0.05"/>
+                      <dgm:constr type="lMarg" val="1"/>
+                      <dgm:constr type="rMarg" val="1"/>
+                      <dgm:constr type="tMarg"/>
+                      <dgm:constr type="bMarg"/>
+                    </dgm:constrLst>
+                    <dgm:ruleLst>
+                      <dgm:rule type="h" val="NaN" fact="0.25" max="NaN"/>
+                      <dgm:rule type="w" val="NaN" fact="0.8" max="NaN"/>
+                      <dgm:rule type="primFontSz" val="5" fact="NaN" max="NaN"/>
+                    </dgm:ruleLst>
+                  </dgm:layoutNode>
+                </dgm:layoutNode>
+              </dgm:forEach>
+              <dgm:forEach name="Name19" axis="self" ptType="node">
+                <dgm:layoutNode name="root2">
+                  <dgm:choose name="Name20">
+                    <dgm:if name="Name21" func="var" arg="dir" op="equ" val="norm">
+                      <dgm:alg type="hierRoot">
+                        <dgm:param type="hierAlign" val="lCtrCh"/>
+                      </dgm:alg>
+                    </dgm:if>
+                    <dgm:else name="Name22">
+                      <dgm:alg type="hierRoot">
+                        <dgm:param type="hierAlign" val="rCtrCh"/>
+                      </dgm:alg>
+                    </dgm:else>
+                  </dgm:choose>
+                  <dgm:shape xmlns:r="http://schemas.openxmlformats.org/officeDocument/2006/relationships" r:blip="">
+                    <dgm:adjLst/>
+                  </dgm:shape>
+                  <dgm:presOf/>
+                  <dgm:layoutNode name="LevelTwoTextNode">
+                    <dgm:varLst>
+                      <dgm:chPref val="3"/>
+                    </dgm:varLst>
+                    <dgm:alg type="tx"/>
+                    <dgm:shape xmlns:r="http://schemas.openxmlformats.org/officeDocument/2006/relationships" type="rect" r:blip="">
+                      <dgm:adjLst/>
+                    </dgm:shape>
+                    <dgm:presOf axis="self"/>
+                    <dgm:constrLst>
+                      <dgm:constr type="tMarg" refType="primFontSz" fact="0.05"/>
+                      <dgm:constr type="bMarg" refType="primFontSz" fact="0.05"/>
+                      <dgm:constr type="lMarg" refType="primFontSz" fact="0.05"/>
+                      <dgm:constr type="rMarg" refType="primFontSz" fact="0.05"/>
+                    </dgm:constrLst>
+                    <dgm:ruleLst>
+                      <dgm:rule type="primFontSz" val="2" fact="NaN" max="NaN"/>
+                    </dgm:ruleLst>
+                  </dgm:layoutNode>
+                  <dgm:layoutNode name="level3hierChild">
+                    <dgm:choose name="Name23">
+                      <dgm:if name="Name24" func="var" arg="dir" op="equ" val="norm">
+                        <dgm:alg type="hierChild">
+                          <dgm:param type="linDir" val="fromT"/>
+                          <dgm:param type="chAlign" val="l"/>
+                        </dgm:alg>
+                      </dgm:if>
+                      <dgm:else name="Name25">
+                        <dgm:alg type="hierChild">
+                          <dgm:param type="linDir" val="fromT"/>
+                          <dgm:param type="chAlign" val="r"/>
+                        </dgm:alg>
+                      </dgm:else>
+                    </dgm:choose>
+                    <dgm:shape xmlns:r="http://schemas.openxmlformats.org/officeDocument/2006/relationships" r:blip="">
+                      <dgm:adjLst/>
+                    </dgm:shape>
+                    <dgm:presOf/>
+                    <dgm:forEach name="Name26" ref="repeat"/>
+                  </dgm:layoutNode>
+                </dgm:layoutNode>
+              </dgm:forEach>
+            </dgm:forEach>
+          </dgm:layoutNode>
+        </dgm:layoutNode>
+      </dgm:forEach>
+    </dgm:forEach>
+  </dgm:layoutNode>
+</dgm:layoutDef>
+</file>
+
+<file path=ppt/diagrams/quickStyle1.xml><?xml version="1.0" encoding="utf-8"?>
+<dgm:styleDef xmlns:dgm="http://schemas.openxmlformats.org/drawingml/2006/diagram" xmlns:a="http://schemas.openxmlformats.org/drawingml/2006/main" uniqueId="urn:microsoft.com/office/officeart/2005/8/quickstyle/simple1">
+  <dgm:title val=""/>
+  <dgm:desc val=""/>
+  <dgm:catLst>
+    <dgm:cat type="simple" pri="10100"/>
+  </dgm:catLst>
+  <dgm:scene3d>
+    <a:camera prst="orthographicFront"/>
+    <a:lightRig rig="threePt" dir="t"/>
+  </dgm:scene3d>
+  <dgm:styleLbl name="node0">
+    <dgm:scene3d>
+      <a:camera prst="orthographicFront"/>
+      <a:lightRig rig="threePt" dir="t"/>
+    </dgm:scene3d>
+    <dgm:sp3d/>
+    <dgm:txPr/>
+    <dgm:style>
+      <a:lnRef idx="2">
+        <a:scrgbClr r="0" g="0" b="0"/>
+      </a:lnRef>
+      <a:fillRef idx="1">
+        <a:scrgbClr r="0" g="0" b="0"/>
+      </a:fillRef>
+      <a:effectRef idx="0">
+        <a:scrgbClr r="0" g="0" b="0"/>
+      </a:effectRef>
+      <a:fontRef idx="minor">
+        <a:schemeClr val="lt1"/>
+      </a:fontRef>
+    </dgm:style>
+  </dgm:styleLbl>
+  <dgm:styleLbl name="lnNode1">
+    <dgm:scene3d>
+      <a:camera prst="orthographicFront"/>
+      <a:lightRig rig="threePt" dir="t"/>
+    </dgm:scene3d>
+    <dgm:sp3d/>
+    <dgm:txPr/>
+    <dgm:style>
+      <a:lnRef idx="2">
+        <a:scrgbClr r="0" g="0" b="0"/>
+      </a:lnRef>
+      <a:fillRef idx="1">
+        <a:scrgbClr r="0" g="0" b="0"/>
+      </a:fillRef>
+      <a:effectRef idx="0">
+        <a:scrgbClr r="0" g="0" b="0"/>
+      </a:effectRef>
+      <a:fontRef idx="minor">
+        <a:schemeClr val="lt1"/>
+      </a:fontRef>
+    </dgm:style>
+  </dgm:styleLbl>
+  <dgm:styleLbl name="vennNode1">
+    <dgm:scene3d>
+      <a:camera prst="orthographicFront"/>
+      <a:lightRig rig="threePt" dir="t"/>
+    </dgm:scene3d>
+    <dgm:sp3d/>
+    <dgm:txPr/>
+    <dgm:style>
+      <a:lnRef idx="2">
+        <a:scrgbClr r="0" g="0" b="0"/>
+      </a:lnRef>
+      <a:fillRef idx="1">
+        <a:scrgbClr r="0" g="0" b="0"/>
+      </a:fillRef>
+      <a:effectRef idx="0">
+        <a:scrgbClr r="0" g="0" b="0"/>
+      </a:effectRef>
+      <a:fontRef idx="minor">
+        <a:schemeClr val="tx1"/>
+      </a:fontRef>
+    </dgm:style>
+  </dgm:styleLbl>
+  <dgm:styleLbl name="alignNode1">
+    <dgm:scene3d>
+      <a:camera prst="orthographicFront"/>
+      <a:lightRig rig="threePt" dir="t"/>
+    </dgm:scene3d>
+    <dgm:sp3d/>
+    <dgm:txPr/>
+    <dgm:style>
+      <a:lnRef idx="2">
+        <a:scrgbClr r="0" g="0" b="0"/>
+      </a:lnRef>
+      <a:fillRef idx="1">
+        <a:scrgbClr r="0" g="0" b="0"/>
+      </a:fillRef>
+      <a:effectRef idx="0">
+        <a:scrgbClr r="0" g="0" b="0"/>
+      </a:effectRef>
+      <a:fontRef idx="minor">
+        <a:schemeClr val="lt1"/>
+      </a:fontRef>
+    </dgm:style>
+  </dgm:styleLbl>
+  <dgm:styleLbl name="node1">
+    <dgm:scene3d>
+      <a:camera prst="orthographicFront"/>
+      <a:lightRig rig="threePt" dir="t"/>
+    </dgm:scene3d>
+    <dgm:sp3d/>
+    <dgm:txPr/>
+    <dgm:style>
+      <a:lnRef idx="2">
+        <a:scrgbClr r="0" g="0" b="0"/>
+      </a:lnRef>
+      <a:fillRef idx="1">
+        <a:scrgbClr r="0" g="0" b="0"/>
+      </a:fillRef>
+      <a:effectRef idx="0">
+        <a:scrgbClr r="0" g="0" b="0"/>
+      </a:effectRef>
+      <a:fontRef idx="minor">
+        <a:schemeClr val="lt1"/>
+      </a:fontRef>
+    </dgm:style>
+  </dgm:styleLbl>
+  <dgm:styleLbl name="node2">
+    <dgm:scene3d>
+      <a:camera prst="orthographicFront"/>
+      <a:lightRig rig="threePt" dir="t"/>
+    </dgm:scene3d>
+    <dgm:sp3d/>
+    <dgm:txPr/>
+    <dgm:style>
+      <a:lnRef idx="2">
+        <a:scrgbClr r="0" g="0" b="0"/>
+      </a:lnRef>
+      <a:fillRef idx="1">
+        <a:scrgbClr r="0" g="0" b="0"/>
+      </a:fillRef>
+      <a:effectRef idx="0">
+        <a:scrgbClr r="0" g="0" b="0"/>
+      </a:effectRef>
+      <a:fontRef idx="minor">
+        <a:schemeClr val="lt1"/>
+      </a:fontRef>
+    </dgm:style>
+  </dgm:styleLbl>
+  <dgm:styleLbl name="node3">
+    <dgm:scene3d>
+      <a:camera prst="orthographicFront"/>
+      <a:lightRig rig="threePt" dir="t"/>
+    </dgm:scene3d>
+    <dgm:sp3d/>
+    <dgm:txPr/>
+    <dgm:style>
+      <a:lnRef idx="2">
+        <a:scrgbClr r="0" g="0" b="0"/>
+      </a:lnRef>
+      <a:fillRef idx="1">
+        <a:scrgbClr r="0" g="0" b="0"/>
+      </a:fillRef>
+      <a:effectRef idx="0">
+        <a:scrgbClr r="0" g="0" b="0"/>
+      </a:effectRef>
+      <a:fontRef idx="minor">
+        <a:schemeClr val="lt1"/>
+      </a:fontRef>
+    </dgm:style>
+  </dgm:styleLbl>
+  <dgm:styleLbl name="node4">
+    <dgm:scene3d>
+      <a:camera prst="orthographicFront"/>
+      <a:lightRig rig="threePt" dir="t"/>
+    </dgm:scene3d>
+    <dgm:sp3d/>
+    <dgm:txPr/>
+    <dgm:style>
+      <a:lnRef idx="2">
+        <a:scrgbClr r="0" g="0" b="0"/>
+      </a:lnRef>
+      <a:fillRef idx="1">
+        <a:scrgbClr r="0" g="0" b="0"/>
+      </a:fillRef>
+      <a:effectRef idx="0">
+        <a:scrgbClr r="0" g="0" b="0"/>
+      </a:effectRef>
+      <a:fontRef idx="minor">
+        <a:schemeClr val="lt1"/>
+      </a:fontRef>
+    </dgm:style>
+  </dgm:styleLbl>
+  <dgm:styleLbl name="fgImgPlace1">
+    <dgm:scene3d>
+      <a:camera prst="orthographicFront"/>
+      <a:lightRig rig="threePt" dir="t"/>
+    </dgm:scene3d>
+    <dgm:sp3d/>
+    <dgm:txPr/>
+    <dgm:style>
+      <a:lnRef idx="2">
+        <a:scrgbClr r="0" g="0" b="0"/>
+      </a:lnRef>
+      <a:fillRef idx="1">
+        <a:scrgbClr r="0" g="0" b="0"/>
+      </a:fillRef>
+      <a:effectRef idx="0">
+        <a:scrgbClr r="0" g="0" b="0"/>
+      </a:effectRef>
+      <a:fontRef idx="minor"/>
+    </dgm:style>
+  </dgm:styleLbl>
+  <dgm:styleLbl name="alignImgPlace1">
+    <dgm:scene3d>
+      <a:camera prst="orthographicFront"/>
+      <a:lightRig rig="threePt" dir="t"/>
+    </dgm:scene3d>
+    <dgm:sp3d/>
+    <dgm:txPr/>
+    <dgm:style>
+      <a:lnRef idx="2">
+        <a:scrgbClr r="0" g="0" b="0"/>
+      </a:lnRef>
+      <a:fillRef idx="1">
+        <a:scrgbClr r="0" g="0" b="0"/>
+      </a:fillRef>
+      <a:effectRef idx="0">
+        <a:scrgbClr r="0" g="0" b="0"/>
+      </a:effectRef>
+      <a:fontRef idx="minor"/>
+    </dgm:style>
+  </dgm:styleLbl>
+  <dgm:styleLbl name="bgImgPlace1">
+    <dgm:scene3d>
+      <a:camera prst="orthographicFront"/>
+      <a:lightRig rig="threePt" dir="t"/>
+    </dgm:scene3d>
+    <dgm:sp3d/>
+    <dgm:txPr/>
+    <dgm:style>
+      <a:lnRef idx="2">
+        <a:scrgbClr r="0" g="0" b="0"/>
+      </a:lnRef>
+      <a:fillRef idx="1">
+        <a:scrgbClr r="0" g="0" b="0"/>
+      </a:fillRef>
+      <a:effectRef idx="0">
+        <a:scrgbClr r="0" g="0" b="0"/>
+      </a:effectRef>
+      <a:fontRef idx="minor"/>
+    </dgm:style>
+  </dgm:styleLbl>
+  <dgm:styleLbl name="sibTrans2D1">
+    <dgm:scene3d>
+      <a:camera prst="orthographicFront"/>
+      <a:lightRig rig="threePt" dir="t"/>
+    </dgm:scene3d>
+    <dgm:sp3d/>
+    <dgm:txPr/>
+    <dgm:style>
+      <a:lnRef idx="0">
+        <a:scrgbClr r="0" g="0" b="0"/>
+      </a:lnRef>
+      <a:fillRef idx="1">
+        <a:scrgbClr r="0" g="0" b="0"/>
+      </a:fillRef>
+      <a:effectRef idx="0">
+        <a:scrgbClr r="0" g="0" b="0"/>
+      </a:effectRef>
+      <a:fontRef idx="minor">
+        <a:schemeClr val="lt1"/>
+      </a:fontRef>
+    </dgm:style>
+  </dgm:styleLbl>
+  <dgm:styleLbl name="fgSibTrans2D1">
+    <dgm:scene3d>
+      <a:camera prst="orthographicFront"/>
+      <a:lightRig rig="threePt" dir="t"/>
+    </dgm:scene3d>
+    <dgm:sp3d/>
+    <dgm:txPr/>
+    <dgm:style>
+      <a:lnRef idx="0">
+        <a:scrgbClr r="0" g="0" b="0"/>
+      </a:lnRef>
+      <a:fillRef idx="1">
+        <a:scrgbClr r="0" g="0" b="0"/>
+      </a:fillRef>
+      <a:effectRef idx="0">
+        <a:scrgbClr r="0" g="0" b="0"/>
+      </a:effectRef>
+      <a:fontRef idx="minor">
+        <a:schemeClr val="lt1"/>
+      </a:fontRef>
+    </dgm:style>
+  </dgm:styleLbl>
+  <dgm:styleLbl name="bgSibTrans2D1">
+    <dgm:scene3d>
+      <a:camera prst="orthographicFront"/>
+      <a:lightRig rig="threePt" dir="t"/>
+    </dgm:scene3d>
+    <dgm:sp3d/>
+    <dgm:txPr/>
+    <dgm:style>
+      <a:lnRef idx="0">
+        <a:scrgbClr r="0" g="0" b="0"/>
+      </a:lnRef>
+      <a:fillRef idx="1">
+        <a:scrgbClr r="0" g="0" b="0"/>
+      </a:fillRef>
+      <a:effectRef idx="0">
+        <a:scrgbClr r="0" g="0" b="0"/>
+      </a:effectRef>
+      <a:fontRef idx="minor">
+        <a:schemeClr val="lt1"/>
+      </a:fontRef>
+    </dgm:style>
+  </dgm:styleLbl>
+  <dgm:styleLbl name="sibTrans1D1">
+    <dgm:scene3d>
+      <a:camera prst="orthographicFront"/>
+      <a:lightRig rig="threePt" dir="t"/>
+    </dgm:scene3d>
+    <dgm:sp3d/>
+    <dgm:txPr/>
+    <dgm:style>
+      <a:lnRef idx="1">
+        <a:scrgbClr r="0" g="0" b="0"/>
+      </a:lnRef>
+      <a:fillRef idx="0">
+        <a:scrgbClr r="0" g="0" b="0"/>
+      </a:fillRef>
+      <a:effectRef idx="0">
+        <a:scrgbClr r="0" g="0" b="0"/>
+      </a:effectRef>
+      <a:fontRef idx="minor"/>
+    </dgm:style>
+  </dgm:styleLbl>
+  <dgm:styleLbl name="callout">
+    <dgm:scene3d>
+      <a:camera prst="orthographicFront"/>
+      <a:lightRig rig="threePt" dir="t"/>
+    </dgm:scene3d>
+    <dgm:sp3d/>
+    <dgm:txPr/>
+    <dgm:style>
+      <a:lnRef idx="2">
+        <a:scrgbClr r="0" g="0" b="0"/>
+      </a:lnRef>
+      <a:fillRef idx="1">
+        <a:scrgbClr r="0" g="0" b="0"/>
+      </a:fillRef>
+      <a:effectRef idx="0">
+        <a:scrgbClr r="0" g="0" b="0"/>
+      </a:effectRef>
+      <a:fontRef idx="minor"/>
+    </dgm:style>
+  </dgm:styleLbl>
+  <dgm:styleLbl name="asst0">
+    <dgm:scene3d>
+      <a:camera prst="orthographicFront"/>
+      <a:lightRig rig="threePt" dir="t"/>
+    </dgm:scene3d>
+    <dgm:sp3d/>
+    <dgm:txPr/>
+    <dgm:style>
+      <a:lnRef idx="2">
+        <a:scrgbClr r="0" g="0" b="0"/>
+      </a:lnRef>
+      <a:fillRef idx="1">
+        <a:scrgbClr r="0" g="0" b="0"/>
+      </a:fillRef>
+      <a:effectRef idx="0">
+        <a:scrgbClr r="0" g="0" b="0"/>
+      </a:effectRef>
+      <a:fontRef idx="minor">
+        <a:schemeClr val="lt1"/>
+      </a:fontRef>
+    </dgm:style>
+  </dgm:styleLbl>
+  <dgm:styleLbl name="asst1">
+    <dgm:scene3d>
+      <a:camera prst="orthographicFront"/>
+      <a:lightRig rig="threePt" dir="t"/>
+    </dgm:scene3d>
+    <dgm:sp3d/>
+    <dgm:txPr/>
+    <dgm:style>
+      <a:lnRef idx="2">
+        <a:scrgbClr r="0" g="0" b="0"/>
+      </a:lnRef>
+      <a:fillRef idx="1">
+        <a:scrgbClr r="0" g="0" b="0"/>
+      </a:fillRef>
+      <a:effectRef idx="0">
+        <a:scrgbClr r="0" g="0" b="0"/>
+      </a:effectRef>
+      <a:fontRef idx="minor">
+        <a:schemeClr val="lt1"/>
+      </a:fontRef>
+    </dgm:style>
+  </dgm:styleLbl>
+  <dgm:styleLbl name="asst2">
+    <dgm:scene3d>
+      <a:camera prst="orthographicFront"/>
+      <a:lightRig rig="threePt" dir="t"/>
+    </dgm:scene3d>
+    <dgm:sp3d/>
+    <dgm:txPr/>
+    <dgm:style>
+      <a:lnRef idx="2">
+        <a:scrgbClr r="0" g="0" b="0"/>
+      </a:lnRef>
+      <a:fillRef idx="1">
+        <a:scrgbClr r="0" g="0" b="0"/>
+      </a:fillRef>
+      <a:effectRef idx="0">
+        <a:scrgbClr r="0" g="0" b="0"/>
+      </a:effectRef>
+      <a:fontRef idx="minor">
+        <a:schemeClr val="lt1"/>
+      </a:fontRef>
+    </dgm:style>
+  </dgm:styleLbl>
+  <dgm:styleLbl name="asst3">
+    <dgm:scene3d>
+      <a:camera prst="orthographicFront"/>
+      <a:lightRig rig="threePt" dir="t"/>
+    </dgm:scene3d>
+    <dgm:sp3d/>
+    <dgm:txPr/>
+    <dgm:style>
+      <a:lnRef idx="2">
+        <a:scrgbClr r="0" g="0" b="0"/>
+      </a:lnRef>
+      <a:fillRef idx="1">
+        <a:scrgbClr r="0" g="0" b="0"/>
+      </a:fillRef>
+      <a:effectRef idx="0">
+        <a:scrgbClr r="0" g="0" b="0"/>
+      </a:effectRef>
+      <a:fontRef idx="minor">
+        <a:schemeClr val="lt1"/>
+      </a:fontRef>
+    </dgm:style>
+  </dgm:styleLbl>
+  <dgm:styleLbl name="asst4">
+    <dgm:scene3d>
+      <a:camera prst="orthographicFront"/>
+      <a:lightRig rig="threePt" dir="t"/>
+    </dgm:scene3d>
+    <dgm:sp3d/>
+    <dgm:txPr/>
+    <dgm:style>
+      <a:lnRef idx="2">
+        <a:scrgbClr r="0" g="0" b="0"/>
+      </a:lnRef>
+      <a:fillRef idx="1">
+        <a:scrgbClr r="0" g="0" b="0"/>
+      </a:fillRef>
+      <a:effectRef idx="0">
+        <a:scrgbClr r="0" g="0" b="0"/>
+      </a:effectRef>
+      <a:fontRef idx="minor">
+        <a:schemeClr val="lt1"/>
+      </a:fontRef>
+    </dgm:style>
+  </dgm:styleLbl>
+  <dgm:styleLbl name="parChTrans2D1">
+    <dgm:scene3d>
+      <a:camera prst="orthographicFront"/>
+      <a:lightRig rig="threePt" dir="t"/>
+    </dgm:scene3d>
+    <dgm:sp3d/>
+    <dgm:txPr/>
+    <dgm:style>
+      <a:lnRef idx="2">
+        <a:scrgbClr r="0" g="0" b="0"/>
+      </a:lnRef>
+      <a:fillRef idx="1">
+        <a:scrgbClr r="0" g="0" b="0"/>
+      </a:fillRef>
+      <a:effectRef idx="0">
+        <a:scrgbClr r="0" g="0" b="0"/>
+      </a:effectRef>
+      <a:fontRef idx="minor">
+        <a:schemeClr val="lt1"/>
+      </a:fontRef>
+    </dgm:style>
+  </dgm:styleLbl>
+  <dgm:styleLbl name="parChTrans2D2">
+    <dgm:scene3d>
+      <a:camera prst="orthographicFront"/>
+      <a:lightRig rig="threePt" dir="t"/>
+    </dgm:scene3d>
+    <dgm:sp3d/>
+    <dgm:txPr/>
+    <dgm:style>
+      <a:lnRef idx="2">
+        <a:scrgbClr r="0" g="0" b="0"/>
+      </a:lnRef>
+      <a:fillRef idx="1">
+        <a:scrgbClr r="0" g="0" b="0"/>
+      </a:fillRef>
+      <a:effectRef idx="0">
+        <a:scrgbClr r="0" g="0" b="0"/>
+      </a:effectRef>
+      <a:fontRef idx="minor">
+        <a:schemeClr val="lt1"/>
+      </a:fontRef>
+    </dgm:style>
+  </dgm:styleLbl>
+  <dgm:styleLbl name="parChTrans2D3">
+    <dgm:scene3d>
+      <a:camera prst="orthographicFront"/>
+      <a:lightRig rig="threePt" dir="t"/>
+    </dgm:scene3d>
+    <dgm:sp3d/>
+    <dgm:txPr/>
+    <dgm:style>
+      <a:lnRef idx="2">
+        <a:scrgbClr r="0" g="0" b="0"/>
+      </a:lnRef>
+      <a:fillRef idx="1">
+        <a:scrgbClr r="0" g="0" b="0"/>
+      </a:fillRef>
+      <a:effectRef idx="0">
+        <a:scrgbClr r="0" g="0" b="0"/>
+      </a:effectRef>
+      <a:fontRef idx="minor">
+        <a:schemeClr val="lt1"/>
+      </a:fontRef>
+    </dgm:style>
+  </dgm:styleLbl>
+  <dgm:styleLbl name="parChTrans2D4">
+    <dgm:scene3d>
+      <a:camera prst="orthographicFront"/>
+      <a:lightRig rig="threePt" dir="t"/>
+    </dgm:scene3d>
+    <dgm:sp3d/>
+    <dgm:txPr/>
+    <dgm:style>
+      <a:lnRef idx="2">
+        <a:scrgbClr r="0" g="0" b="0"/>
+      </a:lnRef>
+      <a:fillRef idx="1">
+        <a:scrgbClr r="0" g="0" b="0"/>
+      </a:fillRef>
+      <a:effectRef idx="0">
+        <a:scrgbClr r="0" g="0" b="0"/>
+      </a:effectRef>
+      <a:fontRef idx="minor">
+        <a:schemeClr val="lt1"/>
+      </a:fontRef>
+    </dgm:style>
+  </dgm:styleLbl>
+  <dgm:styleLbl name="parChTrans1D1">
+    <dgm:scene3d>
+      <a:camera prst="orthographicFront"/>
+      <a:lightRig rig="threePt" dir="t"/>
+    </dgm:scene3d>
+    <dgm:sp3d/>
+    <dgm:txPr/>
+    <dgm:style>
+      <a:lnRef idx="2">
+        <a:scrgbClr r="0" g="0" b="0"/>
+      </a:lnRef>
+      <a:fillRef idx="0">
+        <a:scrgbClr r="0" g="0" b="0"/>
+      </a:fillRef>
+      <a:effectRef idx="0">
+        <a:scrgbClr r="0" g="0" b="0"/>
+      </a:effectRef>
+      <a:fontRef idx="minor"/>
+    </dgm:style>
+  </dgm:styleLbl>
+  <dgm:styleLbl name="parChTrans1D2">
+    <dgm:scene3d>
+      <a:camera prst="orthographicFront"/>
+      <a:lightRig rig="threePt" dir="t"/>
+    </dgm:scene3d>
+    <dgm:sp3d/>
+    <dgm:txPr/>
+    <dgm:style>
+      <a:lnRef idx="2">
+        <a:scrgbClr r="0" g="0" b="0"/>
+      </a:lnRef>
+      <a:fillRef idx="0">
+        <a:scrgbClr r="0" g="0" b="0"/>
+      </a:fillRef>
+      <a:effectRef idx="0">
+        <a:scrgbClr r="0" g="0" b="0"/>
+      </a:effectRef>
+      <a:fontRef idx="minor"/>
+    </dgm:style>
+  </dgm:styleLbl>
+  <dgm:styleLbl name="parChTrans1D3">
+    <dgm:scene3d>
+      <a:camera prst="orthographicFront"/>
+      <a:lightRig rig="threePt" dir="t"/>
+    </dgm:scene3d>
+    <dgm:sp3d/>
+    <dgm:txPr/>
+    <dgm:style>
+      <a:lnRef idx="2">
+        <a:scrgbClr r="0" g="0" b="0"/>
+      </a:lnRef>
+      <a:fillRef idx="0">
+        <a:scrgbClr r="0" g="0" b="0"/>
+      </a:fillRef>
+      <a:effectRef idx="0">
+        <a:scrgbClr r="0" g="0" b="0"/>
+      </a:effectRef>
+      <a:fontRef idx="minor"/>
+    </dgm:style>
+  </dgm:styleLbl>
+  <dgm:styleLbl name="parChTrans1D4">
+    <dgm:scene3d>
+      <a:camera prst="orthographicFront"/>
+      <a:lightRig rig="threePt" dir="t"/>
+    </dgm:scene3d>
+    <dgm:sp3d/>
+    <dgm:txPr/>
+    <dgm:style>
+      <a:lnRef idx="2">
+        <a:scrgbClr r="0" g="0" b="0"/>
+      </a:lnRef>
+      <a:fillRef idx="0">
+        <a:scrgbClr r="0" g="0" b="0"/>
+      </a:fillRef>
+      <a:effectRef idx="0">
+        <a:scrgbClr r="0" g="0" b="0"/>
+      </a:effectRef>
+      <a:fontRef idx="minor"/>
+    </dgm:style>
+  </dgm:styleLbl>
+  <dgm:styleLbl name="fgAcc1">
+    <dgm:scene3d>
+      <a:camera prst="orthographicFront"/>
+      <a:lightRig rig="threePt" dir="t"/>
+    </dgm:scene3d>
+    <dgm:sp3d/>
+    <dgm:txPr/>
+    <dgm:style>
+      <a:lnRef idx="2">
+        <a:scrgbClr r="0" g="0" b="0"/>
+      </a:lnRef>
+      <a:fillRef idx="1">
+        <a:scrgbClr r="0" g="0" b="0"/>
+      </a:fillRef>
+      <a:effectRef idx="0">
+        <a:scrgbClr r="0" g="0" b="0"/>
+      </a:effectRef>
+      <a:fontRef idx="minor"/>
+    </dgm:style>
+  </dgm:styleLbl>
+  <dgm:styleLbl name="conFgAcc1">
+    <dgm:scene3d>
+      <a:camera prst="orthographicFront"/>
+      <a:lightRig rig="threePt" dir="t"/>
+    </dgm:scene3d>
+    <dgm:sp3d/>
+    <dgm:txPr/>
+    <dgm:style>
+      <a:lnRef idx="2">
+        <a:scrgbClr r="0" g="0" b="0"/>
+      </a:lnRef>
+      <a:fillRef idx="1">
+        <a:scrgbClr r="0" g="0" b="0"/>
+      </a:fillRef>
+      <a:effectRef idx="0">
+        <a:scrgbClr r="0" g="0" b="0"/>
+      </a:effectRef>
+      <a:fontRef idx="minor"/>
+    </dgm:style>
+  </dgm:styleLbl>
+  <dgm:styleLbl name="alignAcc1">
+    <dgm:scene3d>
+      <a:camera prst="orthographicFront"/>
+      <a:lightRig rig="threePt" dir="t"/>
+    </dgm:scene3d>
+    <dgm:sp3d/>
+    <dgm:txPr/>
+    <dgm:style>
+      <a:lnRef idx="2">
+        <a:scrgbClr r="0" g="0" b="0"/>
+      </a:lnRef>
+      <a:fillRef idx="1">
+        <a:scrgbClr r="0" g="0" b="0"/>
+      </a:fillRef>
+      <a:effectRef idx="0">
+        <a:scrgbClr r="0" g="0" b="0"/>
+      </a:effectRef>
+      <a:fontRef idx="minor"/>
+    </dgm:style>
+  </dgm:styleLbl>
+  <dgm:styleLbl name="trAlignAcc1">
+    <dgm:scene3d>
+      <a:camera prst="orthographicFront"/>
+      <a:lightRig rig="threePt" dir="t"/>
+    </dgm:scene3d>
+    <dgm:sp3d/>
+    <dgm:txPr/>
+    <dgm:style>
+      <a:lnRef idx="1">
+        <a:scrgbClr r="0" g="0" b="0"/>
+      </a:lnRef>
+      <a:fillRef idx="1">
+        <a:scrgbClr r="0" g="0" b="0"/>
+      </a:fillRef>
+      <a:effectRef idx="0">
+        <a:scrgbClr r="0" g="0" b="0"/>
+      </a:effectRef>
+      <a:fontRef idx="minor"/>
+    </dgm:style>
+  </dgm:styleLbl>
+  <dgm:styleLbl name="bgAcc1">
+    <dgm:scene3d>
+      <a:camera prst="orthographicFront"/>
+      <a:lightRig rig="threePt" dir="t"/>
+    </dgm:scene3d>
+    <dgm:sp3d/>
+    <dgm:txPr/>
+    <dgm:style>
+      <a:lnRef idx="2">
+        <a:scrgbClr r="0" g="0" b="0"/>
+      </a:lnRef>
+      <a:fillRef idx="1">
+        <a:scrgbClr r="0" g="0" b="0"/>
+      </a:fillRef>
+      <a:effectRef idx="0">
+        <a:scrgbClr r="0" g="0" b="0"/>
+      </a:effectRef>
+      <a:fontRef idx="minor"/>
+    </dgm:style>
+  </dgm:styleLbl>
+  <dgm:styleLbl name="solidFgAcc1">
+    <dgm:scene3d>
+      <a:camera prst="orthographicFront"/>
+      <a:lightRig rig="threePt" dir="t"/>
+    </dgm:scene3d>
+    <dgm:sp3d/>
+    <dgm:txPr/>
+    <dgm:style>
+      <a:lnRef idx="2">
+        <a:scrgbClr r="0" g="0" b="0"/>
+      </a:lnRef>
+      <a:fillRef idx="1">
+        <a:scrgbClr r="0" g="0" b="0"/>
+      </a:fillRef>
+      <a:effectRef idx="0">
+        <a:scrgbClr r="0" g="0" b="0"/>
+      </a:effectRef>
+      <a:fontRef idx="minor"/>
+    </dgm:style>
+  </dgm:styleLbl>
+  <dgm:styleLbl name="solidAlignAcc1">
+    <dgm:scene3d>
+      <a:camera prst="orthographicFront"/>
+      <a:lightRig rig="threePt" dir="t"/>
+    </dgm:scene3d>
+    <dgm:sp3d/>
+    <dgm:txPr/>
+    <dgm:style>
+      <a:lnRef idx="2">
+        <a:scrgbClr r="0" g="0" b="0"/>
+      </a:lnRef>
+      <a:fillRef idx="1">
+        <a:scrgbClr r="0" g="0" b="0"/>
+      </a:fillRef>
+      <a:effectRef idx="0">
+        <a:scrgbClr r="0" g="0" b="0"/>
+      </a:effectRef>
+      <a:fontRef idx="minor"/>
+    </dgm:style>
+  </dgm:styleLbl>
+  <dgm:styleLbl name="solidBgAcc1">
+    <dgm:scene3d>
+      <a:camera prst="orthographicFront"/>
+      <a:lightRig rig="threePt" dir="t"/>
+    </dgm:scene3d>
+    <dgm:sp3d/>
+    <dgm:txPr/>
+    <dgm:style>
+      <a:lnRef idx="2">
+        <a:scrgbClr r="0" g="0" b="0"/>
+      </a:lnRef>
+      <a:fillRef idx="1">
+        <a:scrgbClr r="0" g="0" b="0"/>
+      </a:fillRef>
+      <a:effectRef idx="0">
+        <a:scrgbClr r="0" g="0" b="0"/>
+      </a:effectRef>
+      <a:fontRef idx="minor"/>
+    </dgm:style>
+  </dgm:styleLbl>
+  <dgm:styleLbl name="fgAccFollowNode1">
+    <dgm:scene3d>
+      <a:camera prst="orthographicFront"/>
+      <a:lightRig rig="threePt" dir="t"/>
+    </dgm:scene3d>
+    <dgm:sp3d/>
+    <dgm:txPr/>
+    <dgm:style>
+      <a:lnRef idx="2">
+        <a:scrgbClr r="0" g="0" b="0"/>
+      </a:lnRef>
+      <a:fillRef idx="1">
+        <a:scrgbClr r="0" g="0" b="0"/>
+      </a:fillRef>
+      <a:effectRef idx="0">
+        <a:scrgbClr r="0" g="0" b="0"/>
+      </a:effectRef>
+      <a:fontRef idx="minor"/>
+    </dgm:style>
+  </dgm:styleLbl>
+  <dgm:styleLbl name="alignAccFollowNode1">
+    <dgm:scene3d>
+      <a:camera prst="orthographicFront"/>
+      <a:lightRig rig="threePt" dir="t"/>
+    </dgm:scene3d>
+    <dgm:sp3d/>
+    <dgm:txPr/>
+    <dgm:style>
+      <a:lnRef idx="2">
+        <a:scrgbClr r="0" g="0" b="0"/>
+      </a:lnRef>
+      <a:fillRef idx="1">
+        <a:scrgbClr r="0" g="0" b="0"/>
+      </a:fillRef>
+      <a:effectRef idx="0">
+        <a:scrgbClr r="0" g="0" b="0"/>
+      </a:effectRef>
+      <a:fontRef idx="minor"/>
+    </dgm:style>
+  </dgm:styleLbl>
+  <dgm:styleLbl name="bgAccFollowNode1">
+    <dgm:scene3d>
+      <a:camera prst="orthographicFront"/>
+      <a:lightRig rig="threePt" dir="t"/>
+    </dgm:scene3d>
+    <dgm:sp3d/>
+    <dgm:txPr/>
+    <dgm:style>
+      <a:lnRef idx="2">
+        <a:scrgbClr r="0" g="0" b="0"/>
+      </a:lnRef>
+      <a:fillRef idx="1">
+        <a:scrgbClr r="0" g="0" b="0"/>
+      </a:fillRef>
+      <a:effectRef idx="0">
+        <a:scrgbClr r="0" g="0" b="0"/>
+      </a:effectRef>
+      <a:fontRef idx="minor"/>
+    </dgm:style>
+  </dgm:styleLbl>
+  <dgm:styleLbl name="fgAcc0">
+    <dgm:scene3d>
+      <a:camera prst="orthographicFront"/>
+      <a:lightRig rig="threePt" dir="t"/>
+    </dgm:scene3d>
+    <dgm:sp3d/>
+    <dgm:txPr/>
+    <dgm:style>
+      <a:lnRef idx="2">
+        <a:scrgbClr r="0" g="0" b="0"/>
+      </a:lnRef>
+      <a:fillRef idx="1">
+        <a:scrgbClr r="0" g="0" b="0"/>
+      </a:fillRef>
+      <a:effectRef idx="0">
+        <a:scrgbClr r="0" g="0" b="0"/>
+      </a:effectRef>
+      <a:fontRef idx="minor"/>
+    </dgm:style>
+  </dgm:styleLbl>
+  <dgm:styleLbl name="fgAcc2">
+    <dgm:scene3d>
+      <a:camera prst="orthographicFront"/>
+      <a:lightRig rig="threePt" dir="t"/>
+    </dgm:scene3d>
+    <dgm:sp3d/>
+    <dgm:txPr/>
+    <dgm:style>
+      <a:lnRef idx="2">
+        <a:scrgbClr r="0" g="0" b="0"/>
+      </a:lnRef>
+      <a:fillRef idx="1">
+        <a:scrgbClr r="0" g="0" b="0"/>
+      </a:fillRef>
+      <a:effectRef idx="0">
+        <a:scrgbClr r="0" g="0" b="0"/>
+      </a:effectRef>
+      <a:fontRef idx="minor"/>
+    </dgm:style>
+  </dgm:styleLbl>
+  <dgm:styleLbl name="fgAcc3">
+    <dgm:scene3d>
+      <a:camera prst="orthographicFront"/>
+      <a:lightRig rig="threePt" dir="t"/>
+    </dgm:scene3d>
+    <dgm:sp3d/>
+    <dgm:txPr/>
+    <dgm:style>
+      <a:lnRef idx="2">
+        <a:scrgbClr r="0" g="0" b="0"/>
+      </a:lnRef>
+      <a:fillRef idx="1">
+        <a:scrgbClr r="0" g="0" b="0"/>
+      </a:fillRef>
+      <a:effectRef idx="0">
+        <a:scrgbClr r="0" g="0" b="0"/>
+      </a:effectRef>
+      <a:fontRef idx="minor"/>
+    </dgm:style>
+  </dgm:styleLbl>
+  <dgm:styleLbl name="fgAcc4">
+    <dgm:scene3d>
+      <a:camera prst="orthographicFront"/>
+      <a:lightRig rig="threePt" dir="t"/>
+    </dgm:scene3d>
+    <dgm:sp3d/>
+    <dgm:txPr/>
+    <dgm:style>
+      <a:lnRef idx="2">
+        <a:scrgbClr r="0" g="0" b="0"/>
+      </a:lnRef>
+      <a:fillRef idx="1">
+        <a:scrgbClr r="0" g="0" b="0"/>
+      </a:fillRef>
+      <a:effectRef idx="0">
+        <a:scrgbClr r="0" g="0" b="0"/>
+      </a:effectRef>
+      <a:fontRef idx="minor"/>
+    </dgm:style>
+  </dgm:styleLbl>
+  <dgm:styleLbl name="bgShp">
+    <dgm:scene3d>
+      <a:camera prst="orthographicFront"/>
+      <a:lightRig rig="threePt" dir="t"/>
+    </dgm:scene3d>
+    <dgm:sp3d/>
+    <dgm:txPr/>
+    <dgm:style>
+      <a:lnRef idx="0">
+        <a:scrgbClr r="0" g="0" b="0"/>
+      </a:lnRef>
+      <a:fillRef idx="1">
+        <a:scrgbClr r="0" g="0" b="0"/>
+      </a:fillRef>
+      <a:effectRef idx="0">
+        <a:scrgbClr r="0" g="0" b="0"/>
+      </a:effectRef>
+      <a:fontRef idx="minor"/>
+    </dgm:style>
+  </dgm:styleLbl>
+  <dgm:styleLbl name="dkBgShp">
+    <dgm:scene3d>
+      <a:camera prst="orthographicFront"/>
+      <a:lightRig rig="threePt" dir="t"/>
+    </dgm:scene3d>
+    <dgm:sp3d/>
+    <dgm:txPr/>
+    <dgm:style>
+      <a:lnRef idx="0">
+        <a:scrgbClr r="0" g="0" b="0"/>
+      </a:lnRef>
+      <a:fillRef idx="1">
+        <a:scrgbClr r="0" g="0" b="0"/>
+      </a:fillRef>
+      <a:effectRef idx="0">
+        <a:scrgbClr r="0" g="0" b="0"/>
+      </a:effectRef>
+      <a:fontRef idx="minor"/>
+    </dgm:style>
+  </dgm:styleLbl>
+  <dgm:styleLbl name="trBgShp">
+    <dgm:scene3d>
+      <a:camera prst="orthographicFront"/>
+      <a:lightRig rig="threePt" dir="t"/>
+    </dgm:scene3d>
+    <dgm:sp3d/>
+    <dgm:txPr/>
+    <dgm:style>
+      <a:lnRef idx="0">
+        <a:scrgbClr r="0" g="0" b="0"/>
+      </a:lnRef>
+      <a:fillRef idx="1">
+        <a:scrgbClr r="0" g="0" b="0"/>
+      </a:fillRef>
+      <a:effectRef idx="0">
+        <a:scrgbClr r="0" g="0" b="0"/>
+      </a:effectRef>
+      <a:fontRef idx="minor"/>
+    </dgm:style>
+  </dgm:styleLbl>
+  <dgm:styleLbl name="fgShp">
+    <dgm:scene3d>
+      <a:camera prst="orthographicFront"/>
+      <a:lightRig rig="threePt" dir="t"/>
+    </dgm:scene3d>
+    <dgm:sp3d/>
+    <dgm:txPr/>
+    <dgm:style>
+      <a:lnRef idx="2">
+        <a:scrgbClr r="0" g="0" b="0"/>
+      </a:lnRef>
+      <a:fillRef idx="1">
+        <a:scrgbClr r="0" g="0" b="0"/>
+      </a:fillRef>
+      <a:effectRef idx="0">
+        <a:scrgbClr r="0" g="0" b="0"/>
+      </a:effectRef>
+      <a:fontRef idx="minor"/>
+    </dgm:style>
+  </dgm:styleLbl>
+  <dgm:styleLbl name="revTx">
+    <dgm:scene3d>
+      <a:camera prst="orthographicFront"/>
+      <a:lightRig rig="threePt" dir="t"/>
+    </dgm:scene3d>
+    <dgm:sp3d/>
+    <dgm:txPr/>
+    <dgm:style>
+      <a:lnRef idx="0">
+        <a:scrgbClr r="0" g="0" b="0"/>
+      </a:lnRef>
+      <a:fillRef idx="0">
+        <a:scrgbClr r="0" g="0" b="0"/>
+      </a:fillRef>
+      <a:effectRef idx="0">
+        <a:scrgbClr r="0" g="0" b="0"/>
+      </a:effectRef>
+      <a:fontRef idx="minor"/>
+    </dgm:style>
+  </dgm:styleLbl>
+</dgm:styleDef>
+</file>
+
+<file path=ppt/diagrams/quickStyle2.xml><?xml version="1.0" encoding="utf-8"?>
+<dgm:styleDef xmlns:dgm="http://schemas.openxmlformats.org/drawingml/2006/diagram" xmlns:a="http://schemas.openxmlformats.org/drawingml/2006/main" uniqueId="urn:microsoft.com/office/officeart/2005/8/quickstyle/simple1">
+  <dgm:title val=""/>
+  <dgm:desc val=""/>
+  <dgm:catLst>
+    <dgm:cat type="simple" pri="10100"/>
+  </dgm:catLst>
+  <dgm:scene3d>
+    <a:camera prst="orthographicFront"/>
+    <a:lightRig rig="threePt" dir="t"/>
+  </dgm:scene3d>
+  <dgm:styleLbl name="node0">
+    <dgm:scene3d>
+      <a:camera prst="orthographicFront"/>
+      <a:lightRig rig="threePt" dir="t"/>
+    </dgm:scene3d>
+    <dgm:sp3d/>
+    <dgm:txPr/>
+    <dgm:style>
+      <a:lnRef idx="2">
+        <a:scrgbClr r="0" g="0" b="0"/>
+      </a:lnRef>
+      <a:fillRef idx="1">
+        <a:scrgbClr r="0" g="0" b="0"/>
+      </a:fillRef>
+      <a:effectRef idx="0">
+        <a:scrgbClr r="0" g="0" b="0"/>
+      </a:effectRef>
+      <a:fontRef idx="minor">
+        <a:schemeClr val="lt1"/>
+      </a:fontRef>
+    </dgm:style>
+  </dgm:styleLbl>
+  <dgm:styleLbl name="lnNode1">
+    <dgm:scene3d>
+      <a:camera prst="orthographicFront"/>
+      <a:lightRig rig="threePt" dir="t"/>
+    </dgm:scene3d>
+    <dgm:sp3d/>
+    <dgm:txPr/>
+    <dgm:style>
+      <a:lnRef idx="2">
+        <a:scrgbClr r="0" g="0" b="0"/>
+      </a:lnRef>
+      <a:fillRef idx="1">
+        <a:scrgbClr r="0" g="0" b="0"/>
+      </a:fillRef>
+      <a:effectRef idx="0">
+        <a:scrgbClr r="0" g="0" b="0"/>
+      </a:effectRef>
+      <a:fontRef idx="minor">
+        <a:schemeClr val="lt1"/>
+      </a:fontRef>
+    </dgm:style>
+  </dgm:styleLbl>
+  <dgm:styleLbl name="vennNode1">
+    <dgm:scene3d>
+      <a:camera prst="orthographicFront"/>
+      <a:lightRig rig="threePt" dir="t"/>
+    </dgm:scene3d>
+    <dgm:sp3d/>
+    <dgm:txPr/>
+    <dgm:style>
+      <a:lnRef idx="2">
+        <a:scrgbClr r="0" g="0" b="0"/>
+      </a:lnRef>
+      <a:fillRef idx="1">
+        <a:scrgbClr r="0" g="0" b="0"/>
+      </a:fillRef>
+      <a:effectRef idx="0">
+        <a:scrgbClr r="0" g="0" b="0"/>
+      </a:effectRef>
+      <a:fontRef idx="minor">
+        <a:schemeClr val="tx1"/>
+      </a:fontRef>
+    </dgm:style>
+  </dgm:styleLbl>
+  <dgm:styleLbl name="alignNode1">
+    <dgm:scene3d>
+      <a:camera prst="orthographicFront"/>
+      <a:lightRig rig="threePt" dir="t"/>
+    </dgm:scene3d>
+    <dgm:sp3d/>
+    <dgm:txPr/>
+    <dgm:style>
+      <a:lnRef idx="2">
+        <a:scrgbClr r="0" g="0" b="0"/>
+      </a:lnRef>
+      <a:fillRef idx="1">
+        <a:scrgbClr r="0" g="0" b="0"/>
+      </a:fillRef>
+      <a:effectRef idx="0">
+        <a:scrgbClr r="0" g="0" b="0"/>
+      </a:effectRef>
+      <a:fontRef idx="minor">
+        <a:schemeClr val="lt1"/>
+      </a:fontRef>
+    </dgm:style>
+  </dgm:styleLbl>
+  <dgm:styleLbl name="node1">
+    <dgm:scene3d>
+      <a:camera prst="orthographicFront"/>
+      <a:lightRig rig="threePt" dir="t"/>
+    </dgm:scene3d>
+    <dgm:sp3d/>
+    <dgm:txPr/>
+    <dgm:style>
+      <a:lnRef idx="2">
+        <a:scrgbClr r="0" g="0" b="0"/>
+      </a:lnRef>
+      <a:fillRef idx="1">
+        <a:scrgbClr r="0" g="0" b="0"/>
+      </a:fillRef>
+      <a:effectRef idx="0">
+        <a:scrgbClr r="0" g="0" b="0"/>
+      </a:effectRef>
+      <a:fontRef idx="minor">
+        <a:schemeClr val="lt1"/>
+      </a:fontRef>
+    </dgm:style>
+  </dgm:styleLbl>
+  <dgm:styleLbl name="node2">
+    <dgm:scene3d>
+      <a:camera prst="orthographicFront"/>
+      <a:lightRig rig="threePt" dir="t"/>
+    </dgm:scene3d>
+    <dgm:sp3d/>
+    <dgm:txPr/>
+    <dgm:style>
+      <a:lnRef idx="2">
+        <a:scrgbClr r="0" g="0" b="0"/>
+      </a:lnRef>
+      <a:fillRef idx="1">
+        <a:scrgbClr r="0" g="0" b="0"/>
+      </a:fillRef>
+      <a:effectRef idx="0">
+        <a:scrgbClr r="0" g="0" b="0"/>
+      </a:effectRef>
+      <a:fontRef idx="minor">
+        <a:schemeClr val="lt1"/>
+      </a:fontRef>
+    </dgm:style>
+  </dgm:styleLbl>
+  <dgm:styleLbl name="node3">
+    <dgm:scene3d>
+      <a:camera prst="orthographicFront"/>
+      <a:lightRig rig="threePt" dir="t"/>
+    </dgm:scene3d>
+    <dgm:sp3d/>
+    <dgm:txPr/>
+    <dgm:style>
+      <a:lnRef idx="2">
+        <a:scrgbClr r="0" g="0" b="0"/>
+      </a:lnRef>
+      <a:fillRef idx="1">
+        <a:scrgbClr r="0" g="0" b="0"/>
+      </a:fillRef>
+      <a:effectRef idx="0">
+        <a:scrgbClr r="0" g="0" b="0"/>
+      </a:effectRef>
+      <a:fontRef idx="minor">
+        <a:schemeClr val="lt1"/>
+      </a:fontRef>
+    </dgm:style>
+  </dgm:styleLbl>
+  <dgm:styleLbl name="node4">
+    <dgm:scene3d>
+      <a:camera prst="orthographicFront"/>
+      <a:lightRig rig="threePt" dir="t"/>
+    </dgm:scene3d>
+    <dgm:sp3d/>
+    <dgm:txPr/>
+    <dgm:style>
+      <a:lnRef idx="2">
+        <a:scrgbClr r="0" g="0" b="0"/>
+      </a:lnRef>
+      <a:fillRef idx="1">
+        <a:scrgbClr r="0" g="0" b="0"/>
+      </a:fillRef>
+      <a:effectRef idx="0">
+        <a:scrgbClr r="0" g="0" b="0"/>
+      </a:effectRef>
+      <a:fontRef idx="minor">
+        <a:schemeClr val="lt1"/>
+      </a:fontRef>
+    </dgm:style>
+  </dgm:styleLbl>
+  <dgm:styleLbl name="fgImgPlace1">
+    <dgm:scene3d>
+      <a:camera prst="orthographicFront"/>
+      <a:lightRig rig="threePt" dir="t"/>
+    </dgm:scene3d>
+    <dgm:sp3d/>
+    <dgm:txPr/>
+    <dgm:style>
+      <a:lnRef idx="2">
+        <a:scrgbClr r="0" g="0" b="0"/>
+      </a:lnRef>
+      <a:fillRef idx="1">
+        <a:scrgbClr r="0" g="0" b="0"/>
+      </a:fillRef>
+      <a:effectRef idx="0">
+        <a:scrgbClr r="0" g="0" b="0"/>
+      </a:effectRef>
+      <a:fontRef idx="minor"/>
+    </dgm:style>
+  </dgm:styleLbl>
+  <dgm:styleLbl name="alignImgPlace1">
+    <dgm:scene3d>
+      <a:camera prst="orthographicFront"/>
+      <a:lightRig rig="threePt" dir="t"/>
+    </dgm:scene3d>
+    <dgm:sp3d/>
+    <dgm:txPr/>
+    <dgm:style>
+      <a:lnRef idx="2">
+        <a:scrgbClr r="0" g="0" b="0"/>
+      </a:lnRef>
+      <a:fillRef idx="1">
+        <a:scrgbClr r="0" g="0" b="0"/>
+      </a:fillRef>
+      <a:effectRef idx="0">
+        <a:scrgbClr r="0" g="0" b="0"/>
+      </a:effectRef>
+      <a:fontRef idx="minor"/>
+    </dgm:style>
+  </dgm:styleLbl>
+  <dgm:styleLbl name="bgImgPlace1">
+    <dgm:scene3d>
+      <a:camera prst="orthographicFront"/>
+      <a:lightRig rig="threePt" dir="t"/>
+    </dgm:scene3d>
+    <dgm:sp3d/>
+    <dgm:txPr/>
+    <dgm:style>
+      <a:lnRef idx="2">
+        <a:scrgbClr r="0" g="0" b="0"/>
+      </a:lnRef>
+      <a:fillRef idx="1">
+        <a:scrgbClr r="0" g="0" b="0"/>
+      </a:fillRef>
+      <a:effectRef idx="0">
+        <a:scrgbClr r="0" g="0" b="0"/>
+      </a:effectRef>
+      <a:fontRef idx="minor"/>
+    </dgm:style>
+  </dgm:styleLbl>
+  <dgm:styleLbl name="sibTrans2D1">
+    <dgm:scene3d>
+      <a:camera prst="orthographicFront"/>
+      <a:lightRig rig="threePt" dir="t"/>
+    </dgm:scene3d>
+    <dgm:sp3d/>
+    <dgm:txPr/>
+    <dgm:style>
+      <a:lnRef idx="0">
+        <a:scrgbClr r="0" g="0" b="0"/>
+      </a:lnRef>
+      <a:fillRef idx="1">
+        <a:scrgbClr r="0" g="0" b="0"/>
+      </a:fillRef>
+      <a:effectRef idx="0">
+        <a:scrgbClr r="0" g="0" b="0"/>
+      </a:effectRef>
+      <a:fontRef idx="minor">
+        <a:schemeClr val="lt1"/>
+      </a:fontRef>
+    </dgm:style>
+  </dgm:styleLbl>
+  <dgm:styleLbl name="fgSibTrans2D1">
+    <dgm:scene3d>
+      <a:camera prst="orthographicFront"/>
+      <a:lightRig rig="threePt" dir="t"/>
+    </dgm:scene3d>
+    <dgm:sp3d/>
+    <dgm:txPr/>
+    <dgm:style>
+      <a:lnRef idx="0">
+        <a:scrgbClr r="0" g="0" b="0"/>
+      </a:lnRef>
+      <a:fillRef idx="1">
+        <a:scrgbClr r="0" g="0" b="0"/>
+      </a:fillRef>
+      <a:effectRef idx="0">
+        <a:scrgbClr r="0" g="0" b="0"/>
+      </a:effectRef>
+      <a:fontRef idx="minor">
+        <a:schemeClr val="lt1"/>
+      </a:fontRef>
+    </dgm:style>
+  </dgm:styleLbl>
+  <dgm:styleLbl name="bgSibTrans2D1">
+    <dgm:scene3d>
+      <a:camera prst="orthographicFront"/>
+      <a:lightRig rig="threePt" dir="t"/>
+    </dgm:scene3d>
+    <dgm:sp3d/>
+    <dgm:txPr/>
+    <dgm:style>
+      <a:lnRef idx="0">
+        <a:scrgbClr r="0" g="0" b="0"/>
+      </a:lnRef>
+      <a:fillRef idx="1">
+        <a:scrgbClr r="0" g="0" b="0"/>
+      </a:fillRef>
+      <a:effectRef idx="0">
+        <a:scrgbClr r="0" g="0" b="0"/>
+      </a:effectRef>
+      <a:fontRef idx="minor">
+        <a:schemeClr val="lt1"/>
+      </a:fontRef>
+    </dgm:style>
+  </dgm:styleLbl>
+  <dgm:styleLbl name="sibTrans1D1">
+    <dgm:scene3d>
+      <a:camera prst="orthographicFront"/>
+      <a:lightRig rig="threePt" dir="t"/>
+    </dgm:scene3d>
+    <dgm:sp3d/>
+    <dgm:txPr/>
+    <dgm:style>
+      <a:lnRef idx="1">
+        <a:scrgbClr r="0" g="0" b="0"/>
+      </a:lnRef>
+      <a:fillRef idx="0">
+        <a:scrgbClr r="0" g="0" b="0"/>
+      </a:fillRef>
+      <a:effectRef idx="0">
+        <a:scrgbClr r="0" g="0" b="0"/>
+      </a:effectRef>
+      <a:fontRef idx="minor"/>
+    </dgm:style>
+  </dgm:styleLbl>
+  <dgm:styleLbl name="callout">
+    <dgm:scene3d>
+      <a:camera prst="orthographicFront"/>
+      <a:lightRig rig="threePt" dir="t"/>
+    </dgm:scene3d>
+    <dgm:sp3d/>
+    <dgm:txPr/>
+    <dgm:style>
+      <a:lnRef idx="2">
+        <a:scrgbClr r="0" g="0" b="0"/>
+      </a:lnRef>
+      <a:fillRef idx="1">
+        <a:scrgbClr r="0" g="0" b="0"/>
+      </a:fillRef>
+      <a:effectRef idx="0">
+        <a:scrgbClr r="0" g="0" b="0"/>
+      </a:effectRef>
+      <a:fontRef idx="minor"/>
+    </dgm:style>
+  </dgm:styleLbl>
+  <dgm:styleLbl name="asst0">
+    <dgm:scene3d>
+      <a:camera prst="orthographicFront"/>
+      <a:lightRig rig="threePt" dir="t"/>
+    </dgm:scene3d>
+    <dgm:sp3d/>
+    <dgm:txPr/>
+    <dgm:style>
+      <a:lnRef idx="2">
+        <a:scrgbClr r="0" g="0" b="0"/>
+      </a:lnRef>
+      <a:fillRef idx="1">
+        <a:scrgbClr r="0" g="0" b="0"/>
+      </a:fillRef>
+      <a:effectRef idx="0">
+        <a:scrgbClr r="0" g="0" b="0"/>
+      </a:effectRef>
+      <a:fontRef idx="minor">
+        <a:schemeClr val="lt1"/>
+      </a:fontRef>
+    </dgm:style>
+  </dgm:styleLbl>
+  <dgm:styleLbl name="asst1">
+    <dgm:scene3d>
+      <a:camera prst="orthographicFront"/>
+      <a:lightRig rig="threePt" dir="t"/>
+    </dgm:scene3d>
+    <dgm:sp3d/>
+    <dgm:txPr/>
+    <dgm:style>
+      <a:lnRef idx="2">
+        <a:scrgbClr r="0" g="0" b="0"/>
+      </a:lnRef>
+      <a:fillRef idx="1">
+        <a:scrgbClr r="0" g="0" b="0"/>
+      </a:fillRef>
+      <a:effectRef idx="0">
+        <a:scrgbClr r="0" g="0" b="0"/>
+      </a:effectRef>
+      <a:fontRef idx="minor">
+        <a:schemeClr val="lt1"/>
+      </a:fontRef>
+    </dgm:style>
+  </dgm:styleLbl>
+  <dgm:styleLbl name="asst2">
+    <dgm:scene3d>
+      <a:camera prst="orthographicFront"/>
+      <a:lightRig rig="threePt" dir="t"/>
+    </dgm:scene3d>
+    <dgm:sp3d/>
+    <dgm:txPr/>
+    <dgm:style>
+      <a:lnRef idx="2">
+        <a:scrgbClr r="0" g="0" b="0"/>
+      </a:lnRef>
+      <a:fillRef idx="1">
+        <a:scrgbClr r="0" g="0" b="0"/>
+      </a:fillRef>
+      <a:effectRef idx="0">
+        <a:scrgbClr r="0" g="0" b="0"/>
+      </a:effectRef>
+      <a:fontRef idx="minor">
+        <a:schemeClr val="lt1"/>
+      </a:fontRef>
+    </dgm:style>
+  </dgm:styleLbl>
+  <dgm:styleLbl name="asst3">
+    <dgm:scene3d>
+      <a:camera prst="orthographicFront"/>
+      <a:lightRig rig="threePt" dir="t"/>
+    </dgm:scene3d>
+    <dgm:sp3d/>
+    <dgm:txPr/>
+    <dgm:style>
+      <a:lnRef idx="2">
+        <a:scrgbClr r="0" g="0" b="0"/>
+      </a:lnRef>
+      <a:fillRef idx="1">
+        <a:scrgbClr r="0" g="0" b="0"/>
+      </a:fillRef>
+      <a:effectRef idx="0">
+        <a:scrgbClr r="0" g="0" b="0"/>
+      </a:effectRef>
+      <a:fontRef idx="minor">
+        <a:schemeClr val="lt1"/>
+      </a:fontRef>
+    </dgm:style>
+  </dgm:styleLbl>
+  <dgm:styleLbl name="asst4">
+    <dgm:scene3d>
+      <a:camera prst="orthographicFront"/>
+      <a:lightRig rig="threePt" dir="t"/>
+    </dgm:scene3d>
+    <dgm:sp3d/>
+    <dgm:txPr/>
+    <dgm:style>
+      <a:lnRef idx="2">
+        <a:scrgbClr r="0" g="0" b="0"/>
+      </a:lnRef>
+      <a:fillRef idx="1">
+        <a:scrgbClr r="0" g="0" b="0"/>
+      </a:fillRef>
+      <a:effectRef idx="0">
+        <a:scrgbClr r="0" g="0" b="0"/>
+      </a:effectRef>
+      <a:fontRef idx="minor">
+        <a:schemeClr val="lt1"/>
+      </a:fontRef>
+    </dgm:style>
+  </dgm:styleLbl>
+  <dgm:styleLbl name="parChTrans2D1">
+    <dgm:scene3d>
+      <a:camera prst="orthographicFront"/>
+      <a:lightRig rig="threePt" dir="t"/>
+    </dgm:scene3d>
+    <dgm:sp3d/>
+    <dgm:txPr/>
+    <dgm:style>
+      <a:lnRef idx="2">
+        <a:scrgbClr r="0" g="0" b="0"/>
+      </a:lnRef>
+      <a:fillRef idx="1">
+        <a:scrgbClr r="0" g="0" b="0"/>
+      </a:fillRef>
+      <a:effectRef idx="0">
+        <a:scrgbClr r="0" g="0" b="0"/>
+      </a:effectRef>
+      <a:fontRef idx="minor">
+        <a:schemeClr val="lt1"/>
+      </a:fontRef>
+    </dgm:style>
+  </dgm:styleLbl>
+  <dgm:styleLbl name="parChTrans2D2">
+    <dgm:scene3d>
+      <a:camera prst="orthographicFront"/>
+      <a:lightRig rig="threePt" dir="t"/>
+    </dgm:scene3d>
+    <dgm:sp3d/>
+    <dgm:txPr/>
+    <dgm:style>
+      <a:lnRef idx="2">
+        <a:scrgbClr r="0" g="0" b="0"/>
+      </a:lnRef>
+      <a:fillRef idx="1">
+        <a:scrgbClr r="0" g="0" b="0"/>
+      </a:fillRef>
+      <a:effectRef idx="0">
+        <a:scrgbClr r="0" g="0" b="0"/>
+      </a:effectRef>
+      <a:fontRef idx="minor">
+        <a:schemeClr val="lt1"/>
+      </a:fontRef>
+    </dgm:style>
+  </dgm:styleLbl>
+  <dgm:styleLbl name="parChTrans2D3">
+    <dgm:scene3d>
+      <a:camera prst="orthographicFront"/>
+      <a:lightRig rig="threePt" dir="t"/>
+    </dgm:scene3d>
+    <dgm:sp3d/>
+    <dgm:txPr/>
+    <dgm:style>
+      <a:lnRef idx="2">
+        <a:scrgbClr r="0" g="0" b="0"/>
+      </a:lnRef>
+      <a:fillRef idx="1">
+        <a:scrgbClr r="0" g="0" b="0"/>
+      </a:fillRef>
+      <a:effectRef idx="0">
+        <a:scrgbClr r="0" g="0" b="0"/>
+      </a:effectRef>
+      <a:fontRef idx="minor">
+        <a:schemeClr val="lt1"/>
+      </a:fontRef>
+    </dgm:style>
+  </dgm:styleLbl>
+  <dgm:styleLbl name="parChTrans2D4">
+    <dgm:scene3d>
+      <a:camera prst="orthographicFront"/>
+      <a:lightRig rig="threePt" dir="t"/>
+    </dgm:scene3d>
+    <dgm:sp3d/>
+    <dgm:txPr/>
+    <dgm:style>
+      <a:lnRef idx="2">
+        <a:scrgbClr r="0" g="0" b="0"/>
+      </a:lnRef>
+      <a:fillRef idx="1">
+        <a:scrgbClr r="0" g="0" b="0"/>
+      </a:fillRef>
+      <a:effectRef idx="0">
+        <a:scrgbClr r="0" g="0" b="0"/>
+      </a:effectRef>
+      <a:fontRef idx="minor">
+        <a:schemeClr val="lt1"/>
+      </a:fontRef>
+    </dgm:style>
+  </dgm:styleLbl>
+  <dgm:styleLbl name="parChTrans1D1">
+    <dgm:scene3d>
+      <a:camera prst="orthographicFront"/>
+      <a:lightRig rig="threePt" dir="t"/>
+    </dgm:scene3d>
+    <dgm:sp3d/>
+    <dgm:txPr/>
+    <dgm:style>
+      <a:lnRef idx="2">
+        <a:scrgbClr r="0" g="0" b="0"/>
+      </a:lnRef>
+      <a:fillRef idx="0">
+        <a:scrgbClr r="0" g="0" b="0"/>
+      </a:fillRef>
+      <a:effectRef idx="0">
+        <a:scrgbClr r="0" g="0" b="0"/>
+      </a:effectRef>
+      <a:fontRef idx="minor"/>
+    </dgm:style>
+  </dgm:styleLbl>
+  <dgm:styleLbl name="parChTrans1D2">
+    <dgm:scene3d>
+      <a:camera prst="orthographicFront"/>
+      <a:lightRig rig="threePt" dir="t"/>
+    </dgm:scene3d>
+    <dgm:sp3d/>
+    <dgm:txPr/>
+    <dgm:style>
+      <a:lnRef idx="2">
+        <a:scrgbClr r="0" g="0" b="0"/>
+      </a:lnRef>
+      <a:fillRef idx="0">
+        <a:scrgbClr r="0" g="0" b="0"/>
+      </a:fillRef>
+      <a:effectRef idx="0">
+        <a:scrgbClr r="0" g="0" b="0"/>
+      </a:effectRef>
+      <a:fontRef idx="minor"/>
+    </dgm:style>
+  </dgm:styleLbl>
+  <dgm:styleLbl name="parChTrans1D3">
+    <dgm:scene3d>
+      <a:camera prst="orthographicFront"/>
+      <a:lightRig rig="threePt" dir="t"/>
+    </dgm:scene3d>
+    <dgm:sp3d/>
+    <dgm:txPr/>
+    <dgm:style>
+      <a:lnRef idx="2">
+        <a:scrgbClr r="0" g="0" b="0"/>
+      </a:lnRef>
+      <a:fillRef idx="0">
+        <a:scrgbClr r="0" g="0" b="0"/>
+      </a:fillRef>
+      <a:effectRef idx="0">
+        <a:scrgbClr r="0" g="0" b="0"/>
+      </a:effectRef>
+      <a:fontRef idx="minor"/>
+    </dgm:style>
+  </dgm:styleLbl>
+  <dgm:styleLbl name="parChTrans1D4">
+    <dgm:scene3d>
+      <a:camera prst="orthographicFront"/>
+      <a:lightRig rig="threePt" dir="t"/>
+    </dgm:scene3d>
+    <dgm:sp3d/>
+    <dgm:txPr/>
+    <dgm:style>
+      <a:lnRef idx="2">
+        <a:scrgbClr r="0" g="0" b="0"/>
+      </a:lnRef>
+      <a:fillRef idx="0">
+        <a:scrgbClr r="0" g="0" b="0"/>
+      </a:fillRef>
+      <a:effectRef idx="0">
+        <a:scrgbClr r="0" g="0" b="0"/>
+      </a:effectRef>
+      <a:fontRef idx="minor"/>
+    </dgm:style>
+  </dgm:styleLbl>
+  <dgm:styleLbl name="fgAcc1">
+    <dgm:scene3d>
+      <a:camera prst="orthographicFront"/>
+      <a:lightRig rig="threePt" dir="t"/>
+    </dgm:scene3d>
+    <dgm:sp3d/>
+    <dgm:txPr/>
+    <dgm:style>
+      <a:lnRef idx="2">
+        <a:scrgbClr r="0" g="0" b="0"/>
+      </a:lnRef>
+      <a:fillRef idx="1">
+        <a:scrgbClr r="0" g="0" b="0"/>
+      </a:fillRef>
+      <a:effectRef idx="0">
+        <a:scrgbClr r="0" g="0" b="0"/>
+      </a:effectRef>
+      <a:fontRef idx="minor"/>
+    </dgm:style>
+  </dgm:styleLbl>
+  <dgm:styleLbl name="conFgAcc1">
+    <dgm:scene3d>
+      <a:camera prst="orthographicFront"/>
+      <a:lightRig rig="threePt" dir="t"/>
+    </dgm:scene3d>
+    <dgm:sp3d/>
+    <dgm:txPr/>
+    <dgm:style>
+      <a:lnRef idx="2">
+        <a:scrgbClr r="0" g="0" b="0"/>
+      </a:lnRef>
+      <a:fillRef idx="1">
+        <a:scrgbClr r="0" g="0" b="0"/>
+      </a:fillRef>
+      <a:effectRef idx="0">
+        <a:scrgbClr r="0" g="0" b="0"/>
+      </a:effectRef>
+      <a:fontRef idx="minor"/>
+    </dgm:style>
+  </dgm:styleLbl>
+  <dgm:styleLbl name="alignAcc1">
+    <dgm:scene3d>
+      <a:camera prst="orthographicFront"/>
+      <a:lightRig rig="threePt" dir="t"/>
+    </dgm:scene3d>
+    <dgm:sp3d/>
+    <dgm:txPr/>
+    <dgm:style>
+      <a:lnRef idx="2">
+        <a:scrgbClr r="0" g="0" b="0"/>
+      </a:lnRef>
+      <a:fillRef idx="1">
+        <a:scrgbClr r="0" g="0" b="0"/>
+      </a:fillRef>
+      <a:effectRef idx="0">
+        <a:scrgbClr r="0" g="0" b="0"/>
+      </a:effectRef>
+      <a:fontRef idx="minor"/>
+    </dgm:style>
+  </dgm:styleLbl>
+  <dgm:styleLbl name="trAlignAcc1">
+    <dgm:scene3d>
+      <a:camera prst="orthographicFront"/>
+      <a:lightRig rig="threePt" dir="t"/>
+    </dgm:scene3d>
+    <dgm:sp3d/>
+    <dgm:txPr/>
+    <dgm:style>
+      <a:lnRef idx="1">
+        <a:scrgbClr r="0" g="0" b="0"/>
+      </a:lnRef>
+      <a:fillRef idx="1">
+        <a:scrgbClr r="0" g="0" b="0"/>
+      </a:fillRef>
+      <a:effectRef idx="0">
+        <a:scrgbClr r="0" g="0" b="0"/>
+      </a:effectRef>
+      <a:fontRef idx="minor"/>
+    </dgm:style>
+  </dgm:styleLbl>
+  <dgm:styleLbl name="bgAcc1">
+    <dgm:scene3d>
+      <a:camera prst="orthographicFront"/>
+      <a:lightRig rig="threePt" dir="t"/>
+    </dgm:scene3d>
+    <dgm:sp3d/>
+    <dgm:txPr/>
+    <dgm:style>
+      <a:lnRef idx="2">
+        <a:scrgbClr r="0" g="0" b="0"/>
+      </a:lnRef>
+      <a:fillRef idx="1">
+        <a:scrgbClr r="0" g="0" b="0"/>
+      </a:fillRef>
+      <a:effectRef idx="0">
+        <a:scrgbClr r="0" g="0" b="0"/>
+      </a:effectRef>
+      <a:fontRef idx="minor"/>
+    </dgm:style>
+  </dgm:styleLbl>
+  <dgm:styleLbl name="solidFgAcc1">
+    <dgm:scene3d>
+      <a:camera prst="orthographicFront"/>
+      <a:lightRig rig="threePt" dir="t"/>
+    </dgm:scene3d>
+    <dgm:sp3d/>
+    <dgm:txPr/>
+    <dgm:style>
+      <a:lnRef idx="2">
+        <a:scrgbClr r="0" g="0" b="0"/>
+      </a:lnRef>
+      <a:fillRef idx="1">
+        <a:scrgbClr r="0" g="0" b="0"/>
+      </a:fillRef>
+      <a:effectRef idx="0">
+        <a:scrgbClr r="0" g="0" b="0"/>
+      </a:effectRef>
+      <a:fontRef idx="minor"/>
+    </dgm:style>
+  </dgm:styleLbl>
+  <dgm:styleLbl name="solidAlignAcc1">
+    <dgm:scene3d>
+      <a:camera prst="orthographicFront"/>
+      <a:lightRig rig="threePt" dir="t"/>
+    </dgm:scene3d>
+    <dgm:sp3d/>
+    <dgm:txPr/>
+    <dgm:style>
+      <a:lnRef idx="2">
+        <a:scrgbClr r="0" g="0" b="0"/>
+      </a:lnRef>
+      <a:fillRef idx="1">
+        <a:scrgbClr r="0" g="0" b="0"/>
+      </a:fillRef>
+      <a:effectRef idx="0">
+        <a:scrgbClr r="0" g="0" b="0"/>
+      </a:effectRef>
+      <a:fontRef idx="minor"/>
+    </dgm:style>
+  </dgm:styleLbl>
+  <dgm:styleLbl name="solidBgAcc1">
+    <dgm:scene3d>
+      <a:camera prst="orthographicFront"/>
+      <a:lightRig rig="threePt" dir="t"/>
+    </dgm:scene3d>
+    <dgm:sp3d/>
+    <dgm:txPr/>
+    <dgm:style>
+      <a:lnRef idx="2">
+        <a:scrgbClr r="0" g="0" b="0"/>
+      </a:lnRef>
+      <a:fillRef idx="1">
+        <a:scrgbClr r="0" g="0" b="0"/>
+      </a:fillRef>
+      <a:effectRef idx="0">
+        <a:scrgbClr r="0" g="0" b="0"/>
+      </a:effectRef>
+      <a:fontRef idx="minor"/>
+    </dgm:style>
+  </dgm:styleLbl>
+  <dgm:styleLbl name="fgAccFollowNode1">
+    <dgm:scene3d>
+      <a:camera prst="orthographicFront"/>
+      <a:lightRig rig="threePt" dir="t"/>
+    </dgm:scene3d>
+    <dgm:sp3d/>
+    <dgm:txPr/>
+    <dgm:style>
+      <a:lnRef idx="2">
+        <a:scrgbClr r="0" g="0" b="0"/>
+      </a:lnRef>
+      <a:fillRef idx="1">
+        <a:scrgbClr r="0" g="0" b="0"/>
+      </a:fillRef>
+      <a:effectRef idx="0">
+        <a:scrgbClr r="0" g="0" b="0"/>
+      </a:effectRef>
+      <a:fontRef idx="minor"/>
+    </dgm:style>
+  </dgm:styleLbl>
+  <dgm:styleLbl name="alignAccFollowNode1">
+    <dgm:scene3d>
+      <a:camera prst="orthographicFront"/>
+      <a:lightRig rig="threePt" dir="t"/>
+    </dgm:scene3d>
+    <dgm:sp3d/>
+    <dgm:txPr/>
+    <dgm:style>
+      <a:lnRef idx="2">
+        <a:scrgbClr r="0" g="0" b="0"/>
+      </a:lnRef>
+      <a:fillRef idx="1">
+        <a:scrgbClr r="0" g="0" b="0"/>
+      </a:fillRef>
+      <a:effectRef idx="0">
+        <a:scrgbClr r="0" g="0" b="0"/>
+      </a:effectRef>
+      <a:fontRef idx="minor"/>
+    </dgm:style>
+  </dgm:styleLbl>
+  <dgm:styleLbl name="bgAccFollowNode1">
+    <dgm:scene3d>
+      <a:camera prst="orthographicFront"/>
+      <a:lightRig rig="threePt" dir="t"/>
+    </dgm:scene3d>
+    <dgm:sp3d/>
+    <dgm:txPr/>
+    <dgm:style>
+      <a:lnRef idx="2">
+        <a:scrgbClr r="0" g="0" b="0"/>
+      </a:lnRef>
+      <a:fillRef idx="1">
+        <a:scrgbClr r="0" g="0" b="0"/>
+      </a:fillRef>
+      <a:effectRef idx="0">
+        <a:scrgbClr r="0" g="0" b="0"/>
+      </a:effectRef>
+      <a:fontRef idx="minor"/>
+    </dgm:style>
+  </dgm:styleLbl>
+  <dgm:styleLbl name="fgAcc0">
+    <dgm:scene3d>
+      <a:camera prst="orthographicFront"/>
+      <a:lightRig rig="threePt" dir="t"/>
+    </dgm:scene3d>
+    <dgm:sp3d/>
+    <dgm:txPr/>
+    <dgm:style>
+      <a:lnRef idx="2">
+        <a:scrgbClr r="0" g="0" b="0"/>
+      </a:lnRef>
+      <a:fillRef idx="1">
+        <a:scrgbClr r="0" g="0" b="0"/>
+      </a:fillRef>
+      <a:effectRef idx="0">
+        <a:scrgbClr r="0" g="0" b="0"/>
+      </a:effectRef>
+      <a:fontRef idx="minor"/>
+    </dgm:style>
+  </dgm:styleLbl>
+  <dgm:styleLbl name="fgAcc2">
+    <dgm:scene3d>
+      <a:camera prst="orthographicFront"/>
+      <a:lightRig rig="threePt" dir="t"/>
+    </dgm:scene3d>
+    <dgm:sp3d/>
+    <dgm:txPr/>
+    <dgm:style>
+      <a:lnRef idx="2">
+        <a:scrgbClr r="0" g="0" b="0"/>
+      </a:lnRef>
+      <a:fillRef idx="1">
+        <a:scrgbClr r="0" g="0" b="0"/>
+      </a:fillRef>
+      <a:effectRef idx="0">
+        <a:scrgbClr r="0" g="0" b="0"/>
+      </a:effectRef>
+      <a:fontRef idx="minor"/>
+    </dgm:style>
+  </dgm:styleLbl>
+  <dgm:styleLbl name="fgAcc3">
+    <dgm:scene3d>
+      <a:camera prst="orthographicFront"/>
+      <a:lightRig rig="threePt" dir="t"/>
+    </dgm:scene3d>
+    <dgm:sp3d/>
+    <dgm:txPr/>
+    <dgm:style>
+      <a:lnRef idx="2">
+        <a:scrgbClr r="0" g="0" b="0"/>
+      </a:lnRef>
+      <a:fillRef idx="1">
+        <a:scrgbClr r="0" g="0" b="0"/>
+      </a:fillRef>
+      <a:effectRef idx="0">
+        <a:scrgbClr r="0" g="0" b="0"/>
+      </a:effectRef>
+      <a:fontRef idx="minor"/>
+    </dgm:style>
+  </dgm:styleLbl>
+  <dgm:styleLbl name="fgAcc4">
+    <dgm:scene3d>
+      <a:camera prst="orthographicFront"/>
+      <a:lightRig rig="threePt" dir="t"/>
+    </dgm:scene3d>
+    <dgm:sp3d/>
+    <dgm:txPr/>
+    <dgm:style>
+      <a:lnRef idx="2">
+        <a:scrgbClr r="0" g="0" b="0"/>
+      </a:lnRef>
+      <a:fillRef idx="1">
+        <a:scrgbClr r="0" g="0" b="0"/>
+      </a:fillRef>
+      <a:effectRef idx="0">
+        <a:scrgbClr r="0" g="0" b="0"/>
+      </a:effectRef>
+      <a:fontRef idx="minor"/>
+    </dgm:style>
+  </dgm:styleLbl>
+  <dgm:styleLbl name="bgShp">
+    <dgm:scene3d>
+      <a:camera prst="orthographicFront"/>
+      <a:lightRig rig="threePt" dir="t"/>
+    </dgm:scene3d>
+    <dgm:sp3d/>
+    <dgm:txPr/>
+    <dgm:style>
+      <a:lnRef idx="0">
+        <a:scrgbClr r="0" g="0" b="0"/>
+      </a:lnRef>
+      <a:fillRef idx="1">
+        <a:scrgbClr r="0" g="0" b="0"/>
+      </a:fillRef>
+      <a:effectRef idx="0">
+        <a:scrgbClr r="0" g="0" b="0"/>
+      </a:effectRef>
+      <a:fontRef idx="minor"/>
+    </dgm:style>
+  </dgm:styleLbl>
+  <dgm:styleLbl name="dkBgShp">
+    <dgm:scene3d>
+      <a:camera prst="orthographicFront"/>
+      <a:lightRig rig="threePt" dir="t"/>
+    </dgm:scene3d>
+    <dgm:sp3d/>
+    <dgm:txPr/>
+    <dgm:style>
+      <a:lnRef idx="0">
+        <a:scrgbClr r="0" g="0" b="0"/>
+      </a:lnRef>
+      <a:fillRef idx="1">
+        <a:scrgbClr r="0" g="0" b="0"/>
+      </a:fillRef>
+      <a:effectRef idx="0">
+        <a:scrgbClr r="0" g="0" b="0"/>
+      </a:effectRef>
+      <a:fontRef idx="minor"/>
+    </dgm:style>
+  </dgm:styleLbl>
+  <dgm:styleLbl name="trBgShp">
+    <dgm:scene3d>
+      <a:camera prst="orthographicFront"/>
+      <a:lightRig rig="threePt" dir="t"/>
+    </dgm:scene3d>
+    <dgm:sp3d/>
+    <dgm:txPr/>
+    <dgm:style>
+      <a:lnRef idx="0">
+        <a:scrgbClr r="0" g="0" b="0"/>
+      </a:lnRef>
+      <a:fillRef idx="1">
+        <a:scrgbClr r="0" g="0" b="0"/>
+      </a:fillRef>
+      <a:effectRef idx="0">
+        <a:scrgbClr r="0" g="0" b="0"/>
+      </a:effectRef>
+      <a:fontRef idx="minor"/>
+    </dgm:style>
+  </dgm:styleLbl>
+  <dgm:styleLbl name="fgShp">
+    <dgm:scene3d>
+      <a:camera prst="orthographicFront"/>
+      <a:lightRig rig="threePt" dir="t"/>
+    </dgm:scene3d>
+    <dgm:sp3d/>
+    <dgm:txPr/>
+    <dgm:style>
+      <a:lnRef idx="2">
+        <a:scrgbClr r="0" g="0" b="0"/>
+      </a:lnRef>
+      <a:fillRef idx="1">
+        <a:scrgbClr r="0" g="0" b="0"/>
+      </a:fillRef>
+      <a:effectRef idx="0">
+        <a:scrgbClr r="0" g="0" b="0"/>
+      </a:effectRef>
+      <a:fontRef idx="minor"/>
+    </dgm:style>
+  </dgm:styleLbl>
+  <dgm:styleLbl name="revTx">
+    <dgm:scene3d>
+      <a:camera prst="orthographicFront"/>
+      <a:lightRig rig="threePt" dir="t"/>
+    </dgm:scene3d>
+    <dgm:sp3d/>
+    <dgm:txPr/>
+    <dgm:style>
+      <a:lnRef idx="0">
+        <a:scrgbClr r="0" g="0" b="0"/>
+      </a:lnRef>
+      <a:fillRef idx="0">
+        <a:scrgbClr r="0" g="0" b="0"/>
+      </a:fillRef>
+      <a:effectRef idx="0">
+        <a:scrgbClr r="0" g="0" b="0"/>
+      </a:effectRef>
+      <a:fontRef idx="minor"/>
+    </dgm:style>
+  </dgm:styleLbl>
+</dgm:styleDef>
 </file>
 
 <file path=ppt/notesMasters/notesMaster1.xml><?xml version="1.0" encoding="utf-8"?>
@@ -361,6 +7173,11 @@
         </p:txBody>
       </p:sp>
     </p:spTree>
+    <p:extLst>
+      <p:ext uri="{BB962C8B-B14F-4D97-AF65-F5344CB8AC3E}">
+        <p14:creationId xmlns:p14="http://schemas.microsoft.com/office/powerpoint/2010/main" val="558317150"/>
+      </p:ext>
+    </p:extLst>
   </p:cSld>
   <p:clrMap bg1="lt1" tx1="dk1" bg2="lt2" tx2="dk2" accent1="accent1" accent2="accent2" accent3="accent3" accent4="accent4" accent5="accent5" accent6="accent6" hlink="hlink" folHlink="folHlink"/>
   <p:notesStyle>
@@ -1231,6 +8048,13 @@
   <p:clrMapOvr>
     <a:masterClrMapping/>
   </p:clrMapOvr>
+  <p:timing>
+    <p:tnLst>
+      <p:par>
+        <p:cTn id="1" dur="indefinite" restart="never" nodeType="tmRoot"/>
+      </p:par>
+    </p:tnLst>
+  </p:timing>
 </p:sldLayout>
 </file>
 
@@ -3269,8 +10093,8 @@
         </p:blipFill>
         <p:spPr>
           <a:xfrm>
-            <a:off x="6876256" y="5517232"/>
-            <a:ext cx="1584176" cy="780634"/>
+            <a:off x="7620000" y="5788975"/>
+            <a:ext cx="1080120" cy="532250"/>
           </a:xfrm>
           <a:prstGeom prst="rect">
             <a:avLst/>
@@ -3293,6 +10117,13 @@
     <p:sldLayoutId id="2147483658" r:id="rId10"/>
     <p:sldLayoutId id="2147483659" r:id="rId11"/>
   </p:sldLayoutIdLst>
+  <p:timing>
+    <p:tnLst>
+      <p:par>
+        <p:cTn id="1" dur="indefinite" restart="never" nodeType="tmRoot"/>
+      </p:par>
+    </p:tnLst>
+  </p:timing>
   <p:hf hdr="0"/>
   <p:txStyles>
     <p:titleStyle>
@@ -3576,7 +10407,7 @@
         </p:nvSpPr>
         <p:spPr>
           <a:xfrm>
-            <a:off x="683568" y="1412776"/>
+            <a:off x="685800" y="548680"/>
             <a:ext cx="7772400" cy="1470025"/>
           </a:xfrm>
         </p:spPr>
@@ -3611,6 +10442,157 @@
           </a:p>
         </p:txBody>
       </p:sp>
+      <p:pic>
+        <p:nvPicPr>
+          <p:cNvPr id="1026" name="Picture 2" descr="http://www.active-robots.com/media/catalog/product/cache/1/image/9df78eab33525d08d6e5fb8d27136e95/n/a/nao-h25-humanoid-robot-academic-edition-from-aldebaran-robotics-web-image-1.jpg"/>
+          <p:cNvPicPr>
+            <a:picLocks noChangeAspect="1" noChangeArrowheads="1"/>
+          </p:cNvPicPr>
+          <p:nvPr/>
+        </p:nvPicPr>
+        <p:blipFill>
+          <a:blip r:embed="rId2">
+            <a:extLst>
+              <a:ext uri="{BEBA8EAE-BF5A-486C-A8C5-ECC9F3942E4B}">
+                <a14:imgProps xmlns:a14="http://schemas.microsoft.com/office/drawing/2010/main">
+                  <a14:imgLayer r:embed="rId3">
+                    <a14:imgEffect>
+                      <a14:backgroundRemoval t="1750" b="99000" l="10000" r="90000"/>
+                    </a14:imgEffect>
+                  </a14:imgLayer>
+                </a14:imgProps>
+              </a:ext>
+              <a:ext uri="{28A0092B-C50C-407E-A947-70E740481C1C}">
+                <a14:useLocalDpi xmlns:a14="http://schemas.microsoft.com/office/drawing/2010/main" val="0"/>
+              </a:ext>
+            </a:extLst>
+          </a:blip>
+          <a:srcRect/>
+          <a:stretch>
+            <a:fillRect/>
+          </a:stretch>
+        </p:blipFill>
+        <p:spPr bwMode="auto">
+          <a:xfrm>
+            <a:off x="685800" y="2108216"/>
+            <a:ext cx="2483470" cy="2483470"/>
+          </a:xfrm>
+          <a:prstGeom prst="rect">
+            <a:avLst/>
+          </a:prstGeom>
+          <a:noFill/>
+          <a:effectLst>
+            <a:glow rad="127000">
+              <a:schemeClr val="accent1">
+                <a:alpha val="0"/>
+              </a:schemeClr>
+            </a:glow>
+          </a:effectLst>
+          <a:extLst>
+            <a:ext uri="{909E8E84-426E-40DD-AFC4-6F175D3DCCD1}">
+              <a14:hiddenFill xmlns:a14="http://schemas.microsoft.com/office/drawing/2010/main">
+                <a:solidFill>
+                  <a:srgbClr val="FFFFFF"/>
+                </a:solidFill>
+              </a14:hiddenFill>
+            </a:ext>
+          </a:extLst>
+        </p:spPr>
+      </p:pic>
+      <p:pic>
+        <p:nvPicPr>
+          <p:cNvPr id="4" name="Picture 3"/>
+          <p:cNvPicPr>
+            <a:picLocks noChangeAspect="1"/>
+          </p:cNvPicPr>
+          <p:nvPr/>
+        </p:nvPicPr>
+        <p:blipFill>
+          <a:blip r:embed="rId4">
+            <a:extLst>
+              <a:ext uri="{BEBA8EAE-BF5A-486C-A8C5-ECC9F3942E4B}">
+                <a14:imgProps xmlns:a14="http://schemas.microsoft.com/office/drawing/2010/main">
+                  <a14:imgLayer r:embed="rId5">
+                    <a14:imgEffect>
+                      <a14:backgroundRemoval t="0" b="100000" l="6296" r="92593">
+                        <a14:foregroundMark x1="74815" y1="44490" x2="88148" y2="29388"/>
+                        <a14:foregroundMark x1="87778" y1="29796" x2="92593" y2="42449"/>
+                        <a14:foregroundMark x1="91481" y1="42857" x2="90370" y2="80000"/>
+                        <a14:foregroundMark x1="89259" y1="80816" x2="83333" y2="86531"/>
+                        <a14:foregroundMark x1="82593" y1="86531" x2="81111" y2="84082"/>
+                        <a14:foregroundMark x1="81111" y1="84082" x2="82963" y2="55510"/>
+                        <a14:foregroundMark x1="82593" y1="55918" x2="71481" y2="66122"/>
+                        <a14:foregroundMark x1="71481" y1="65306" x2="70000" y2="51020"/>
+                        <a14:foregroundMark x1="70000" y1="51020" x2="75185" y2="43673"/>
+                        <a14:foregroundMark x1="74815" y1="43265" x2="81481" y2="36735"/>
+                        <a14:foregroundMark x1="72963" y1="51020" x2="78889" y2="45714"/>
+                        <a14:foregroundMark x1="23704" y1="45306" x2="6296" y2="28980"/>
+                        <a14:foregroundMark x1="19259" y1="57959" x2="9630" y2="51837"/>
+                        <a14:foregroundMark x1="21111" y1="48163" x2="9630" y2="37959"/>
+                      </a14:backgroundRemoval>
+                    </a14:imgEffect>
+                  </a14:imgLayer>
+                </a14:imgProps>
+              </a:ext>
+            </a:extLst>
+          </a:blip>
+          <a:stretch>
+            <a:fillRect/>
+          </a:stretch>
+        </p:blipFill>
+        <p:spPr>
+          <a:xfrm>
+            <a:off x="4499992" y="2556748"/>
+            <a:ext cx="1366707" cy="1240160"/>
+          </a:xfrm>
+          <a:prstGeom prst="rect">
+            <a:avLst/>
+          </a:prstGeom>
+        </p:spPr>
+      </p:pic>
+      <p:pic>
+        <p:nvPicPr>
+          <p:cNvPr id="5" name="Picture 4"/>
+          <p:cNvPicPr>
+            <a:picLocks noChangeAspect="1"/>
+          </p:cNvPicPr>
+          <p:nvPr/>
+        </p:nvPicPr>
+        <p:blipFill>
+          <a:blip r:embed="rId6">
+            <a:extLst>
+              <a:ext uri="{BEBA8EAE-BF5A-486C-A8C5-ECC9F3942E4B}">
+                <a14:imgProps xmlns:a14="http://schemas.microsoft.com/office/drawing/2010/main">
+                  <a14:imgLayer r:embed="rId7">
+                    <a14:imgEffect>
+                      <a14:backgroundRemoval t="3030" b="100000" l="4305" r="88742">
+                        <a14:foregroundMark x1="70530" y1="43182" x2="82450" y2="27273"/>
+                        <a14:foregroundMark x1="82450" y1="27273" x2="89073" y2="46212"/>
+                        <a14:foregroundMark x1="71523" y1="59470" x2="81457" y2="48864"/>
+                        <a14:foregroundMark x1="79139" y1="38636" x2="80464" y2="45076"/>
+                        <a14:foregroundMark x1="26490" y1="48106" x2="5629" y2="31818"/>
+                        <a14:foregroundMark x1="24503" y1="62121" x2="13245" y2="56818"/>
+                      </a14:backgroundRemoval>
+                    </a14:imgEffect>
+                  </a14:imgLayer>
+                </a14:imgProps>
+              </a:ext>
+            </a:extLst>
+          </a:blip>
+          <a:stretch>
+            <a:fillRect/>
+          </a:stretch>
+        </p:blipFill>
+        <p:spPr>
+          <a:xfrm flipH="1">
+            <a:off x="6012160" y="2924944"/>
+            <a:ext cx="1543320" cy="1349127"/>
+          </a:xfrm>
+          <a:prstGeom prst="rect">
+            <a:avLst/>
+          </a:prstGeom>
+        </p:spPr>
+      </p:pic>
     </p:spTree>
   </p:cSld>
   <p:clrMapOvr>
@@ -3663,7 +10645,15 @@
           <a:bodyPr/>
           <a:lstStyle/>
           <a:p>
-            <a:endParaRPr lang="en-IE"/>
+            <a:r>
+              <a:rPr lang="en-IE" dirty="0" smtClean="0"/>
+              <a:t>P</a:t>
+            </a:r>
+            <a:r>
+              <a:rPr lang="en-IE" dirty="0" smtClean="0"/>
+              <a:t>roject Objectives</a:t>
+            </a:r>
+            <a:endParaRPr lang="en-IE" dirty="0"/>
           </a:p>
         </p:txBody>
       </p:sp>
@@ -3677,11 +10667,51 @@
             <p:ph idx="1"/>
           </p:nvPr>
         </p:nvSpPr>
-        <p:spPr/>
+        <p:spPr>
+          <a:xfrm>
+            <a:off x="457200" y="2132856"/>
+            <a:ext cx="8229600" cy="3456384"/>
+          </a:xfrm>
+        </p:spPr>
         <p:txBody>
           <a:bodyPr/>
           <a:lstStyle/>
           <a:p>
+            <a:pPr marL="0" indent="0" algn="ctr">
+              <a:buNone/>
+            </a:pPr>
+            <a:endParaRPr lang="en-IE" dirty="0" smtClean="0"/>
+          </a:p>
+          <a:p>
+            <a:pPr marL="0" indent="0" algn="ctr">
+              <a:buNone/>
+            </a:pPr>
+            <a:r>
+              <a:rPr lang="en-IE" b="1" dirty="0" smtClean="0"/>
+              <a:t>Create </a:t>
+            </a:r>
+            <a:r>
+              <a:rPr lang="en-IE" b="1" dirty="0"/>
+              <a:t>intelligent interfaces </a:t>
+            </a:r>
+          </a:p>
+          <a:p>
+            <a:pPr marL="0" indent="0" algn="ctr">
+              <a:buNone/>
+            </a:pPr>
+            <a:r>
+              <a:rPr lang="en-IE" b="1" dirty="0" smtClean="0"/>
+              <a:t>For smart toy-robot </a:t>
+            </a:r>
+            <a:r>
+              <a:rPr lang="en-IE" b="1" dirty="0"/>
+              <a:t>interaction</a:t>
+            </a:r>
+          </a:p>
+          <a:p>
+            <a:pPr marL="0" indent="0" algn="ctr">
+              <a:buNone/>
+            </a:pPr>
             <a:endParaRPr lang="en-IE" dirty="0"/>
           </a:p>
         </p:txBody>
@@ -3756,6 +10786,1492 @@
         </p:txBody>
       </p:sp>
     </p:spTree>
+  </p:cSld>
+  <p:clrMapOvr>
+    <a:masterClrMapping/>
+  </p:clrMapOvr>
+  <p:timing>
+    <p:tnLst>
+      <p:par>
+        <p:cTn id="1" dur="indefinite" restart="never" nodeType="tmRoot"/>
+      </p:par>
+    </p:tnLst>
+  </p:timing>
+</p:sld>
+</file>
+
+<file path=ppt/slides/slide3.xml><?xml version="1.0" encoding="utf-8"?>
+<p:sld xmlns:a="http://schemas.openxmlformats.org/drawingml/2006/main" xmlns:r="http://schemas.openxmlformats.org/officeDocument/2006/relationships" xmlns:p="http://schemas.openxmlformats.org/presentationml/2006/main">
+  <p:cSld>
+    <p:spTree>
+      <p:nvGrpSpPr>
+        <p:cNvPr id="1" name=""/>
+        <p:cNvGrpSpPr/>
+        <p:nvPr/>
+      </p:nvGrpSpPr>
+      <p:grpSpPr>
+        <a:xfrm>
+          <a:off x="0" y="0"/>
+          <a:ext cx="0" cy="0"/>
+          <a:chOff x="0" y="0"/>
+          <a:chExt cx="0" cy="0"/>
+        </a:xfrm>
+      </p:grpSpPr>
+      <p:graphicFrame>
+        <p:nvGraphicFramePr>
+          <p:cNvPr id="8" name="Content Placeholder 7"/>
+          <p:cNvGraphicFramePr>
+            <a:graphicFrameLocks noGrp="1"/>
+          </p:cNvGraphicFramePr>
+          <p:nvPr>
+            <p:ph idx="1"/>
+            <p:extLst>
+              <p:ext uri="{D42A27DB-BD31-4B8C-83A1-F6EECF244321}">
+                <p14:modId xmlns:p14="http://schemas.microsoft.com/office/powerpoint/2010/main" val="1840353374"/>
+              </p:ext>
+            </p:extLst>
+          </p:nvPr>
+        </p:nvGraphicFramePr>
+        <p:xfrm>
+          <a:off x="457200" y="1600200"/>
+          <a:ext cx="8229600" cy="4525963"/>
+        </p:xfrm>
+        <a:graphic>
+          <a:graphicData uri="http://schemas.openxmlformats.org/drawingml/2006/diagram">
+            <dgm:relIds xmlns:dgm="http://schemas.openxmlformats.org/drawingml/2006/diagram" xmlns:r="http://schemas.openxmlformats.org/officeDocument/2006/relationships" r:dm="rId2" r:lo="rId3" r:qs="rId4" r:cs="rId5"/>
+          </a:graphicData>
+        </a:graphic>
+      </p:graphicFrame>
+      <p:sp>
+        <p:nvSpPr>
+          <p:cNvPr id="3" name="Date Placeholder 2"/>
+          <p:cNvSpPr>
+            <a:spLocks noGrp="1"/>
+          </p:cNvSpPr>
+          <p:nvPr>
+            <p:ph type="dt" sz="half" idx="10"/>
+          </p:nvPr>
+        </p:nvSpPr>
+        <p:spPr/>
+        <p:txBody>
+          <a:bodyPr/>
+          <a:lstStyle/>
+          <a:p>
+            <a:r>
+              <a:rPr lang="en-US" smtClean="0"/>
+              <a:t>07/02/2014</a:t>
+            </a:r>
+            <a:endParaRPr lang="en-IE" dirty="0" smtClean="0"/>
+          </a:p>
+        </p:txBody>
+      </p:sp>
+      <p:sp>
+        <p:nvSpPr>
+          <p:cNvPr id="4" name="Footer Placeholder 3"/>
+          <p:cNvSpPr>
+            <a:spLocks noGrp="1"/>
+          </p:cNvSpPr>
+          <p:nvPr>
+            <p:ph type="ftr" sz="quarter" idx="11"/>
+          </p:nvPr>
+        </p:nvSpPr>
+        <p:spPr/>
+        <p:txBody>
+          <a:bodyPr/>
+          <a:lstStyle/>
+          <a:p>
+            <a:r>
+              <a:rPr lang="en-IE" smtClean="0"/>
+              <a:t>Intelligent Toy Interfaces 2014</a:t>
+            </a:r>
+            <a:endParaRPr lang="en-IE" dirty="0"/>
+          </a:p>
+        </p:txBody>
+      </p:sp>
+      <p:sp>
+        <p:nvSpPr>
+          <p:cNvPr id="5" name="Slide Number Placeholder 4"/>
+          <p:cNvSpPr>
+            <a:spLocks noGrp="1"/>
+          </p:cNvSpPr>
+          <p:nvPr>
+            <p:ph type="sldNum" sz="quarter" idx="12"/>
+          </p:nvPr>
+        </p:nvSpPr>
+        <p:spPr/>
+        <p:txBody>
+          <a:bodyPr/>
+          <a:lstStyle/>
+          <a:p>
+            <a:fld id="{7235E11A-DC3C-4C5A-8EAD-B77EA3A0B827}" type="slidenum">
+              <a:rPr lang="en-IE" smtClean="0"/>
+              <a:t>3</a:t>
+            </a:fld>
+            <a:endParaRPr lang="en-IE"/>
+          </a:p>
+        </p:txBody>
+      </p:sp>
+      <p:sp>
+        <p:nvSpPr>
+          <p:cNvPr id="6" name="Title 5"/>
+          <p:cNvSpPr>
+            <a:spLocks noGrp="1"/>
+          </p:cNvSpPr>
+          <p:nvPr>
+            <p:ph type="title"/>
+          </p:nvPr>
+        </p:nvSpPr>
+        <p:spPr/>
+        <p:txBody>
+          <a:bodyPr/>
+          <a:lstStyle/>
+          <a:p>
+            <a:r>
+              <a:rPr lang="en-IE" dirty="0" smtClean="0"/>
+              <a:t>What do we mean?</a:t>
+            </a:r>
+            <a:endParaRPr lang="en-IE" dirty="0"/>
+          </a:p>
+        </p:txBody>
+      </p:sp>
+      <p:sp>
+        <p:nvSpPr>
+          <p:cNvPr id="9" name="TextBox 8"/>
+          <p:cNvSpPr txBox="1"/>
+          <p:nvPr/>
+        </p:nvSpPr>
+        <p:spPr>
+          <a:xfrm rot="21151840">
+            <a:off x="841916" y="4767817"/>
+            <a:ext cx="2279944" cy="400110"/>
+          </a:xfrm>
+          <a:prstGeom prst="rect">
+            <a:avLst/>
+          </a:prstGeom>
+          <a:noFill/>
+        </p:spPr>
+        <p:txBody>
+          <a:bodyPr wrap="square" rtlCol="0">
+            <a:spAutoFit/>
+          </a:bodyPr>
+          <a:lstStyle/>
+          <a:p>
+            <a:r>
+              <a:rPr lang="en-IE" sz="2000" b="1" dirty="0" smtClean="0"/>
+              <a:t>Physical Disabilities</a:t>
+            </a:r>
+            <a:endParaRPr lang="en-IE" sz="2000" b="1" dirty="0"/>
+          </a:p>
+        </p:txBody>
+      </p:sp>
+      <p:sp>
+        <p:nvSpPr>
+          <p:cNvPr id="10" name="TextBox 9"/>
+          <p:cNvSpPr txBox="1"/>
+          <p:nvPr/>
+        </p:nvSpPr>
+        <p:spPr>
+          <a:xfrm rot="236376">
+            <a:off x="6489879" y="4453080"/>
+            <a:ext cx="2152600" cy="400110"/>
+          </a:xfrm>
+          <a:prstGeom prst="rect">
+            <a:avLst/>
+          </a:prstGeom>
+          <a:noFill/>
+        </p:spPr>
+        <p:txBody>
+          <a:bodyPr wrap="square" rtlCol="0">
+            <a:spAutoFit/>
+          </a:bodyPr>
+          <a:lstStyle/>
+          <a:p>
+            <a:r>
+              <a:rPr lang="en-IE" sz="2000" b="1" dirty="0" smtClean="0"/>
+              <a:t>Mental Disorders</a:t>
+            </a:r>
+            <a:endParaRPr lang="en-IE" sz="2000" b="1" dirty="0"/>
+          </a:p>
+        </p:txBody>
+      </p:sp>
+      <p:sp>
+        <p:nvSpPr>
+          <p:cNvPr id="11" name="TextBox 10"/>
+          <p:cNvSpPr txBox="1"/>
+          <p:nvPr/>
+        </p:nvSpPr>
+        <p:spPr>
+          <a:xfrm>
+            <a:off x="4139952" y="1417638"/>
+            <a:ext cx="1216868" cy="400110"/>
+          </a:xfrm>
+          <a:prstGeom prst="rect">
+            <a:avLst/>
+          </a:prstGeom>
+          <a:noFill/>
+        </p:spPr>
+        <p:txBody>
+          <a:bodyPr wrap="square" rtlCol="0">
+            <a:spAutoFit/>
+          </a:bodyPr>
+          <a:lstStyle/>
+          <a:p>
+            <a:r>
+              <a:rPr lang="en-IE" sz="2000" b="1" dirty="0" smtClean="0"/>
+              <a:t>Low Cost</a:t>
+            </a:r>
+            <a:endParaRPr lang="en-IE" sz="2000" b="1" dirty="0"/>
+          </a:p>
+        </p:txBody>
+      </p:sp>
+    </p:spTree>
+    <p:extLst>
+      <p:ext uri="{BB962C8B-B14F-4D97-AF65-F5344CB8AC3E}">
+        <p14:creationId xmlns:p14="http://schemas.microsoft.com/office/powerpoint/2010/main" val="2206791622"/>
+      </p:ext>
+    </p:extLst>
+  </p:cSld>
+  <p:clrMapOvr>
+    <a:masterClrMapping/>
+  </p:clrMapOvr>
+  <p:timing>
+    <p:tnLst>
+      <p:par>
+        <p:cTn id="1" dur="indefinite" restart="never" nodeType="tmRoot"/>
+      </p:par>
+    </p:tnLst>
+  </p:timing>
+</p:sld>
+</file>
+
+<file path=ppt/slides/slide4.xml><?xml version="1.0" encoding="utf-8"?>
+<p:sld xmlns:a="http://schemas.openxmlformats.org/drawingml/2006/main" xmlns:r="http://schemas.openxmlformats.org/officeDocument/2006/relationships" xmlns:p="http://schemas.openxmlformats.org/presentationml/2006/main">
+  <p:cSld>
+    <p:spTree>
+      <p:nvGrpSpPr>
+        <p:cNvPr id="1" name=""/>
+        <p:cNvGrpSpPr/>
+        <p:nvPr/>
+      </p:nvGrpSpPr>
+      <p:grpSpPr>
+        <a:xfrm>
+          <a:off x="0" y="0"/>
+          <a:ext cx="0" cy="0"/>
+          <a:chOff x="0" y="0"/>
+          <a:chExt cx="0" cy="0"/>
+        </a:xfrm>
+      </p:grpSpPr>
+      <p:pic>
+        <p:nvPicPr>
+          <p:cNvPr id="7" name="Content Placeholder 6"/>
+          <p:cNvPicPr>
+            <a:picLocks noGrp="1" noChangeAspect="1"/>
+          </p:cNvPicPr>
+          <p:nvPr>
+            <p:ph idx="1"/>
+          </p:nvPr>
+        </p:nvPicPr>
+        <p:blipFill>
+          <a:blip r:embed="rId2">
+            <a:extLst>
+              <a:ext uri="{BEBA8EAE-BF5A-486C-A8C5-ECC9F3942E4B}">
+                <a14:imgProps xmlns:a14="http://schemas.microsoft.com/office/drawing/2010/main">
+                  <a14:imgLayer r:embed="rId3">
+                    <a14:imgEffect>
+                      <a14:backgroundRemoval t="1507" b="98816" l="7971" r="94928">
+                        <a14:backgroundMark x1="26667" y1="63832" x2="25362" y2="56728"/>
+                        <a14:backgroundMark x1="25362" y1="56728" x2="25942" y2="55759"/>
+                        <a14:backgroundMark x1="27391" y1="54360" x2="27391" y2="54360"/>
+                        <a14:backgroundMark x1="27536" y1="49623" x2="27826" y2="49193"/>
+                        <a14:backgroundMark x1="28986" y1="47255" x2="29565" y2="46609"/>
+                        <a14:backgroundMark x1="31449" y1="43272" x2="31449" y2="42734"/>
+                        <a14:backgroundMark x1="32609" y1="39074" x2="32609" y2="39074"/>
+                        <a14:backgroundMark x1="70145" y1="18622" x2="70145" y2="18622"/>
+                        <a14:backgroundMark x1="73188" y1="18515" x2="73188" y2="18515"/>
+                      </a14:backgroundRemoval>
+                    </a14:imgEffect>
+                  </a14:imgLayer>
+                </a14:imgProps>
+              </a:ext>
+            </a:extLst>
+          </a:blip>
+          <a:stretch>
+            <a:fillRect/>
+          </a:stretch>
+        </p:blipFill>
+        <p:spPr>
+          <a:xfrm>
+            <a:off x="1063923" y="1570189"/>
+            <a:ext cx="2830370" cy="3810745"/>
+          </a:xfrm>
+          <a:prstGeom prst="rect">
+            <a:avLst/>
+          </a:prstGeom>
+        </p:spPr>
+      </p:pic>
+      <p:sp>
+        <p:nvSpPr>
+          <p:cNvPr id="3" name="Date Placeholder 2"/>
+          <p:cNvSpPr>
+            <a:spLocks noGrp="1"/>
+          </p:cNvSpPr>
+          <p:nvPr>
+            <p:ph type="dt" sz="half" idx="10"/>
+          </p:nvPr>
+        </p:nvSpPr>
+        <p:spPr/>
+        <p:txBody>
+          <a:bodyPr/>
+          <a:lstStyle/>
+          <a:p>
+            <a:r>
+              <a:rPr lang="en-US" smtClean="0"/>
+              <a:t>07/02/2014</a:t>
+            </a:r>
+            <a:endParaRPr lang="en-IE" dirty="0" smtClean="0"/>
+          </a:p>
+        </p:txBody>
+      </p:sp>
+      <p:sp>
+        <p:nvSpPr>
+          <p:cNvPr id="4" name="Footer Placeholder 3"/>
+          <p:cNvSpPr>
+            <a:spLocks noGrp="1"/>
+          </p:cNvSpPr>
+          <p:nvPr>
+            <p:ph type="ftr" sz="quarter" idx="11"/>
+          </p:nvPr>
+        </p:nvSpPr>
+        <p:spPr/>
+        <p:txBody>
+          <a:bodyPr/>
+          <a:lstStyle/>
+          <a:p>
+            <a:r>
+              <a:rPr lang="en-IE" smtClean="0"/>
+              <a:t>Intelligent Toy Interfaces 2014</a:t>
+            </a:r>
+            <a:endParaRPr lang="en-IE" dirty="0"/>
+          </a:p>
+        </p:txBody>
+      </p:sp>
+      <p:sp>
+        <p:nvSpPr>
+          <p:cNvPr id="5" name="Slide Number Placeholder 4"/>
+          <p:cNvSpPr>
+            <a:spLocks noGrp="1"/>
+          </p:cNvSpPr>
+          <p:nvPr>
+            <p:ph type="sldNum" sz="quarter" idx="12"/>
+          </p:nvPr>
+        </p:nvSpPr>
+        <p:spPr/>
+        <p:txBody>
+          <a:bodyPr/>
+          <a:lstStyle/>
+          <a:p>
+            <a:fld id="{7235E11A-DC3C-4C5A-8EAD-B77EA3A0B827}" type="slidenum">
+              <a:rPr lang="en-IE" smtClean="0"/>
+              <a:t>4</a:t>
+            </a:fld>
+            <a:endParaRPr lang="en-IE"/>
+          </a:p>
+        </p:txBody>
+      </p:sp>
+      <p:sp>
+        <p:nvSpPr>
+          <p:cNvPr id="6" name="Title 5"/>
+          <p:cNvSpPr>
+            <a:spLocks noGrp="1"/>
+          </p:cNvSpPr>
+          <p:nvPr>
+            <p:ph type="title"/>
+          </p:nvPr>
+        </p:nvSpPr>
+        <p:spPr/>
+        <p:txBody>
+          <a:bodyPr/>
+          <a:lstStyle/>
+          <a:p>
+            <a:r>
+              <a:rPr lang="en-IE" dirty="0" smtClean="0"/>
+              <a:t>How we will do it?</a:t>
+            </a:r>
+            <a:endParaRPr lang="en-IE" dirty="0"/>
+          </a:p>
+        </p:txBody>
+      </p:sp>
+      <p:sp>
+        <p:nvSpPr>
+          <p:cNvPr id="8" name="TextBox 7"/>
+          <p:cNvSpPr txBox="1"/>
+          <p:nvPr/>
+        </p:nvSpPr>
+        <p:spPr>
+          <a:xfrm>
+            <a:off x="1513251" y="5533486"/>
+            <a:ext cx="1931715" cy="461665"/>
+          </a:xfrm>
+          <a:prstGeom prst="rect">
+            <a:avLst/>
+          </a:prstGeom>
+          <a:noFill/>
+        </p:spPr>
+        <p:txBody>
+          <a:bodyPr wrap="square" rtlCol="0">
+            <a:spAutoFit/>
+          </a:bodyPr>
+          <a:lstStyle/>
+          <a:p>
+            <a:r>
+              <a:rPr lang="en-IE" sz="2400" b="1" dirty="0" smtClean="0"/>
+              <a:t>NAO Robot</a:t>
+            </a:r>
+            <a:endParaRPr lang="en-IE" sz="2400" b="1" dirty="0"/>
+          </a:p>
+        </p:txBody>
+      </p:sp>
+      <p:pic>
+        <p:nvPicPr>
+          <p:cNvPr id="9" name="Picture 8"/>
+          <p:cNvPicPr>
+            <a:picLocks noChangeAspect="1"/>
+          </p:cNvPicPr>
+          <p:nvPr/>
+        </p:nvPicPr>
+        <p:blipFill>
+          <a:blip r:embed="rId4">
+            <a:extLst>
+              <a:ext uri="{BEBA8EAE-BF5A-486C-A8C5-ECC9F3942E4B}">
+                <a14:imgProps xmlns:a14="http://schemas.microsoft.com/office/drawing/2010/main">
+                  <a14:imgLayer r:embed="rId5">
+                    <a14:imgEffect>
+                      <a14:backgroundRemoval t="0" b="100000" l="6296" r="92593">
+                        <a14:foregroundMark x1="74815" y1="44490" x2="88148" y2="29388"/>
+                        <a14:foregroundMark x1="87778" y1="29796" x2="92593" y2="42449"/>
+                        <a14:foregroundMark x1="91481" y1="42857" x2="90370" y2="80000"/>
+                        <a14:foregroundMark x1="89259" y1="80816" x2="83333" y2="86531"/>
+                        <a14:foregroundMark x1="82593" y1="86531" x2="81111" y2="84082"/>
+                        <a14:foregroundMark x1="81111" y1="84082" x2="82963" y2="55510"/>
+                        <a14:foregroundMark x1="82593" y1="55918" x2="71481" y2="66122"/>
+                        <a14:foregroundMark x1="71481" y1="65306" x2="70000" y2="51020"/>
+                        <a14:foregroundMark x1="70000" y1="51020" x2="75185" y2="43673"/>
+                        <a14:foregroundMark x1="74815" y1="43265" x2="81481" y2="36735"/>
+                        <a14:foregroundMark x1="72963" y1="51020" x2="78889" y2="45714"/>
+                        <a14:foregroundMark x1="23704" y1="45306" x2="6296" y2="28980"/>
+                        <a14:foregroundMark x1="19259" y1="57959" x2="9630" y2="51837"/>
+                        <a14:foregroundMark x1="21111" y1="48163" x2="9630" y2="37959"/>
+                      </a14:backgroundRemoval>
+                    </a14:imgEffect>
+                  </a14:imgLayer>
+                </a14:imgProps>
+              </a:ext>
+            </a:extLst>
+          </a:blip>
+          <a:stretch>
+            <a:fillRect/>
+          </a:stretch>
+        </p:blipFill>
+        <p:spPr>
+          <a:xfrm>
+            <a:off x="4716016" y="3932127"/>
+            <a:ext cx="1366707" cy="1240160"/>
+          </a:xfrm>
+          <a:prstGeom prst="rect">
+            <a:avLst/>
+          </a:prstGeom>
+        </p:spPr>
+      </p:pic>
+      <p:pic>
+        <p:nvPicPr>
+          <p:cNvPr id="10" name="Picture 9"/>
+          <p:cNvPicPr>
+            <a:picLocks noChangeAspect="1"/>
+          </p:cNvPicPr>
+          <p:nvPr/>
+        </p:nvPicPr>
+        <p:blipFill>
+          <a:blip r:embed="rId6">
+            <a:extLst>
+              <a:ext uri="{BEBA8EAE-BF5A-486C-A8C5-ECC9F3942E4B}">
+                <a14:imgProps xmlns:a14="http://schemas.microsoft.com/office/drawing/2010/main">
+                  <a14:imgLayer r:embed="rId7">
+                    <a14:imgEffect>
+                      <a14:backgroundRemoval t="3030" b="100000" l="4305" r="88742">
+                        <a14:foregroundMark x1="70530" y1="43182" x2="82450" y2="27273"/>
+                        <a14:foregroundMark x1="82450" y1="27273" x2="89073" y2="46212"/>
+                        <a14:foregroundMark x1="71523" y1="59470" x2="81457" y2="48864"/>
+                        <a14:foregroundMark x1="79139" y1="38636" x2="80464" y2="45076"/>
+                        <a14:foregroundMark x1="26490" y1="48106" x2="5629" y2="31818"/>
+                        <a14:foregroundMark x1="24503" y1="62121" x2="13245" y2="56818"/>
+                      </a14:backgroundRemoval>
+                    </a14:imgEffect>
+                  </a14:imgLayer>
+                </a14:imgProps>
+              </a:ext>
+            </a:extLst>
+          </a:blip>
+          <a:stretch>
+            <a:fillRect/>
+          </a:stretch>
+        </p:blipFill>
+        <p:spPr>
+          <a:xfrm flipH="1">
+            <a:off x="5399369" y="2557072"/>
+            <a:ext cx="1543320" cy="1349127"/>
+          </a:xfrm>
+          <a:prstGeom prst="rect">
+            <a:avLst/>
+          </a:prstGeom>
+        </p:spPr>
+      </p:pic>
+      <p:pic>
+        <p:nvPicPr>
+          <p:cNvPr id="11" name="Picture 10"/>
+          <p:cNvPicPr>
+            <a:picLocks noChangeAspect="1"/>
+          </p:cNvPicPr>
+          <p:nvPr/>
+        </p:nvPicPr>
+        <p:blipFill>
+          <a:blip r:embed="rId8">
+            <a:extLst>
+              <a:ext uri="{BEBA8EAE-BF5A-486C-A8C5-ECC9F3942E4B}">
+                <a14:imgProps xmlns:a14="http://schemas.microsoft.com/office/drawing/2010/main">
+                  <a14:imgLayer r:embed="rId9">
+                    <a14:imgEffect>
+                      <a14:backgroundRemoval t="0" b="98810" l="5435" r="96014"/>
+                    </a14:imgEffect>
+                  </a14:imgLayer>
+                </a14:imgProps>
+              </a:ext>
+            </a:extLst>
+          </a:blip>
+          <a:stretch>
+            <a:fillRect/>
+          </a:stretch>
+        </p:blipFill>
+        <p:spPr>
+          <a:xfrm flipH="1">
+            <a:off x="6588224" y="3717032"/>
+            <a:ext cx="1466428" cy="1338913"/>
+          </a:xfrm>
+          <a:prstGeom prst="rect">
+            <a:avLst/>
+          </a:prstGeom>
+        </p:spPr>
+      </p:pic>
+      <p:sp>
+        <p:nvSpPr>
+          <p:cNvPr id="12" name="TextBox 11"/>
+          <p:cNvSpPr txBox="1"/>
+          <p:nvPr/>
+        </p:nvSpPr>
+        <p:spPr>
+          <a:xfrm>
+            <a:off x="6542484" y="2030291"/>
+            <a:ext cx="1512168" cy="461665"/>
+          </a:xfrm>
+          <a:prstGeom prst="rect">
+            <a:avLst/>
+          </a:prstGeom>
+          <a:noFill/>
+        </p:spPr>
+        <p:txBody>
+          <a:bodyPr wrap="square" rtlCol="0">
+            <a:spAutoFit/>
+          </a:bodyPr>
+          <a:lstStyle/>
+          <a:p>
+            <a:r>
+              <a:rPr lang="en-IE" sz="2400" b="1" dirty="0" smtClean="0"/>
+              <a:t>Hex-Bugs</a:t>
+            </a:r>
+            <a:endParaRPr lang="en-IE" sz="2400" b="1" dirty="0"/>
+          </a:p>
+        </p:txBody>
+      </p:sp>
+    </p:spTree>
+    <p:extLst>
+      <p:ext uri="{BB962C8B-B14F-4D97-AF65-F5344CB8AC3E}">
+        <p14:creationId xmlns:p14="http://schemas.microsoft.com/office/powerpoint/2010/main" val="2696903174"/>
+      </p:ext>
+    </p:extLst>
+  </p:cSld>
+  <p:clrMapOvr>
+    <a:masterClrMapping/>
+  </p:clrMapOvr>
+  <p:timing>
+    <p:tnLst>
+      <p:par>
+        <p:cTn id="1" dur="indefinite" restart="never" nodeType="tmRoot"/>
+      </p:par>
+    </p:tnLst>
+  </p:timing>
+</p:sld>
+</file>
+
+<file path=ppt/slides/slide5.xml><?xml version="1.0" encoding="utf-8"?>
+<p:sld xmlns:a="http://schemas.openxmlformats.org/drawingml/2006/main" xmlns:r="http://schemas.openxmlformats.org/officeDocument/2006/relationships" xmlns:p="http://schemas.openxmlformats.org/presentationml/2006/main">
+  <p:cSld>
+    <p:spTree>
+      <p:nvGrpSpPr>
+        <p:cNvPr id="1" name=""/>
+        <p:cNvGrpSpPr/>
+        <p:nvPr/>
+      </p:nvGrpSpPr>
+      <p:grpSpPr>
+        <a:xfrm>
+          <a:off x="0" y="0"/>
+          <a:ext cx="0" cy="0"/>
+          <a:chOff x="0" y="0"/>
+          <a:chExt cx="0" cy="0"/>
+        </a:xfrm>
+      </p:grpSpPr>
+      <p:sp>
+        <p:nvSpPr>
+          <p:cNvPr id="3" name="Date Placeholder 2"/>
+          <p:cNvSpPr>
+            <a:spLocks noGrp="1"/>
+          </p:cNvSpPr>
+          <p:nvPr>
+            <p:ph type="dt" sz="half" idx="10"/>
+          </p:nvPr>
+        </p:nvSpPr>
+        <p:spPr/>
+        <p:txBody>
+          <a:bodyPr/>
+          <a:lstStyle/>
+          <a:p>
+            <a:r>
+              <a:rPr lang="en-US" smtClean="0"/>
+              <a:t>07/02/2014</a:t>
+            </a:r>
+            <a:endParaRPr lang="en-IE" dirty="0" smtClean="0"/>
+          </a:p>
+        </p:txBody>
+      </p:sp>
+      <p:sp>
+        <p:nvSpPr>
+          <p:cNvPr id="4" name="Footer Placeholder 3"/>
+          <p:cNvSpPr>
+            <a:spLocks noGrp="1"/>
+          </p:cNvSpPr>
+          <p:nvPr>
+            <p:ph type="ftr" sz="quarter" idx="11"/>
+          </p:nvPr>
+        </p:nvSpPr>
+        <p:spPr/>
+        <p:txBody>
+          <a:bodyPr/>
+          <a:lstStyle/>
+          <a:p>
+            <a:r>
+              <a:rPr lang="en-IE" smtClean="0"/>
+              <a:t>Intelligent Toy Interfaces 2014</a:t>
+            </a:r>
+            <a:endParaRPr lang="en-IE" dirty="0"/>
+          </a:p>
+        </p:txBody>
+      </p:sp>
+      <p:sp>
+        <p:nvSpPr>
+          <p:cNvPr id="5" name="Slide Number Placeholder 4"/>
+          <p:cNvSpPr>
+            <a:spLocks noGrp="1"/>
+          </p:cNvSpPr>
+          <p:nvPr>
+            <p:ph type="sldNum" sz="quarter" idx="12"/>
+          </p:nvPr>
+        </p:nvSpPr>
+        <p:spPr/>
+        <p:txBody>
+          <a:bodyPr/>
+          <a:lstStyle/>
+          <a:p>
+            <a:fld id="{7235E11A-DC3C-4C5A-8EAD-B77EA3A0B827}" type="slidenum">
+              <a:rPr lang="en-IE" smtClean="0"/>
+              <a:t>5</a:t>
+            </a:fld>
+            <a:endParaRPr lang="en-IE"/>
+          </a:p>
+        </p:txBody>
+      </p:sp>
+      <p:sp>
+        <p:nvSpPr>
+          <p:cNvPr id="6" name="Title 5"/>
+          <p:cNvSpPr>
+            <a:spLocks noGrp="1"/>
+          </p:cNvSpPr>
+          <p:nvPr>
+            <p:ph type="title"/>
+          </p:nvPr>
+        </p:nvSpPr>
+        <p:spPr/>
+        <p:txBody>
+          <a:bodyPr/>
+          <a:lstStyle/>
+          <a:p>
+            <a:r>
+              <a:rPr lang="en-IE" dirty="0" smtClean="0"/>
+              <a:t>How we will do it?</a:t>
+            </a:r>
+            <a:endParaRPr lang="en-IE" dirty="0"/>
+          </a:p>
+        </p:txBody>
+      </p:sp>
+      <p:graphicFrame>
+        <p:nvGraphicFramePr>
+          <p:cNvPr id="10" name="Diagram 9"/>
+          <p:cNvGraphicFramePr/>
+          <p:nvPr>
+            <p:extLst>
+              <p:ext uri="{D42A27DB-BD31-4B8C-83A1-F6EECF244321}">
+                <p14:modId xmlns:p14="http://schemas.microsoft.com/office/powerpoint/2010/main" val="3469297757"/>
+              </p:ext>
+            </p:extLst>
+          </p:nvPr>
+        </p:nvGraphicFramePr>
+        <p:xfrm>
+          <a:off x="827584" y="1700808"/>
+          <a:ext cx="7704856" cy="3888432"/>
+        </p:xfrm>
+        <a:graphic>
+          <a:graphicData uri="http://schemas.openxmlformats.org/drawingml/2006/diagram">
+            <dgm:relIds xmlns:dgm="http://schemas.openxmlformats.org/drawingml/2006/diagram" xmlns:r="http://schemas.openxmlformats.org/officeDocument/2006/relationships" r:dm="rId2" r:lo="rId3" r:qs="rId4" r:cs="rId5"/>
+          </a:graphicData>
+        </a:graphic>
+      </p:graphicFrame>
+    </p:spTree>
+    <p:extLst>
+      <p:ext uri="{BB962C8B-B14F-4D97-AF65-F5344CB8AC3E}">
+        <p14:creationId xmlns:p14="http://schemas.microsoft.com/office/powerpoint/2010/main" val="52154724"/>
+      </p:ext>
+    </p:extLst>
+  </p:cSld>
+  <p:clrMapOvr>
+    <a:masterClrMapping/>
+  </p:clrMapOvr>
+  <p:timing>
+    <p:tnLst>
+      <p:par>
+        <p:cTn id="1" dur="indefinite" restart="never" nodeType="tmRoot"/>
+      </p:par>
+    </p:tnLst>
+  </p:timing>
+</p:sld>
+</file>
+
+<file path=ppt/slides/slide6.xml><?xml version="1.0" encoding="utf-8"?>
+<p:sld xmlns:a="http://schemas.openxmlformats.org/drawingml/2006/main" xmlns:r="http://schemas.openxmlformats.org/officeDocument/2006/relationships" xmlns:p="http://schemas.openxmlformats.org/presentationml/2006/main">
+  <p:cSld>
+    <p:spTree>
+      <p:nvGrpSpPr>
+        <p:cNvPr id="1" name=""/>
+        <p:cNvGrpSpPr/>
+        <p:nvPr/>
+      </p:nvGrpSpPr>
+      <p:grpSpPr>
+        <a:xfrm>
+          <a:off x="0" y="0"/>
+          <a:ext cx="0" cy="0"/>
+          <a:chOff x="0" y="0"/>
+          <a:chExt cx="0" cy="0"/>
+        </a:xfrm>
+      </p:grpSpPr>
+      <p:sp>
+        <p:nvSpPr>
+          <p:cNvPr id="6" name="Title 5"/>
+          <p:cNvSpPr>
+            <a:spLocks noGrp="1"/>
+          </p:cNvSpPr>
+          <p:nvPr>
+            <p:ph type="title"/>
+          </p:nvPr>
+        </p:nvSpPr>
+        <p:spPr/>
+        <p:txBody>
+          <a:bodyPr/>
+          <a:lstStyle/>
+          <a:p>
+            <a:r>
+              <a:rPr lang="en-IE" dirty="0" smtClean="0"/>
+              <a:t>Work Completed</a:t>
+            </a:r>
+            <a:endParaRPr lang="en-IE" dirty="0"/>
+          </a:p>
+        </p:txBody>
+      </p:sp>
+      <p:pic>
+        <p:nvPicPr>
+          <p:cNvPr id="7" name="Content Placeholder 6"/>
+          <p:cNvPicPr>
+            <a:picLocks noGrp="1" noChangeAspect="1"/>
+          </p:cNvPicPr>
+          <p:nvPr>
+            <p:ph sz="half" idx="1"/>
+          </p:nvPr>
+        </p:nvPicPr>
+        <p:blipFill>
+          <a:blip r:embed="rId2">
+            <a:extLst>
+              <a:ext uri="{28A0092B-C50C-407E-A947-70E740481C1C}">
+                <a14:useLocalDpi xmlns:a14="http://schemas.microsoft.com/office/drawing/2010/main" val="0"/>
+              </a:ext>
+            </a:extLst>
+          </a:blip>
+          <a:stretch>
+            <a:fillRect/>
+          </a:stretch>
+        </p:blipFill>
+        <p:spPr>
+          <a:xfrm>
+            <a:off x="457200" y="1672107"/>
+            <a:ext cx="4038600" cy="4115434"/>
+          </a:xfrm>
+        </p:spPr>
+      </p:pic>
+      <p:sp>
+        <p:nvSpPr>
+          <p:cNvPr id="11" name="Content Placeholder 10"/>
+          <p:cNvSpPr>
+            <a:spLocks noGrp="1"/>
+          </p:cNvSpPr>
+          <p:nvPr>
+            <p:ph sz="half" idx="2"/>
+          </p:nvPr>
+        </p:nvSpPr>
+        <p:spPr/>
+        <p:txBody>
+          <a:bodyPr/>
+          <a:lstStyle/>
+          <a:p>
+            <a:r>
+              <a:rPr lang="en-IE" dirty="0" smtClean="0"/>
+              <a:t>Power and MCU schematics designed.</a:t>
+            </a:r>
+          </a:p>
+          <a:p>
+            <a:endParaRPr lang="en-IE" dirty="0" smtClean="0"/>
+          </a:p>
+          <a:p>
+            <a:r>
+              <a:rPr lang="en-IE" dirty="0" smtClean="0"/>
+              <a:t>PCB </a:t>
+            </a:r>
+            <a:r>
+              <a:rPr lang="en-IE" dirty="0" err="1" smtClean="0"/>
+              <a:t>layed</a:t>
+            </a:r>
+            <a:r>
+              <a:rPr lang="en-IE" dirty="0" smtClean="0"/>
+              <a:t> out + fabricated.</a:t>
+            </a:r>
+          </a:p>
+          <a:p>
+            <a:endParaRPr lang="en-IE" dirty="0" smtClean="0"/>
+          </a:p>
+          <a:p>
+            <a:r>
+              <a:rPr lang="en-IE" dirty="0" smtClean="0"/>
+              <a:t>Hardware drivers written for sensors (I</a:t>
+            </a:r>
+            <a:r>
+              <a:rPr lang="en-IE" baseline="30000" dirty="0" smtClean="0"/>
+              <a:t>2</a:t>
+            </a:r>
+            <a:r>
+              <a:rPr lang="en-IE" dirty="0" smtClean="0"/>
+              <a:t>C).</a:t>
+            </a:r>
+          </a:p>
+          <a:p>
+            <a:endParaRPr lang="en-IE" dirty="0" smtClean="0"/>
+          </a:p>
+          <a:p>
+            <a:endParaRPr lang="en-IE" dirty="0"/>
+          </a:p>
+        </p:txBody>
+      </p:sp>
+      <p:sp>
+        <p:nvSpPr>
+          <p:cNvPr id="3" name="Date Placeholder 2"/>
+          <p:cNvSpPr>
+            <a:spLocks noGrp="1"/>
+          </p:cNvSpPr>
+          <p:nvPr>
+            <p:ph type="dt" sz="half" idx="10"/>
+          </p:nvPr>
+        </p:nvSpPr>
+        <p:spPr/>
+        <p:txBody>
+          <a:bodyPr/>
+          <a:lstStyle/>
+          <a:p>
+            <a:r>
+              <a:rPr lang="en-US" smtClean="0"/>
+              <a:t>07/02/2014</a:t>
+            </a:r>
+            <a:endParaRPr lang="en-IE" dirty="0" smtClean="0"/>
+          </a:p>
+        </p:txBody>
+      </p:sp>
+      <p:sp>
+        <p:nvSpPr>
+          <p:cNvPr id="4" name="Footer Placeholder 3"/>
+          <p:cNvSpPr>
+            <a:spLocks noGrp="1"/>
+          </p:cNvSpPr>
+          <p:nvPr>
+            <p:ph type="ftr" sz="quarter" idx="11"/>
+          </p:nvPr>
+        </p:nvSpPr>
+        <p:spPr/>
+        <p:txBody>
+          <a:bodyPr/>
+          <a:lstStyle/>
+          <a:p>
+            <a:r>
+              <a:rPr lang="en-IE" smtClean="0"/>
+              <a:t>Intelligent Toy Interfaces 2014</a:t>
+            </a:r>
+            <a:endParaRPr lang="en-IE" dirty="0"/>
+          </a:p>
+        </p:txBody>
+      </p:sp>
+      <p:sp>
+        <p:nvSpPr>
+          <p:cNvPr id="5" name="Slide Number Placeholder 4"/>
+          <p:cNvSpPr>
+            <a:spLocks noGrp="1"/>
+          </p:cNvSpPr>
+          <p:nvPr>
+            <p:ph type="sldNum" sz="quarter" idx="12"/>
+          </p:nvPr>
+        </p:nvSpPr>
+        <p:spPr/>
+        <p:txBody>
+          <a:bodyPr/>
+          <a:lstStyle/>
+          <a:p>
+            <a:fld id="{7235E11A-DC3C-4C5A-8EAD-B77EA3A0B827}" type="slidenum">
+              <a:rPr lang="en-IE" smtClean="0"/>
+              <a:t>6</a:t>
+            </a:fld>
+            <a:endParaRPr lang="en-IE"/>
+          </a:p>
+        </p:txBody>
+      </p:sp>
+      <p:cxnSp>
+        <p:nvCxnSpPr>
+          <p:cNvPr id="9" name="Straight Arrow Connector 8"/>
+          <p:cNvCxnSpPr/>
+          <p:nvPr/>
+        </p:nvCxnSpPr>
+        <p:spPr>
+          <a:xfrm>
+            <a:off x="597273" y="6165304"/>
+            <a:ext cx="3744416" cy="0"/>
+          </a:xfrm>
+          <a:prstGeom prst="straightConnector1">
+            <a:avLst/>
+          </a:prstGeom>
+          <a:ln>
+            <a:solidFill>
+              <a:schemeClr val="tx1"/>
+            </a:solidFill>
+            <a:headEnd type="triangle"/>
+            <a:tailEnd type="triangle"/>
+          </a:ln>
+        </p:spPr>
+        <p:style>
+          <a:lnRef idx="1">
+            <a:schemeClr val="accent1"/>
+          </a:lnRef>
+          <a:fillRef idx="0">
+            <a:schemeClr val="accent1"/>
+          </a:fillRef>
+          <a:effectRef idx="0">
+            <a:schemeClr val="accent1"/>
+          </a:effectRef>
+          <a:fontRef idx="minor">
+            <a:schemeClr val="tx1"/>
+          </a:fontRef>
+        </p:style>
+      </p:cxnSp>
+      <p:sp>
+        <p:nvSpPr>
+          <p:cNvPr id="10" name="TextBox 9"/>
+          <p:cNvSpPr txBox="1"/>
+          <p:nvPr/>
+        </p:nvSpPr>
+        <p:spPr>
+          <a:xfrm>
+            <a:off x="2177574" y="5787541"/>
+            <a:ext cx="583814" cy="369332"/>
+          </a:xfrm>
+          <a:prstGeom prst="rect">
+            <a:avLst/>
+          </a:prstGeom>
+          <a:noFill/>
+        </p:spPr>
+        <p:txBody>
+          <a:bodyPr wrap="none" rtlCol="0">
+            <a:spAutoFit/>
+          </a:bodyPr>
+          <a:lstStyle/>
+          <a:p>
+            <a:r>
+              <a:rPr lang="en-IE" dirty="0" smtClean="0"/>
+              <a:t>8cm</a:t>
+            </a:r>
+            <a:endParaRPr lang="en-IE" dirty="0"/>
+          </a:p>
+        </p:txBody>
+      </p:sp>
+    </p:spTree>
+    <p:extLst>
+      <p:ext uri="{BB962C8B-B14F-4D97-AF65-F5344CB8AC3E}">
+        <p14:creationId xmlns:p14="http://schemas.microsoft.com/office/powerpoint/2010/main" val="3549090757"/>
+      </p:ext>
+    </p:extLst>
+  </p:cSld>
+  <p:clrMapOvr>
+    <a:masterClrMapping/>
+  </p:clrMapOvr>
+  <p:timing>
+    <p:tnLst>
+      <p:par>
+        <p:cTn id="1" dur="indefinite" restart="never" nodeType="tmRoot"/>
+      </p:par>
+    </p:tnLst>
+  </p:timing>
+</p:sld>
+</file>
+
+<file path=ppt/slides/slide7.xml><?xml version="1.0" encoding="utf-8"?>
+<p:sld xmlns:a="http://schemas.openxmlformats.org/drawingml/2006/main" xmlns:r="http://schemas.openxmlformats.org/officeDocument/2006/relationships" xmlns:p="http://schemas.openxmlformats.org/presentationml/2006/main">
+  <p:cSld>
+    <p:spTree>
+      <p:nvGrpSpPr>
+        <p:cNvPr id="1" name=""/>
+        <p:cNvGrpSpPr/>
+        <p:nvPr/>
+      </p:nvGrpSpPr>
+      <p:grpSpPr>
+        <a:xfrm>
+          <a:off x="0" y="0"/>
+          <a:ext cx="0" cy="0"/>
+          <a:chOff x="0" y="0"/>
+          <a:chExt cx="0" cy="0"/>
+        </a:xfrm>
+      </p:grpSpPr>
+      <p:sp>
+        <p:nvSpPr>
+          <p:cNvPr id="2" name="Title 1"/>
+          <p:cNvSpPr>
+            <a:spLocks noGrp="1"/>
+          </p:cNvSpPr>
+          <p:nvPr>
+            <p:ph type="title"/>
+          </p:nvPr>
+        </p:nvSpPr>
+        <p:spPr/>
+        <p:txBody>
+          <a:bodyPr/>
+          <a:lstStyle/>
+          <a:p>
+            <a:r>
+              <a:rPr lang="en-IE" dirty="0" smtClean="0"/>
+              <a:t>Work Completed</a:t>
+            </a:r>
+            <a:endParaRPr lang="en-IE" dirty="0"/>
+          </a:p>
+        </p:txBody>
+      </p:sp>
+      <p:pic>
+        <p:nvPicPr>
+          <p:cNvPr id="8" name="Content Placeholder 7"/>
+          <p:cNvPicPr>
+            <a:picLocks noGrp="1" noChangeAspect="1"/>
+          </p:cNvPicPr>
+          <p:nvPr>
+            <p:ph sz="half" idx="1"/>
+          </p:nvPr>
+        </p:nvPicPr>
+        <p:blipFill>
+          <a:blip r:embed="rId2" cstate="print">
+            <a:extLst>
+              <a:ext uri="{BEBA8EAE-BF5A-486C-A8C5-ECC9F3942E4B}">
+                <a14:imgProps xmlns:a14="http://schemas.microsoft.com/office/drawing/2010/main">
+                  <a14:imgLayer r:embed="rId3">
+                    <a14:imgEffect>
+                      <a14:backgroundRemoval t="378" b="99244" l="1131" r="98458">
+                        <a14:foregroundMark x1="7400" y1="16247" x2="38335" y2="17380"/>
+                        <a14:foregroundMark x1="2364" y1="23678" x2="6783" y2="19647"/>
+                        <a14:foregroundMark x1="53957" y1="62972" x2="67626" y2="95592"/>
+                        <a14:foregroundMark x1="35971" y1="90050" x2="35355" y2="95844"/>
+                        <a14:foregroundMark x1="43063" y1="74433" x2="41932" y2="94207"/>
+                        <a14:foregroundMark x1="64132" y1="24937" x2="91778" y2="46474"/>
+                        <a14:foregroundMark x1="88695" y1="45718" x2="93217" y2="53023"/>
+                        <a14:foregroundMark x1="87564" y1="50504" x2="90134" y2="54534"/>
+                        <a14:foregroundMark x1="93217" y1="54030" x2="92292" y2="57809"/>
+                        <a14:backgroundMark x1="2672" y1="14610" x2="2672" y2="14610"/>
+                        <a14:backgroundMark x1="2878" y1="16751" x2="2158" y2="19270"/>
+                        <a14:backgroundMark x1="4214" y1="13476" x2="42754" y2="11335"/>
+                        <a14:backgroundMark x1="2467" y1="28338" x2="37924" y2="25315"/>
+                        <a14:backgroundMark x1="29702" y1="53401" x2="27544" y2="95844"/>
+                        <a14:backgroundMark x1="45118" y1="58816" x2="51696" y2="93829"/>
+                        <a14:backgroundMark x1="44296" y1="97859" x2="53135" y2="93829"/>
+                        <a14:backgroundMark x1="57554" y1="21033" x2="63001" y2="19270"/>
+                        <a14:backgroundMark x1="48304" y1="18892" x2="46351" y2="16751"/>
+                      </a14:backgroundRemoval>
+                    </a14:imgEffect>
+                  </a14:imgLayer>
+                </a14:imgProps>
+              </a:ext>
+              <a:ext uri="{28A0092B-C50C-407E-A947-70E740481C1C}">
+                <a14:useLocalDpi xmlns:a14="http://schemas.microsoft.com/office/drawing/2010/main" val="0"/>
+              </a:ext>
+            </a:extLst>
+          </a:blip>
+          <a:stretch>
+            <a:fillRect/>
+          </a:stretch>
+        </p:blipFill>
+        <p:spPr>
+          <a:xfrm>
+            <a:off x="490115" y="1676714"/>
+            <a:ext cx="3875272" cy="3233870"/>
+          </a:xfrm>
+        </p:spPr>
+      </p:pic>
+      <p:sp>
+        <p:nvSpPr>
+          <p:cNvPr id="4" name="Content Placeholder 3"/>
+          <p:cNvSpPr>
+            <a:spLocks noGrp="1"/>
+          </p:cNvSpPr>
+          <p:nvPr>
+            <p:ph sz="half" idx="2"/>
+          </p:nvPr>
+        </p:nvSpPr>
+        <p:spPr/>
+        <p:txBody>
+          <a:bodyPr>
+            <a:normAutofit lnSpcReduction="10000"/>
+          </a:bodyPr>
+          <a:lstStyle/>
+          <a:p>
+            <a:r>
+              <a:rPr lang="en-IE" dirty="0" smtClean="0"/>
+              <a:t>Learned about NAO,</a:t>
+            </a:r>
+          </a:p>
+          <a:p>
+            <a:endParaRPr lang="en-IE" dirty="0" smtClean="0"/>
+          </a:p>
+          <a:p>
+            <a:r>
+              <a:rPr lang="en-IE" dirty="0" smtClean="0"/>
+              <a:t>Used Python to access the NAO API</a:t>
+            </a:r>
+          </a:p>
+          <a:p>
+            <a:endParaRPr lang="en-IE" dirty="0" smtClean="0"/>
+          </a:p>
+          <a:p>
+            <a:r>
+              <a:rPr lang="en-IE" dirty="0" smtClean="0"/>
+              <a:t>Interfaced NAO with PC gaming joystick</a:t>
+            </a:r>
+          </a:p>
+          <a:p>
+            <a:endParaRPr lang="en-IE" dirty="0" smtClean="0"/>
+          </a:p>
+          <a:p>
+            <a:r>
+              <a:rPr lang="en-IE" dirty="0" smtClean="0"/>
+              <a:t>Demonstrated </a:t>
+            </a:r>
+            <a:r>
+              <a:rPr lang="en-IE" dirty="0" err="1" smtClean="0"/>
+              <a:t>Elec-Eng</a:t>
+            </a:r>
+            <a:r>
+              <a:rPr lang="en-IE" dirty="0" smtClean="0"/>
+              <a:t> open day</a:t>
+            </a:r>
+          </a:p>
+        </p:txBody>
+      </p:sp>
+      <p:sp>
+        <p:nvSpPr>
+          <p:cNvPr id="5" name="Date Placeholder 4"/>
+          <p:cNvSpPr>
+            <a:spLocks noGrp="1"/>
+          </p:cNvSpPr>
+          <p:nvPr>
+            <p:ph type="dt" sz="half" idx="10"/>
+          </p:nvPr>
+        </p:nvSpPr>
+        <p:spPr/>
+        <p:txBody>
+          <a:bodyPr/>
+          <a:lstStyle/>
+          <a:p>
+            <a:r>
+              <a:rPr lang="en-US" smtClean="0"/>
+              <a:t>07/02/2014</a:t>
+            </a:r>
+            <a:endParaRPr lang="en-IE" dirty="0"/>
+          </a:p>
+        </p:txBody>
+      </p:sp>
+      <p:sp>
+        <p:nvSpPr>
+          <p:cNvPr id="6" name="Footer Placeholder 5"/>
+          <p:cNvSpPr>
+            <a:spLocks noGrp="1"/>
+          </p:cNvSpPr>
+          <p:nvPr>
+            <p:ph type="ftr" sz="quarter" idx="11"/>
+          </p:nvPr>
+        </p:nvSpPr>
+        <p:spPr/>
+        <p:txBody>
+          <a:bodyPr/>
+          <a:lstStyle/>
+          <a:p>
+            <a:r>
+              <a:rPr lang="en-IE" smtClean="0"/>
+              <a:t>Intelligent Toy Interfaces 2014</a:t>
+            </a:r>
+            <a:endParaRPr lang="en-IE" dirty="0" smtClean="0"/>
+          </a:p>
+        </p:txBody>
+      </p:sp>
+      <p:sp>
+        <p:nvSpPr>
+          <p:cNvPr id="7" name="Slide Number Placeholder 6"/>
+          <p:cNvSpPr>
+            <a:spLocks noGrp="1"/>
+          </p:cNvSpPr>
+          <p:nvPr>
+            <p:ph type="sldNum" sz="quarter" idx="12"/>
+          </p:nvPr>
+        </p:nvSpPr>
+        <p:spPr/>
+        <p:txBody>
+          <a:bodyPr/>
+          <a:lstStyle/>
+          <a:p>
+            <a:fld id="{7235E11A-DC3C-4C5A-8EAD-B77EA3A0B827}" type="slidenum">
+              <a:rPr lang="en-IE" smtClean="0"/>
+              <a:t>7</a:t>
+            </a:fld>
+            <a:endParaRPr lang="en-IE"/>
+          </a:p>
+        </p:txBody>
+      </p:sp>
+      <p:pic>
+        <p:nvPicPr>
+          <p:cNvPr id="2050" name="Picture 2" descr="http://gate2play.com/upload/python.png"/>
+          <p:cNvPicPr>
+            <a:picLocks noChangeAspect="1" noChangeArrowheads="1"/>
+          </p:cNvPicPr>
+          <p:nvPr/>
+        </p:nvPicPr>
+        <p:blipFill>
+          <a:blip r:embed="rId4" cstate="print">
+            <a:extLst>
+              <a:ext uri="{28A0092B-C50C-407E-A947-70E740481C1C}">
+                <a14:useLocalDpi xmlns:a14="http://schemas.microsoft.com/office/drawing/2010/main" val="0"/>
+              </a:ext>
+            </a:extLst>
+          </a:blip>
+          <a:srcRect/>
+          <a:stretch>
+            <a:fillRect/>
+          </a:stretch>
+        </p:blipFill>
+        <p:spPr bwMode="auto">
+          <a:xfrm>
+            <a:off x="895058" y="5169661"/>
+            <a:ext cx="3065387" cy="1035397"/>
+          </a:xfrm>
+          <a:prstGeom prst="rect">
+            <a:avLst/>
+          </a:prstGeom>
+          <a:noFill/>
+          <a:extLst>
+            <a:ext uri="{909E8E84-426E-40DD-AFC4-6F175D3DCCD1}">
+              <a14:hiddenFill xmlns:a14="http://schemas.microsoft.com/office/drawing/2010/main">
+                <a:solidFill>
+                  <a:srgbClr val="FFFFFF"/>
+                </a:solidFill>
+              </a14:hiddenFill>
+            </a:ext>
+          </a:extLst>
+        </p:spPr>
+      </p:pic>
+    </p:spTree>
+    <p:extLst>
+      <p:ext uri="{BB962C8B-B14F-4D97-AF65-F5344CB8AC3E}">
+        <p14:creationId xmlns:p14="http://schemas.microsoft.com/office/powerpoint/2010/main" val="709884660"/>
+      </p:ext>
+    </p:extLst>
+  </p:cSld>
+  <p:clrMapOvr>
+    <a:masterClrMapping/>
+  </p:clrMapOvr>
+  <p:timing>
+    <p:tnLst>
+      <p:par>
+        <p:cTn id="1" dur="indefinite" restart="never" nodeType="tmRoot"/>
+      </p:par>
+    </p:tnLst>
+  </p:timing>
+</p:sld>
+</file>
+
+<file path=ppt/slides/slide8.xml><?xml version="1.0" encoding="utf-8"?>
+<p:sld xmlns:a="http://schemas.openxmlformats.org/drawingml/2006/main" xmlns:r="http://schemas.openxmlformats.org/officeDocument/2006/relationships" xmlns:p="http://schemas.openxmlformats.org/presentationml/2006/main">
+  <p:cSld>
+    <p:spTree>
+      <p:nvGrpSpPr>
+        <p:cNvPr id="1" name=""/>
+        <p:cNvGrpSpPr/>
+        <p:nvPr/>
+      </p:nvGrpSpPr>
+      <p:grpSpPr>
+        <a:xfrm>
+          <a:off x="0" y="0"/>
+          <a:ext cx="0" cy="0"/>
+          <a:chOff x="0" y="0"/>
+          <a:chExt cx="0" cy="0"/>
+        </a:xfrm>
+      </p:grpSpPr>
+      <p:sp>
+        <p:nvSpPr>
+          <p:cNvPr id="9" name="Content Placeholder 8"/>
+          <p:cNvSpPr>
+            <a:spLocks noGrp="1"/>
+          </p:cNvSpPr>
+          <p:nvPr>
+            <p:ph idx="1"/>
+          </p:nvPr>
+        </p:nvSpPr>
+        <p:spPr/>
+        <p:txBody>
+          <a:bodyPr/>
+          <a:lstStyle/>
+          <a:p>
+            <a:pPr marL="0" indent="0">
+              <a:buNone/>
+            </a:pPr>
+            <a:endParaRPr lang="en-IE" dirty="0"/>
+          </a:p>
+        </p:txBody>
+      </p:sp>
+      <p:sp>
+        <p:nvSpPr>
+          <p:cNvPr id="5" name="Date Placeholder 4"/>
+          <p:cNvSpPr>
+            <a:spLocks noGrp="1"/>
+          </p:cNvSpPr>
+          <p:nvPr>
+            <p:ph type="dt" sz="half" idx="10"/>
+          </p:nvPr>
+        </p:nvSpPr>
+        <p:spPr/>
+        <p:txBody>
+          <a:bodyPr/>
+          <a:lstStyle/>
+          <a:p>
+            <a:r>
+              <a:rPr lang="en-US" smtClean="0"/>
+              <a:t>07/02/2014</a:t>
+            </a:r>
+            <a:endParaRPr lang="en-IE" dirty="0"/>
+          </a:p>
+        </p:txBody>
+      </p:sp>
+      <p:sp>
+        <p:nvSpPr>
+          <p:cNvPr id="6" name="Footer Placeholder 5"/>
+          <p:cNvSpPr>
+            <a:spLocks noGrp="1"/>
+          </p:cNvSpPr>
+          <p:nvPr>
+            <p:ph type="ftr" sz="quarter" idx="11"/>
+          </p:nvPr>
+        </p:nvSpPr>
+        <p:spPr/>
+        <p:txBody>
+          <a:bodyPr/>
+          <a:lstStyle/>
+          <a:p>
+            <a:r>
+              <a:rPr lang="en-IE" smtClean="0"/>
+              <a:t>Intelligent Toy Interfaces 2014</a:t>
+            </a:r>
+            <a:endParaRPr lang="en-IE" dirty="0" smtClean="0"/>
+          </a:p>
+        </p:txBody>
+      </p:sp>
+      <p:sp>
+        <p:nvSpPr>
+          <p:cNvPr id="7" name="Slide Number Placeholder 6"/>
+          <p:cNvSpPr>
+            <a:spLocks noGrp="1"/>
+          </p:cNvSpPr>
+          <p:nvPr>
+            <p:ph type="sldNum" sz="quarter" idx="12"/>
+          </p:nvPr>
+        </p:nvSpPr>
+        <p:spPr/>
+        <p:txBody>
+          <a:bodyPr/>
+          <a:lstStyle/>
+          <a:p>
+            <a:fld id="{7235E11A-DC3C-4C5A-8EAD-B77EA3A0B827}" type="slidenum">
+              <a:rPr lang="en-IE" smtClean="0"/>
+              <a:t>8</a:t>
+            </a:fld>
+            <a:endParaRPr lang="en-IE"/>
+          </a:p>
+        </p:txBody>
+      </p:sp>
+      <p:sp>
+        <p:nvSpPr>
+          <p:cNvPr id="8" name="Title 7"/>
+          <p:cNvSpPr>
+            <a:spLocks noGrp="1"/>
+          </p:cNvSpPr>
+          <p:nvPr>
+            <p:ph type="title"/>
+          </p:nvPr>
+        </p:nvSpPr>
+        <p:spPr/>
+        <p:txBody>
+          <a:bodyPr/>
+          <a:lstStyle/>
+          <a:p>
+            <a:r>
+              <a:rPr lang="en-IE" dirty="0" smtClean="0"/>
+              <a:t>Requirements</a:t>
+            </a:r>
+            <a:endParaRPr lang="en-IE" dirty="0"/>
+          </a:p>
+        </p:txBody>
+      </p:sp>
+    </p:spTree>
+    <p:extLst>
+      <p:ext uri="{BB962C8B-B14F-4D97-AF65-F5344CB8AC3E}">
+        <p14:creationId xmlns:p14="http://schemas.microsoft.com/office/powerpoint/2010/main" val="2787612972"/>
+      </p:ext>
+    </p:extLst>
   </p:cSld>
   <p:clrMapOvr>
     <a:masterClrMapping/>

--- a/Presentation.pptx
+++ b/Presentation.pptx
@@ -5,17 +5,19 @@
     <p:sldMasterId id="2147483648" r:id="rId1"/>
   </p:sldMasterIdLst>
   <p:notesMasterIdLst>
-    <p:notesMasterId r:id="rId10"/>
+    <p:notesMasterId r:id="rId12"/>
   </p:notesMasterIdLst>
   <p:sldIdLst>
     <p:sldId id="256" r:id="rId2"/>
-    <p:sldId id="257" r:id="rId3"/>
-    <p:sldId id="258" r:id="rId4"/>
-    <p:sldId id="259" r:id="rId5"/>
-    <p:sldId id="260" r:id="rId6"/>
-    <p:sldId id="261" r:id="rId7"/>
-    <p:sldId id="262" r:id="rId8"/>
-    <p:sldId id="263" r:id="rId9"/>
+    <p:sldId id="264" r:id="rId3"/>
+    <p:sldId id="257" r:id="rId4"/>
+    <p:sldId id="258" r:id="rId5"/>
+    <p:sldId id="259" r:id="rId6"/>
+    <p:sldId id="260" r:id="rId7"/>
+    <p:sldId id="261" r:id="rId8"/>
+    <p:sldId id="262" r:id="rId9"/>
+    <p:sldId id="263" r:id="rId10"/>
+    <p:sldId id="265" r:id="rId11"/>
   </p:sldIdLst>
   <p:sldSz cx="9144000" cy="6858000" type="screen4x3"/>
   <p:notesSz cx="6858000" cy="9144000"/>
@@ -881,6 +883,753 @@
 </file>
 
 <file path=ppt/diagrams/colors2.xml><?xml version="1.0" encoding="utf-8"?>
+<dgm:colorsDef xmlns:dgm="http://schemas.openxmlformats.org/drawingml/2006/diagram" xmlns:a="http://schemas.openxmlformats.org/drawingml/2006/main" uniqueId="urn:microsoft.com/office/officeart/2005/8/colors/accent1_2">
+  <dgm:title val=""/>
+  <dgm:desc val=""/>
+  <dgm:catLst>
+    <dgm:cat type="accent1" pri="11200"/>
+  </dgm:catLst>
+  <dgm:styleLbl name="node0">
+    <dgm:fillClrLst meth="repeat">
+      <a:schemeClr val="accent1"/>
+    </dgm:fillClrLst>
+    <dgm:linClrLst meth="repeat">
+      <a:schemeClr val="lt1"/>
+    </dgm:linClrLst>
+    <dgm:effectClrLst/>
+    <dgm:txLinClrLst/>
+    <dgm:txFillClrLst/>
+    <dgm:txEffectClrLst/>
+  </dgm:styleLbl>
+  <dgm:styleLbl name="alignNode1">
+    <dgm:fillClrLst meth="repeat">
+      <a:schemeClr val="accent1"/>
+    </dgm:fillClrLst>
+    <dgm:linClrLst meth="repeat">
+      <a:schemeClr val="accent1"/>
+    </dgm:linClrLst>
+    <dgm:effectClrLst/>
+    <dgm:txLinClrLst/>
+    <dgm:txFillClrLst/>
+    <dgm:txEffectClrLst/>
+  </dgm:styleLbl>
+  <dgm:styleLbl name="node1">
+    <dgm:fillClrLst meth="repeat">
+      <a:schemeClr val="accent1"/>
+    </dgm:fillClrLst>
+    <dgm:linClrLst meth="repeat">
+      <a:schemeClr val="lt1"/>
+    </dgm:linClrLst>
+    <dgm:effectClrLst/>
+    <dgm:txLinClrLst/>
+    <dgm:txFillClrLst/>
+    <dgm:txEffectClrLst/>
+  </dgm:styleLbl>
+  <dgm:styleLbl name="lnNode1">
+    <dgm:fillClrLst meth="repeat">
+      <a:schemeClr val="accent1"/>
+    </dgm:fillClrLst>
+    <dgm:linClrLst meth="repeat">
+      <a:schemeClr val="lt1"/>
+    </dgm:linClrLst>
+    <dgm:effectClrLst/>
+    <dgm:txLinClrLst/>
+    <dgm:txFillClrLst/>
+    <dgm:txEffectClrLst/>
+  </dgm:styleLbl>
+  <dgm:styleLbl name="vennNode1">
+    <dgm:fillClrLst meth="repeat">
+      <a:schemeClr val="accent1">
+        <a:alpha val="50000"/>
+      </a:schemeClr>
+    </dgm:fillClrLst>
+    <dgm:linClrLst meth="repeat">
+      <a:schemeClr val="lt1"/>
+    </dgm:linClrLst>
+    <dgm:effectClrLst/>
+    <dgm:txLinClrLst/>
+    <dgm:txFillClrLst/>
+    <dgm:txEffectClrLst/>
+  </dgm:styleLbl>
+  <dgm:styleLbl name="node2">
+    <dgm:fillClrLst meth="repeat">
+      <a:schemeClr val="accent1"/>
+    </dgm:fillClrLst>
+    <dgm:linClrLst meth="repeat">
+      <a:schemeClr val="lt1"/>
+    </dgm:linClrLst>
+    <dgm:effectClrLst/>
+    <dgm:txLinClrLst/>
+    <dgm:txFillClrLst/>
+    <dgm:txEffectClrLst/>
+  </dgm:styleLbl>
+  <dgm:styleLbl name="node3">
+    <dgm:fillClrLst meth="repeat">
+      <a:schemeClr val="accent1"/>
+    </dgm:fillClrLst>
+    <dgm:linClrLst meth="repeat">
+      <a:schemeClr val="lt1"/>
+    </dgm:linClrLst>
+    <dgm:effectClrLst/>
+    <dgm:txLinClrLst/>
+    <dgm:txFillClrLst/>
+    <dgm:txEffectClrLst/>
+  </dgm:styleLbl>
+  <dgm:styleLbl name="node4">
+    <dgm:fillClrLst meth="repeat">
+      <a:schemeClr val="accent1"/>
+    </dgm:fillClrLst>
+    <dgm:linClrLst meth="repeat">
+      <a:schemeClr val="lt1"/>
+    </dgm:linClrLst>
+    <dgm:effectClrLst/>
+    <dgm:txLinClrLst/>
+    <dgm:txFillClrLst/>
+    <dgm:txEffectClrLst/>
+  </dgm:styleLbl>
+  <dgm:styleLbl name="fgImgPlace1">
+    <dgm:fillClrLst meth="repeat">
+      <a:schemeClr val="accent1">
+        <a:tint val="50000"/>
+      </a:schemeClr>
+    </dgm:fillClrLst>
+    <dgm:linClrLst meth="repeat">
+      <a:schemeClr val="lt1"/>
+    </dgm:linClrLst>
+    <dgm:effectClrLst/>
+    <dgm:txLinClrLst/>
+    <dgm:txFillClrLst meth="repeat">
+      <a:schemeClr val="lt1"/>
+    </dgm:txFillClrLst>
+    <dgm:txEffectClrLst/>
+  </dgm:styleLbl>
+  <dgm:styleLbl name="alignImgPlace1">
+    <dgm:fillClrLst meth="repeat">
+      <a:schemeClr val="accent1">
+        <a:tint val="50000"/>
+      </a:schemeClr>
+    </dgm:fillClrLst>
+    <dgm:linClrLst meth="repeat">
+      <a:schemeClr val="lt1"/>
+    </dgm:linClrLst>
+    <dgm:effectClrLst/>
+    <dgm:txLinClrLst/>
+    <dgm:txFillClrLst meth="repeat">
+      <a:schemeClr val="lt1"/>
+    </dgm:txFillClrLst>
+    <dgm:txEffectClrLst/>
+  </dgm:styleLbl>
+  <dgm:styleLbl name="bgImgPlace1">
+    <dgm:fillClrLst meth="repeat">
+      <a:schemeClr val="accent1">
+        <a:tint val="50000"/>
+      </a:schemeClr>
+    </dgm:fillClrLst>
+    <dgm:linClrLst meth="repeat">
+      <a:schemeClr val="lt1"/>
+    </dgm:linClrLst>
+    <dgm:effectClrLst/>
+    <dgm:txLinClrLst/>
+    <dgm:txFillClrLst meth="repeat">
+      <a:schemeClr val="lt1"/>
+    </dgm:txFillClrLst>
+    <dgm:txEffectClrLst/>
+  </dgm:styleLbl>
+  <dgm:styleLbl name="sibTrans2D1">
+    <dgm:fillClrLst meth="repeat">
+      <a:schemeClr val="accent1">
+        <a:tint val="60000"/>
+      </a:schemeClr>
+    </dgm:fillClrLst>
+    <dgm:linClrLst meth="repeat">
+      <a:schemeClr val="accent1">
+        <a:tint val="60000"/>
+      </a:schemeClr>
+    </dgm:linClrLst>
+    <dgm:effectClrLst/>
+    <dgm:txLinClrLst/>
+    <dgm:txFillClrLst/>
+    <dgm:txEffectClrLst/>
+  </dgm:styleLbl>
+  <dgm:styleLbl name="fgSibTrans2D1">
+    <dgm:fillClrLst meth="repeat">
+      <a:schemeClr val="accent1">
+        <a:tint val="60000"/>
+      </a:schemeClr>
+    </dgm:fillClrLst>
+    <dgm:linClrLst meth="repeat">
+      <a:schemeClr val="accent1">
+        <a:tint val="60000"/>
+      </a:schemeClr>
+    </dgm:linClrLst>
+    <dgm:effectClrLst/>
+    <dgm:txLinClrLst/>
+    <dgm:txFillClrLst/>
+    <dgm:txEffectClrLst/>
+  </dgm:styleLbl>
+  <dgm:styleLbl name="bgSibTrans2D1">
+    <dgm:fillClrLst meth="repeat">
+      <a:schemeClr val="accent1">
+        <a:tint val="60000"/>
+      </a:schemeClr>
+    </dgm:fillClrLst>
+    <dgm:linClrLst meth="repeat">
+      <a:schemeClr val="accent1">
+        <a:tint val="60000"/>
+      </a:schemeClr>
+    </dgm:linClrLst>
+    <dgm:effectClrLst/>
+    <dgm:txLinClrLst/>
+    <dgm:txFillClrLst/>
+    <dgm:txEffectClrLst/>
+  </dgm:styleLbl>
+  <dgm:styleLbl name="sibTrans1D1">
+    <dgm:fillClrLst meth="repeat">
+      <a:schemeClr val="accent1"/>
+    </dgm:fillClrLst>
+    <dgm:linClrLst meth="repeat">
+      <a:schemeClr val="accent1"/>
+    </dgm:linClrLst>
+    <dgm:effectClrLst/>
+    <dgm:txLinClrLst/>
+    <dgm:txFillClrLst meth="repeat">
+      <a:schemeClr val="tx1"/>
+    </dgm:txFillClrLst>
+    <dgm:txEffectClrLst/>
+  </dgm:styleLbl>
+  <dgm:styleLbl name="callout">
+    <dgm:fillClrLst meth="repeat">
+      <a:schemeClr val="accent1"/>
+    </dgm:fillClrLst>
+    <dgm:linClrLst meth="repeat">
+      <a:schemeClr val="accent1">
+        <a:tint val="50000"/>
+      </a:schemeClr>
+    </dgm:linClrLst>
+    <dgm:effectClrLst/>
+    <dgm:txLinClrLst/>
+    <dgm:txFillClrLst meth="repeat">
+      <a:schemeClr val="tx1"/>
+    </dgm:txFillClrLst>
+    <dgm:txEffectClrLst/>
+  </dgm:styleLbl>
+  <dgm:styleLbl name="asst0">
+    <dgm:fillClrLst meth="repeat">
+      <a:schemeClr val="accent1"/>
+    </dgm:fillClrLst>
+    <dgm:linClrLst meth="repeat">
+      <a:schemeClr val="lt1"/>
+    </dgm:linClrLst>
+    <dgm:effectClrLst/>
+    <dgm:txLinClrLst/>
+    <dgm:txFillClrLst/>
+    <dgm:txEffectClrLst/>
+  </dgm:styleLbl>
+  <dgm:styleLbl name="asst1">
+    <dgm:fillClrLst meth="repeat">
+      <a:schemeClr val="accent1"/>
+    </dgm:fillClrLst>
+    <dgm:linClrLst meth="repeat">
+      <a:schemeClr val="lt1"/>
+    </dgm:linClrLst>
+    <dgm:effectClrLst/>
+    <dgm:txLinClrLst/>
+    <dgm:txFillClrLst/>
+    <dgm:txEffectClrLst/>
+  </dgm:styleLbl>
+  <dgm:styleLbl name="asst2">
+    <dgm:fillClrLst meth="repeat">
+      <a:schemeClr val="accent1"/>
+    </dgm:fillClrLst>
+    <dgm:linClrLst meth="repeat">
+      <a:schemeClr val="lt1"/>
+    </dgm:linClrLst>
+    <dgm:effectClrLst/>
+    <dgm:txLinClrLst/>
+    <dgm:txFillClrLst/>
+    <dgm:txEffectClrLst/>
+  </dgm:styleLbl>
+  <dgm:styleLbl name="asst3">
+    <dgm:fillClrLst meth="repeat">
+      <a:schemeClr val="accent1"/>
+    </dgm:fillClrLst>
+    <dgm:linClrLst meth="repeat">
+      <a:schemeClr val="lt1"/>
+    </dgm:linClrLst>
+    <dgm:effectClrLst/>
+    <dgm:txLinClrLst/>
+    <dgm:txFillClrLst/>
+    <dgm:txEffectClrLst/>
+  </dgm:styleLbl>
+  <dgm:styleLbl name="asst4">
+    <dgm:fillClrLst meth="repeat">
+      <a:schemeClr val="accent1"/>
+    </dgm:fillClrLst>
+    <dgm:linClrLst meth="repeat">
+      <a:schemeClr val="lt1"/>
+    </dgm:linClrLst>
+    <dgm:effectClrLst/>
+    <dgm:txLinClrLst/>
+    <dgm:txFillClrLst/>
+    <dgm:txEffectClrLst/>
+  </dgm:styleLbl>
+  <dgm:styleLbl name="parChTrans2D1">
+    <dgm:fillClrLst meth="repeat">
+      <a:schemeClr val="accent1">
+        <a:tint val="60000"/>
+      </a:schemeClr>
+    </dgm:fillClrLst>
+    <dgm:linClrLst meth="repeat">
+      <a:schemeClr val="accent1">
+        <a:tint val="60000"/>
+      </a:schemeClr>
+    </dgm:linClrLst>
+    <dgm:effectClrLst/>
+    <dgm:txLinClrLst/>
+    <dgm:txFillClrLst meth="repeat">
+      <a:schemeClr val="lt1"/>
+    </dgm:txFillClrLst>
+    <dgm:txEffectClrLst/>
+  </dgm:styleLbl>
+  <dgm:styleLbl name="parChTrans2D2">
+    <dgm:fillClrLst meth="repeat">
+      <a:schemeClr val="accent1"/>
+    </dgm:fillClrLst>
+    <dgm:linClrLst meth="repeat">
+      <a:schemeClr val="accent1"/>
+    </dgm:linClrLst>
+    <dgm:effectClrLst/>
+    <dgm:txLinClrLst/>
+    <dgm:txFillClrLst meth="repeat">
+      <a:schemeClr val="lt1"/>
+    </dgm:txFillClrLst>
+    <dgm:txEffectClrLst/>
+  </dgm:styleLbl>
+  <dgm:styleLbl name="parChTrans2D3">
+    <dgm:fillClrLst meth="repeat">
+      <a:schemeClr val="accent1"/>
+    </dgm:fillClrLst>
+    <dgm:linClrLst meth="repeat">
+      <a:schemeClr val="accent1"/>
+    </dgm:linClrLst>
+    <dgm:effectClrLst/>
+    <dgm:txLinClrLst/>
+    <dgm:txFillClrLst meth="repeat">
+      <a:schemeClr val="lt1"/>
+    </dgm:txFillClrLst>
+    <dgm:txEffectClrLst/>
+  </dgm:styleLbl>
+  <dgm:styleLbl name="parChTrans2D4">
+    <dgm:fillClrLst meth="repeat">
+      <a:schemeClr val="accent1"/>
+    </dgm:fillClrLst>
+    <dgm:linClrLst meth="repeat">
+      <a:schemeClr val="accent1"/>
+    </dgm:linClrLst>
+    <dgm:effectClrLst/>
+    <dgm:txLinClrLst/>
+    <dgm:txFillClrLst meth="repeat">
+      <a:schemeClr val="lt1"/>
+    </dgm:txFillClrLst>
+    <dgm:txEffectClrLst/>
+  </dgm:styleLbl>
+  <dgm:styleLbl name="parChTrans1D1">
+    <dgm:fillClrLst meth="repeat">
+      <a:schemeClr val="accent1"/>
+    </dgm:fillClrLst>
+    <dgm:linClrLst meth="repeat">
+      <a:schemeClr val="accent1">
+        <a:shade val="60000"/>
+      </a:schemeClr>
+    </dgm:linClrLst>
+    <dgm:effectClrLst/>
+    <dgm:txLinClrLst/>
+    <dgm:txFillClrLst meth="repeat">
+      <a:schemeClr val="tx1"/>
+    </dgm:txFillClrLst>
+    <dgm:txEffectClrLst/>
+  </dgm:styleLbl>
+  <dgm:styleLbl name="parChTrans1D2">
+    <dgm:fillClrLst meth="repeat">
+      <a:schemeClr val="accent1"/>
+    </dgm:fillClrLst>
+    <dgm:linClrLst meth="repeat">
+      <a:schemeClr val="accent1">
+        <a:shade val="60000"/>
+      </a:schemeClr>
+    </dgm:linClrLst>
+    <dgm:effectClrLst/>
+    <dgm:txLinClrLst/>
+    <dgm:txFillClrLst meth="repeat">
+      <a:schemeClr val="tx1"/>
+    </dgm:txFillClrLst>
+    <dgm:txEffectClrLst/>
+  </dgm:styleLbl>
+  <dgm:styleLbl name="parChTrans1D3">
+    <dgm:fillClrLst meth="repeat">
+      <a:schemeClr val="accent1"/>
+    </dgm:fillClrLst>
+    <dgm:linClrLst meth="repeat">
+      <a:schemeClr val="accent1">
+        <a:shade val="80000"/>
+      </a:schemeClr>
+    </dgm:linClrLst>
+    <dgm:effectClrLst/>
+    <dgm:txLinClrLst/>
+    <dgm:txFillClrLst meth="repeat">
+      <a:schemeClr val="tx1"/>
+    </dgm:txFillClrLst>
+    <dgm:txEffectClrLst/>
+  </dgm:styleLbl>
+  <dgm:styleLbl name="parChTrans1D4">
+    <dgm:fillClrLst meth="repeat">
+      <a:schemeClr val="accent1"/>
+    </dgm:fillClrLst>
+    <dgm:linClrLst meth="repeat">
+      <a:schemeClr val="accent1">
+        <a:shade val="80000"/>
+      </a:schemeClr>
+    </dgm:linClrLst>
+    <dgm:effectClrLst/>
+    <dgm:txLinClrLst/>
+    <dgm:txFillClrLst meth="repeat">
+      <a:schemeClr val="tx1"/>
+    </dgm:txFillClrLst>
+    <dgm:txEffectClrLst/>
+  </dgm:styleLbl>
+  <dgm:styleLbl name="fgAcc1">
+    <dgm:fillClrLst meth="repeat">
+      <a:schemeClr val="lt1">
+        <a:alpha val="90000"/>
+      </a:schemeClr>
+    </dgm:fillClrLst>
+    <dgm:linClrLst meth="repeat">
+      <a:schemeClr val="accent1"/>
+    </dgm:linClrLst>
+    <dgm:effectClrLst/>
+    <dgm:txLinClrLst/>
+    <dgm:txFillClrLst meth="repeat">
+      <a:schemeClr val="dk1"/>
+    </dgm:txFillClrLst>
+    <dgm:txEffectClrLst/>
+  </dgm:styleLbl>
+  <dgm:styleLbl name="conFgAcc1">
+    <dgm:fillClrLst meth="repeat">
+      <a:schemeClr val="lt1">
+        <a:alpha val="90000"/>
+      </a:schemeClr>
+    </dgm:fillClrLst>
+    <dgm:linClrLst meth="repeat">
+      <a:schemeClr val="accent1"/>
+    </dgm:linClrLst>
+    <dgm:effectClrLst/>
+    <dgm:txLinClrLst/>
+    <dgm:txFillClrLst meth="repeat">
+      <a:schemeClr val="dk1"/>
+    </dgm:txFillClrLst>
+    <dgm:txEffectClrLst/>
+  </dgm:styleLbl>
+  <dgm:styleLbl name="alignAcc1">
+    <dgm:fillClrLst meth="repeat">
+      <a:schemeClr val="lt1">
+        <a:alpha val="90000"/>
+      </a:schemeClr>
+    </dgm:fillClrLst>
+    <dgm:linClrLst meth="repeat">
+      <a:schemeClr val="accent1"/>
+    </dgm:linClrLst>
+    <dgm:effectClrLst/>
+    <dgm:txLinClrLst/>
+    <dgm:txFillClrLst meth="repeat">
+      <a:schemeClr val="dk1"/>
+    </dgm:txFillClrLst>
+    <dgm:txEffectClrLst/>
+  </dgm:styleLbl>
+  <dgm:styleLbl name="trAlignAcc1">
+    <dgm:fillClrLst meth="repeat">
+      <a:schemeClr val="lt1">
+        <a:alpha val="40000"/>
+      </a:schemeClr>
+    </dgm:fillClrLst>
+    <dgm:linClrLst meth="repeat">
+      <a:schemeClr val="accent1"/>
+    </dgm:linClrLst>
+    <dgm:effectClrLst/>
+    <dgm:txLinClrLst/>
+    <dgm:txFillClrLst meth="repeat">
+      <a:schemeClr val="dk1"/>
+    </dgm:txFillClrLst>
+    <dgm:txEffectClrLst/>
+  </dgm:styleLbl>
+  <dgm:styleLbl name="bgAcc1">
+    <dgm:fillClrLst meth="repeat">
+      <a:schemeClr val="lt1">
+        <a:alpha val="90000"/>
+      </a:schemeClr>
+    </dgm:fillClrLst>
+    <dgm:linClrLst meth="repeat">
+      <a:schemeClr val="accent1"/>
+    </dgm:linClrLst>
+    <dgm:effectClrLst/>
+    <dgm:txLinClrLst/>
+    <dgm:txFillClrLst meth="repeat">
+      <a:schemeClr val="dk1"/>
+    </dgm:txFillClrLst>
+    <dgm:txEffectClrLst/>
+  </dgm:styleLbl>
+  <dgm:styleLbl name="solidFgAcc1">
+    <dgm:fillClrLst meth="repeat">
+      <a:schemeClr val="lt1"/>
+    </dgm:fillClrLst>
+    <dgm:linClrLst meth="repeat">
+      <a:schemeClr val="accent1"/>
+    </dgm:linClrLst>
+    <dgm:effectClrLst/>
+    <dgm:txLinClrLst/>
+    <dgm:txFillClrLst meth="repeat">
+      <a:schemeClr val="dk1"/>
+    </dgm:txFillClrLst>
+    <dgm:txEffectClrLst/>
+  </dgm:styleLbl>
+  <dgm:styleLbl name="solidAlignAcc1">
+    <dgm:fillClrLst meth="repeat">
+      <a:schemeClr val="lt1"/>
+    </dgm:fillClrLst>
+    <dgm:linClrLst meth="repeat">
+      <a:schemeClr val="accent1"/>
+    </dgm:linClrLst>
+    <dgm:effectClrLst/>
+    <dgm:txLinClrLst/>
+    <dgm:txFillClrLst meth="repeat">
+      <a:schemeClr val="dk1"/>
+    </dgm:txFillClrLst>
+    <dgm:txEffectClrLst/>
+  </dgm:styleLbl>
+  <dgm:styleLbl name="solidBgAcc1">
+    <dgm:fillClrLst meth="repeat">
+      <a:schemeClr val="lt1"/>
+    </dgm:fillClrLst>
+    <dgm:linClrLst meth="repeat">
+      <a:schemeClr val="accent1"/>
+    </dgm:linClrLst>
+    <dgm:effectClrLst/>
+    <dgm:txLinClrLst/>
+    <dgm:txFillClrLst meth="repeat">
+      <a:schemeClr val="dk1"/>
+    </dgm:txFillClrLst>
+    <dgm:txEffectClrLst/>
+  </dgm:styleLbl>
+  <dgm:styleLbl name="fgAccFollowNode1">
+    <dgm:fillClrLst meth="repeat">
+      <a:schemeClr val="accent1">
+        <a:alpha val="90000"/>
+        <a:tint val="40000"/>
+      </a:schemeClr>
+    </dgm:fillClrLst>
+    <dgm:linClrLst meth="repeat">
+      <a:schemeClr val="accent1">
+        <a:alpha val="90000"/>
+        <a:tint val="40000"/>
+      </a:schemeClr>
+    </dgm:linClrLst>
+    <dgm:effectClrLst/>
+    <dgm:txLinClrLst/>
+    <dgm:txFillClrLst meth="repeat">
+      <a:schemeClr val="dk1"/>
+    </dgm:txFillClrLst>
+    <dgm:txEffectClrLst/>
+  </dgm:styleLbl>
+  <dgm:styleLbl name="alignAccFollowNode1">
+    <dgm:fillClrLst meth="repeat">
+      <a:schemeClr val="accent1">
+        <a:alpha val="90000"/>
+        <a:tint val="40000"/>
+      </a:schemeClr>
+    </dgm:fillClrLst>
+    <dgm:linClrLst meth="repeat">
+      <a:schemeClr val="accent1">
+        <a:alpha val="90000"/>
+        <a:tint val="40000"/>
+      </a:schemeClr>
+    </dgm:linClrLst>
+    <dgm:effectClrLst/>
+    <dgm:txLinClrLst/>
+    <dgm:txFillClrLst meth="repeat">
+      <a:schemeClr val="dk1"/>
+    </dgm:txFillClrLst>
+    <dgm:txEffectClrLst/>
+  </dgm:styleLbl>
+  <dgm:styleLbl name="bgAccFollowNode1">
+    <dgm:fillClrLst meth="repeat">
+      <a:schemeClr val="accent1">
+        <a:alpha val="90000"/>
+        <a:tint val="40000"/>
+      </a:schemeClr>
+    </dgm:fillClrLst>
+    <dgm:linClrLst meth="repeat">
+      <a:schemeClr val="accent1">
+        <a:alpha val="90000"/>
+        <a:tint val="40000"/>
+      </a:schemeClr>
+    </dgm:linClrLst>
+    <dgm:effectClrLst/>
+    <dgm:txLinClrLst/>
+    <dgm:txFillClrLst meth="repeat">
+      <a:schemeClr val="dk1"/>
+    </dgm:txFillClrLst>
+    <dgm:txEffectClrLst/>
+  </dgm:styleLbl>
+  <dgm:styleLbl name="fgAcc0">
+    <dgm:fillClrLst meth="repeat">
+      <a:schemeClr val="lt1">
+        <a:alpha val="90000"/>
+      </a:schemeClr>
+    </dgm:fillClrLst>
+    <dgm:linClrLst meth="repeat">
+      <a:schemeClr val="accent1"/>
+    </dgm:linClrLst>
+    <dgm:effectClrLst/>
+    <dgm:txLinClrLst/>
+    <dgm:txFillClrLst meth="repeat">
+      <a:schemeClr val="dk1"/>
+    </dgm:txFillClrLst>
+    <dgm:txEffectClrLst/>
+  </dgm:styleLbl>
+  <dgm:styleLbl name="fgAcc2">
+    <dgm:fillClrLst meth="repeat">
+      <a:schemeClr val="lt1">
+        <a:alpha val="90000"/>
+      </a:schemeClr>
+    </dgm:fillClrLst>
+    <dgm:linClrLst meth="repeat">
+      <a:schemeClr val="accent1"/>
+    </dgm:linClrLst>
+    <dgm:effectClrLst/>
+    <dgm:txLinClrLst/>
+    <dgm:txFillClrLst meth="repeat">
+      <a:schemeClr val="dk1"/>
+    </dgm:txFillClrLst>
+    <dgm:txEffectClrLst/>
+  </dgm:styleLbl>
+  <dgm:styleLbl name="fgAcc3">
+    <dgm:fillClrLst meth="repeat">
+      <a:schemeClr val="lt1">
+        <a:alpha val="90000"/>
+      </a:schemeClr>
+    </dgm:fillClrLst>
+    <dgm:linClrLst meth="repeat">
+      <a:schemeClr val="accent1"/>
+    </dgm:linClrLst>
+    <dgm:effectClrLst/>
+    <dgm:txLinClrLst/>
+    <dgm:txFillClrLst meth="repeat">
+      <a:schemeClr val="dk1"/>
+    </dgm:txFillClrLst>
+    <dgm:txEffectClrLst/>
+  </dgm:styleLbl>
+  <dgm:styleLbl name="fgAcc4">
+    <dgm:fillClrLst meth="repeat">
+      <a:schemeClr val="lt1">
+        <a:alpha val="90000"/>
+      </a:schemeClr>
+    </dgm:fillClrLst>
+    <dgm:linClrLst meth="repeat">
+      <a:schemeClr val="accent1"/>
+    </dgm:linClrLst>
+    <dgm:effectClrLst/>
+    <dgm:txLinClrLst/>
+    <dgm:txFillClrLst meth="repeat">
+      <a:schemeClr val="dk1"/>
+    </dgm:txFillClrLst>
+    <dgm:txEffectClrLst/>
+  </dgm:styleLbl>
+  <dgm:styleLbl name="bgShp">
+    <dgm:fillClrLst meth="repeat">
+      <a:schemeClr val="accent1">
+        <a:tint val="40000"/>
+      </a:schemeClr>
+    </dgm:fillClrLst>
+    <dgm:linClrLst meth="repeat">
+      <a:schemeClr val="accent1"/>
+    </dgm:linClrLst>
+    <dgm:effectClrLst/>
+    <dgm:txLinClrLst/>
+    <dgm:txFillClrLst meth="repeat">
+      <a:schemeClr val="dk1"/>
+    </dgm:txFillClrLst>
+    <dgm:txEffectClrLst/>
+  </dgm:styleLbl>
+  <dgm:styleLbl name="dkBgShp">
+    <dgm:fillClrLst meth="repeat">
+      <a:schemeClr val="accent1">
+        <a:shade val="80000"/>
+      </a:schemeClr>
+    </dgm:fillClrLst>
+    <dgm:linClrLst meth="repeat">
+      <a:schemeClr val="accent1"/>
+    </dgm:linClrLst>
+    <dgm:effectClrLst/>
+    <dgm:txLinClrLst/>
+    <dgm:txFillClrLst meth="repeat">
+      <a:schemeClr val="lt1"/>
+    </dgm:txFillClrLst>
+    <dgm:txEffectClrLst/>
+  </dgm:styleLbl>
+  <dgm:styleLbl name="trBgShp">
+    <dgm:fillClrLst meth="repeat">
+      <a:schemeClr val="accent1">
+        <a:tint val="50000"/>
+        <a:alpha val="40000"/>
+      </a:schemeClr>
+    </dgm:fillClrLst>
+    <dgm:linClrLst meth="repeat">
+      <a:schemeClr val="accent1"/>
+    </dgm:linClrLst>
+    <dgm:effectClrLst/>
+    <dgm:txLinClrLst/>
+    <dgm:txFillClrLst meth="repeat">
+      <a:schemeClr val="lt1"/>
+    </dgm:txFillClrLst>
+    <dgm:txEffectClrLst/>
+  </dgm:styleLbl>
+  <dgm:styleLbl name="fgShp">
+    <dgm:fillClrLst meth="repeat">
+      <a:schemeClr val="accent1">
+        <a:tint val="60000"/>
+      </a:schemeClr>
+    </dgm:fillClrLst>
+    <dgm:linClrLst meth="repeat">
+      <a:schemeClr val="lt1"/>
+    </dgm:linClrLst>
+    <dgm:effectClrLst/>
+    <dgm:txLinClrLst/>
+    <dgm:txFillClrLst meth="repeat">
+      <a:schemeClr val="dk1"/>
+    </dgm:txFillClrLst>
+    <dgm:txEffectClrLst/>
+  </dgm:styleLbl>
+  <dgm:styleLbl name="revTx">
+    <dgm:fillClrLst meth="repeat">
+      <a:schemeClr val="lt1">
+        <a:alpha val="0"/>
+      </a:schemeClr>
+    </dgm:fillClrLst>
+    <dgm:linClrLst meth="repeat">
+      <a:schemeClr val="dk1">
+        <a:alpha val="0"/>
+      </a:schemeClr>
+    </dgm:linClrLst>
+    <dgm:effectClrLst/>
+    <dgm:txLinClrLst/>
+    <dgm:txFillClrLst meth="repeat">
+      <a:schemeClr val="tx1"/>
+    </dgm:txFillClrLst>
+    <dgm:txEffectClrLst/>
+  </dgm:styleLbl>
+</dgm:colorsDef>
+</file>
+
+<file path=ppt/diagrams/colors3.xml><?xml version="1.0" encoding="utf-8"?>
 <dgm:colorsDef xmlns:dgm="http://schemas.openxmlformats.org/drawingml/2006/diagram" xmlns:a="http://schemas.openxmlformats.org/drawingml/2006/main" uniqueId="urn:microsoft.com/office/officeart/2005/8/colors/accent1_2">
   <dgm:title val=""/>
   <dgm:desc val=""/>
@@ -1780,6 +2529,13 @@
         </dgm:presLayoutVars>
       </dgm:prSet>
       <dgm:spPr/>
+      <dgm:t>
+        <a:bodyPr/>
+        <a:lstStyle/>
+        <a:p>
+          <a:endParaRPr lang="en-IE"/>
+        </a:p>
+      </dgm:t>
     </dgm:pt>
     <dgm:pt modelId="{BA4258BA-5BE7-4A86-BC6C-C8F6690C49F7}" type="pres">
       <dgm:prSet presAssocID="{6BC1DDFF-D5C9-4DBE-B59C-9EE92C511967}" presName="ellipse2" presStyleLbl="vennNode1" presStyleIdx="1" presStyleCnt="3">
@@ -1788,6 +2544,13 @@
         </dgm:presLayoutVars>
       </dgm:prSet>
       <dgm:spPr/>
+      <dgm:t>
+        <a:bodyPr/>
+        <a:lstStyle/>
+        <a:p>
+          <a:endParaRPr lang="en-IE"/>
+        </a:p>
+      </dgm:t>
     </dgm:pt>
     <dgm:pt modelId="{0F0574EE-73F3-465C-9C28-B010E5DAA0D4}" type="pres">
       <dgm:prSet presAssocID="{6BC1DDFF-D5C9-4DBE-B59C-9EE92C511967}" presName="ellipse3" presStyleLbl="vennNode1" presStyleIdx="2" presStyleCnt="3">
@@ -1796,16 +2559,23 @@
         </dgm:presLayoutVars>
       </dgm:prSet>
       <dgm:spPr/>
+      <dgm:t>
+        <a:bodyPr/>
+        <a:lstStyle/>
+        <a:p>
+          <a:endParaRPr lang="en-IE"/>
+        </a:p>
+      </dgm:t>
     </dgm:pt>
   </dgm:ptLst>
   <dgm:cxnLst>
     <dgm:cxn modelId="{9A9C445F-B946-45FA-A95C-E17EEEA76F9A}" type="presOf" srcId="{DDEE6C9E-0B4D-4B43-8FF7-C5CC3F0C1AB6}" destId="{D5030842-6569-4BDE-ABE0-C1E4E0180ED5}" srcOrd="0" destOrd="0" presId="urn:microsoft.com/office/officeart/2005/8/layout/rings+Icon"/>
+    <dgm:cxn modelId="{942D08EA-FC95-490F-85CB-63BB8F9949F1}" type="presOf" srcId="{6B65ABCD-FCF9-4AD9-A0ED-61852D6C4506}" destId="{BA4258BA-5BE7-4A86-BC6C-C8F6690C49F7}" srcOrd="0" destOrd="0" presId="urn:microsoft.com/office/officeart/2005/8/layout/rings+Icon"/>
     <dgm:cxn modelId="{83B419EB-8C5B-4B8C-8E79-A73D1FEE8127}" type="presOf" srcId="{6EEB0151-879E-4CA3-B763-48AB666C520E}" destId="{0F0574EE-73F3-465C-9C28-B010E5DAA0D4}" srcOrd="0" destOrd="0" presId="urn:microsoft.com/office/officeart/2005/8/layout/rings+Icon"/>
-    <dgm:cxn modelId="{942D08EA-FC95-490F-85CB-63BB8F9949F1}" type="presOf" srcId="{6B65ABCD-FCF9-4AD9-A0ED-61852D6C4506}" destId="{BA4258BA-5BE7-4A86-BC6C-C8F6690C49F7}" srcOrd="0" destOrd="0" presId="urn:microsoft.com/office/officeart/2005/8/layout/rings+Icon"/>
     <dgm:cxn modelId="{1F379D2F-2ED4-4225-8837-F805018547B2}" type="presOf" srcId="{6BC1DDFF-D5C9-4DBE-B59C-9EE92C511967}" destId="{1D0294FA-5F1B-4F53-AE38-CFCC18400E68}" srcOrd="0" destOrd="0" presId="urn:microsoft.com/office/officeart/2005/8/layout/rings+Icon"/>
     <dgm:cxn modelId="{62537C63-F2F9-4C51-99BA-5A4E45D110C1}" srcId="{6BC1DDFF-D5C9-4DBE-B59C-9EE92C511967}" destId="{DDEE6C9E-0B4D-4B43-8FF7-C5CC3F0C1AB6}" srcOrd="0" destOrd="0" parTransId="{89E2FB44-4633-48AD-8BE4-07875574BC22}" sibTransId="{B78F863E-FD2D-4609-A39A-B1332C75E8BE}"/>
+    <dgm:cxn modelId="{26CEBB7B-3CDC-4839-A0F5-B2D89C09859F}" srcId="{6BC1DDFF-D5C9-4DBE-B59C-9EE92C511967}" destId="{6B65ABCD-FCF9-4AD9-A0ED-61852D6C4506}" srcOrd="1" destOrd="0" parTransId="{078F02BE-3D9D-4317-AF33-A9D775D06278}" sibTransId="{254CDEC8-45A9-4F89-A977-44564B8F4101}"/>
     <dgm:cxn modelId="{BC98986D-7D14-4DC7-86E8-4896B6D0BE1F}" srcId="{6BC1DDFF-D5C9-4DBE-B59C-9EE92C511967}" destId="{6EEB0151-879E-4CA3-B763-48AB666C520E}" srcOrd="2" destOrd="0" parTransId="{EADF1115-53C4-4201-ABB1-D74CFB614EFA}" sibTransId="{2013DE1E-0EAB-4E09-A8B1-CEFAE2FAEB7F}"/>
-    <dgm:cxn modelId="{26CEBB7B-3CDC-4839-A0F5-B2D89C09859F}" srcId="{6BC1DDFF-D5C9-4DBE-B59C-9EE92C511967}" destId="{6B65ABCD-FCF9-4AD9-A0ED-61852D6C4506}" srcOrd="1" destOrd="0" parTransId="{078F02BE-3D9D-4317-AF33-A9D775D06278}" sibTransId="{254CDEC8-45A9-4F89-A977-44564B8F4101}"/>
     <dgm:cxn modelId="{B1A25F5A-D135-443E-8D4E-9D12E25AD8F3}" type="presParOf" srcId="{1D0294FA-5F1B-4F53-AE38-CFCC18400E68}" destId="{D5030842-6569-4BDE-ABE0-C1E4E0180ED5}" srcOrd="0" destOrd="0" presId="urn:microsoft.com/office/officeart/2005/8/layout/rings+Icon"/>
     <dgm:cxn modelId="{031439B0-3E5C-4F06-A968-3373AE6E227F}" type="presParOf" srcId="{1D0294FA-5F1B-4F53-AE38-CFCC18400E68}" destId="{BA4258BA-5BE7-4A86-BC6C-C8F6690C49F7}" srcOrd="1" destOrd="0" presId="urn:microsoft.com/office/officeart/2005/8/layout/rings+Icon"/>
     <dgm:cxn modelId="{75B1F18D-D915-4430-88B7-440FE61A1A40}" type="presParOf" srcId="{1D0294FA-5F1B-4F53-AE38-CFCC18400E68}" destId="{0F0574EE-73F3-465C-9C28-B010E5DAA0D4}" srcOrd="2" destOrd="0" presId="urn:microsoft.com/office/officeart/2005/8/layout/rings+Icon"/>
@@ -2233,6 +3003,13 @@
         </dgm:presLayoutVars>
       </dgm:prSet>
       <dgm:spPr/>
+      <dgm:t>
+        <a:bodyPr/>
+        <a:lstStyle/>
+        <a:p>
+          <a:endParaRPr lang="en-IE"/>
+        </a:p>
+      </dgm:t>
     </dgm:pt>
     <dgm:pt modelId="{A9604C9E-5421-4578-9E97-3FBD2F8FDF85}" type="pres">
       <dgm:prSet presAssocID="{D2EE87A1-EBCD-44FE-B185-F2A7981E28D4}" presName="root1" presStyleCnt="0"/>
@@ -2260,10 +3037,24 @@
     <dgm:pt modelId="{B67E08C2-EC45-49B7-853F-4C1D83138AC8}" type="pres">
       <dgm:prSet presAssocID="{7144A442-154D-420E-BB82-F337902F2D7A}" presName="conn2-1" presStyleLbl="parChTrans1D2" presStyleIdx="0" presStyleCnt="3"/>
       <dgm:spPr/>
+      <dgm:t>
+        <a:bodyPr/>
+        <a:lstStyle/>
+        <a:p>
+          <a:endParaRPr lang="en-IE"/>
+        </a:p>
+      </dgm:t>
     </dgm:pt>
     <dgm:pt modelId="{BB942C3E-E145-4314-99F5-0DC5E03D8184}" type="pres">
       <dgm:prSet presAssocID="{7144A442-154D-420E-BB82-F337902F2D7A}" presName="connTx" presStyleLbl="parChTrans1D2" presStyleIdx="0" presStyleCnt="3"/>
       <dgm:spPr/>
+      <dgm:t>
+        <a:bodyPr/>
+        <a:lstStyle/>
+        <a:p>
+          <a:endParaRPr lang="en-IE"/>
+        </a:p>
+      </dgm:t>
     </dgm:pt>
     <dgm:pt modelId="{8AA67462-2ECE-4904-8CDD-074ECECFD975}" type="pres">
       <dgm:prSet presAssocID="{5D0FD195-5968-4C4A-B554-62706A4BCDD1}" presName="root2" presStyleCnt="0"/>
@@ -2291,10 +3082,24 @@
     <dgm:pt modelId="{76DFC18C-2EAC-4B8B-8208-989F77F4AF84}" type="pres">
       <dgm:prSet presAssocID="{27FCE33F-4A01-4210-987F-079170A77AD6}" presName="conn2-1" presStyleLbl="parChTrans1D3" presStyleIdx="0" presStyleCnt="4"/>
       <dgm:spPr/>
+      <dgm:t>
+        <a:bodyPr/>
+        <a:lstStyle/>
+        <a:p>
+          <a:endParaRPr lang="en-IE"/>
+        </a:p>
+      </dgm:t>
     </dgm:pt>
     <dgm:pt modelId="{1A63EA25-A3F4-4927-9BE6-8E6FCA2A7315}" type="pres">
       <dgm:prSet presAssocID="{27FCE33F-4A01-4210-987F-079170A77AD6}" presName="connTx" presStyleLbl="parChTrans1D3" presStyleIdx="0" presStyleCnt="4"/>
       <dgm:spPr/>
+      <dgm:t>
+        <a:bodyPr/>
+        <a:lstStyle/>
+        <a:p>
+          <a:endParaRPr lang="en-IE"/>
+        </a:p>
+      </dgm:t>
     </dgm:pt>
     <dgm:pt modelId="{50CAAE9E-46FC-4A71-89AC-7DA57840AC93}" type="pres">
       <dgm:prSet presAssocID="{24F0C4F9-54A2-4493-BC9F-F8795199AE94}" presName="root2" presStyleCnt="0"/>
@@ -2322,10 +3127,24 @@
     <dgm:pt modelId="{C0AA2116-4466-4013-B859-CF03DFB08E5A}" type="pres">
       <dgm:prSet presAssocID="{34E3424E-2BC5-4523-BEDB-B7AC770FD9F4}" presName="conn2-1" presStyleLbl="parChTrans1D3" presStyleIdx="1" presStyleCnt="4"/>
       <dgm:spPr/>
+      <dgm:t>
+        <a:bodyPr/>
+        <a:lstStyle/>
+        <a:p>
+          <a:endParaRPr lang="en-IE"/>
+        </a:p>
+      </dgm:t>
     </dgm:pt>
     <dgm:pt modelId="{3041A42D-1B7B-45B4-A746-146DE4FE35FD}" type="pres">
       <dgm:prSet presAssocID="{34E3424E-2BC5-4523-BEDB-B7AC770FD9F4}" presName="connTx" presStyleLbl="parChTrans1D3" presStyleIdx="1" presStyleCnt="4"/>
       <dgm:spPr/>
+      <dgm:t>
+        <a:bodyPr/>
+        <a:lstStyle/>
+        <a:p>
+          <a:endParaRPr lang="en-IE"/>
+        </a:p>
+      </dgm:t>
     </dgm:pt>
     <dgm:pt modelId="{F73A98BE-E5B3-4A05-8EBD-62755A68E74C}" type="pres">
       <dgm:prSet presAssocID="{4FB75DF1-01AB-4A9B-96E0-79BC0A50E3A1}" presName="root2" presStyleCnt="0"/>
@@ -2353,10 +3172,24 @@
     <dgm:pt modelId="{CF03AFE5-6820-4426-8916-FE5167BBD535}" type="pres">
       <dgm:prSet presAssocID="{BEB1B20A-EFEE-42D3-AA35-FDF58163B62C}" presName="conn2-1" presStyleLbl="parChTrans1D3" presStyleIdx="2" presStyleCnt="4"/>
       <dgm:spPr/>
+      <dgm:t>
+        <a:bodyPr/>
+        <a:lstStyle/>
+        <a:p>
+          <a:endParaRPr lang="en-IE"/>
+        </a:p>
+      </dgm:t>
     </dgm:pt>
     <dgm:pt modelId="{E6D2FFB7-872C-43D4-A5E6-7BA2FD05440A}" type="pres">
       <dgm:prSet presAssocID="{BEB1B20A-EFEE-42D3-AA35-FDF58163B62C}" presName="connTx" presStyleLbl="parChTrans1D3" presStyleIdx="2" presStyleCnt="4"/>
       <dgm:spPr/>
+      <dgm:t>
+        <a:bodyPr/>
+        <a:lstStyle/>
+        <a:p>
+          <a:endParaRPr lang="en-IE"/>
+        </a:p>
+      </dgm:t>
     </dgm:pt>
     <dgm:pt modelId="{D4DF6D0D-CFED-441C-90B3-81DC57AF1A56}" type="pres">
       <dgm:prSet presAssocID="{A2EBF9A0-3B9F-4B25-A1F2-8D4C1502329C}" presName="root2" presStyleCnt="0"/>
@@ -2384,10 +3217,24 @@
     <dgm:pt modelId="{7E0F9626-0874-4B18-95D5-615B83F48A4A}" type="pres">
       <dgm:prSet presAssocID="{C35F2300-35E6-4AE1-9646-0CCF8B701558}" presName="conn2-1" presStyleLbl="parChTrans1D2" presStyleIdx="1" presStyleCnt="3"/>
       <dgm:spPr/>
+      <dgm:t>
+        <a:bodyPr/>
+        <a:lstStyle/>
+        <a:p>
+          <a:endParaRPr lang="en-IE"/>
+        </a:p>
+      </dgm:t>
     </dgm:pt>
     <dgm:pt modelId="{2431160A-31F0-485C-9D41-DD7E2243D256}" type="pres">
       <dgm:prSet presAssocID="{C35F2300-35E6-4AE1-9646-0CCF8B701558}" presName="connTx" presStyleLbl="parChTrans1D2" presStyleIdx="1" presStyleCnt="3"/>
       <dgm:spPr/>
+      <dgm:t>
+        <a:bodyPr/>
+        <a:lstStyle/>
+        <a:p>
+          <a:endParaRPr lang="en-IE"/>
+        </a:p>
+      </dgm:t>
     </dgm:pt>
     <dgm:pt modelId="{63E3BAE3-E5D0-49F2-8A28-F31F39D52B5C}" type="pres">
       <dgm:prSet presAssocID="{41E186BF-4FB9-47EE-9E15-E7ABD1FC1EC4}" presName="root2" presStyleCnt="0"/>
@@ -2415,10 +3262,24 @@
     <dgm:pt modelId="{7F5FEEF2-7EFB-4C9D-9DE5-C64CE42EEB2A}" type="pres">
       <dgm:prSet presAssocID="{92D03482-B078-459F-AD21-8CA91497C022}" presName="conn2-1" presStyleLbl="parChTrans1D3" presStyleIdx="3" presStyleCnt="4"/>
       <dgm:spPr/>
+      <dgm:t>
+        <a:bodyPr/>
+        <a:lstStyle/>
+        <a:p>
+          <a:endParaRPr lang="en-IE"/>
+        </a:p>
+      </dgm:t>
     </dgm:pt>
     <dgm:pt modelId="{A6895A63-8333-4F91-9E00-6A9FB316F876}" type="pres">
       <dgm:prSet presAssocID="{92D03482-B078-459F-AD21-8CA91497C022}" presName="connTx" presStyleLbl="parChTrans1D3" presStyleIdx="3" presStyleCnt="4"/>
       <dgm:spPr/>
+      <dgm:t>
+        <a:bodyPr/>
+        <a:lstStyle/>
+        <a:p>
+          <a:endParaRPr lang="en-IE"/>
+        </a:p>
+      </dgm:t>
     </dgm:pt>
     <dgm:pt modelId="{E18252CE-A2CE-497D-912E-5AD7A22D71D2}" type="pres">
       <dgm:prSet presAssocID="{A035D778-7D3D-4D7D-8C1B-B1CA047D9A85}" presName="root2" presStyleCnt="0"/>
@@ -2446,10 +3307,24 @@
     <dgm:pt modelId="{C657F8A0-5DEB-493E-A1A9-E61A829330DD}" type="pres">
       <dgm:prSet presAssocID="{D690B1AE-83B4-4245-B5F8-2EE03637F3F6}" presName="conn2-1" presStyleLbl="parChTrans1D2" presStyleIdx="2" presStyleCnt="3"/>
       <dgm:spPr/>
+      <dgm:t>
+        <a:bodyPr/>
+        <a:lstStyle/>
+        <a:p>
+          <a:endParaRPr lang="en-IE"/>
+        </a:p>
+      </dgm:t>
     </dgm:pt>
     <dgm:pt modelId="{D18B017C-7875-4F16-AF43-FCB0E5C4DFD4}" type="pres">
       <dgm:prSet presAssocID="{D690B1AE-83B4-4245-B5F8-2EE03637F3F6}" presName="connTx" presStyleLbl="parChTrans1D2" presStyleIdx="2" presStyleCnt="3"/>
       <dgm:spPr/>
+      <dgm:t>
+        <a:bodyPr/>
+        <a:lstStyle/>
+        <a:p>
+          <a:endParaRPr lang="en-IE"/>
+        </a:p>
+      </dgm:t>
     </dgm:pt>
     <dgm:pt modelId="{C498306F-3BF2-4ABC-BD3E-3FAA749073DB}" type="pres">
       <dgm:prSet presAssocID="{50DF5907-A0D5-462C-B44A-145F83B06C07}" presName="root2" presStyleCnt="0"/>
@@ -2476,37 +3351,37 @@
     </dgm:pt>
   </dgm:ptLst>
   <dgm:cxnLst>
+    <dgm:cxn modelId="{E3E5556E-C30D-45F5-BCCE-6F7D26222E7D}" type="presOf" srcId="{A2EBF9A0-3B9F-4B25-A1F2-8D4C1502329C}" destId="{C756D92D-E6C9-4CB9-B30E-AC2A31A13795}" srcOrd="0" destOrd="0" presId="urn:microsoft.com/office/officeart/2008/layout/HorizontalMultiLevelHierarchy"/>
+    <dgm:cxn modelId="{E3535931-C088-453E-95E7-7CC6D6FDC549}" type="presOf" srcId="{7144A442-154D-420E-BB82-F337902F2D7A}" destId="{BB942C3E-E145-4314-99F5-0DC5E03D8184}" srcOrd="1" destOrd="0" presId="urn:microsoft.com/office/officeart/2008/layout/HorizontalMultiLevelHierarchy"/>
+    <dgm:cxn modelId="{2BED16AC-3825-4023-9D3A-393704075C93}" type="presOf" srcId="{50DF5907-A0D5-462C-B44A-145F83B06C07}" destId="{1B43D903-5FCA-40B7-AFF5-6D1F92E25612}" srcOrd="0" destOrd="0" presId="urn:microsoft.com/office/officeart/2008/layout/HorizontalMultiLevelHierarchy"/>
+    <dgm:cxn modelId="{946D2E87-430C-4A14-B8F7-4B8BD3AA7E58}" srcId="{5D0FD195-5968-4C4A-B554-62706A4BCDD1}" destId="{A2EBF9A0-3B9F-4B25-A1F2-8D4C1502329C}" srcOrd="2" destOrd="0" parTransId="{BEB1B20A-EFEE-42D3-AA35-FDF58163B62C}" sibTransId="{EC94EE39-C616-4328-95F3-E66EA058991A}"/>
+    <dgm:cxn modelId="{630D485F-D3A6-499A-955A-A6DD2FC01625}" srcId="{D2EE87A1-EBCD-44FE-B185-F2A7981E28D4}" destId="{5D0FD195-5968-4C4A-B554-62706A4BCDD1}" srcOrd="0" destOrd="0" parTransId="{7144A442-154D-420E-BB82-F337902F2D7A}" sibTransId="{8A95E905-2483-4659-B88C-7F40DC2143B4}"/>
+    <dgm:cxn modelId="{3A1343C0-9EC9-48D9-9A23-4621448AF21B}" type="presOf" srcId="{C35F2300-35E6-4AE1-9646-0CCF8B701558}" destId="{7E0F9626-0874-4B18-95D5-615B83F48A4A}" srcOrd="0" destOrd="0" presId="urn:microsoft.com/office/officeart/2008/layout/HorizontalMultiLevelHierarchy"/>
+    <dgm:cxn modelId="{0155A910-AC36-4541-85BA-9EEAA3DE00F0}" srcId="{0455E02B-EBF5-460C-B55F-FFBC41805113}" destId="{D2EE87A1-EBCD-44FE-B185-F2A7981E28D4}" srcOrd="0" destOrd="0" parTransId="{2EFD7B5F-8592-4DB8-AE9B-4A84649143C1}" sibTransId="{AB4A511C-004F-4DA4-9225-D9D184A89D16}"/>
+    <dgm:cxn modelId="{6EF50A6C-119E-4464-BC57-C3BF6F71E38E}" type="presOf" srcId="{41E186BF-4FB9-47EE-9E15-E7ABD1FC1EC4}" destId="{1775ECB7-D66C-42EB-B2AB-A489BD7EBCDB}" srcOrd="0" destOrd="0" presId="urn:microsoft.com/office/officeart/2008/layout/HorizontalMultiLevelHierarchy"/>
+    <dgm:cxn modelId="{EA6F24D0-0A24-4BE4-8334-2135D0D28273}" srcId="{D2EE87A1-EBCD-44FE-B185-F2A7981E28D4}" destId="{41E186BF-4FB9-47EE-9E15-E7ABD1FC1EC4}" srcOrd="1" destOrd="0" parTransId="{C35F2300-35E6-4AE1-9646-0CCF8B701558}" sibTransId="{7A408880-DBF6-48C2-B99E-D8A8266F85F3}"/>
+    <dgm:cxn modelId="{73D94D1F-B281-4F0D-95FB-3F27E4A0329C}" type="presOf" srcId="{24F0C4F9-54A2-4493-BC9F-F8795199AE94}" destId="{2523565B-AD8C-46AD-A2F4-B5B7AE0C56C5}" srcOrd="0" destOrd="0" presId="urn:microsoft.com/office/officeart/2008/layout/HorizontalMultiLevelHierarchy"/>
+    <dgm:cxn modelId="{86E00F9C-8F2C-497B-B9AA-FF0ACD6213FC}" type="presOf" srcId="{5D0FD195-5968-4C4A-B554-62706A4BCDD1}" destId="{9D4550D1-9501-4344-B8BA-8A3AB9A987F7}" srcOrd="0" destOrd="0" presId="urn:microsoft.com/office/officeart/2008/layout/HorizontalMultiLevelHierarchy"/>
     <dgm:cxn modelId="{7AE1069D-42F7-4D4C-B1B6-1E266D9BC58E}" type="presOf" srcId="{92D03482-B078-459F-AD21-8CA91497C022}" destId="{7F5FEEF2-7EFB-4C9D-9DE5-C64CE42EEB2A}" srcOrd="0" destOrd="0" presId="urn:microsoft.com/office/officeart/2008/layout/HorizontalMultiLevelHierarchy"/>
+    <dgm:cxn modelId="{77D4D0BB-7F7D-4B0E-BBB1-E0111B045540}" srcId="{41E186BF-4FB9-47EE-9E15-E7ABD1FC1EC4}" destId="{A035D778-7D3D-4D7D-8C1B-B1CA047D9A85}" srcOrd="0" destOrd="0" parTransId="{92D03482-B078-459F-AD21-8CA91497C022}" sibTransId="{8239915A-F508-4C14-8644-77A9BE5C706C}"/>
     <dgm:cxn modelId="{F53B03BD-C8D5-4C46-9EB4-0050E66C74CC}" type="presOf" srcId="{0455E02B-EBF5-460C-B55F-FFBC41805113}" destId="{F218E17F-11D2-4213-BD38-769DE6F5EE89}" srcOrd="0" destOrd="0" presId="urn:microsoft.com/office/officeart/2008/layout/HorizontalMultiLevelHierarchy"/>
+    <dgm:cxn modelId="{237C17B5-225B-4F2A-A2FB-8613139A3564}" type="presOf" srcId="{BEB1B20A-EFEE-42D3-AA35-FDF58163B62C}" destId="{CF03AFE5-6820-4426-8916-FE5167BBD535}" srcOrd="0" destOrd="0" presId="urn:microsoft.com/office/officeart/2008/layout/HorizontalMultiLevelHierarchy"/>
+    <dgm:cxn modelId="{E83717F0-EFDC-4BBA-A6DA-3A0E3705E62D}" type="presOf" srcId="{A035D778-7D3D-4D7D-8C1B-B1CA047D9A85}" destId="{D3D8FB51-04FB-489E-9990-C6E42AB36F31}" srcOrd="0" destOrd="0" presId="urn:microsoft.com/office/officeart/2008/layout/HorizontalMultiLevelHierarchy"/>
+    <dgm:cxn modelId="{7C0E5083-96D3-4424-8B18-BA49AF2097CD}" type="presOf" srcId="{27FCE33F-4A01-4210-987F-079170A77AD6}" destId="{1A63EA25-A3F4-4927-9BE6-8E6FCA2A7315}" srcOrd="1" destOrd="0" presId="urn:microsoft.com/office/officeart/2008/layout/HorizontalMultiLevelHierarchy"/>
+    <dgm:cxn modelId="{D3E83AE6-A40F-41E7-ADE0-B30375D3E448}" type="presOf" srcId="{D690B1AE-83B4-4245-B5F8-2EE03637F3F6}" destId="{C657F8A0-5DEB-493E-A1A9-E61A829330DD}" srcOrd="0" destOrd="0" presId="urn:microsoft.com/office/officeart/2008/layout/HorizontalMultiLevelHierarchy"/>
+    <dgm:cxn modelId="{87AA5F79-069E-4771-89FB-C4B4F27F62B2}" type="presOf" srcId="{4FB75DF1-01AB-4A9B-96E0-79BC0A50E3A1}" destId="{4C2D1797-6C79-4F81-B200-F5E4E2077112}" srcOrd="0" destOrd="0" presId="urn:microsoft.com/office/officeart/2008/layout/HorizontalMultiLevelHierarchy"/>
     <dgm:cxn modelId="{507CE8FD-4660-4D7B-90BE-59E3BDE08D5A}" type="presOf" srcId="{34E3424E-2BC5-4523-BEDB-B7AC770FD9F4}" destId="{3041A42D-1B7B-45B4-A746-146DE4FE35FD}" srcOrd="1" destOrd="0" presId="urn:microsoft.com/office/officeart/2008/layout/HorizontalMultiLevelHierarchy"/>
-    <dgm:cxn modelId="{EA6F24D0-0A24-4BE4-8334-2135D0D28273}" srcId="{D2EE87A1-EBCD-44FE-B185-F2A7981E28D4}" destId="{41E186BF-4FB9-47EE-9E15-E7ABD1FC1EC4}" srcOrd="1" destOrd="0" parTransId="{C35F2300-35E6-4AE1-9646-0CCF8B701558}" sibTransId="{7A408880-DBF6-48C2-B99E-D8A8266F85F3}"/>
+    <dgm:cxn modelId="{BC5CAF6A-F884-4688-84D0-9471680A8379}" type="presOf" srcId="{D690B1AE-83B4-4245-B5F8-2EE03637F3F6}" destId="{D18B017C-7875-4F16-AF43-FCB0E5C4DFD4}" srcOrd="1" destOrd="0" presId="urn:microsoft.com/office/officeart/2008/layout/HorizontalMultiLevelHierarchy"/>
+    <dgm:cxn modelId="{BC00AF4C-950F-4B1A-8848-A6E56D262CC1}" srcId="{D2EE87A1-EBCD-44FE-B185-F2A7981E28D4}" destId="{50DF5907-A0D5-462C-B44A-145F83B06C07}" srcOrd="2" destOrd="0" parTransId="{D690B1AE-83B4-4245-B5F8-2EE03637F3F6}" sibTransId="{CC7F00F2-36F2-4BFA-A548-563B20B93869}"/>
+    <dgm:cxn modelId="{E8E85A84-ECD0-4522-AA5D-A364C89C0568}" type="presOf" srcId="{D2EE87A1-EBCD-44FE-B185-F2A7981E28D4}" destId="{EB1D0A75-60C7-41BC-945E-416CC3129373}" srcOrd="0" destOrd="0" presId="urn:microsoft.com/office/officeart/2008/layout/HorizontalMultiLevelHierarchy"/>
+    <dgm:cxn modelId="{8BDF12E3-25A5-436A-B5C1-759BD4AEBDE6}" type="presOf" srcId="{92D03482-B078-459F-AD21-8CA91497C022}" destId="{A6895A63-8333-4F91-9E00-6A9FB316F876}" srcOrd="1" destOrd="0" presId="urn:microsoft.com/office/officeart/2008/layout/HorizontalMultiLevelHierarchy"/>
+    <dgm:cxn modelId="{DB4DD688-6883-4AC3-AF02-85DB92D13106}" type="presOf" srcId="{7144A442-154D-420E-BB82-F337902F2D7A}" destId="{B67E08C2-EC45-49B7-853F-4C1D83138AC8}" srcOrd="0" destOrd="0" presId="urn:microsoft.com/office/officeart/2008/layout/HorizontalMultiLevelHierarchy"/>
+    <dgm:cxn modelId="{20DBE3DC-AFBB-4B0A-92ED-D123FAE4B837}" type="presOf" srcId="{27FCE33F-4A01-4210-987F-079170A77AD6}" destId="{76DFC18C-2EAC-4B8B-8208-989F77F4AF84}" srcOrd="0" destOrd="0" presId="urn:microsoft.com/office/officeart/2008/layout/HorizontalMultiLevelHierarchy"/>
     <dgm:cxn modelId="{49B65F70-D682-4042-886D-8EE51CCB5743}" type="presOf" srcId="{34E3424E-2BC5-4523-BEDB-B7AC770FD9F4}" destId="{C0AA2116-4466-4013-B859-CF03DFB08E5A}" srcOrd="0" destOrd="0" presId="urn:microsoft.com/office/officeart/2008/layout/HorizontalMultiLevelHierarchy"/>
-    <dgm:cxn modelId="{6EF50A6C-119E-4464-BC57-C3BF6F71E38E}" type="presOf" srcId="{41E186BF-4FB9-47EE-9E15-E7ABD1FC1EC4}" destId="{1775ECB7-D66C-42EB-B2AB-A489BD7EBCDB}" srcOrd="0" destOrd="0" presId="urn:microsoft.com/office/officeart/2008/layout/HorizontalMultiLevelHierarchy"/>
-    <dgm:cxn modelId="{DB4DD688-6883-4AC3-AF02-85DB92D13106}" type="presOf" srcId="{7144A442-154D-420E-BB82-F337902F2D7A}" destId="{B67E08C2-EC45-49B7-853F-4C1D83138AC8}" srcOrd="0" destOrd="0" presId="urn:microsoft.com/office/officeart/2008/layout/HorizontalMultiLevelHierarchy"/>
     <dgm:cxn modelId="{C3C52169-706E-42A1-824F-706BA315FFF0}" type="presOf" srcId="{BEB1B20A-EFEE-42D3-AA35-FDF58163B62C}" destId="{E6D2FFB7-872C-43D4-A5E6-7BA2FD05440A}" srcOrd="1" destOrd="0" presId="urn:microsoft.com/office/officeart/2008/layout/HorizontalMultiLevelHierarchy"/>
-    <dgm:cxn modelId="{BC5CAF6A-F884-4688-84D0-9471680A8379}" type="presOf" srcId="{D690B1AE-83B4-4245-B5F8-2EE03637F3F6}" destId="{D18B017C-7875-4F16-AF43-FCB0E5C4DFD4}" srcOrd="1" destOrd="0" presId="urn:microsoft.com/office/officeart/2008/layout/HorizontalMultiLevelHierarchy"/>
-    <dgm:cxn modelId="{0155A910-AC36-4541-85BA-9EEAA3DE00F0}" srcId="{0455E02B-EBF5-460C-B55F-FFBC41805113}" destId="{D2EE87A1-EBCD-44FE-B185-F2A7981E28D4}" srcOrd="0" destOrd="0" parTransId="{2EFD7B5F-8592-4DB8-AE9B-4A84649143C1}" sibTransId="{AB4A511C-004F-4DA4-9225-D9D184A89D16}"/>
-    <dgm:cxn modelId="{2BED16AC-3825-4023-9D3A-393704075C93}" type="presOf" srcId="{50DF5907-A0D5-462C-B44A-145F83B06C07}" destId="{1B43D903-5FCA-40B7-AFF5-6D1F92E25612}" srcOrd="0" destOrd="0" presId="urn:microsoft.com/office/officeart/2008/layout/HorizontalMultiLevelHierarchy"/>
+    <dgm:cxn modelId="{2241465A-7572-4BD7-89D0-B3B04E734910}" type="presOf" srcId="{C35F2300-35E6-4AE1-9646-0CCF8B701558}" destId="{2431160A-31F0-485C-9D41-DD7E2243D256}" srcOrd="1" destOrd="0" presId="urn:microsoft.com/office/officeart/2008/layout/HorizontalMultiLevelHierarchy"/>
     <dgm:cxn modelId="{01A0F67C-CA4F-4D86-81DE-4D8F9B69428F}" srcId="{5D0FD195-5968-4C4A-B554-62706A4BCDD1}" destId="{4FB75DF1-01AB-4A9B-96E0-79BC0A50E3A1}" srcOrd="1" destOrd="0" parTransId="{34E3424E-2BC5-4523-BEDB-B7AC770FD9F4}" sibTransId="{2D898CC0-9B52-4139-8F2B-83FA8ABC4729}"/>
-    <dgm:cxn modelId="{946D2E87-430C-4A14-B8F7-4B8BD3AA7E58}" srcId="{5D0FD195-5968-4C4A-B554-62706A4BCDD1}" destId="{A2EBF9A0-3B9F-4B25-A1F2-8D4C1502329C}" srcOrd="2" destOrd="0" parTransId="{BEB1B20A-EFEE-42D3-AA35-FDF58163B62C}" sibTransId="{EC94EE39-C616-4328-95F3-E66EA058991A}"/>
-    <dgm:cxn modelId="{20DBE3DC-AFBB-4B0A-92ED-D123FAE4B837}" type="presOf" srcId="{27FCE33F-4A01-4210-987F-079170A77AD6}" destId="{76DFC18C-2EAC-4B8B-8208-989F77F4AF84}" srcOrd="0" destOrd="0" presId="urn:microsoft.com/office/officeart/2008/layout/HorizontalMultiLevelHierarchy"/>
-    <dgm:cxn modelId="{3A1343C0-9EC9-48D9-9A23-4621448AF21B}" type="presOf" srcId="{C35F2300-35E6-4AE1-9646-0CCF8B701558}" destId="{7E0F9626-0874-4B18-95D5-615B83F48A4A}" srcOrd="0" destOrd="0" presId="urn:microsoft.com/office/officeart/2008/layout/HorizontalMultiLevelHierarchy"/>
-    <dgm:cxn modelId="{BC00AF4C-950F-4B1A-8848-A6E56D262CC1}" srcId="{D2EE87A1-EBCD-44FE-B185-F2A7981E28D4}" destId="{50DF5907-A0D5-462C-B44A-145F83B06C07}" srcOrd="2" destOrd="0" parTransId="{D690B1AE-83B4-4245-B5F8-2EE03637F3F6}" sibTransId="{CC7F00F2-36F2-4BFA-A548-563B20B93869}"/>
-    <dgm:cxn modelId="{8BDF12E3-25A5-436A-B5C1-759BD4AEBDE6}" type="presOf" srcId="{92D03482-B078-459F-AD21-8CA91497C022}" destId="{A6895A63-8333-4F91-9E00-6A9FB316F876}" srcOrd="1" destOrd="0" presId="urn:microsoft.com/office/officeart/2008/layout/HorizontalMultiLevelHierarchy"/>
     <dgm:cxn modelId="{9DE4557E-2224-4E1B-85B1-8E35C59422FA}" srcId="{5D0FD195-5968-4C4A-B554-62706A4BCDD1}" destId="{24F0C4F9-54A2-4493-BC9F-F8795199AE94}" srcOrd="0" destOrd="0" parTransId="{27FCE33F-4A01-4210-987F-079170A77AD6}" sibTransId="{B7DC7A9D-0955-4569-BE53-B5007EBEC336}"/>
-    <dgm:cxn modelId="{87AA5F79-069E-4771-89FB-C4B4F27F62B2}" type="presOf" srcId="{4FB75DF1-01AB-4A9B-96E0-79BC0A50E3A1}" destId="{4C2D1797-6C79-4F81-B200-F5E4E2077112}" srcOrd="0" destOrd="0" presId="urn:microsoft.com/office/officeart/2008/layout/HorizontalMultiLevelHierarchy"/>
-    <dgm:cxn modelId="{D3E83AE6-A40F-41E7-ADE0-B30375D3E448}" type="presOf" srcId="{D690B1AE-83B4-4245-B5F8-2EE03637F3F6}" destId="{C657F8A0-5DEB-493E-A1A9-E61A829330DD}" srcOrd="0" destOrd="0" presId="urn:microsoft.com/office/officeart/2008/layout/HorizontalMultiLevelHierarchy"/>
-    <dgm:cxn modelId="{630D485F-D3A6-499A-955A-A6DD2FC01625}" srcId="{D2EE87A1-EBCD-44FE-B185-F2A7981E28D4}" destId="{5D0FD195-5968-4C4A-B554-62706A4BCDD1}" srcOrd="0" destOrd="0" parTransId="{7144A442-154D-420E-BB82-F337902F2D7A}" sibTransId="{8A95E905-2483-4659-B88C-7F40DC2143B4}"/>
-    <dgm:cxn modelId="{237C17B5-225B-4F2A-A2FB-8613139A3564}" type="presOf" srcId="{BEB1B20A-EFEE-42D3-AA35-FDF58163B62C}" destId="{CF03AFE5-6820-4426-8916-FE5167BBD535}" srcOrd="0" destOrd="0" presId="urn:microsoft.com/office/officeart/2008/layout/HorizontalMultiLevelHierarchy"/>
-    <dgm:cxn modelId="{86E00F9C-8F2C-497B-B9AA-FF0ACD6213FC}" type="presOf" srcId="{5D0FD195-5968-4C4A-B554-62706A4BCDD1}" destId="{9D4550D1-9501-4344-B8BA-8A3AB9A987F7}" srcOrd="0" destOrd="0" presId="urn:microsoft.com/office/officeart/2008/layout/HorizontalMultiLevelHierarchy"/>
-    <dgm:cxn modelId="{77D4D0BB-7F7D-4B0E-BBB1-E0111B045540}" srcId="{41E186BF-4FB9-47EE-9E15-E7ABD1FC1EC4}" destId="{A035D778-7D3D-4D7D-8C1B-B1CA047D9A85}" srcOrd="0" destOrd="0" parTransId="{92D03482-B078-459F-AD21-8CA91497C022}" sibTransId="{8239915A-F508-4C14-8644-77A9BE5C706C}"/>
-    <dgm:cxn modelId="{E3535931-C088-453E-95E7-7CC6D6FDC549}" type="presOf" srcId="{7144A442-154D-420E-BB82-F337902F2D7A}" destId="{BB942C3E-E145-4314-99F5-0DC5E03D8184}" srcOrd="1" destOrd="0" presId="urn:microsoft.com/office/officeart/2008/layout/HorizontalMultiLevelHierarchy"/>
-    <dgm:cxn modelId="{E83717F0-EFDC-4BBA-A6DA-3A0E3705E62D}" type="presOf" srcId="{A035D778-7D3D-4D7D-8C1B-B1CA047D9A85}" destId="{D3D8FB51-04FB-489E-9990-C6E42AB36F31}" srcOrd="0" destOrd="0" presId="urn:microsoft.com/office/officeart/2008/layout/HorizontalMultiLevelHierarchy"/>
-    <dgm:cxn modelId="{E8E85A84-ECD0-4522-AA5D-A364C89C0568}" type="presOf" srcId="{D2EE87A1-EBCD-44FE-B185-F2A7981E28D4}" destId="{EB1D0A75-60C7-41BC-945E-416CC3129373}" srcOrd="0" destOrd="0" presId="urn:microsoft.com/office/officeart/2008/layout/HorizontalMultiLevelHierarchy"/>
-    <dgm:cxn modelId="{2241465A-7572-4BD7-89D0-B3B04E734910}" type="presOf" srcId="{C35F2300-35E6-4AE1-9646-0CCF8B701558}" destId="{2431160A-31F0-485C-9D41-DD7E2243D256}" srcOrd="1" destOrd="0" presId="urn:microsoft.com/office/officeart/2008/layout/HorizontalMultiLevelHierarchy"/>
-    <dgm:cxn modelId="{73D94D1F-B281-4F0D-95FB-3F27E4A0329C}" type="presOf" srcId="{24F0C4F9-54A2-4493-BC9F-F8795199AE94}" destId="{2523565B-AD8C-46AD-A2F4-B5B7AE0C56C5}" srcOrd="0" destOrd="0" presId="urn:microsoft.com/office/officeart/2008/layout/HorizontalMultiLevelHierarchy"/>
-    <dgm:cxn modelId="{7C0E5083-96D3-4424-8B18-BA49AF2097CD}" type="presOf" srcId="{27FCE33F-4A01-4210-987F-079170A77AD6}" destId="{1A63EA25-A3F4-4927-9BE6-8E6FCA2A7315}" srcOrd="1" destOrd="0" presId="urn:microsoft.com/office/officeart/2008/layout/HorizontalMultiLevelHierarchy"/>
-    <dgm:cxn modelId="{E3E5556E-C30D-45F5-BCCE-6F7D26222E7D}" type="presOf" srcId="{A2EBF9A0-3B9F-4B25-A1F2-8D4C1502329C}" destId="{C756D92D-E6C9-4CB9-B30E-AC2A31A13795}" srcOrd="0" destOrd="0" presId="urn:microsoft.com/office/officeart/2008/layout/HorizontalMultiLevelHierarchy"/>
     <dgm:cxn modelId="{3CC6CB36-4108-4C83-904D-CE4D7DA4EC69}" type="presParOf" srcId="{F218E17F-11D2-4213-BD38-769DE6F5EE89}" destId="{A9604C9E-5421-4578-9E97-3FBD2F8FDF85}" srcOrd="0" destOrd="0" presId="urn:microsoft.com/office/officeart/2008/layout/HorizontalMultiLevelHierarchy"/>
     <dgm:cxn modelId="{6EA9BA2E-9E67-4EA1-87ED-57BCF8A77720}" type="presParOf" srcId="{A9604C9E-5421-4578-9E97-3FBD2F8FDF85}" destId="{EB1D0A75-60C7-41BC-945E-416CC3129373}" srcOrd="0" destOrd="0" presId="urn:microsoft.com/office/officeart/2008/layout/HorizontalMultiLevelHierarchy"/>
     <dgm:cxn modelId="{755E1AA8-3894-4D31-B320-381DB82D1577}" type="presParOf" srcId="{A9604C9E-5421-4578-9E97-3FBD2F8FDF85}" destId="{423040F8-2BF5-47C2-AAEB-F54880F765B3}" srcOrd="1" destOrd="0" presId="urn:microsoft.com/office/officeart/2008/layout/HorizontalMultiLevelHierarchy"/>
@@ -2545,6 +3420,838 @@
     <dgm:cxn modelId="{67DB23F3-72DA-4728-B8FC-1E71D9C2ADBA}" type="presParOf" srcId="{423040F8-2BF5-47C2-AAEB-F54880F765B3}" destId="{C498306F-3BF2-4ABC-BD3E-3FAA749073DB}" srcOrd="5" destOrd="0" presId="urn:microsoft.com/office/officeart/2008/layout/HorizontalMultiLevelHierarchy"/>
     <dgm:cxn modelId="{D4440260-13F1-4F51-B14D-C311AE668E23}" type="presParOf" srcId="{C498306F-3BF2-4ABC-BD3E-3FAA749073DB}" destId="{1B43D903-5FCA-40B7-AFF5-6D1F92E25612}" srcOrd="0" destOrd="0" presId="urn:microsoft.com/office/officeart/2008/layout/HorizontalMultiLevelHierarchy"/>
     <dgm:cxn modelId="{846CD8C0-4042-41E6-8B46-1E33171D40CE}" type="presParOf" srcId="{C498306F-3BF2-4ABC-BD3E-3FAA749073DB}" destId="{6C9DDFA8-E033-49A3-9DCC-7503525BE1FB}" srcOrd="1" destOrd="0" presId="urn:microsoft.com/office/officeart/2008/layout/HorizontalMultiLevelHierarchy"/>
+  </dgm:cxnLst>
+  <dgm:bg/>
+  <dgm:whole/>
+  <dgm:extLst>
+    <a:ext uri="http://schemas.microsoft.com/office/drawing/2008/diagram">
+      <dsp:dataModelExt xmlns:dsp="http://schemas.microsoft.com/office/drawing/2008/diagram" relId="rId6" minVer="http://schemas.openxmlformats.org/drawingml/2006/diagram"/>
+    </a:ext>
+  </dgm:extLst>
+</dgm:dataModel>
+</file>
+
+<file path=ppt/diagrams/data3.xml><?xml version="1.0" encoding="utf-8"?>
+<dgm:dataModel xmlns:dgm="http://schemas.openxmlformats.org/drawingml/2006/diagram" xmlns:a="http://schemas.openxmlformats.org/drawingml/2006/main">
+  <dgm:ptLst>
+    <dgm:pt modelId="{22B67C8C-A031-4EB2-8C92-3003381A3DA5}" type="doc">
+      <dgm:prSet loTypeId="urn:microsoft.com/office/officeart/2005/8/layout/hierarchy4" loCatId="list" qsTypeId="urn:microsoft.com/office/officeart/2005/8/quickstyle/simple1" qsCatId="simple" csTypeId="urn:microsoft.com/office/officeart/2005/8/colors/accent1_2" csCatId="accent1" phldr="1"/>
+      <dgm:spPr/>
+      <dgm:t>
+        <a:bodyPr/>
+        <a:lstStyle/>
+        <a:p>
+          <a:endParaRPr lang="en-IE"/>
+        </a:p>
+      </dgm:t>
+    </dgm:pt>
+    <dgm:pt modelId="{BA3B5B4E-0A31-498C-B1F0-35B84A5C0C96}">
+      <dgm:prSet phldrT="[Text]"/>
+      <dgm:spPr/>
+      <dgm:t>
+        <a:bodyPr/>
+        <a:lstStyle/>
+        <a:p>
+          <a:r>
+            <a:rPr lang="en-IE" dirty="0" smtClean="0"/>
+            <a:t>MCU</a:t>
+          </a:r>
+          <a:endParaRPr lang="en-IE" dirty="0"/>
+        </a:p>
+      </dgm:t>
+    </dgm:pt>
+    <dgm:pt modelId="{C68051A0-D28A-4710-B189-110627E7FB36}" type="parTrans" cxnId="{B4BA8233-B52F-464C-8054-933FBCA5FAF8}">
+      <dgm:prSet/>
+      <dgm:spPr/>
+      <dgm:t>
+        <a:bodyPr/>
+        <a:lstStyle/>
+        <a:p>
+          <a:endParaRPr lang="en-IE"/>
+        </a:p>
+      </dgm:t>
+    </dgm:pt>
+    <dgm:pt modelId="{2F8950AC-828C-4C11-A120-32008FECC831}" type="sibTrans" cxnId="{B4BA8233-B52F-464C-8054-933FBCA5FAF8}">
+      <dgm:prSet/>
+      <dgm:spPr/>
+      <dgm:t>
+        <a:bodyPr/>
+        <a:lstStyle/>
+        <a:p>
+          <a:endParaRPr lang="en-IE"/>
+        </a:p>
+      </dgm:t>
+    </dgm:pt>
+    <dgm:pt modelId="{EE57CB00-67D5-4C2E-B05E-188E0D4F0D73}">
+      <dgm:prSet phldrT="[Text]" custT="1"/>
+      <dgm:spPr>
+        <a:solidFill>
+          <a:schemeClr val="accent2">
+            <a:lumMod val="75000"/>
+          </a:schemeClr>
+        </a:solidFill>
+      </dgm:spPr>
+      <dgm:t>
+        <a:bodyPr/>
+        <a:lstStyle/>
+        <a:p>
+          <a:r>
+            <a:rPr lang="en-IE" sz="2000" dirty="0" smtClean="0"/>
+            <a:t>TI MSP430 MCU</a:t>
+          </a:r>
+          <a:endParaRPr lang="en-IE" sz="2000" dirty="0"/>
+        </a:p>
+      </dgm:t>
+    </dgm:pt>
+    <dgm:pt modelId="{DF6E6DA3-F846-4059-81CC-60119F93F567}" type="parTrans" cxnId="{5F9DFA98-B1F5-4FB2-AD9D-FAF33EEFD91A}">
+      <dgm:prSet/>
+      <dgm:spPr/>
+      <dgm:t>
+        <a:bodyPr/>
+        <a:lstStyle/>
+        <a:p>
+          <a:endParaRPr lang="en-IE"/>
+        </a:p>
+      </dgm:t>
+    </dgm:pt>
+    <dgm:pt modelId="{B43CCCE7-D2D1-4034-A264-71578BFA0F21}" type="sibTrans" cxnId="{5F9DFA98-B1F5-4FB2-AD9D-FAF33EEFD91A}">
+      <dgm:prSet/>
+      <dgm:spPr/>
+      <dgm:t>
+        <a:bodyPr/>
+        <a:lstStyle/>
+        <a:p>
+          <a:endParaRPr lang="en-IE"/>
+        </a:p>
+      </dgm:t>
+    </dgm:pt>
+    <dgm:pt modelId="{D5922203-9D0C-46D4-A13D-1633CD5F5227}">
+      <dgm:prSet phldrT="[Text]" custT="1"/>
+      <dgm:spPr>
+        <a:solidFill>
+          <a:schemeClr val="accent2">
+            <a:lumMod val="75000"/>
+          </a:schemeClr>
+        </a:solidFill>
+      </dgm:spPr>
+      <dgm:t>
+        <a:bodyPr/>
+        <a:lstStyle/>
+        <a:p>
+          <a:r>
+            <a:rPr lang="en-IE" sz="2000" dirty="0" smtClean="0"/>
+            <a:t>7-Seg</a:t>
+          </a:r>
+          <a:endParaRPr lang="en-IE" sz="2000" dirty="0"/>
+        </a:p>
+      </dgm:t>
+    </dgm:pt>
+    <dgm:pt modelId="{779B047D-AE31-4C3E-8613-4EEDC78FC04E}" type="parTrans" cxnId="{CB618BD5-26A5-4B01-B911-CBAB4086E7A4}">
+      <dgm:prSet/>
+      <dgm:spPr/>
+      <dgm:t>
+        <a:bodyPr/>
+        <a:lstStyle/>
+        <a:p>
+          <a:endParaRPr lang="en-IE"/>
+        </a:p>
+      </dgm:t>
+    </dgm:pt>
+    <dgm:pt modelId="{830BE1F1-7F1F-4993-AB42-EB40A1E7A553}" type="sibTrans" cxnId="{CB618BD5-26A5-4B01-B911-CBAB4086E7A4}">
+      <dgm:prSet/>
+      <dgm:spPr/>
+      <dgm:t>
+        <a:bodyPr/>
+        <a:lstStyle/>
+        <a:p>
+          <a:endParaRPr lang="en-IE"/>
+        </a:p>
+      </dgm:t>
+    </dgm:pt>
+    <dgm:pt modelId="{6DBD489F-53AA-41A6-AE53-DC3B97E41637}">
+      <dgm:prSet phldrT="[Text]" custT="1"/>
+      <dgm:spPr>
+        <a:solidFill>
+          <a:schemeClr val="accent2">
+            <a:lumMod val="75000"/>
+          </a:schemeClr>
+        </a:solidFill>
+      </dgm:spPr>
+      <dgm:t>
+        <a:bodyPr/>
+        <a:lstStyle/>
+        <a:p>
+          <a:r>
+            <a:rPr lang="en-IE" sz="2000" dirty="0" smtClean="0"/>
+            <a:t>RGB LEDs</a:t>
+          </a:r>
+          <a:endParaRPr lang="en-IE" sz="2000" dirty="0"/>
+        </a:p>
+      </dgm:t>
+    </dgm:pt>
+    <dgm:pt modelId="{4E10614B-FEFB-4BC4-B219-3FAB8A7251D3}" type="parTrans" cxnId="{8E8522B9-6681-4D37-BAA7-672DD0230607}">
+      <dgm:prSet/>
+      <dgm:spPr/>
+      <dgm:t>
+        <a:bodyPr/>
+        <a:lstStyle/>
+        <a:p>
+          <a:endParaRPr lang="en-IE"/>
+        </a:p>
+      </dgm:t>
+    </dgm:pt>
+    <dgm:pt modelId="{5C188D77-3AAC-4ED2-A66E-80C393113ACD}" type="sibTrans" cxnId="{8E8522B9-6681-4D37-BAA7-672DD0230607}">
+      <dgm:prSet/>
+      <dgm:spPr/>
+      <dgm:t>
+        <a:bodyPr/>
+        <a:lstStyle/>
+        <a:p>
+          <a:endParaRPr lang="en-IE"/>
+        </a:p>
+      </dgm:t>
+    </dgm:pt>
+    <dgm:pt modelId="{EBE593CE-DFE4-41C1-B662-A61CBB6F5D21}">
+      <dgm:prSet phldrT="[Text]" custT="1"/>
+      <dgm:spPr>
+        <a:solidFill>
+          <a:schemeClr val="accent2">
+            <a:lumMod val="75000"/>
+          </a:schemeClr>
+        </a:solidFill>
+      </dgm:spPr>
+      <dgm:t>
+        <a:bodyPr/>
+        <a:lstStyle/>
+        <a:p>
+          <a:r>
+            <a:rPr lang="en-IE" sz="2000" dirty="0" smtClean="0"/>
+            <a:t>Contact Sensors</a:t>
+          </a:r>
+          <a:endParaRPr lang="en-IE" sz="2000" dirty="0"/>
+        </a:p>
+      </dgm:t>
+    </dgm:pt>
+    <dgm:pt modelId="{0E5BFEE7-6651-40E0-9C59-72552DA7A2FA}" type="parTrans" cxnId="{9D1E16E0-E1DC-4A0D-B1D9-9FFEE6CFA660}">
+      <dgm:prSet/>
+      <dgm:spPr/>
+      <dgm:t>
+        <a:bodyPr/>
+        <a:lstStyle/>
+        <a:p>
+          <a:endParaRPr lang="en-IE"/>
+        </a:p>
+      </dgm:t>
+    </dgm:pt>
+    <dgm:pt modelId="{27D5553E-9681-4751-A064-39AC58C46B69}" type="sibTrans" cxnId="{9D1E16E0-E1DC-4A0D-B1D9-9FFEE6CFA660}">
+      <dgm:prSet/>
+      <dgm:spPr/>
+      <dgm:t>
+        <a:bodyPr/>
+        <a:lstStyle/>
+        <a:p>
+          <a:endParaRPr lang="en-IE"/>
+        </a:p>
+      </dgm:t>
+    </dgm:pt>
+    <dgm:pt modelId="{E205E05E-F8DF-4D29-8FF8-FF90C436B7E9}">
+      <dgm:prSet phldrT="[Text]"/>
+      <dgm:spPr>
+        <a:solidFill>
+          <a:schemeClr val="accent3">
+            <a:lumMod val="75000"/>
+          </a:schemeClr>
+        </a:solidFill>
+      </dgm:spPr>
+      <dgm:t>
+        <a:bodyPr/>
+        <a:lstStyle/>
+        <a:p>
+          <a:r>
+            <a:rPr lang="en-IE" dirty="0" smtClean="0"/>
+            <a:t>Accelerometer</a:t>
+          </a:r>
+          <a:endParaRPr lang="en-IE" dirty="0"/>
+        </a:p>
+      </dgm:t>
+    </dgm:pt>
+    <dgm:pt modelId="{A50D1597-3FD8-4D9F-8508-2CFEAA1318E5}" type="parTrans" cxnId="{5BD8B720-A66F-4E92-83B1-F2A924C80A16}">
+      <dgm:prSet/>
+      <dgm:spPr/>
+      <dgm:t>
+        <a:bodyPr/>
+        <a:lstStyle/>
+        <a:p>
+          <a:endParaRPr lang="en-IE"/>
+        </a:p>
+      </dgm:t>
+    </dgm:pt>
+    <dgm:pt modelId="{CF00E27D-56BE-4825-B4C7-35A1F92CCBE7}" type="sibTrans" cxnId="{5BD8B720-A66F-4E92-83B1-F2A924C80A16}">
+      <dgm:prSet/>
+      <dgm:spPr/>
+      <dgm:t>
+        <a:bodyPr/>
+        <a:lstStyle/>
+        <a:p>
+          <a:endParaRPr lang="en-IE"/>
+        </a:p>
+      </dgm:t>
+    </dgm:pt>
+    <dgm:pt modelId="{47B939A5-BBC0-457D-B3A1-B0EAF26DB73B}">
+      <dgm:prSet phldrT="[Text]" custT="1"/>
+      <dgm:spPr>
+        <a:solidFill>
+          <a:schemeClr val="accent3">
+            <a:lumMod val="75000"/>
+          </a:schemeClr>
+        </a:solidFill>
+      </dgm:spPr>
+      <dgm:t>
+        <a:bodyPr/>
+        <a:lstStyle/>
+        <a:p>
+          <a:r>
+            <a:rPr lang="en-IE" sz="2000" dirty="0" smtClean="0"/>
+            <a:t>Magnet</a:t>
+          </a:r>
+          <a:endParaRPr lang="en-IE" sz="2000" dirty="0"/>
+        </a:p>
+      </dgm:t>
+    </dgm:pt>
+    <dgm:pt modelId="{75C2AE73-6415-4128-A75E-860FE73E8E45}" type="parTrans" cxnId="{2A19530E-932C-4FFF-9131-72ECA1E4F6E3}">
+      <dgm:prSet/>
+      <dgm:spPr/>
+      <dgm:t>
+        <a:bodyPr/>
+        <a:lstStyle/>
+        <a:p>
+          <a:endParaRPr lang="en-IE"/>
+        </a:p>
+      </dgm:t>
+    </dgm:pt>
+    <dgm:pt modelId="{E080E766-9B90-458C-AEBB-EA0133108DF2}" type="sibTrans" cxnId="{2A19530E-932C-4FFF-9131-72ECA1E4F6E3}">
+      <dgm:prSet/>
+      <dgm:spPr/>
+      <dgm:t>
+        <a:bodyPr/>
+        <a:lstStyle/>
+        <a:p>
+          <a:endParaRPr lang="en-IE"/>
+        </a:p>
+      </dgm:t>
+    </dgm:pt>
+    <dgm:pt modelId="{6E713355-0B9C-4CB1-9070-F399BBE63B2F}">
+      <dgm:prSet phldrT="[Text]" custT="1"/>
+      <dgm:spPr>
+        <a:solidFill>
+          <a:schemeClr val="accent6">
+            <a:lumMod val="75000"/>
+          </a:schemeClr>
+        </a:solidFill>
+        <a:ln>
+          <a:solidFill>
+            <a:schemeClr val="accent5">
+              <a:lumMod val="60000"/>
+              <a:lumOff val="40000"/>
+            </a:schemeClr>
+          </a:solidFill>
+        </a:ln>
+      </dgm:spPr>
+      <dgm:t>
+        <a:bodyPr/>
+        <a:lstStyle/>
+        <a:p>
+          <a:r>
+            <a:rPr lang="en-IE" sz="2000" dirty="0" smtClean="0"/>
+            <a:t>TI RF2500</a:t>
+          </a:r>
+          <a:endParaRPr lang="en-IE" sz="2000" dirty="0"/>
+        </a:p>
+      </dgm:t>
+    </dgm:pt>
+    <dgm:pt modelId="{2D4922B4-9E01-42F3-AE28-428157DEF332}" type="parTrans" cxnId="{1CB0F50A-012E-4308-92A1-0BFE7915BB05}">
+      <dgm:prSet/>
+      <dgm:spPr/>
+      <dgm:t>
+        <a:bodyPr/>
+        <a:lstStyle/>
+        <a:p>
+          <a:endParaRPr lang="en-IE"/>
+        </a:p>
+      </dgm:t>
+    </dgm:pt>
+    <dgm:pt modelId="{9F51A618-D9C2-4F3E-B2CA-222F231D5F18}" type="sibTrans" cxnId="{1CB0F50A-012E-4308-92A1-0BFE7915BB05}">
+      <dgm:prSet/>
+      <dgm:spPr/>
+      <dgm:t>
+        <a:bodyPr/>
+        <a:lstStyle/>
+        <a:p>
+          <a:endParaRPr lang="en-IE"/>
+        </a:p>
+      </dgm:t>
+    </dgm:pt>
+    <dgm:pt modelId="{675482F2-B034-4F2F-9C30-C322D13CDE2A}">
+      <dgm:prSet phldrT="[Text]" custT="1"/>
+      <dgm:spPr>
+        <a:solidFill>
+          <a:schemeClr val="accent3">
+            <a:lumMod val="75000"/>
+          </a:schemeClr>
+        </a:solidFill>
+      </dgm:spPr>
+      <dgm:t>
+        <a:bodyPr/>
+        <a:lstStyle/>
+        <a:p>
+          <a:r>
+            <a:rPr lang="en-IE" sz="2000" dirty="0" smtClean="0"/>
+            <a:t>Gyro</a:t>
+          </a:r>
+          <a:endParaRPr lang="en-IE" sz="2000" dirty="0"/>
+        </a:p>
+      </dgm:t>
+    </dgm:pt>
+    <dgm:pt modelId="{634CA3F1-5F78-45AD-A3B1-38117A44F89D}" type="parTrans" cxnId="{1397FB00-8B0D-4B3B-8FC5-FEA6AD8B68FC}">
+      <dgm:prSet/>
+      <dgm:spPr/>
+      <dgm:t>
+        <a:bodyPr/>
+        <a:lstStyle/>
+        <a:p>
+          <a:endParaRPr lang="en-IE"/>
+        </a:p>
+      </dgm:t>
+    </dgm:pt>
+    <dgm:pt modelId="{0666F475-9C6E-4B75-9FB3-59C102103A9A}" type="sibTrans" cxnId="{1397FB00-8B0D-4B3B-8FC5-FEA6AD8B68FC}">
+      <dgm:prSet/>
+      <dgm:spPr/>
+      <dgm:t>
+        <a:bodyPr/>
+        <a:lstStyle/>
+        <a:p>
+          <a:endParaRPr lang="en-IE"/>
+        </a:p>
+      </dgm:t>
+    </dgm:pt>
+    <dgm:pt modelId="{F11763F5-3192-447A-ABD3-1B4C5287BB8D}">
+      <dgm:prSet phldrT="[Text]" custT="1"/>
+      <dgm:spPr>
+        <a:solidFill>
+          <a:schemeClr val="accent3">
+            <a:lumMod val="75000"/>
+          </a:schemeClr>
+        </a:solidFill>
+      </dgm:spPr>
+      <dgm:t>
+        <a:bodyPr/>
+        <a:lstStyle/>
+        <a:p>
+          <a:r>
+            <a:rPr lang="en-IE" sz="2000" dirty="0" smtClean="0"/>
+            <a:t>I2C Bus</a:t>
+          </a:r>
+          <a:endParaRPr lang="en-IE" sz="2000" dirty="0"/>
+        </a:p>
+      </dgm:t>
+    </dgm:pt>
+    <dgm:pt modelId="{51EC8D4C-F564-4FB7-B322-15FE0265F070}" type="parTrans" cxnId="{2C049FCF-F982-430B-B6A9-F13751A8873D}">
+      <dgm:prSet/>
+      <dgm:spPr/>
+      <dgm:t>
+        <a:bodyPr/>
+        <a:lstStyle/>
+        <a:p>
+          <a:endParaRPr lang="en-IE"/>
+        </a:p>
+      </dgm:t>
+    </dgm:pt>
+    <dgm:pt modelId="{955F8D05-3A94-49C5-AE33-CE27BE548708}" type="sibTrans" cxnId="{2C049FCF-F982-430B-B6A9-F13751A8873D}">
+      <dgm:prSet/>
+      <dgm:spPr/>
+      <dgm:t>
+        <a:bodyPr/>
+        <a:lstStyle/>
+        <a:p>
+          <a:endParaRPr lang="en-IE"/>
+        </a:p>
+      </dgm:t>
+    </dgm:pt>
+    <dgm:pt modelId="{26F95E85-41FF-4C05-8A3A-925EA477546D}">
+      <dgm:prSet phldrT="[Text]" custT="1"/>
+      <dgm:spPr>
+        <a:solidFill>
+          <a:schemeClr val="accent6">
+            <a:lumMod val="75000"/>
+          </a:schemeClr>
+        </a:solidFill>
+        <a:ln>
+          <a:solidFill>
+            <a:schemeClr val="accent5">
+              <a:lumMod val="60000"/>
+              <a:lumOff val="40000"/>
+            </a:schemeClr>
+          </a:solidFill>
+        </a:ln>
+      </dgm:spPr>
+      <dgm:t>
+        <a:bodyPr/>
+        <a:lstStyle/>
+        <a:p>
+          <a:r>
+            <a:rPr lang="en-IE" sz="2000" dirty="0" smtClean="0"/>
+            <a:t>Other Bugs</a:t>
+          </a:r>
+          <a:endParaRPr lang="en-IE" sz="2000" dirty="0"/>
+        </a:p>
+      </dgm:t>
+    </dgm:pt>
+    <dgm:pt modelId="{13A6213B-D301-4ADE-B03F-8BB1354AFB9C}" type="parTrans" cxnId="{FBEEEEAF-C514-483C-AABA-5BD0B0D7D830}">
+      <dgm:prSet/>
+      <dgm:spPr/>
+      <dgm:t>
+        <a:bodyPr/>
+        <a:lstStyle/>
+        <a:p>
+          <a:endParaRPr lang="en-IE"/>
+        </a:p>
+      </dgm:t>
+    </dgm:pt>
+    <dgm:pt modelId="{9CCF5637-87A6-4842-841C-0B18BE72BDF7}" type="sibTrans" cxnId="{FBEEEEAF-C514-483C-AABA-5BD0B0D7D830}">
+      <dgm:prSet/>
+      <dgm:spPr/>
+      <dgm:t>
+        <a:bodyPr/>
+        <a:lstStyle/>
+        <a:p>
+          <a:endParaRPr lang="en-IE"/>
+        </a:p>
+      </dgm:t>
+    </dgm:pt>
+    <dgm:pt modelId="{34BBE19B-48E0-44D1-A96B-036BBC2B0573}" type="pres">
+      <dgm:prSet presAssocID="{22B67C8C-A031-4EB2-8C92-3003381A3DA5}" presName="Name0" presStyleCnt="0">
+        <dgm:presLayoutVars>
+          <dgm:chPref val="1"/>
+          <dgm:dir/>
+          <dgm:animOne val="branch"/>
+          <dgm:animLvl val="lvl"/>
+          <dgm:resizeHandles/>
+        </dgm:presLayoutVars>
+      </dgm:prSet>
+      <dgm:spPr/>
+    </dgm:pt>
+    <dgm:pt modelId="{2631BB0A-1428-42D6-B7C2-02408C7AB567}" type="pres">
+      <dgm:prSet presAssocID="{BA3B5B4E-0A31-498C-B1F0-35B84A5C0C96}" presName="vertOne" presStyleCnt="0"/>
+      <dgm:spPr/>
+    </dgm:pt>
+    <dgm:pt modelId="{86E92F1B-98FC-4A1F-B92F-5FDD61CE0609}" type="pres">
+      <dgm:prSet presAssocID="{BA3B5B4E-0A31-498C-B1F0-35B84A5C0C96}" presName="txOne" presStyleLbl="node0" presStyleIdx="0" presStyleCnt="1">
+        <dgm:presLayoutVars>
+          <dgm:chPref val="3"/>
+        </dgm:presLayoutVars>
+      </dgm:prSet>
+      <dgm:spPr/>
+    </dgm:pt>
+    <dgm:pt modelId="{B009ABCE-5FD0-467E-BD6A-FB55E9B9D42A}" type="pres">
+      <dgm:prSet presAssocID="{BA3B5B4E-0A31-498C-B1F0-35B84A5C0C96}" presName="parTransOne" presStyleCnt="0"/>
+      <dgm:spPr/>
+    </dgm:pt>
+    <dgm:pt modelId="{A8FFB516-0BE0-4372-A815-1FF07C6376E4}" type="pres">
+      <dgm:prSet presAssocID="{BA3B5B4E-0A31-498C-B1F0-35B84A5C0C96}" presName="horzOne" presStyleCnt="0"/>
+      <dgm:spPr/>
+    </dgm:pt>
+    <dgm:pt modelId="{C25E4F19-958E-4216-A910-58BCD7308F78}" type="pres">
+      <dgm:prSet presAssocID="{EE57CB00-67D5-4C2E-B05E-188E0D4F0D73}" presName="vertTwo" presStyleCnt="0"/>
+      <dgm:spPr/>
+    </dgm:pt>
+    <dgm:pt modelId="{220C07AE-62C9-4F6B-A055-AAD46F333010}" type="pres">
+      <dgm:prSet presAssocID="{EE57CB00-67D5-4C2E-B05E-188E0D4F0D73}" presName="txTwo" presStyleLbl="node2" presStyleIdx="0" presStyleCnt="3" custScaleX="52175">
+        <dgm:presLayoutVars>
+          <dgm:chPref val="3"/>
+        </dgm:presLayoutVars>
+      </dgm:prSet>
+      <dgm:spPr/>
+      <dgm:t>
+        <a:bodyPr/>
+        <a:lstStyle/>
+        <a:p>
+          <a:endParaRPr lang="en-IE"/>
+        </a:p>
+      </dgm:t>
+    </dgm:pt>
+    <dgm:pt modelId="{5D818319-FAC8-48B4-B5E2-54172E8AFA93}" type="pres">
+      <dgm:prSet presAssocID="{EE57CB00-67D5-4C2E-B05E-188E0D4F0D73}" presName="parTransTwo" presStyleCnt="0"/>
+      <dgm:spPr/>
+    </dgm:pt>
+    <dgm:pt modelId="{16877AFB-E467-4C28-851A-6AE13E61117E}" type="pres">
+      <dgm:prSet presAssocID="{EE57CB00-67D5-4C2E-B05E-188E0D4F0D73}" presName="horzTwo" presStyleCnt="0"/>
+      <dgm:spPr/>
+    </dgm:pt>
+    <dgm:pt modelId="{D09262F9-C279-4570-87CD-8FF519B3DBD2}" type="pres">
+      <dgm:prSet presAssocID="{D5922203-9D0C-46D4-A13D-1633CD5F5227}" presName="vertThree" presStyleCnt="0"/>
+      <dgm:spPr/>
+    </dgm:pt>
+    <dgm:pt modelId="{1E5F6CBE-A1F4-4AEA-BB24-4573437EE0DB}" type="pres">
+      <dgm:prSet presAssocID="{D5922203-9D0C-46D4-A13D-1633CD5F5227}" presName="txThree" presStyleLbl="node3" presStyleIdx="0" presStyleCnt="7">
+        <dgm:presLayoutVars>
+          <dgm:chPref val="3"/>
+        </dgm:presLayoutVars>
+      </dgm:prSet>
+      <dgm:spPr/>
+    </dgm:pt>
+    <dgm:pt modelId="{32154778-A488-437F-862E-4C54B535BA5E}" type="pres">
+      <dgm:prSet presAssocID="{D5922203-9D0C-46D4-A13D-1633CD5F5227}" presName="horzThree" presStyleCnt="0"/>
+      <dgm:spPr/>
+    </dgm:pt>
+    <dgm:pt modelId="{3EEEE34A-5EDD-4A5D-8FBC-4D98D6614873}" type="pres">
+      <dgm:prSet presAssocID="{830BE1F1-7F1F-4993-AB42-EB40A1E7A553}" presName="sibSpaceThree" presStyleCnt="0"/>
+      <dgm:spPr/>
+    </dgm:pt>
+    <dgm:pt modelId="{00A1EBB9-FEE8-40D3-80B4-8E861BF3449E}" type="pres">
+      <dgm:prSet presAssocID="{6DBD489F-53AA-41A6-AE53-DC3B97E41637}" presName="vertThree" presStyleCnt="0"/>
+      <dgm:spPr/>
+    </dgm:pt>
+    <dgm:pt modelId="{06FA772B-98AD-47F9-8019-FE322D3D6D01}" type="pres">
+      <dgm:prSet presAssocID="{6DBD489F-53AA-41A6-AE53-DC3B97E41637}" presName="txThree" presStyleLbl="node3" presStyleIdx="1" presStyleCnt="7">
+        <dgm:presLayoutVars>
+          <dgm:chPref val="3"/>
+        </dgm:presLayoutVars>
+      </dgm:prSet>
+      <dgm:spPr/>
+    </dgm:pt>
+    <dgm:pt modelId="{9953C6F8-F9F9-4C58-9E0D-399BE5A7B181}" type="pres">
+      <dgm:prSet presAssocID="{6DBD489F-53AA-41A6-AE53-DC3B97E41637}" presName="horzThree" presStyleCnt="0"/>
+      <dgm:spPr/>
+    </dgm:pt>
+    <dgm:pt modelId="{B2D43F3E-70C1-4908-8181-C6EC41B658F5}" type="pres">
+      <dgm:prSet presAssocID="{5C188D77-3AAC-4ED2-A66E-80C393113ACD}" presName="sibSpaceThree" presStyleCnt="0"/>
+      <dgm:spPr/>
+    </dgm:pt>
+    <dgm:pt modelId="{B29B7EA4-C0DA-4DA3-9BC8-3D2C78AA6EE7}" type="pres">
+      <dgm:prSet presAssocID="{EBE593CE-DFE4-41C1-B662-A61CBB6F5D21}" presName="vertThree" presStyleCnt="0"/>
+      <dgm:spPr/>
+    </dgm:pt>
+    <dgm:pt modelId="{E6263668-2E2A-4741-951D-261C0B61B6BA}" type="pres">
+      <dgm:prSet presAssocID="{EBE593CE-DFE4-41C1-B662-A61CBB6F5D21}" presName="txThree" presStyleLbl="node3" presStyleIdx="2" presStyleCnt="7">
+        <dgm:presLayoutVars>
+          <dgm:chPref val="3"/>
+        </dgm:presLayoutVars>
+      </dgm:prSet>
+      <dgm:spPr/>
+      <dgm:t>
+        <a:bodyPr/>
+        <a:lstStyle/>
+        <a:p>
+          <a:endParaRPr lang="en-IE"/>
+        </a:p>
+      </dgm:t>
+    </dgm:pt>
+    <dgm:pt modelId="{D0CD6748-2FB0-4C99-B6B7-F74C24E30CCA}" type="pres">
+      <dgm:prSet presAssocID="{EBE593CE-DFE4-41C1-B662-A61CBB6F5D21}" presName="horzThree" presStyleCnt="0"/>
+      <dgm:spPr/>
+    </dgm:pt>
+    <dgm:pt modelId="{CA0DC6A7-3214-4199-AA01-7800803C37F7}" type="pres">
+      <dgm:prSet presAssocID="{B43CCCE7-D2D1-4034-A264-71578BFA0F21}" presName="sibSpaceTwo" presStyleCnt="0"/>
+      <dgm:spPr/>
+    </dgm:pt>
+    <dgm:pt modelId="{5F1BB144-39B2-4244-B5BD-17777FD3DFA3}" type="pres">
+      <dgm:prSet presAssocID="{F11763F5-3192-447A-ABD3-1B4C5287BB8D}" presName="vertTwo" presStyleCnt="0"/>
+      <dgm:spPr/>
+    </dgm:pt>
+    <dgm:pt modelId="{D3406F35-89E4-414D-AC96-06767C8EF382}" type="pres">
+      <dgm:prSet presAssocID="{F11763F5-3192-447A-ABD3-1B4C5287BB8D}" presName="txTwo" presStyleLbl="node2" presStyleIdx="1" presStyleCnt="3">
+        <dgm:presLayoutVars>
+          <dgm:chPref val="3"/>
+        </dgm:presLayoutVars>
+      </dgm:prSet>
+      <dgm:spPr/>
+    </dgm:pt>
+    <dgm:pt modelId="{D1D87616-FAD3-46F1-B9A4-62EA9862EC8A}" type="pres">
+      <dgm:prSet presAssocID="{F11763F5-3192-447A-ABD3-1B4C5287BB8D}" presName="parTransTwo" presStyleCnt="0"/>
+      <dgm:spPr/>
+    </dgm:pt>
+    <dgm:pt modelId="{92725939-A7ED-4494-B0BC-28C5AA689CBD}" type="pres">
+      <dgm:prSet presAssocID="{F11763F5-3192-447A-ABD3-1B4C5287BB8D}" presName="horzTwo" presStyleCnt="0"/>
+      <dgm:spPr/>
+    </dgm:pt>
+    <dgm:pt modelId="{5B97F914-6FCC-41F0-B82A-94E6450E22EF}" type="pres">
+      <dgm:prSet presAssocID="{675482F2-B034-4F2F-9C30-C322D13CDE2A}" presName="vertThree" presStyleCnt="0"/>
+      <dgm:spPr/>
+    </dgm:pt>
+    <dgm:pt modelId="{12B7958C-0CB2-43B1-9D6E-3496503910B4}" type="pres">
+      <dgm:prSet presAssocID="{675482F2-B034-4F2F-9C30-C322D13CDE2A}" presName="txThree" presStyleLbl="node3" presStyleIdx="3" presStyleCnt="7">
+        <dgm:presLayoutVars>
+          <dgm:chPref val="3"/>
+        </dgm:presLayoutVars>
+      </dgm:prSet>
+      <dgm:spPr/>
+    </dgm:pt>
+    <dgm:pt modelId="{16ACDD17-5C52-4187-8CA9-F4F604BFFF18}" type="pres">
+      <dgm:prSet presAssocID="{675482F2-B034-4F2F-9C30-C322D13CDE2A}" presName="horzThree" presStyleCnt="0"/>
+      <dgm:spPr/>
+    </dgm:pt>
+    <dgm:pt modelId="{6F5F60B6-9F6A-46BC-8F1E-E787E712A2D4}" type="pres">
+      <dgm:prSet presAssocID="{0666F475-9C6E-4B75-9FB3-59C102103A9A}" presName="sibSpaceThree" presStyleCnt="0"/>
+      <dgm:spPr/>
+    </dgm:pt>
+    <dgm:pt modelId="{E1B000A0-8122-4396-A3EB-FB575D285CFC}" type="pres">
+      <dgm:prSet presAssocID="{E205E05E-F8DF-4D29-8FF8-FF90C436B7E9}" presName="vertThree" presStyleCnt="0"/>
+      <dgm:spPr/>
+    </dgm:pt>
+    <dgm:pt modelId="{BB19151D-9D7A-49BC-B9BD-A7DE7F52E01B}" type="pres">
+      <dgm:prSet presAssocID="{E205E05E-F8DF-4D29-8FF8-FF90C436B7E9}" presName="txThree" presStyleLbl="node3" presStyleIdx="4" presStyleCnt="7">
+        <dgm:presLayoutVars>
+          <dgm:chPref val="3"/>
+        </dgm:presLayoutVars>
+      </dgm:prSet>
+      <dgm:spPr/>
+    </dgm:pt>
+    <dgm:pt modelId="{7BCDA259-8856-4626-85B5-EB9E8B1A43C1}" type="pres">
+      <dgm:prSet presAssocID="{E205E05E-F8DF-4D29-8FF8-FF90C436B7E9}" presName="horzThree" presStyleCnt="0"/>
+      <dgm:spPr/>
+    </dgm:pt>
+    <dgm:pt modelId="{5016EC65-334A-4CDE-8EF3-BBAC04064577}" type="pres">
+      <dgm:prSet presAssocID="{CF00E27D-56BE-4825-B4C7-35A1F92CCBE7}" presName="sibSpaceThree" presStyleCnt="0"/>
+      <dgm:spPr/>
+    </dgm:pt>
+    <dgm:pt modelId="{6FD51E7C-5E74-4543-A3C0-FA961BBED570}" type="pres">
+      <dgm:prSet presAssocID="{47B939A5-BBC0-457D-B3A1-B0EAF26DB73B}" presName="vertThree" presStyleCnt="0"/>
+      <dgm:spPr/>
+    </dgm:pt>
+    <dgm:pt modelId="{60F488CF-41F0-48FA-A61E-EA17F412EBEA}" type="pres">
+      <dgm:prSet presAssocID="{47B939A5-BBC0-457D-B3A1-B0EAF26DB73B}" presName="txThree" presStyleLbl="node3" presStyleIdx="5" presStyleCnt="7">
+        <dgm:presLayoutVars>
+          <dgm:chPref val="3"/>
+        </dgm:presLayoutVars>
+      </dgm:prSet>
+      <dgm:spPr/>
+      <dgm:t>
+        <a:bodyPr/>
+        <a:lstStyle/>
+        <a:p>
+          <a:endParaRPr lang="en-IE"/>
+        </a:p>
+      </dgm:t>
+    </dgm:pt>
+    <dgm:pt modelId="{F2D1E4DC-5F45-4F7A-AA42-42AAFE9250E6}" type="pres">
+      <dgm:prSet presAssocID="{47B939A5-BBC0-457D-B3A1-B0EAF26DB73B}" presName="horzThree" presStyleCnt="0"/>
+      <dgm:spPr/>
+    </dgm:pt>
+    <dgm:pt modelId="{8CF9F0F6-3228-4E29-876E-89B4D773AF5E}" type="pres">
+      <dgm:prSet presAssocID="{955F8D05-3A94-49C5-AE33-CE27BE548708}" presName="sibSpaceTwo" presStyleCnt="0"/>
+      <dgm:spPr/>
+    </dgm:pt>
+    <dgm:pt modelId="{C119F0DC-A4FF-4871-895C-8DC47EE8C8FE}" type="pres">
+      <dgm:prSet presAssocID="{6E713355-0B9C-4CB1-9070-F399BBE63B2F}" presName="vertTwo" presStyleCnt="0"/>
+      <dgm:spPr/>
+    </dgm:pt>
+    <dgm:pt modelId="{61E1DF61-EE1C-4BC8-9FCD-15E8F5A0AE25}" type="pres">
+      <dgm:prSet presAssocID="{6E713355-0B9C-4CB1-9070-F399BBE63B2F}" presName="txTwo" presStyleLbl="node2" presStyleIdx="2" presStyleCnt="3">
+        <dgm:presLayoutVars>
+          <dgm:chPref val="3"/>
+        </dgm:presLayoutVars>
+      </dgm:prSet>
+      <dgm:spPr/>
+      <dgm:t>
+        <a:bodyPr/>
+        <a:lstStyle/>
+        <a:p>
+          <a:endParaRPr lang="en-IE"/>
+        </a:p>
+      </dgm:t>
+    </dgm:pt>
+    <dgm:pt modelId="{9B9D8B94-8C9B-409A-AB59-D35D60C91C8E}" type="pres">
+      <dgm:prSet presAssocID="{6E713355-0B9C-4CB1-9070-F399BBE63B2F}" presName="parTransTwo" presStyleCnt="0"/>
+      <dgm:spPr/>
+    </dgm:pt>
+    <dgm:pt modelId="{217368B5-9CE6-4E6F-812E-8EB19C093CDF}" type="pres">
+      <dgm:prSet presAssocID="{6E713355-0B9C-4CB1-9070-F399BBE63B2F}" presName="horzTwo" presStyleCnt="0"/>
+      <dgm:spPr/>
+    </dgm:pt>
+    <dgm:pt modelId="{4291FEBA-C693-49A4-BE35-BB7A2BFBC57F}" type="pres">
+      <dgm:prSet presAssocID="{26F95E85-41FF-4C05-8A3A-925EA477546D}" presName="vertThree" presStyleCnt="0"/>
+      <dgm:spPr/>
+    </dgm:pt>
+    <dgm:pt modelId="{7AD3F015-6D1E-48E1-AA48-C5E0F0FAD24E}" type="pres">
+      <dgm:prSet presAssocID="{26F95E85-41FF-4C05-8A3A-925EA477546D}" presName="txThree" presStyleLbl="node3" presStyleIdx="6" presStyleCnt="7">
+        <dgm:presLayoutVars>
+          <dgm:chPref val="3"/>
+        </dgm:presLayoutVars>
+      </dgm:prSet>
+      <dgm:spPr/>
+    </dgm:pt>
+    <dgm:pt modelId="{A2406600-AD73-4AA5-B28A-D78E36B4B16F}" type="pres">
+      <dgm:prSet presAssocID="{26F95E85-41FF-4C05-8A3A-925EA477546D}" presName="horzThree" presStyleCnt="0"/>
+      <dgm:spPr/>
+    </dgm:pt>
+  </dgm:ptLst>
+  <dgm:cxnLst>
+    <dgm:cxn modelId="{96C54804-9C37-400D-8582-A9488955F8CF}" type="presOf" srcId="{EBE593CE-DFE4-41C1-B662-A61CBB6F5D21}" destId="{E6263668-2E2A-4741-951D-261C0B61B6BA}" srcOrd="0" destOrd="0" presId="urn:microsoft.com/office/officeart/2005/8/layout/hierarchy4"/>
+    <dgm:cxn modelId="{1397FB00-8B0D-4B3B-8FC5-FEA6AD8B68FC}" srcId="{F11763F5-3192-447A-ABD3-1B4C5287BB8D}" destId="{675482F2-B034-4F2F-9C30-C322D13CDE2A}" srcOrd="0" destOrd="0" parTransId="{634CA3F1-5F78-45AD-A3B1-38117A44F89D}" sibTransId="{0666F475-9C6E-4B75-9FB3-59C102103A9A}"/>
+    <dgm:cxn modelId="{8E8522B9-6681-4D37-BAA7-672DD0230607}" srcId="{EE57CB00-67D5-4C2E-B05E-188E0D4F0D73}" destId="{6DBD489F-53AA-41A6-AE53-DC3B97E41637}" srcOrd="1" destOrd="0" parTransId="{4E10614B-FEFB-4BC4-B219-3FAB8A7251D3}" sibTransId="{5C188D77-3AAC-4ED2-A66E-80C393113ACD}"/>
+    <dgm:cxn modelId="{5BD8B720-A66F-4E92-83B1-F2A924C80A16}" srcId="{F11763F5-3192-447A-ABD3-1B4C5287BB8D}" destId="{E205E05E-F8DF-4D29-8FF8-FF90C436B7E9}" srcOrd="1" destOrd="0" parTransId="{A50D1597-3FD8-4D9F-8508-2CFEAA1318E5}" sibTransId="{CF00E27D-56BE-4825-B4C7-35A1F92CCBE7}"/>
+    <dgm:cxn modelId="{1CB0F50A-012E-4308-92A1-0BFE7915BB05}" srcId="{BA3B5B4E-0A31-498C-B1F0-35B84A5C0C96}" destId="{6E713355-0B9C-4CB1-9070-F399BBE63B2F}" srcOrd="2" destOrd="0" parTransId="{2D4922B4-9E01-42F3-AE28-428157DEF332}" sibTransId="{9F51A618-D9C2-4F3E-B2CA-222F231D5F18}"/>
+    <dgm:cxn modelId="{2C049FCF-F982-430B-B6A9-F13751A8873D}" srcId="{BA3B5B4E-0A31-498C-B1F0-35B84A5C0C96}" destId="{F11763F5-3192-447A-ABD3-1B4C5287BB8D}" srcOrd="1" destOrd="0" parTransId="{51EC8D4C-F564-4FB7-B322-15FE0265F070}" sibTransId="{955F8D05-3A94-49C5-AE33-CE27BE548708}"/>
+    <dgm:cxn modelId="{9D1E16E0-E1DC-4A0D-B1D9-9FFEE6CFA660}" srcId="{EE57CB00-67D5-4C2E-B05E-188E0D4F0D73}" destId="{EBE593CE-DFE4-41C1-B662-A61CBB6F5D21}" srcOrd="2" destOrd="0" parTransId="{0E5BFEE7-6651-40E0-9C59-72552DA7A2FA}" sibTransId="{27D5553E-9681-4751-A064-39AC58C46B69}"/>
+    <dgm:cxn modelId="{CB618BD5-26A5-4B01-B911-CBAB4086E7A4}" srcId="{EE57CB00-67D5-4C2E-B05E-188E0D4F0D73}" destId="{D5922203-9D0C-46D4-A13D-1633CD5F5227}" srcOrd="0" destOrd="0" parTransId="{779B047D-AE31-4C3E-8613-4EEDC78FC04E}" sibTransId="{830BE1F1-7F1F-4993-AB42-EB40A1E7A553}"/>
+    <dgm:cxn modelId="{7B55FEDA-1433-4FF9-8217-268F1775CCC7}" type="presOf" srcId="{F11763F5-3192-447A-ABD3-1B4C5287BB8D}" destId="{D3406F35-89E4-414D-AC96-06767C8EF382}" srcOrd="0" destOrd="0" presId="urn:microsoft.com/office/officeart/2005/8/layout/hierarchy4"/>
+    <dgm:cxn modelId="{26E314A6-BD42-45E5-9BD7-E95412125B5A}" type="presOf" srcId="{E205E05E-F8DF-4D29-8FF8-FF90C436B7E9}" destId="{BB19151D-9D7A-49BC-B9BD-A7DE7F52E01B}" srcOrd="0" destOrd="0" presId="urn:microsoft.com/office/officeart/2005/8/layout/hierarchy4"/>
+    <dgm:cxn modelId="{FBEEEEAF-C514-483C-AABA-5BD0B0D7D830}" srcId="{6E713355-0B9C-4CB1-9070-F399BBE63B2F}" destId="{26F95E85-41FF-4C05-8A3A-925EA477546D}" srcOrd="0" destOrd="0" parTransId="{13A6213B-D301-4ADE-B03F-8BB1354AFB9C}" sibTransId="{9CCF5637-87A6-4842-841C-0B18BE72BDF7}"/>
+    <dgm:cxn modelId="{5F9DFA98-B1F5-4FB2-AD9D-FAF33EEFD91A}" srcId="{BA3B5B4E-0A31-498C-B1F0-35B84A5C0C96}" destId="{EE57CB00-67D5-4C2E-B05E-188E0D4F0D73}" srcOrd="0" destOrd="0" parTransId="{DF6E6DA3-F846-4059-81CC-60119F93F567}" sibTransId="{B43CCCE7-D2D1-4034-A264-71578BFA0F21}"/>
+    <dgm:cxn modelId="{EECD3FEA-B585-415C-ABFD-A70FE711FFEC}" type="presOf" srcId="{675482F2-B034-4F2F-9C30-C322D13CDE2A}" destId="{12B7958C-0CB2-43B1-9D6E-3496503910B4}" srcOrd="0" destOrd="0" presId="urn:microsoft.com/office/officeart/2005/8/layout/hierarchy4"/>
+    <dgm:cxn modelId="{048A1FBB-8A62-46C1-B8B6-ECDE53742687}" type="presOf" srcId="{BA3B5B4E-0A31-498C-B1F0-35B84A5C0C96}" destId="{86E92F1B-98FC-4A1F-B92F-5FDD61CE0609}" srcOrd="0" destOrd="0" presId="urn:microsoft.com/office/officeart/2005/8/layout/hierarchy4"/>
+    <dgm:cxn modelId="{0E7A305D-AF2B-4E28-9EC6-E72B0161F7CF}" type="presOf" srcId="{EE57CB00-67D5-4C2E-B05E-188E0D4F0D73}" destId="{220C07AE-62C9-4F6B-A055-AAD46F333010}" srcOrd="0" destOrd="0" presId="urn:microsoft.com/office/officeart/2005/8/layout/hierarchy4"/>
+    <dgm:cxn modelId="{40A5F24A-F315-4DF3-A2D1-B54ACDA8B8D4}" type="presOf" srcId="{6E713355-0B9C-4CB1-9070-F399BBE63B2F}" destId="{61E1DF61-EE1C-4BC8-9FCD-15E8F5A0AE25}" srcOrd="0" destOrd="0" presId="urn:microsoft.com/office/officeart/2005/8/layout/hierarchy4"/>
+    <dgm:cxn modelId="{A6BB3236-4859-4C12-8499-057E2E3B2C7C}" type="presOf" srcId="{D5922203-9D0C-46D4-A13D-1633CD5F5227}" destId="{1E5F6CBE-A1F4-4AEA-BB24-4573437EE0DB}" srcOrd="0" destOrd="0" presId="urn:microsoft.com/office/officeart/2005/8/layout/hierarchy4"/>
+    <dgm:cxn modelId="{9042B567-3E33-4F97-974C-C5CFF65C40E5}" type="presOf" srcId="{26F95E85-41FF-4C05-8A3A-925EA477546D}" destId="{7AD3F015-6D1E-48E1-AA48-C5E0F0FAD24E}" srcOrd="0" destOrd="0" presId="urn:microsoft.com/office/officeart/2005/8/layout/hierarchy4"/>
+    <dgm:cxn modelId="{2A19530E-932C-4FFF-9131-72ECA1E4F6E3}" srcId="{F11763F5-3192-447A-ABD3-1B4C5287BB8D}" destId="{47B939A5-BBC0-457D-B3A1-B0EAF26DB73B}" srcOrd="2" destOrd="0" parTransId="{75C2AE73-6415-4128-A75E-860FE73E8E45}" sibTransId="{E080E766-9B90-458C-AEBB-EA0133108DF2}"/>
+    <dgm:cxn modelId="{0AFFE9C0-D12A-4A61-99E5-F009CD869AE8}" type="presOf" srcId="{22B67C8C-A031-4EB2-8C92-3003381A3DA5}" destId="{34BBE19B-48E0-44D1-A96B-036BBC2B0573}" srcOrd="0" destOrd="0" presId="urn:microsoft.com/office/officeart/2005/8/layout/hierarchy4"/>
+    <dgm:cxn modelId="{B4BA8233-B52F-464C-8054-933FBCA5FAF8}" srcId="{22B67C8C-A031-4EB2-8C92-3003381A3DA5}" destId="{BA3B5B4E-0A31-498C-B1F0-35B84A5C0C96}" srcOrd="0" destOrd="0" parTransId="{C68051A0-D28A-4710-B189-110627E7FB36}" sibTransId="{2F8950AC-828C-4C11-A120-32008FECC831}"/>
+    <dgm:cxn modelId="{8F30416A-6EDC-4C86-91BA-54C587299349}" type="presOf" srcId="{6DBD489F-53AA-41A6-AE53-DC3B97E41637}" destId="{06FA772B-98AD-47F9-8019-FE322D3D6D01}" srcOrd="0" destOrd="0" presId="urn:microsoft.com/office/officeart/2005/8/layout/hierarchy4"/>
+    <dgm:cxn modelId="{3EC80630-BBA9-48C9-9D3A-18BF9D3AC46F}" type="presOf" srcId="{47B939A5-BBC0-457D-B3A1-B0EAF26DB73B}" destId="{60F488CF-41F0-48FA-A61E-EA17F412EBEA}" srcOrd="0" destOrd="0" presId="urn:microsoft.com/office/officeart/2005/8/layout/hierarchy4"/>
+    <dgm:cxn modelId="{6A02E0E9-8197-4620-9220-3D560188BD31}" type="presParOf" srcId="{34BBE19B-48E0-44D1-A96B-036BBC2B0573}" destId="{2631BB0A-1428-42D6-B7C2-02408C7AB567}" srcOrd="0" destOrd="0" presId="urn:microsoft.com/office/officeart/2005/8/layout/hierarchy4"/>
+    <dgm:cxn modelId="{6FC4C0D8-CB89-462C-9A48-5A9D30AFE772}" type="presParOf" srcId="{2631BB0A-1428-42D6-B7C2-02408C7AB567}" destId="{86E92F1B-98FC-4A1F-B92F-5FDD61CE0609}" srcOrd="0" destOrd="0" presId="urn:microsoft.com/office/officeart/2005/8/layout/hierarchy4"/>
+    <dgm:cxn modelId="{A837F57A-2DC9-4A74-B601-42108C5D5255}" type="presParOf" srcId="{2631BB0A-1428-42D6-B7C2-02408C7AB567}" destId="{B009ABCE-5FD0-467E-BD6A-FB55E9B9D42A}" srcOrd="1" destOrd="0" presId="urn:microsoft.com/office/officeart/2005/8/layout/hierarchy4"/>
+    <dgm:cxn modelId="{E209A2F9-1D68-430E-A4AA-8BD573524257}" type="presParOf" srcId="{2631BB0A-1428-42D6-B7C2-02408C7AB567}" destId="{A8FFB516-0BE0-4372-A815-1FF07C6376E4}" srcOrd="2" destOrd="0" presId="urn:microsoft.com/office/officeart/2005/8/layout/hierarchy4"/>
+    <dgm:cxn modelId="{6A97DFE7-8043-464A-AD7B-4DE7F60326F3}" type="presParOf" srcId="{A8FFB516-0BE0-4372-A815-1FF07C6376E4}" destId="{C25E4F19-958E-4216-A910-58BCD7308F78}" srcOrd="0" destOrd="0" presId="urn:microsoft.com/office/officeart/2005/8/layout/hierarchy4"/>
+    <dgm:cxn modelId="{2746CB39-DB79-4264-8661-4C1EBABE80F5}" type="presParOf" srcId="{C25E4F19-958E-4216-A910-58BCD7308F78}" destId="{220C07AE-62C9-4F6B-A055-AAD46F333010}" srcOrd="0" destOrd="0" presId="urn:microsoft.com/office/officeart/2005/8/layout/hierarchy4"/>
+    <dgm:cxn modelId="{00EAFD27-C7CD-42F9-BE02-D1FF44A1FF5A}" type="presParOf" srcId="{C25E4F19-958E-4216-A910-58BCD7308F78}" destId="{5D818319-FAC8-48B4-B5E2-54172E8AFA93}" srcOrd="1" destOrd="0" presId="urn:microsoft.com/office/officeart/2005/8/layout/hierarchy4"/>
+    <dgm:cxn modelId="{6B58D74C-94F4-45C9-93C7-5808BC321846}" type="presParOf" srcId="{C25E4F19-958E-4216-A910-58BCD7308F78}" destId="{16877AFB-E467-4C28-851A-6AE13E61117E}" srcOrd="2" destOrd="0" presId="urn:microsoft.com/office/officeart/2005/8/layout/hierarchy4"/>
+    <dgm:cxn modelId="{9C345408-E41C-4957-888C-C623476E38EF}" type="presParOf" srcId="{16877AFB-E467-4C28-851A-6AE13E61117E}" destId="{D09262F9-C279-4570-87CD-8FF519B3DBD2}" srcOrd="0" destOrd="0" presId="urn:microsoft.com/office/officeart/2005/8/layout/hierarchy4"/>
+    <dgm:cxn modelId="{BED78FA3-F342-454F-A901-F4DF8B9B53F6}" type="presParOf" srcId="{D09262F9-C279-4570-87CD-8FF519B3DBD2}" destId="{1E5F6CBE-A1F4-4AEA-BB24-4573437EE0DB}" srcOrd="0" destOrd="0" presId="urn:microsoft.com/office/officeart/2005/8/layout/hierarchy4"/>
+    <dgm:cxn modelId="{90F53553-11A5-4E09-813F-0E1C29F3AD1B}" type="presParOf" srcId="{D09262F9-C279-4570-87CD-8FF519B3DBD2}" destId="{32154778-A488-437F-862E-4C54B535BA5E}" srcOrd="1" destOrd="0" presId="urn:microsoft.com/office/officeart/2005/8/layout/hierarchy4"/>
+    <dgm:cxn modelId="{861E3F10-87A0-44C2-96D1-71F1F7D7C473}" type="presParOf" srcId="{16877AFB-E467-4C28-851A-6AE13E61117E}" destId="{3EEEE34A-5EDD-4A5D-8FBC-4D98D6614873}" srcOrd="1" destOrd="0" presId="urn:microsoft.com/office/officeart/2005/8/layout/hierarchy4"/>
+    <dgm:cxn modelId="{E1F03434-3D65-4622-8605-BFB09D57B99F}" type="presParOf" srcId="{16877AFB-E467-4C28-851A-6AE13E61117E}" destId="{00A1EBB9-FEE8-40D3-80B4-8E861BF3449E}" srcOrd="2" destOrd="0" presId="urn:microsoft.com/office/officeart/2005/8/layout/hierarchy4"/>
+    <dgm:cxn modelId="{B5F7C417-B418-4A6B-B5BA-2A8A279FA9B3}" type="presParOf" srcId="{00A1EBB9-FEE8-40D3-80B4-8E861BF3449E}" destId="{06FA772B-98AD-47F9-8019-FE322D3D6D01}" srcOrd="0" destOrd="0" presId="urn:microsoft.com/office/officeart/2005/8/layout/hierarchy4"/>
+    <dgm:cxn modelId="{442F6725-A44F-4DEA-82FF-A47D49D7C40F}" type="presParOf" srcId="{00A1EBB9-FEE8-40D3-80B4-8E861BF3449E}" destId="{9953C6F8-F9F9-4C58-9E0D-399BE5A7B181}" srcOrd="1" destOrd="0" presId="urn:microsoft.com/office/officeart/2005/8/layout/hierarchy4"/>
+    <dgm:cxn modelId="{B9CF4E44-0D1C-473B-9529-A7126434A7C7}" type="presParOf" srcId="{16877AFB-E467-4C28-851A-6AE13E61117E}" destId="{B2D43F3E-70C1-4908-8181-C6EC41B658F5}" srcOrd="3" destOrd="0" presId="urn:microsoft.com/office/officeart/2005/8/layout/hierarchy4"/>
+    <dgm:cxn modelId="{A0DF5312-8177-4A16-A7DA-0FE3C0E98A59}" type="presParOf" srcId="{16877AFB-E467-4C28-851A-6AE13E61117E}" destId="{B29B7EA4-C0DA-4DA3-9BC8-3D2C78AA6EE7}" srcOrd="4" destOrd="0" presId="urn:microsoft.com/office/officeart/2005/8/layout/hierarchy4"/>
+    <dgm:cxn modelId="{255D8534-0B26-42CB-A210-6803B7355F1C}" type="presParOf" srcId="{B29B7EA4-C0DA-4DA3-9BC8-3D2C78AA6EE7}" destId="{E6263668-2E2A-4741-951D-261C0B61B6BA}" srcOrd="0" destOrd="0" presId="urn:microsoft.com/office/officeart/2005/8/layout/hierarchy4"/>
+    <dgm:cxn modelId="{C3E66149-EE3E-416D-BFAD-C5B3880CD439}" type="presParOf" srcId="{B29B7EA4-C0DA-4DA3-9BC8-3D2C78AA6EE7}" destId="{D0CD6748-2FB0-4C99-B6B7-F74C24E30CCA}" srcOrd="1" destOrd="0" presId="urn:microsoft.com/office/officeart/2005/8/layout/hierarchy4"/>
+    <dgm:cxn modelId="{F35CF5C2-FC62-4D54-889B-A75565D21B4E}" type="presParOf" srcId="{A8FFB516-0BE0-4372-A815-1FF07C6376E4}" destId="{CA0DC6A7-3214-4199-AA01-7800803C37F7}" srcOrd="1" destOrd="0" presId="urn:microsoft.com/office/officeart/2005/8/layout/hierarchy4"/>
+    <dgm:cxn modelId="{117D4749-E049-4958-88F4-3FA7A21814C1}" type="presParOf" srcId="{A8FFB516-0BE0-4372-A815-1FF07C6376E4}" destId="{5F1BB144-39B2-4244-B5BD-17777FD3DFA3}" srcOrd="2" destOrd="0" presId="urn:microsoft.com/office/officeart/2005/8/layout/hierarchy4"/>
+    <dgm:cxn modelId="{EDE881BD-350C-4EAC-989E-4D402B1E2BE3}" type="presParOf" srcId="{5F1BB144-39B2-4244-B5BD-17777FD3DFA3}" destId="{D3406F35-89E4-414D-AC96-06767C8EF382}" srcOrd="0" destOrd="0" presId="urn:microsoft.com/office/officeart/2005/8/layout/hierarchy4"/>
+    <dgm:cxn modelId="{5EAF0F0E-EBB0-4D26-8F8F-325EB4366400}" type="presParOf" srcId="{5F1BB144-39B2-4244-B5BD-17777FD3DFA3}" destId="{D1D87616-FAD3-46F1-B9A4-62EA9862EC8A}" srcOrd="1" destOrd="0" presId="urn:microsoft.com/office/officeart/2005/8/layout/hierarchy4"/>
+    <dgm:cxn modelId="{FAF3D02B-7B3A-40B4-B076-867AF12490A4}" type="presParOf" srcId="{5F1BB144-39B2-4244-B5BD-17777FD3DFA3}" destId="{92725939-A7ED-4494-B0BC-28C5AA689CBD}" srcOrd="2" destOrd="0" presId="urn:microsoft.com/office/officeart/2005/8/layout/hierarchy4"/>
+    <dgm:cxn modelId="{5C70F53D-24FB-4C56-A4E6-0700833D5AF8}" type="presParOf" srcId="{92725939-A7ED-4494-B0BC-28C5AA689CBD}" destId="{5B97F914-6FCC-41F0-B82A-94E6450E22EF}" srcOrd="0" destOrd="0" presId="urn:microsoft.com/office/officeart/2005/8/layout/hierarchy4"/>
+    <dgm:cxn modelId="{D2E4FF03-87A6-467E-906C-998CA869BEB0}" type="presParOf" srcId="{5B97F914-6FCC-41F0-B82A-94E6450E22EF}" destId="{12B7958C-0CB2-43B1-9D6E-3496503910B4}" srcOrd="0" destOrd="0" presId="urn:microsoft.com/office/officeart/2005/8/layout/hierarchy4"/>
+    <dgm:cxn modelId="{8A1A33D3-5AD4-4278-B9C1-0A73BEDD436B}" type="presParOf" srcId="{5B97F914-6FCC-41F0-B82A-94E6450E22EF}" destId="{16ACDD17-5C52-4187-8CA9-F4F604BFFF18}" srcOrd="1" destOrd="0" presId="urn:microsoft.com/office/officeart/2005/8/layout/hierarchy4"/>
+    <dgm:cxn modelId="{AF3EC5F3-0555-401B-B0DD-17B7DD535D3D}" type="presParOf" srcId="{92725939-A7ED-4494-B0BC-28C5AA689CBD}" destId="{6F5F60B6-9F6A-46BC-8F1E-E787E712A2D4}" srcOrd="1" destOrd="0" presId="urn:microsoft.com/office/officeart/2005/8/layout/hierarchy4"/>
+    <dgm:cxn modelId="{F1B209A7-65A7-401E-8F3F-D4A17E046F48}" type="presParOf" srcId="{92725939-A7ED-4494-B0BC-28C5AA689CBD}" destId="{E1B000A0-8122-4396-A3EB-FB575D285CFC}" srcOrd="2" destOrd="0" presId="urn:microsoft.com/office/officeart/2005/8/layout/hierarchy4"/>
+    <dgm:cxn modelId="{2A122739-F87B-4745-BE09-FE236627EA3B}" type="presParOf" srcId="{E1B000A0-8122-4396-A3EB-FB575D285CFC}" destId="{BB19151D-9D7A-49BC-B9BD-A7DE7F52E01B}" srcOrd="0" destOrd="0" presId="urn:microsoft.com/office/officeart/2005/8/layout/hierarchy4"/>
+    <dgm:cxn modelId="{AA556FFD-FF18-4D88-A6C1-F57BD55ED801}" type="presParOf" srcId="{E1B000A0-8122-4396-A3EB-FB575D285CFC}" destId="{7BCDA259-8856-4626-85B5-EB9E8B1A43C1}" srcOrd="1" destOrd="0" presId="urn:microsoft.com/office/officeart/2005/8/layout/hierarchy4"/>
+    <dgm:cxn modelId="{C3DB3FEE-5CF2-456D-A101-5D1DAE4D23E2}" type="presParOf" srcId="{92725939-A7ED-4494-B0BC-28C5AA689CBD}" destId="{5016EC65-334A-4CDE-8EF3-BBAC04064577}" srcOrd="3" destOrd="0" presId="urn:microsoft.com/office/officeart/2005/8/layout/hierarchy4"/>
+    <dgm:cxn modelId="{BFDBACDF-A6C2-4889-81D2-17E7EF46B9AA}" type="presParOf" srcId="{92725939-A7ED-4494-B0BC-28C5AA689CBD}" destId="{6FD51E7C-5E74-4543-A3C0-FA961BBED570}" srcOrd="4" destOrd="0" presId="urn:microsoft.com/office/officeart/2005/8/layout/hierarchy4"/>
+    <dgm:cxn modelId="{B70EEA7D-A10D-436F-B1ED-C72F700AA8A8}" type="presParOf" srcId="{6FD51E7C-5E74-4543-A3C0-FA961BBED570}" destId="{60F488CF-41F0-48FA-A61E-EA17F412EBEA}" srcOrd="0" destOrd="0" presId="urn:microsoft.com/office/officeart/2005/8/layout/hierarchy4"/>
+    <dgm:cxn modelId="{E2E1CEDB-E74F-4127-B68E-B5D44C0676B9}" type="presParOf" srcId="{6FD51E7C-5E74-4543-A3C0-FA961BBED570}" destId="{F2D1E4DC-5F45-4F7A-AA42-42AAFE9250E6}" srcOrd="1" destOrd="0" presId="urn:microsoft.com/office/officeart/2005/8/layout/hierarchy4"/>
+    <dgm:cxn modelId="{EDC80BE7-D942-42EB-BFB5-9B5B4A853EE0}" type="presParOf" srcId="{A8FFB516-0BE0-4372-A815-1FF07C6376E4}" destId="{8CF9F0F6-3228-4E29-876E-89B4D773AF5E}" srcOrd="3" destOrd="0" presId="urn:microsoft.com/office/officeart/2005/8/layout/hierarchy4"/>
+    <dgm:cxn modelId="{948840E3-13A0-4314-BBC2-88C0D3D5CEBD}" type="presParOf" srcId="{A8FFB516-0BE0-4372-A815-1FF07C6376E4}" destId="{C119F0DC-A4FF-4871-895C-8DC47EE8C8FE}" srcOrd="4" destOrd="0" presId="urn:microsoft.com/office/officeart/2005/8/layout/hierarchy4"/>
+    <dgm:cxn modelId="{56EE6707-B5CA-4771-B6A9-6818E1889410}" type="presParOf" srcId="{C119F0DC-A4FF-4871-895C-8DC47EE8C8FE}" destId="{61E1DF61-EE1C-4BC8-9FCD-15E8F5A0AE25}" srcOrd="0" destOrd="0" presId="urn:microsoft.com/office/officeart/2005/8/layout/hierarchy4"/>
+    <dgm:cxn modelId="{E69B4C6E-DB3B-46CF-8FDF-BC3D1FE26B79}" type="presParOf" srcId="{C119F0DC-A4FF-4871-895C-8DC47EE8C8FE}" destId="{9B9D8B94-8C9B-409A-AB59-D35D60C91C8E}" srcOrd="1" destOrd="0" presId="urn:microsoft.com/office/officeart/2005/8/layout/hierarchy4"/>
+    <dgm:cxn modelId="{FA9B29B0-7051-460D-A741-16B06467F13C}" type="presParOf" srcId="{C119F0DC-A4FF-4871-895C-8DC47EE8C8FE}" destId="{217368B5-9CE6-4E6F-812E-8EB19C093CDF}" srcOrd="2" destOrd="0" presId="urn:microsoft.com/office/officeart/2005/8/layout/hierarchy4"/>
+    <dgm:cxn modelId="{AA885FB0-3CF0-4BB4-9CFF-ABCC417137FB}" type="presParOf" srcId="{217368B5-9CE6-4E6F-812E-8EB19C093CDF}" destId="{4291FEBA-C693-49A4-BE35-BB7A2BFBC57F}" srcOrd="0" destOrd="0" presId="urn:microsoft.com/office/officeart/2005/8/layout/hierarchy4"/>
+    <dgm:cxn modelId="{0D13B632-9E16-4820-BFE3-92D5445E670D}" type="presParOf" srcId="{4291FEBA-C693-49A4-BE35-BB7A2BFBC57F}" destId="{7AD3F015-6D1E-48E1-AA48-C5E0F0FAD24E}" srcOrd="0" destOrd="0" presId="urn:microsoft.com/office/officeart/2005/8/layout/hierarchy4"/>
+    <dgm:cxn modelId="{2F737236-F284-435C-B496-C69B185D0947}" type="presParOf" srcId="{4291FEBA-C693-49A4-BE35-BB7A2BFBC57F}" destId="{A2406600-AD73-4AA5-B28A-D78E36B4B16F}" srcOrd="1" destOrd="0" presId="urn:microsoft.com/office/officeart/2005/8/layout/hierarchy4"/>
   </dgm:cxnLst>
   <dgm:bg/>
   <dgm:whole/>
@@ -3935,6 +5642,853 @@
 </dsp:drawing>
 </file>
 
+<file path=ppt/diagrams/drawing3.xml><?xml version="1.0" encoding="utf-8"?>
+<dsp:drawing xmlns:dgm="http://schemas.openxmlformats.org/drawingml/2006/diagram" xmlns:dsp="http://schemas.microsoft.com/office/drawing/2008/diagram" xmlns:a="http://schemas.openxmlformats.org/drawingml/2006/main">
+  <dsp:spTree>
+    <dsp:nvGrpSpPr>
+      <dsp:cNvPr id="0" name=""/>
+      <dsp:cNvGrpSpPr/>
+    </dsp:nvGrpSpPr>
+    <dsp:grpSpPr/>
+    <dsp:sp modelId="{86E92F1B-98FC-4A1F-B92F-5FDD61CE0609}">
+      <dsp:nvSpPr>
+        <dsp:cNvPr id="0" name=""/>
+        <dsp:cNvSpPr/>
+      </dsp:nvSpPr>
+      <dsp:spPr>
+        <a:xfrm>
+          <a:off x="2523" y="958"/>
+          <a:ext cx="8224552" cy="1412153"/>
+        </a:xfrm>
+        <a:prstGeom prst="roundRect">
+          <a:avLst>
+            <a:gd name="adj" fmla="val 10000"/>
+          </a:avLst>
+        </a:prstGeom>
+        <a:solidFill>
+          <a:schemeClr val="accent1">
+            <a:hueOff val="0"/>
+            <a:satOff val="0"/>
+            <a:lumOff val="0"/>
+            <a:alphaOff val="0"/>
+          </a:schemeClr>
+        </a:solidFill>
+        <a:ln w="25400" cap="flat" cmpd="sng" algn="ctr">
+          <a:solidFill>
+            <a:schemeClr val="lt1">
+              <a:hueOff val="0"/>
+              <a:satOff val="0"/>
+              <a:lumOff val="0"/>
+              <a:alphaOff val="0"/>
+            </a:schemeClr>
+          </a:solidFill>
+          <a:prstDash val="solid"/>
+        </a:ln>
+        <a:effectLst/>
+      </dsp:spPr>
+      <dsp:style>
+        <a:lnRef idx="2">
+          <a:scrgbClr r="0" g="0" b="0"/>
+        </a:lnRef>
+        <a:fillRef idx="1">
+          <a:scrgbClr r="0" g="0" b="0"/>
+        </a:fillRef>
+        <a:effectRef idx="0">
+          <a:scrgbClr r="0" g="0" b="0"/>
+        </a:effectRef>
+        <a:fontRef idx="minor">
+          <a:schemeClr val="lt1"/>
+        </a:fontRef>
+      </dsp:style>
+      <dsp:txBody>
+        <a:bodyPr spcFirstLastPara="0" vert="horz" wrap="square" lIns="232410" tIns="232410" rIns="232410" bIns="232410" numCol="1" spcCol="1270" anchor="ctr" anchorCtr="0">
+          <a:noAutofit/>
+        </a:bodyPr>
+        <a:lstStyle/>
+        <a:p>
+          <a:pPr lvl="0" algn="ctr" defTabSz="2711450">
+            <a:lnSpc>
+              <a:spcPct val="90000"/>
+            </a:lnSpc>
+            <a:spcBef>
+              <a:spcPct val="0"/>
+            </a:spcBef>
+            <a:spcAft>
+              <a:spcPct val="35000"/>
+            </a:spcAft>
+          </a:pPr>
+          <a:r>
+            <a:rPr lang="en-IE" sz="6100" kern="1200" dirty="0" smtClean="0"/>
+            <a:t>MCU</a:t>
+          </a:r>
+          <a:endParaRPr lang="en-IE" sz="6100" kern="1200" dirty="0"/>
+        </a:p>
+      </dsp:txBody>
+      <dsp:txXfrm>
+        <a:off x="43884" y="42319"/>
+        <a:ext cx="8141830" cy="1329431"/>
+      </dsp:txXfrm>
+    </dsp:sp>
+    <dsp:sp modelId="{220C07AE-62C9-4F6B-A055-AAD46F333010}">
+      <dsp:nvSpPr>
+        <dsp:cNvPr id="0" name=""/>
+        <dsp:cNvSpPr/>
+      </dsp:nvSpPr>
+      <dsp:spPr>
+        <a:xfrm>
+          <a:off x="835721" y="1556904"/>
+          <a:ext cx="1800450" cy="1412153"/>
+        </a:xfrm>
+        <a:prstGeom prst="roundRect">
+          <a:avLst>
+            <a:gd name="adj" fmla="val 10000"/>
+          </a:avLst>
+        </a:prstGeom>
+        <a:solidFill>
+          <a:schemeClr val="accent2">
+            <a:lumMod val="75000"/>
+          </a:schemeClr>
+        </a:solidFill>
+        <a:ln w="25400" cap="flat" cmpd="sng" algn="ctr">
+          <a:solidFill>
+            <a:schemeClr val="lt1">
+              <a:hueOff val="0"/>
+              <a:satOff val="0"/>
+              <a:lumOff val="0"/>
+              <a:alphaOff val="0"/>
+            </a:schemeClr>
+          </a:solidFill>
+          <a:prstDash val="solid"/>
+        </a:ln>
+        <a:effectLst/>
+      </dsp:spPr>
+      <dsp:style>
+        <a:lnRef idx="2">
+          <a:scrgbClr r="0" g="0" b="0"/>
+        </a:lnRef>
+        <a:fillRef idx="1">
+          <a:scrgbClr r="0" g="0" b="0"/>
+        </a:fillRef>
+        <a:effectRef idx="0">
+          <a:scrgbClr r="0" g="0" b="0"/>
+        </a:effectRef>
+        <a:fontRef idx="minor">
+          <a:schemeClr val="lt1"/>
+        </a:fontRef>
+      </dsp:style>
+      <dsp:txBody>
+        <a:bodyPr spcFirstLastPara="0" vert="horz" wrap="square" lIns="76200" tIns="76200" rIns="76200" bIns="76200" numCol="1" spcCol="1270" anchor="ctr" anchorCtr="0">
+          <a:noAutofit/>
+        </a:bodyPr>
+        <a:lstStyle/>
+        <a:p>
+          <a:pPr lvl="0" algn="ctr" defTabSz="889000">
+            <a:lnSpc>
+              <a:spcPct val="90000"/>
+            </a:lnSpc>
+            <a:spcBef>
+              <a:spcPct val="0"/>
+            </a:spcBef>
+            <a:spcAft>
+              <a:spcPct val="35000"/>
+            </a:spcAft>
+          </a:pPr>
+          <a:r>
+            <a:rPr lang="en-IE" sz="2000" kern="1200" dirty="0" smtClean="0"/>
+            <a:t>TI MSP430 MCU</a:t>
+          </a:r>
+          <a:endParaRPr lang="en-IE" sz="2000" kern="1200" dirty="0"/>
+        </a:p>
+      </dsp:txBody>
+      <dsp:txXfrm>
+        <a:off x="877082" y="1598265"/>
+        <a:ext cx="1717728" cy="1329431"/>
+      </dsp:txXfrm>
+    </dsp:sp>
+    <dsp:sp modelId="{1E5F6CBE-A1F4-4AEA-BB24-4573437EE0DB}">
+      <dsp:nvSpPr>
+        <dsp:cNvPr id="0" name=""/>
+        <dsp:cNvSpPr/>
+      </dsp:nvSpPr>
+      <dsp:spPr>
+        <a:xfrm>
+          <a:off x="10551" y="3112851"/>
+          <a:ext cx="1118933" cy="1412153"/>
+        </a:xfrm>
+        <a:prstGeom prst="roundRect">
+          <a:avLst>
+            <a:gd name="adj" fmla="val 10000"/>
+          </a:avLst>
+        </a:prstGeom>
+        <a:solidFill>
+          <a:schemeClr val="accent2">
+            <a:lumMod val="75000"/>
+          </a:schemeClr>
+        </a:solidFill>
+        <a:ln w="25400" cap="flat" cmpd="sng" algn="ctr">
+          <a:solidFill>
+            <a:schemeClr val="lt1">
+              <a:hueOff val="0"/>
+              <a:satOff val="0"/>
+              <a:lumOff val="0"/>
+              <a:alphaOff val="0"/>
+            </a:schemeClr>
+          </a:solidFill>
+          <a:prstDash val="solid"/>
+        </a:ln>
+        <a:effectLst/>
+      </dsp:spPr>
+      <dsp:style>
+        <a:lnRef idx="2">
+          <a:scrgbClr r="0" g="0" b="0"/>
+        </a:lnRef>
+        <a:fillRef idx="1">
+          <a:scrgbClr r="0" g="0" b="0"/>
+        </a:fillRef>
+        <a:effectRef idx="0">
+          <a:scrgbClr r="0" g="0" b="0"/>
+        </a:effectRef>
+        <a:fontRef idx="minor">
+          <a:schemeClr val="lt1"/>
+        </a:fontRef>
+      </dsp:style>
+      <dsp:txBody>
+        <a:bodyPr spcFirstLastPara="0" vert="horz" wrap="square" lIns="76200" tIns="76200" rIns="76200" bIns="76200" numCol="1" spcCol="1270" anchor="ctr" anchorCtr="0">
+          <a:noAutofit/>
+        </a:bodyPr>
+        <a:lstStyle/>
+        <a:p>
+          <a:pPr lvl="0" algn="ctr" defTabSz="889000">
+            <a:lnSpc>
+              <a:spcPct val="90000"/>
+            </a:lnSpc>
+            <a:spcBef>
+              <a:spcPct val="0"/>
+            </a:spcBef>
+            <a:spcAft>
+              <a:spcPct val="35000"/>
+            </a:spcAft>
+          </a:pPr>
+          <a:r>
+            <a:rPr lang="en-IE" sz="2000" kern="1200" dirty="0" smtClean="0"/>
+            <a:t>7-Seg</a:t>
+          </a:r>
+          <a:endParaRPr lang="en-IE" sz="2000" kern="1200" dirty="0"/>
+        </a:p>
+      </dsp:txBody>
+      <dsp:txXfrm>
+        <a:off x="43323" y="3145623"/>
+        <a:ext cx="1053389" cy="1346609"/>
+      </dsp:txXfrm>
+    </dsp:sp>
+    <dsp:sp modelId="{06FA772B-98AD-47F9-8019-FE322D3D6D01}">
+      <dsp:nvSpPr>
+        <dsp:cNvPr id="0" name=""/>
+        <dsp:cNvSpPr/>
+      </dsp:nvSpPr>
+      <dsp:spPr>
+        <a:xfrm>
+          <a:off x="1176480" y="3112851"/>
+          <a:ext cx="1118933" cy="1412153"/>
+        </a:xfrm>
+        <a:prstGeom prst="roundRect">
+          <a:avLst>
+            <a:gd name="adj" fmla="val 10000"/>
+          </a:avLst>
+        </a:prstGeom>
+        <a:solidFill>
+          <a:schemeClr val="accent2">
+            <a:lumMod val="75000"/>
+          </a:schemeClr>
+        </a:solidFill>
+        <a:ln w="25400" cap="flat" cmpd="sng" algn="ctr">
+          <a:solidFill>
+            <a:schemeClr val="lt1">
+              <a:hueOff val="0"/>
+              <a:satOff val="0"/>
+              <a:lumOff val="0"/>
+              <a:alphaOff val="0"/>
+            </a:schemeClr>
+          </a:solidFill>
+          <a:prstDash val="solid"/>
+        </a:ln>
+        <a:effectLst/>
+      </dsp:spPr>
+      <dsp:style>
+        <a:lnRef idx="2">
+          <a:scrgbClr r="0" g="0" b="0"/>
+        </a:lnRef>
+        <a:fillRef idx="1">
+          <a:scrgbClr r="0" g="0" b="0"/>
+        </a:fillRef>
+        <a:effectRef idx="0">
+          <a:scrgbClr r="0" g="0" b="0"/>
+        </a:effectRef>
+        <a:fontRef idx="minor">
+          <a:schemeClr val="lt1"/>
+        </a:fontRef>
+      </dsp:style>
+      <dsp:txBody>
+        <a:bodyPr spcFirstLastPara="0" vert="horz" wrap="square" lIns="76200" tIns="76200" rIns="76200" bIns="76200" numCol="1" spcCol="1270" anchor="ctr" anchorCtr="0">
+          <a:noAutofit/>
+        </a:bodyPr>
+        <a:lstStyle/>
+        <a:p>
+          <a:pPr lvl="0" algn="ctr" defTabSz="889000">
+            <a:lnSpc>
+              <a:spcPct val="90000"/>
+            </a:lnSpc>
+            <a:spcBef>
+              <a:spcPct val="0"/>
+            </a:spcBef>
+            <a:spcAft>
+              <a:spcPct val="35000"/>
+            </a:spcAft>
+          </a:pPr>
+          <a:r>
+            <a:rPr lang="en-IE" sz="2000" kern="1200" dirty="0" smtClean="0"/>
+            <a:t>RGB LEDs</a:t>
+          </a:r>
+          <a:endParaRPr lang="en-IE" sz="2000" kern="1200" dirty="0"/>
+        </a:p>
+      </dsp:txBody>
+      <dsp:txXfrm>
+        <a:off x="1209252" y="3145623"/>
+        <a:ext cx="1053389" cy="1346609"/>
+      </dsp:txXfrm>
+    </dsp:sp>
+    <dsp:sp modelId="{E6263668-2E2A-4741-951D-261C0B61B6BA}">
+      <dsp:nvSpPr>
+        <dsp:cNvPr id="0" name=""/>
+        <dsp:cNvSpPr/>
+      </dsp:nvSpPr>
+      <dsp:spPr>
+        <a:xfrm>
+          <a:off x="2342409" y="3112851"/>
+          <a:ext cx="1118933" cy="1412153"/>
+        </a:xfrm>
+        <a:prstGeom prst="roundRect">
+          <a:avLst>
+            <a:gd name="adj" fmla="val 10000"/>
+          </a:avLst>
+        </a:prstGeom>
+        <a:solidFill>
+          <a:schemeClr val="accent2">
+            <a:lumMod val="75000"/>
+          </a:schemeClr>
+        </a:solidFill>
+        <a:ln w="25400" cap="flat" cmpd="sng" algn="ctr">
+          <a:solidFill>
+            <a:schemeClr val="lt1">
+              <a:hueOff val="0"/>
+              <a:satOff val="0"/>
+              <a:lumOff val="0"/>
+              <a:alphaOff val="0"/>
+            </a:schemeClr>
+          </a:solidFill>
+          <a:prstDash val="solid"/>
+        </a:ln>
+        <a:effectLst/>
+      </dsp:spPr>
+      <dsp:style>
+        <a:lnRef idx="2">
+          <a:scrgbClr r="0" g="0" b="0"/>
+        </a:lnRef>
+        <a:fillRef idx="1">
+          <a:scrgbClr r="0" g="0" b="0"/>
+        </a:fillRef>
+        <a:effectRef idx="0">
+          <a:scrgbClr r="0" g="0" b="0"/>
+        </a:effectRef>
+        <a:fontRef idx="minor">
+          <a:schemeClr val="lt1"/>
+        </a:fontRef>
+      </dsp:style>
+      <dsp:txBody>
+        <a:bodyPr spcFirstLastPara="0" vert="horz" wrap="square" lIns="76200" tIns="76200" rIns="76200" bIns="76200" numCol="1" spcCol="1270" anchor="ctr" anchorCtr="0">
+          <a:noAutofit/>
+        </a:bodyPr>
+        <a:lstStyle/>
+        <a:p>
+          <a:pPr lvl="0" algn="ctr" defTabSz="889000">
+            <a:lnSpc>
+              <a:spcPct val="90000"/>
+            </a:lnSpc>
+            <a:spcBef>
+              <a:spcPct val="0"/>
+            </a:spcBef>
+            <a:spcAft>
+              <a:spcPct val="35000"/>
+            </a:spcAft>
+          </a:pPr>
+          <a:r>
+            <a:rPr lang="en-IE" sz="2000" kern="1200" dirty="0" smtClean="0"/>
+            <a:t>Contact Sensors</a:t>
+          </a:r>
+          <a:endParaRPr lang="en-IE" sz="2000" kern="1200" dirty="0"/>
+        </a:p>
+      </dsp:txBody>
+      <dsp:txXfrm>
+        <a:off x="2375181" y="3145623"/>
+        <a:ext cx="1053389" cy="1346609"/>
+      </dsp:txXfrm>
+    </dsp:sp>
+    <dsp:sp modelId="{D3406F35-89E4-414D-AC96-06767C8EF382}">
+      <dsp:nvSpPr>
+        <dsp:cNvPr id="0" name=""/>
+        <dsp:cNvSpPr/>
+      </dsp:nvSpPr>
+      <dsp:spPr>
+        <a:xfrm>
+          <a:off x="3555333" y="1556904"/>
+          <a:ext cx="3450791" cy="1412153"/>
+        </a:xfrm>
+        <a:prstGeom prst="roundRect">
+          <a:avLst>
+            <a:gd name="adj" fmla="val 10000"/>
+          </a:avLst>
+        </a:prstGeom>
+        <a:solidFill>
+          <a:schemeClr val="accent3">
+            <a:lumMod val="75000"/>
+          </a:schemeClr>
+        </a:solidFill>
+        <a:ln w="25400" cap="flat" cmpd="sng" algn="ctr">
+          <a:solidFill>
+            <a:schemeClr val="lt1">
+              <a:hueOff val="0"/>
+              <a:satOff val="0"/>
+              <a:lumOff val="0"/>
+              <a:alphaOff val="0"/>
+            </a:schemeClr>
+          </a:solidFill>
+          <a:prstDash val="solid"/>
+        </a:ln>
+        <a:effectLst/>
+      </dsp:spPr>
+      <dsp:style>
+        <a:lnRef idx="2">
+          <a:scrgbClr r="0" g="0" b="0"/>
+        </a:lnRef>
+        <a:fillRef idx="1">
+          <a:scrgbClr r="0" g="0" b="0"/>
+        </a:fillRef>
+        <a:effectRef idx="0">
+          <a:scrgbClr r="0" g="0" b="0"/>
+        </a:effectRef>
+        <a:fontRef idx="minor">
+          <a:schemeClr val="lt1"/>
+        </a:fontRef>
+      </dsp:style>
+      <dsp:txBody>
+        <a:bodyPr spcFirstLastPara="0" vert="horz" wrap="square" lIns="76200" tIns="76200" rIns="76200" bIns="76200" numCol="1" spcCol="1270" anchor="ctr" anchorCtr="0">
+          <a:noAutofit/>
+        </a:bodyPr>
+        <a:lstStyle/>
+        <a:p>
+          <a:pPr lvl="0" algn="ctr" defTabSz="889000">
+            <a:lnSpc>
+              <a:spcPct val="90000"/>
+            </a:lnSpc>
+            <a:spcBef>
+              <a:spcPct val="0"/>
+            </a:spcBef>
+            <a:spcAft>
+              <a:spcPct val="35000"/>
+            </a:spcAft>
+          </a:pPr>
+          <a:r>
+            <a:rPr lang="en-IE" sz="2000" kern="1200" dirty="0" smtClean="0"/>
+            <a:t>I2C Bus</a:t>
+          </a:r>
+          <a:endParaRPr lang="en-IE" sz="2000" kern="1200" dirty="0"/>
+        </a:p>
+      </dsp:txBody>
+      <dsp:txXfrm>
+        <a:off x="3596694" y="1598265"/>
+        <a:ext cx="3368069" cy="1329431"/>
+      </dsp:txXfrm>
+    </dsp:sp>
+    <dsp:sp modelId="{12B7958C-0CB2-43B1-9D6E-3496503910B4}">
+      <dsp:nvSpPr>
+        <dsp:cNvPr id="0" name=""/>
+        <dsp:cNvSpPr/>
+      </dsp:nvSpPr>
+      <dsp:spPr>
+        <a:xfrm>
+          <a:off x="3555333" y="3112851"/>
+          <a:ext cx="1118933" cy="1412153"/>
+        </a:xfrm>
+        <a:prstGeom prst="roundRect">
+          <a:avLst>
+            <a:gd name="adj" fmla="val 10000"/>
+          </a:avLst>
+        </a:prstGeom>
+        <a:solidFill>
+          <a:schemeClr val="accent3">
+            <a:lumMod val="75000"/>
+          </a:schemeClr>
+        </a:solidFill>
+        <a:ln w="25400" cap="flat" cmpd="sng" algn="ctr">
+          <a:solidFill>
+            <a:schemeClr val="lt1">
+              <a:hueOff val="0"/>
+              <a:satOff val="0"/>
+              <a:lumOff val="0"/>
+              <a:alphaOff val="0"/>
+            </a:schemeClr>
+          </a:solidFill>
+          <a:prstDash val="solid"/>
+        </a:ln>
+        <a:effectLst/>
+      </dsp:spPr>
+      <dsp:style>
+        <a:lnRef idx="2">
+          <a:scrgbClr r="0" g="0" b="0"/>
+        </a:lnRef>
+        <a:fillRef idx="1">
+          <a:scrgbClr r="0" g="0" b="0"/>
+        </a:fillRef>
+        <a:effectRef idx="0">
+          <a:scrgbClr r="0" g="0" b="0"/>
+        </a:effectRef>
+        <a:fontRef idx="minor">
+          <a:schemeClr val="lt1"/>
+        </a:fontRef>
+      </dsp:style>
+      <dsp:txBody>
+        <a:bodyPr spcFirstLastPara="0" vert="horz" wrap="square" lIns="76200" tIns="76200" rIns="76200" bIns="76200" numCol="1" spcCol="1270" anchor="ctr" anchorCtr="0">
+          <a:noAutofit/>
+        </a:bodyPr>
+        <a:lstStyle/>
+        <a:p>
+          <a:pPr lvl="0" algn="ctr" defTabSz="889000">
+            <a:lnSpc>
+              <a:spcPct val="90000"/>
+            </a:lnSpc>
+            <a:spcBef>
+              <a:spcPct val="0"/>
+            </a:spcBef>
+            <a:spcAft>
+              <a:spcPct val="35000"/>
+            </a:spcAft>
+          </a:pPr>
+          <a:r>
+            <a:rPr lang="en-IE" sz="2000" kern="1200" dirty="0" smtClean="0"/>
+            <a:t>Gyro</a:t>
+          </a:r>
+          <a:endParaRPr lang="en-IE" sz="2000" kern="1200" dirty="0"/>
+        </a:p>
+      </dsp:txBody>
+      <dsp:txXfrm>
+        <a:off x="3588105" y="3145623"/>
+        <a:ext cx="1053389" cy="1346609"/>
+      </dsp:txXfrm>
+    </dsp:sp>
+    <dsp:sp modelId="{BB19151D-9D7A-49BC-B9BD-A7DE7F52E01B}">
+      <dsp:nvSpPr>
+        <dsp:cNvPr id="0" name=""/>
+        <dsp:cNvSpPr/>
+      </dsp:nvSpPr>
+      <dsp:spPr>
+        <a:xfrm>
+          <a:off x="4721262" y="3112851"/>
+          <a:ext cx="1118933" cy="1412153"/>
+        </a:xfrm>
+        <a:prstGeom prst="roundRect">
+          <a:avLst>
+            <a:gd name="adj" fmla="val 10000"/>
+          </a:avLst>
+        </a:prstGeom>
+        <a:solidFill>
+          <a:schemeClr val="accent3">
+            <a:lumMod val="75000"/>
+          </a:schemeClr>
+        </a:solidFill>
+        <a:ln w="25400" cap="flat" cmpd="sng" algn="ctr">
+          <a:solidFill>
+            <a:schemeClr val="lt1">
+              <a:hueOff val="0"/>
+              <a:satOff val="0"/>
+              <a:lumOff val="0"/>
+              <a:alphaOff val="0"/>
+            </a:schemeClr>
+          </a:solidFill>
+          <a:prstDash val="solid"/>
+        </a:ln>
+        <a:effectLst/>
+      </dsp:spPr>
+      <dsp:style>
+        <a:lnRef idx="2">
+          <a:scrgbClr r="0" g="0" b="0"/>
+        </a:lnRef>
+        <a:fillRef idx="1">
+          <a:scrgbClr r="0" g="0" b="0"/>
+        </a:fillRef>
+        <a:effectRef idx="0">
+          <a:scrgbClr r="0" g="0" b="0"/>
+        </a:effectRef>
+        <a:fontRef idx="minor">
+          <a:schemeClr val="lt1"/>
+        </a:fontRef>
+      </dsp:style>
+      <dsp:txBody>
+        <a:bodyPr spcFirstLastPara="0" vert="horz" wrap="square" lIns="45720" tIns="45720" rIns="45720" bIns="45720" numCol="1" spcCol="1270" anchor="ctr" anchorCtr="0">
+          <a:noAutofit/>
+        </a:bodyPr>
+        <a:lstStyle/>
+        <a:p>
+          <a:pPr lvl="0" algn="ctr" defTabSz="533400">
+            <a:lnSpc>
+              <a:spcPct val="90000"/>
+            </a:lnSpc>
+            <a:spcBef>
+              <a:spcPct val="0"/>
+            </a:spcBef>
+            <a:spcAft>
+              <a:spcPct val="35000"/>
+            </a:spcAft>
+          </a:pPr>
+          <a:r>
+            <a:rPr lang="en-IE" sz="1200" kern="1200" dirty="0" smtClean="0"/>
+            <a:t>Accelerometer</a:t>
+          </a:r>
+          <a:endParaRPr lang="en-IE" sz="1200" kern="1200" dirty="0"/>
+        </a:p>
+      </dsp:txBody>
+      <dsp:txXfrm>
+        <a:off x="4754034" y="3145623"/>
+        <a:ext cx="1053389" cy="1346609"/>
+      </dsp:txXfrm>
+    </dsp:sp>
+    <dsp:sp modelId="{60F488CF-41F0-48FA-A61E-EA17F412EBEA}">
+      <dsp:nvSpPr>
+        <dsp:cNvPr id="0" name=""/>
+        <dsp:cNvSpPr/>
+      </dsp:nvSpPr>
+      <dsp:spPr>
+        <a:xfrm>
+          <a:off x="5887190" y="3112851"/>
+          <a:ext cx="1118933" cy="1412153"/>
+        </a:xfrm>
+        <a:prstGeom prst="roundRect">
+          <a:avLst>
+            <a:gd name="adj" fmla="val 10000"/>
+          </a:avLst>
+        </a:prstGeom>
+        <a:solidFill>
+          <a:schemeClr val="accent3">
+            <a:lumMod val="75000"/>
+          </a:schemeClr>
+        </a:solidFill>
+        <a:ln w="25400" cap="flat" cmpd="sng" algn="ctr">
+          <a:solidFill>
+            <a:schemeClr val="lt1">
+              <a:hueOff val="0"/>
+              <a:satOff val="0"/>
+              <a:lumOff val="0"/>
+              <a:alphaOff val="0"/>
+            </a:schemeClr>
+          </a:solidFill>
+          <a:prstDash val="solid"/>
+        </a:ln>
+        <a:effectLst/>
+      </dsp:spPr>
+      <dsp:style>
+        <a:lnRef idx="2">
+          <a:scrgbClr r="0" g="0" b="0"/>
+        </a:lnRef>
+        <a:fillRef idx="1">
+          <a:scrgbClr r="0" g="0" b="0"/>
+        </a:fillRef>
+        <a:effectRef idx="0">
+          <a:scrgbClr r="0" g="0" b="0"/>
+        </a:effectRef>
+        <a:fontRef idx="minor">
+          <a:schemeClr val="lt1"/>
+        </a:fontRef>
+      </dsp:style>
+      <dsp:txBody>
+        <a:bodyPr spcFirstLastPara="0" vert="horz" wrap="square" lIns="76200" tIns="76200" rIns="76200" bIns="76200" numCol="1" spcCol="1270" anchor="ctr" anchorCtr="0">
+          <a:noAutofit/>
+        </a:bodyPr>
+        <a:lstStyle/>
+        <a:p>
+          <a:pPr lvl="0" algn="ctr" defTabSz="889000">
+            <a:lnSpc>
+              <a:spcPct val="90000"/>
+            </a:lnSpc>
+            <a:spcBef>
+              <a:spcPct val="0"/>
+            </a:spcBef>
+            <a:spcAft>
+              <a:spcPct val="35000"/>
+            </a:spcAft>
+          </a:pPr>
+          <a:r>
+            <a:rPr lang="en-IE" sz="2000" kern="1200" dirty="0" smtClean="0"/>
+            <a:t>Magnet</a:t>
+          </a:r>
+          <a:endParaRPr lang="en-IE" sz="2000" kern="1200" dirty="0"/>
+        </a:p>
+      </dsp:txBody>
+      <dsp:txXfrm>
+        <a:off x="5919962" y="3145623"/>
+        <a:ext cx="1053389" cy="1346609"/>
+      </dsp:txXfrm>
+    </dsp:sp>
+    <dsp:sp modelId="{61E1DF61-EE1C-4BC8-9FCD-15E8F5A0AE25}">
+      <dsp:nvSpPr>
+        <dsp:cNvPr id="0" name=""/>
+        <dsp:cNvSpPr/>
+      </dsp:nvSpPr>
+      <dsp:spPr>
+        <a:xfrm>
+          <a:off x="7100114" y="1556904"/>
+          <a:ext cx="1118933" cy="1412153"/>
+        </a:xfrm>
+        <a:prstGeom prst="roundRect">
+          <a:avLst>
+            <a:gd name="adj" fmla="val 10000"/>
+          </a:avLst>
+        </a:prstGeom>
+        <a:solidFill>
+          <a:schemeClr val="accent6">
+            <a:lumMod val="75000"/>
+          </a:schemeClr>
+        </a:solidFill>
+        <a:ln w="25400" cap="flat" cmpd="sng" algn="ctr">
+          <a:solidFill>
+            <a:schemeClr val="accent5">
+              <a:lumMod val="60000"/>
+              <a:lumOff val="40000"/>
+            </a:schemeClr>
+          </a:solidFill>
+          <a:prstDash val="solid"/>
+        </a:ln>
+        <a:effectLst/>
+      </dsp:spPr>
+      <dsp:style>
+        <a:lnRef idx="2">
+          <a:scrgbClr r="0" g="0" b="0"/>
+        </a:lnRef>
+        <a:fillRef idx="1">
+          <a:scrgbClr r="0" g="0" b="0"/>
+        </a:fillRef>
+        <a:effectRef idx="0">
+          <a:scrgbClr r="0" g="0" b="0"/>
+        </a:effectRef>
+        <a:fontRef idx="minor">
+          <a:schemeClr val="lt1"/>
+        </a:fontRef>
+      </dsp:style>
+      <dsp:txBody>
+        <a:bodyPr spcFirstLastPara="0" vert="horz" wrap="square" lIns="76200" tIns="76200" rIns="76200" bIns="76200" numCol="1" spcCol="1270" anchor="ctr" anchorCtr="0">
+          <a:noAutofit/>
+        </a:bodyPr>
+        <a:lstStyle/>
+        <a:p>
+          <a:pPr lvl="0" algn="ctr" defTabSz="889000">
+            <a:lnSpc>
+              <a:spcPct val="90000"/>
+            </a:lnSpc>
+            <a:spcBef>
+              <a:spcPct val="0"/>
+            </a:spcBef>
+            <a:spcAft>
+              <a:spcPct val="35000"/>
+            </a:spcAft>
+          </a:pPr>
+          <a:r>
+            <a:rPr lang="en-IE" sz="2000" kern="1200" dirty="0" smtClean="0"/>
+            <a:t>TI RF2500</a:t>
+          </a:r>
+          <a:endParaRPr lang="en-IE" sz="2000" kern="1200" dirty="0"/>
+        </a:p>
+      </dsp:txBody>
+      <dsp:txXfrm>
+        <a:off x="7132886" y="1589676"/>
+        <a:ext cx="1053389" cy="1346609"/>
+      </dsp:txXfrm>
+    </dsp:sp>
+    <dsp:sp modelId="{7AD3F015-6D1E-48E1-AA48-C5E0F0FAD24E}">
+      <dsp:nvSpPr>
+        <dsp:cNvPr id="0" name=""/>
+        <dsp:cNvSpPr/>
+      </dsp:nvSpPr>
+      <dsp:spPr>
+        <a:xfrm>
+          <a:off x="7100114" y="3112851"/>
+          <a:ext cx="1118933" cy="1412153"/>
+        </a:xfrm>
+        <a:prstGeom prst="roundRect">
+          <a:avLst>
+            <a:gd name="adj" fmla="val 10000"/>
+          </a:avLst>
+        </a:prstGeom>
+        <a:solidFill>
+          <a:schemeClr val="accent6">
+            <a:lumMod val="75000"/>
+          </a:schemeClr>
+        </a:solidFill>
+        <a:ln w="25400" cap="flat" cmpd="sng" algn="ctr">
+          <a:solidFill>
+            <a:schemeClr val="accent5">
+              <a:lumMod val="60000"/>
+              <a:lumOff val="40000"/>
+            </a:schemeClr>
+          </a:solidFill>
+          <a:prstDash val="solid"/>
+        </a:ln>
+        <a:effectLst/>
+      </dsp:spPr>
+      <dsp:style>
+        <a:lnRef idx="2">
+          <a:scrgbClr r="0" g="0" b="0"/>
+        </a:lnRef>
+        <a:fillRef idx="1">
+          <a:scrgbClr r="0" g="0" b="0"/>
+        </a:fillRef>
+        <a:effectRef idx="0">
+          <a:scrgbClr r="0" g="0" b="0"/>
+        </a:effectRef>
+        <a:fontRef idx="minor">
+          <a:schemeClr val="lt1"/>
+        </a:fontRef>
+      </dsp:style>
+      <dsp:txBody>
+        <a:bodyPr spcFirstLastPara="0" vert="horz" wrap="square" lIns="76200" tIns="76200" rIns="76200" bIns="76200" numCol="1" spcCol="1270" anchor="ctr" anchorCtr="0">
+          <a:noAutofit/>
+        </a:bodyPr>
+        <a:lstStyle/>
+        <a:p>
+          <a:pPr lvl="0" algn="ctr" defTabSz="889000">
+            <a:lnSpc>
+              <a:spcPct val="90000"/>
+            </a:lnSpc>
+            <a:spcBef>
+              <a:spcPct val="0"/>
+            </a:spcBef>
+            <a:spcAft>
+              <a:spcPct val="35000"/>
+            </a:spcAft>
+          </a:pPr>
+          <a:r>
+            <a:rPr lang="en-IE" sz="2000" kern="1200" dirty="0" smtClean="0"/>
+            <a:t>Other Bugs</a:t>
+          </a:r>
+          <a:endParaRPr lang="en-IE" sz="2000" kern="1200" dirty="0"/>
+        </a:p>
+      </dsp:txBody>
+      <dsp:txXfrm>
+        <a:off x="7132886" y="3145623"/>
+        <a:ext cx="1053389" cy="1346609"/>
+      </dsp:txXfrm>
+    </dsp:sp>
+  </dsp:spTree>
+</dsp:drawing>
+</file>
+
 <file path=ppt/diagrams/layout1.xml><?xml version="1.0" encoding="utf-8"?>
 <dgm:layoutDef xmlns:dgm="http://schemas.openxmlformats.org/drawingml/2006/diagram" xmlns:a="http://schemas.openxmlformats.org/drawingml/2006/main" uniqueId="urn:microsoft.com/office/officeart/2005/8/layout/rings+Icon">
   <dgm:title val="Interconnected Rings"/>
@@ -4855,6 +7409,528 @@
 </dgm:layoutDef>
 </file>
 
+<file path=ppt/diagrams/layout3.xml><?xml version="1.0" encoding="utf-8"?>
+<dgm:layoutDef xmlns:dgm="http://schemas.openxmlformats.org/drawingml/2006/diagram" xmlns:a="http://schemas.openxmlformats.org/drawingml/2006/main" uniqueId="urn:microsoft.com/office/officeart/2005/8/layout/hierarchy4">
+  <dgm:title val=""/>
+  <dgm:desc val=""/>
+  <dgm:catLst>
+    <dgm:cat type="hierarchy" pri="4000"/>
+    <dgm:cat type="list" pri="24000"/>
+    <dgm:cat type="relationship" pri="10000"/>
+  </dgm:catLst>
+  <dgm:sampData>
+    <dgm:dataModel>
+      <dgm:ptLst>
+        <dgm:pt modelId="0" type="doc"/>
+        <dgm:pt modelId="1">
+          <dgm:prSet phldr="1"/>
+        </dgm:pt>
+        <dgm:pt modelId="2">
+          <dgm:prSet phldr="1"/>
+        </dgm:pt>
+        <dgm:pt modelId="21">
+          <dgm:prSet phldr="1"/>
+        </dgm:pt>
+        <dgm:pt modelId="22">
+          <dgm:prSet phldr="1"/>
+        </dgm:pt>
+        <dgm:pt modelId="3">
+          <dgm:prSet phldr="1"/>
+        </dgm:pt>
+        <dgm:pt modelId="31">
+          <dgm:prSet phldr="1"/>
+        </dgm:pt>
+      </dgm:ptLst>
+      <dgm:cxnLst>
+        <dgm:cxn modelId="4" srcId="0" destId="1" srcOrd="0" destOrd="0"/>
+        <dgm:cxn modelId="5" srcId="1" destId="2" srcOrd="0" destOrd="0"/>
+        <dgm:cxn modelId="6" srcId="1" destId="3" srcOrd="1" destOrd="0"/>
+        <dgm:cxn modelId="23" srcId="2" destId="21" srcOrd="0" destOrd="0"/>
+        <dgm:cxn modelId="24" srcId="2" destId="22" srcOrd="1" destOrd="0"/>
+        <dgm:cxn modelId="33" srcId="3" destId="31" srcOrd="0" destOrd="0"/>
+      </dgm:cxnLst>
+      <dgm:bg/>
+      <dgm:whole/>
+    </dgm:dataModel>
+  </dgm:sampData>
+  <dgm:styleData>
+    <dgm:dataModel>
+      <dgm:ptLst>
+        <dgm:pt modelId="0" type="doc"/>
+        <dgm:pt modelId="1"/>
+        <dgm:pt modelId="11"/>
+        <dgm:pt modelId="12"/>
+      </dgm:ptLst>
+      <dgm:cxnLst>
+        <dgm:cxn modelId="2" srcId="0" destId="1" srcOrd="0" destOrd="0"/>
+        <dgm:cxn modelId="13" srcId="1" destId="11" srcOrd="0" destOrd="0"/>
+        <dgm:cxn modelId="14" srcId="1" destId="12" srcOrd="1" destOrd="0"/>
+      </dgm:cxnLst>
+      <dgm:bg/>
+      <dgm:whole/>
+    </dgm:dataModel>
+  </dgm:styleData>
+  <dgm:clrData>
+    <dgm:dataModel>
+      <dgm:ptLst>
+        <dgm:pt modelId="0" type="doc"/>
+        <dgm:pt modelId="1"/>
+        <dgm:pt modelId="2"/>
+        <dgm:pt modelId="21"/>
+        <dgm:pt modelId="211"/>
+        <dgm:pt modelId="3"/>
+        <dgm:pt modelId="31"/>
+        <dgm:pt modelId="311"/>
+      </dgm:ptLst>
+      <dgm:cxnLst>
+        <dgm:cxn modelId="4" srcId="0" destId="1" srcOrd="0" destOrd="0"/>
+        <dgm:cxn modelId="5" srcId="1" destId="2" srcOrd="0" destOrd="0"/>
+        <dgm:cxn modelId="6" srcId="1" destId="3" srcOrd="1" destOrd="0"/>
+        <dgm:cxn modelId="23" srcId="2" destId="21" srcOrd="0" destOrd="0"/>
+        <dgm:cxn modelId="24" srcId="21" destId="211" srcOrd="0" destOrd="0"/>
+        <dgm:cxn modelId="33" srcId="3" destId="31" srcOrd="0" destOrd="0"/>
+        <dgm:cxn modelId="34" srcId="31" destId="311" srcOrd="0" destOrd="0"/>
+      </dgm:cxnLst>
+      <dgm:bg/>
+      <dgm:whole/>
+    </dgm:dataModel>
+  </dgm:clrData>
+  <dgm:layoutNode name="Name0">
+    <dgm:varLst>
+      <dgm:chPref val="1"/>
+      <dgm:dir/>
+      <dgm:animOne val="branch"/>
+      <dgm:animLvl val="lvl"/>
+      <dgm:resizeHandles/>
+    </dgm:varLst>
+    <dgm:choose name="Name1">
+      <dgm:if name="Name2" func="var" arg="dir" op="equ" val="norm">
+        <dgm:alg type="lin">
+          <dgm:param type="linDir" val="fromL"/>
+          <dgm:param type="nodeVertAlign" val="t"/>
+        </dgm:alg>
+      </dgm:if>
+      <dgm:else name="Name3">
+        <dgm:alg type="lin">
+          <dgm:param type="linDir" val="fromR"/>
+          <dgm:param type="nodeVertAlign" val="t"/>
+        </dgm:alg>
+      </dgm:else>
+    </dgm:choose>
+    <dgm:shape xmlns:r="http://schemas.openxmlformats.org/officeDocument/2006/relationships" r:blip="">
+      <dgm:adjLst/>
+    </dgm:shape>
+    <dgm:presOf/>
+    <dgm:constrLst>
+      <dgm:constr type="w" for="ch" forName="vertOne" refType="w"/>
+      <dgm:constr type="w" for="des" forName="horzOne" refType="w"/>
+      <dgm:constr type="w" for="des" forName="txOne" refType="w"/>
+      <dgm:constr type="w" for="des" forName="vertTwo" refType="w"/>
+      <dgm:constr type="w" for="des" forName="horzTwo" refType="w"/>
+      <dgm:constr type="w" for="des" forName="txTwo" refType="w"/>
+      <dgm:constr type="w" for="des" forName="vertThree" refType="w"/>
+      <dgm:constr type="w" for="des" forName="horzThree" refType="w"/>
+      <dgm:constr type="w" for="des" forName="txThree" refType="w"/>
+      <dgm:constr type="w" for="des" forName="vertFour" refType="w"/>
+      <dgm:constr type="w" for="des" forName="horzFour" refType="w"/>
+      <dgm:constr type="w" for="des" forName="txFour" refType="w"/>
+      <dgm:constr type="h" for="des" ptType="node" op="equ"/>
+      <dgm:constr type="h" for="des" forName="txOne" refType="h"/>
+      <dgm:constr type="userH" for="des" ptType="node" refType="h" refFor="des" refForName="txOne"/>
+      <dgm:constr type="primFontSz" for="des" forName="txOne" val="65"/>
+      <dgm:constr type="primFontSz" for="des" forName="txTwo" val="65"/>
+      <dgm:constr type="primFontSz" for="des" forName="txTwo" refType="primFontSz" refFor="des" refForName="txOne" op="lte"/>
+      <dgm:constr type="primFontSz" for="des" forName="txThree" val="65"/>
+      <dgm:constr type="primFontSz" for="des" forName="txThree" refType="primFontSz" refFor="des" refForName="txOne" op="lte"/>
+      <dgm:constr type="primFontSz" for="des" forName="txThree" refType="primFontSz" refFor="des" refForName="txTwo" op="lte"/>
+      <dgm:constr type="primFontSz" for="des" forName="txFour" val="65"/>
+      <dgm:constr type="primFontSz" for="des" forName="txFour" refType="primFontSz" refFor="des" refForName="txOne" op="lte"/>
+      <dgm:constr type="primFontSz" for="des" forName="txFour" refType="primFontSz" refFor="des" refForName="txTwo" op="lte"/>
+      <dgm:constr type="primFontSz" for="des" forName="txFour" refType="primFontSz" refFor="des" refForName="txThree" op="lte"/>
+      <dgm:constr type="w" for="des" forName="sibSpaceOne" refType="w" fact="0.168"/>
+      <dgm:constr type="w" for="des" forName="sibSpaceTwo" refType="w" refFor="des" refForName="sibSpaceOne" op="equ" fact="0.5"/>
+      <dgm:constr type="w" for="des" forName="sibSpaceThree" refType="w" refFor="des" refForName="sibSpaceTwo" op="equ" fact="0.5"/>
+      <dgm:constr type="w" for="des" forName="sibSpaceFour" refType="w" refFor="des" refForName="sibSpaceThree" op="equ" fact="0.5"/>
+      <dgm:constr type="h" for="des" forName="parTransOne" refType="w" fact="0.056"/>
+      <dgm:constr type="h" for="des" forName="parTransTwo" refType="h" refFor="des" refForName="parTransOne" op="equ"/>
+      <dgm:constr type="h" for="des" forName="parTransThree" refType="h" refFor="des" refForName="parTransTwo" op="equ"/>
+      <dgm:constr type="h" for="des" forName="parTransFour" refType="h" refFor="des" refForName="parTransThree" op="equ"/>
+    </dgm:constrLst>
+    <dgm:ruleLst/>
+    <dgm:forEach name="Name4" axis="ch" ptType="node">
+      <dgm:layoutNode name="vertOne">
+        <dgm:alg type="lin">
+          <dgm:param type="linDir" val="fromT"/>
+        </dgm:alg>
+        <dgm:shape xmlns:r="http://schemas.openxmlformats.org/officeDocument/2006/relationships" r:blip="">
+          <dgm:adjLst/>
+        </dgm:shape>
+        <dgm:presOf/>
+        <dgm:constrLst>
+          <dgm:constr type="w" for="ch" forName="txOne" refType="w" refFor="ch" refForName="horzOne" op="gte"/>
+        </dgm:constrLst>
+        <dgm:ruleLst/>
+        <dgm:layoutNode name="txOne" styleLbl="node0">
+          <dgm:varLst>
+            <dgm:chPref val="3"/>
+          </dgm:varLst>
+          <dgm:alg type="tx"/>
+          <dgm:shape xmlns:r="http://schemas.openxmlformats.org/officeDocument/2006/relationships" type="roundRect" r:blip="">
+            <dgm:adjLst>
+              <dgm:adj idx="1" val="0.1"/>
+            </dgm:adjLst>
+          </dgm:shape>
+          <dgm:presOf axis="self"/>
+          <dgm:constrLst>
+            <dgm:constr type="tMarg" refType="primFontSz" fact="0.3"/>
+            <dgm:constr type="bMarg" refType="primFontSz" fact="0.3"/>
+            <dgm:constr type="lMarg" refType="primFontSz" fact="0.3"/>
+            <dgm:constr type="rMarg" refType="primFontSz" fact="0.3"/>
+          </dgm:constrLst>
+          <dgm:ruleLst>
+            <dgm:rule type="primFontSz" val="5" fact="NaN" max="NaN"/>
+          </dgm:ruleLst>
+        </dgm:layoutNode>
+        <dgm:choose name="Name5">
+          <dgm:if name="Name6" axis="des" ptType="node" func="cnt" op="gt" val="0">
+            <dgm:layoutNode name="parTransOne">
+              <dgm:alg type="sp"/>
+              <dgm:shape xmlns:r="http://schemas.openxmlformats.org/officeDocument/2006/relationships" r:blip="">
+                <dgm:adjLst/>
+              </dgm:shape>
+              <dgm:presOf/>
+              <dgm:constrLst/>
+              <dgm:ruleLst/>
+            </dgm:layoutNode>
+          </dgm:if>
+          <dgm:else name="Name7"/>
+        </dgm:choose>
+        <dgm:layoutNode name="horzOne">
+          <dgm:choose name="Name8">
+            <dgm:if name="Name9" func="var" arg="dir" op="equ" val="norm">
+              <dgm:alg type="lin">
+                <dgm:param type="linDir" val="fromL"/>
+                <dgm:param type="nodeVertAlign" val="t"/>
+              </dgm:alg>
+            </dgm:if>
+            <dgm:else name="Name10">
+              <dgm:alg type="lin">
+                <dgm:param type="linDir" val="fromR"/>
+                <dgm:param type="nodeVertAlign" val="t"/>
+              </dgm:alg>
+            </dgm:else>
+          </dgm:choose>
+          <dgm:shape xmlns:r="http://schemas.openxmlformats.org/officeDocument/2006/relationships" r:blip="">
+            <dgm:adjLst/>
+          </dgm:shape>
+          <dgm:presOf/>
+          <dgm:constrLst/>
+          <dgm:ruleLst>
+            <dgm:rule type="w" val="INF" fact="NaN" max="NaN"/>
+          </dgm:ruleLst>
+          <dgm:forEach name="Name11" axis="ch" ptType="node">
+            <dgm:layoutNode name="vertTwo">
+              <dgm:alg type="lin">
+                <dgm:param type="linDir" val="fromT"/>
+              </dgm:alg>
+              <dgm:shape xmlns:r="http://schemas.openxmlformats.org/officeDocument/2006/relationships" r:blip="">
+                <dgm:adjLst/>
+              </dgm:shape>
+              <dgm:presOf/>
+              <dgm:constrLst>
+                <dgm:constr type="w" for="ch" forName="txTwo" refType="w" refFor="ch" refForName="horzTwo" op="gte"/>
+              </dgm:constrLst>
+              <dgm:ruleLst/>
+              <dgm:layoutNode name="txTwo">
+                <dgm:varLst>
+                  <dgm:chPref val="3"/>
+                </dgm:varLst>
+                <dgm:alg type="tx"/>
+                <dgm:shape xmlns:r="http://schemas.openxmlformats.org/officeDocument/2006/relationships" type="roundRect" r:blip="">
+                  <dgm:adjLst>
+                    <dgm:adj idx="1" val="0.1"/>
+                  </dgm:adjLst>
+                </dgm:shape>
+                <dgm:presOf axis="self"/>
+                <dgm:constrLst>
+                  <dgm:constr type="userH"/>
+                  <dgm:constr type="h" refType="userH"/>
+                  <dgm:constr type="tMarg" refType="primFontSz" fact="0.3"/>
+                  <dgm:constr type="bMarg" refType="primFontSz" fact="0.3"/>
+                  <dgm:constr type="lMarg" refType="primFontSz" fact="0.3"/>
+                  <dgm:constr type="rMarg" refType="primFontSz" fact="0.3"/>
+                </dgm:constrLst>
+                <dgm:ruleLst>
+                  <dgm:rule type="primFontSz" val="5" fact="NaN" max="NaN"/>
+                </dgm:ruleLst>
+              </dgm:layoutNode>
+              <dgm:choose name="Name12">
+                <dgm:if name="Name13" axis="des" ptType="node" func="cnt" op="gt" val="0">
+                  <dgm:layoutNode name="parTransTwo">
+                    <dgm:alg type="sp"/>
+                    <dgm:shape xmlns:r="http://schemas.openxmlformats.org/officeDocument/2006/relationships" r:blip="">
+                      <dgm:adjLst/>
+                    </dgm:shape>
+                    <dgm:presOf/>
+                    <dgm:constrLst/>
+                    <dgm:ruleLst/>
+                  </dgm:layoutNode>
+                </dgm:if>
+                <dgm:else name="Name14"/>
+              </dgm:choose>
+              <dgm:layoutNode name="horzTwo">
+                <dgm:choose name="Name15">
+                  <dgm:if name="Name16" func="var" arg="dir" op="equ" val="norm">
+                    <dgm:alg type="lin">
+                      <dgm:param type="linDir" val="fromL"/>
+                      <dgm:param type="nodeVertAlign" val="t"/>
+                    </dgm:alg>
+                  </dgm:if>
+                  <dgm:else name="Name17">
+                    <dgm:alg type="lin">
+                      <dgm:param type="linDir" val="fromR"/>
+                      <dgm:param type="nodeVertAlign" val="t"/>
+                    </dgm:alg>
+                  </dgm:else>
+                </dgm:choose>
+                <dgm:shape xmlns:r="http://schemas.openxmlformats.org/officeDocument/2006/relationships" r:blip="">
+                  <dgm:adjLst/>
+                </dgm:shape>
+                <dgm:presOf/>
+                <dgm:constrLst/>
+                <dgm:ruleLst>
+                  <dgm:rule type="w" val="INF" fact="NaN" max="NaN"/>
+                </dgm:ruleLst>
+                <dgm:forEach name="Name18" axis="ch" ptType="node">
+                  <dgm:layoutNode name="vertThree">
+                    <dgm:alg type="lin">
+                      <dgm:param type="linDir" val="fromT"/>
+                    </dgm:alg>
+                    <dgm:shape xmlns:r="http://schemas.openxmlformats.org/officeDocument/2006/relationships" r:blip="">
+                      <dgm:adjLst/>
+                    </dgm:shape>
+                    <dgm:presOf/>
+                    <dgm:constrLst>
+                      <dgm:constr type="w" for="ch" forName="txThree" refType="w" refFor="ch" refForName="horzThree" op="gte"/>
+                    </dgm:constrLst>
+                    <dgm:ruleLst/>
+                    <dgm:layoutNode name="txThree">
+                      <dgm:varLst>
+                        <dgm:chPref val="3"/>
+                      </dgm:varLst>
+                      <dgm:alg type="tx"/>
+                      <dgm:shape xmlns:r="http://schemas.openxmlformats.org/officeDocument/2006/relationships" type="roundRect" r:blip="">
+                        <dgm:adjLst>
+                          <dgm:adj idx="1" val="0.1"/>
+                        </dgm:adjLst>
+                      </dgm:shape>
+                      <dgm:presOf axis="self"/>
+                      <dgm:constrLst>
+                        <dgm:constr type="userH"/>
+                        <dgm:constr type="h" refType="userH"/>
+                        <dgm:constr type="tMarg" refType="primFontSz" fact="0.3"/>
+                        <dgm:constr type="bMarg" refType="primFontSz" fact="0.3"/>
+                        <dgm:constr type="lMarg" refType="primFontSz" fact="0.3"/>
+                        <dgm:constr type="rMarg" refType="primFontSz" fact="0.3"/>
+                      </dgm:constrLst>
+                      <dgm:ruleLst>
+                        <dgm:rule type="primFontSz" val="5" fact="NaN" max="NaN"/>
+                      </dgm:ruleLst>
+                    </dgm:layoutNode>
+                    <dgm:choose name="Name19">
+                      <dgm:if name="Name20" axis="des" ptType="node" func="cnt" op="gt" val="0">
+                        <dgm:layoutNode name="parTransThree">
+                          <dgm:alg type="sp"/>
+                          <dgm:shape xmlns:r="http://schemas.openxmlformats.org/officeDocument/2006/relationships" r:blip="">
+                            <dgm:adjLst/>
+                          </dgm:shape>
+                          <dgm:presOf/>
+                          <dgm:constrLst/>
+                          <dgm:ruleLst/>
+                        </dgm:layoutNode>
+                      </dgm:if>
+                      <dgm:else name="Name21"/>
+                    </dgm:choose>
+                    <dgm:layoutNode name="horzThree">
+                      <dgm:choose name="Name22">
+                        <dgm:if name="Name23" func="var" arg="dir" op="equ" val="norm">
+                          <dgm:alg type="lin">
+                            <dgm:param type="linDir" val="fromL"/>
+                            <dgm:param type="nodeVertAlign" val="t"/>
+                          </dgm:alg>
+                        </dgm:if>
+                        <dgm:else name="Name24">
+                          <dgm:alg type="lin">
+                            <dgm:param type="linDir" val="fromR"/>
+                            <dgm:param type="nodeVertAlign" val="t"/>
+                          </dgm:alg>
+                        </dgm:else>
+                      </dgm:choose>
+                      <dgm:shape xmlns:r="http://schemas.openxmlformats.org/officeDocument/2006/relationships" r:blip="">
+                        <dgm:adjLst/>
+                      </dgm:shape>
+                      <dgm:presOf/>
+                      <dgm:constrLst/>
+                      <dgm:ruleLst>
+                        <dgm:rule type="w" val="INF" fact="NaN" max="NaN"/>
+                      </dgm:ruleLst>
+                      <dgm:forEach name="repeat" axis="ch" ptType="node">
+                        <dgm:layoutNode name="vertFour">
+                          <dgm:varLst>
+                            <dgm:chPref val="3"/>
+                          </dgm:varLst>
+                          <dgm:alg type="lin">
+                            <dgm:param type="linDir" val="fromT"/>
+                          </dgm:alg>
+                          <dgm:shape xmlns:r="http://schemas.openxmlformats.org/officeDocument/2006/relationships" r:blip="">
+                            <dgm:adjLst/>
+                          </dgm:shape>
+                          <dgm:presOf/>
+                          <dgm:constrLst>
+                            <dgm:constr type="w" for="ch" forName="txFour" refType="w" refFor="ch" refForName="horzFour" op="gte"/>
+                          </dgm:constrLst>
+                          <dgm:ruleLst/>
+                          <dgm:layoutNode name="txFour">
+                            <dgm:varLst>
+                              <dgm:chPref val="3"/>
+                            </dgm:varLst>
+                            <dgm:alg type="tx"/>
+                            <dgm:shape xmlns:r="http://schemas.openxmlformats.org/officeDocument/2006/relationships" type="roundRect" r:blip="">
+                              <dgm:adjLst>
+                                <dgm:adj idx="1" val="0.1"/>
+                              </dgm:adjLst>
+                            </dgm:shape>
+                            <dgm:presOf axis="self"/>
+                            <dgm:constrLst>
+                              <dgm:constr type="userH"/>
+                              <dgm:constr type="h" refType="userH"/>
+                              <dgm:constr type="tMarg" refType="primFontSz" fact="0.3"/>
+                              <dgm:constr type="bMarg" refType="primFontSz" fact="0.3"/>
+                              <dgm:constr type="lMarg" refType="primFontSz" fact="0.3"/>
+                              <dgm:constr type="rMarg" refType="primFontSz" fact="0.3"/>
+                            </dgm:constrLst>
+                            <dgm:ruleLst>
+                              <dgm:rule type="primFontSz" val="5" fact="NaN" max="NaN"/>
+                            </dgm:ruleLst>
+                          </dgm:layoutNode>
+                          <dgm:choose name="Name25">
+                            <dgm:if name="Name26" axis="des" ptType="node" func="cnt" op="gt" val="0">
+                              <dgm:layoutNode name="parTransFour">
+                                <dgm:alg type="sp"/>
+                                <dgm:shape xmlns:r="http://schemas.openxmlformats.org/officeDocument/2006/relationships" r:blip="">
+                                  <dgm:adjLst/>
+                                </dgm:shape>
+                                <dgm:presOf/>
+                                <dgm:constrLst/>
+                                <dgm:ruleLst/>
+                              </dgm:layoutNode>
+                            </dgm:if>
+                            <dgm:else name="Name27"/>
+                          </dgm:choose>
+                          <dgm:layoutNode name="horzFour">
+                            <dgm:choose name="Name28">
+                              <dgm:if name="Name29" func="var" arg="dir" op="equ" val="norm">
+                                <dgm:alg type="lin">
+                                  <dgm:param type="linDir" val="fromL"/>
+                                  <dgm:param type="nodeVertAlign" val="t"/>
+                                </dgm:alg>
+                              </dgm:if>
+                              <dgm:else name="Name30">
+                                <dgm:alg type="lin">
+                                  <dgm:param type="linDir" val="fromR"/>
+                                  <dgm:param type="nodeVertAlign" val="t"/>
+                                </dgm:alg>
+                              </dgm:else>
+                            </dgm:choose>
+                            <dgm:shape xmlns:r="http://schemas.openxmlformats.org/officeDocument/2006/relationships" r:blip="">
+                              <dgm:adjLst/>
+                            </dgm:shape>
+                            <dgm:presOf/>
+                            <dgm:constrLst/>
+                            <dgm:ruleLst>
+                              <dgm:rule type="w" val="INF" fact="NaN" max="NaN"/>
+                            </dgm:ruleLst>
+                            <dgm:forEach name="Name31" ref="repeat"/>
+                          </dgm:layoutNode>
+                        </dgm:layoutNode>
+                        <dgm:choose name="Name32">
+                          <dgm:if name="Name33" axis="self" ptType="node" func="revPos" op="gte" val="2">
+                            <dgm:forEach name="Name34" axis="followSib" ptType="sibTrans" cnt="1">
+                              <dgm:layoutNode name="sibSpaceFour">
+                                <dgm:alg type="sp"/>
+                                <dgm:shape xmlns:r="http://schemas.openxmlformats.org/officeDocument/2006/relationships" r:blip="">
+                                  <dgm:adjLst/>
+                                </dgm:shape>
+                                <dgm:presOf/>
+                                <dgm:constrLst/>
+                                <dgm:ruleLst/>
+                              </dgm:layoutNode>
+                            </dgm:forEach>
+                          </dgm:if>
+                          <dgm:else name="Name35"/>
+                        </dgm:choose>
+                      </dgm:forEach>
+                    </dgm:layoutNode>
+                  </dgm:layoutNode>
+                  <dgm:choose name="Name36">
+                    <dgm:if name="Name37" axis="self" ptType="node" func="revPos" op="gte" val="2">
+                      <dgm:forEach name="Name38" axis="followSib" ptType="sibTrans" cnt="1">
+                        <dgm:layoutNode name="sibSpaceThree">
+                          <dgm:alg type="sp"/>
+                          <dgm:shape xmlns:r="http://schemas.openxmlformats.org/officeDocument/2006/relationships" r:blip="">
+                            <dgm:adjLst/>
+                          </dgm:shape>
+                          <dgm:presOf/>
+                          <dgm:constrLst/>
+                          <dgm:ruleLst/>
+                        </dgm:layoutNode>
+                      </dgm:forEach>
+                    </dgm:if>
+                    <dgm:else name="Name39"/>
+                  </dgm:choose>
+                </dgm:forEach>
+              </dgm:layoutNode>
+            </dgm:layoutNode>
+            <dgm:choose name="Name40">
+              <dgm:if name="Name41" axis="self" ptType="node" func="revPos" op="gte" val="2">
+                <dgm:forEach name="Name42" axis="followSib" ptType="sibTrans" cnt="1">
+                  <dgm:layoutNode name="sibSpaceTwo">
+                    <dgm:alg type="sp"/>
+                    <dgm:shape xmlns:r="http://schemas.openxmlformats.org/officeDocument/2006/relationships" r:blip="">
+                      <dgm:adjLst/>
+                    </dgm:shape>
+                    <dgm:presOf/>
+                    <dgm:constrLst/>
+                    <dgm:ruleLst/>
+                  </dgm:layoutNode>
+                </dgm:forEach>
+              </dgm:if>
+              <dgm:else name="Name43"/>
+            </dgm:choose>
+          </dgm:forEach>
+        </dgm:layoutNode>
+      </dgm:layoutNode>
+      <dgm:choose name="Name44">
+        <dgm:if name="Name45" axis="self" ptType="node" func="revPos" op="gte" val="2">
+          <dgm:forEach name="Name46" axis="followSib" ptType="sibTrans" cnt="1">
+            <dgm:layoutNode name="sibSpaceOne">
+              <dgm:alg type="sp"/>
+              <dgm:shape xmlns:r="http://schemas.openxmlformats.org/officeDocument/2006/relationships" r:blip="">
+                <dgm:adjLst/>
+              </dgm:shape>
+              <dgm:presOf/>
+              <dgm:constrLst/>
+              <dgm:ruleLst/>
+            </dgm:layoutNode>
+          </dgm:forEach>
+        </dgm:if>
+        <dgm:else name="Name47"/>
+      </dgm:choose>
+    </dgm:forEach>
+  </dgm:layoutNode>
+</dgm:layoutDef>
+</file>
+
 <file path=ppt/diagrams/quickStyle1.xml><?xml version="1.0" encoding="utf-8"?>
 <dgm:styleDef xmlns:dgm="http://schemas.openxmlformats.org/drawingml/2006/diagram" xmlns:a="http://schemas.openxmlformats.org/drawingml/2006/main" uniqueId="urn:microsoft.com/office/officeart/2005/8/quickstyle/simple1">
   <dgm:title val=""/>
@@ -5890,6 +8966,1040 @@
 </file>
 
 <file path=ppt/diagrams/quickStyle2.xml><?xml version="1.0" encoding="utf-8"?>
+<dgm:styleDef xmlns:dgm="http://schemas.openxmlformats.org/drawingml/2006/diagram" xmlns:a="http://schemas.openxmlformats.org/drawingml/2006/main" uniqueId="urn:microsoft.com/office/officeart/2005/8/quickstyle/simple1">
+  <dgm:title val=""/>
+  <dgm:desc val=""/>
+  <dgm:catLst>
+    <dgm:cat type="simple" pri="10100"/>
+  </dgm:catLst>
+  <dgm:scene3d>
+    <a:camera prst="orthographicFront"/>
+    <a:lightRig rig="threePt" dir="t"/>
+  </dgm:scene3d>
+  <dgm:styleLbl name="node0">
+    <dgm:scene3d>
+      <a:camera prst="orthographicFront"/>
+      <a:lightRig rig="threePt" dir="t"/>
+    </dgm:scene3d>
+    <dgm:sp3d/>
+    <dgm:txPr/>
+    <dgm:style>
+      <a:lnRef idx="2">
+        <a:scrgbClr r="0" g="0" b="0"/>
+      </a:lnRef>
+      <a:fillRef idx="1">
+        <a:scrgbClr r="0" g="0" b="0"/>
+      </a:fillRef>
+      <a:effectRef idx="0">
+        <a:scrgbClr r="0" g="0" b="0"/>
+      </a:effectRef>
+      <a:fontRef idx="minor">
+        <a:schemeClr val="lt1"/>
+      </a:fontRef>
+    </dgm:style>
+  </dgm:styleLbl>
+  <dgm:styleLbl name="lnNode1">
+    <dgm:scene3d>
+      <a:camera prst="orthographicFront"/>
+      <a:lightRig rig="threePt" dir="t"/>
+    </dgm:scene3d>
+    <dgm:sp3d/>
+    <dgm:txPr/>
+    <dgm:style>
+      <a:lnRef idx="2">
+        <a:scrgbClr r="0" g="0" b="0"/>
+      </a:lnRef>
+      <a:fillRef idx="1">
+        <a:scrgbClr r="0" g="0" b="0"/>
+      </a:fillRef>
+      <a:effectRef idx="0">
+        <a:scrgbClr r="0" g="0" b="0"/>
+      </a:effectRef>
+      <a:fontRef idx="minor">
+        <a:schemeClr val="lt1"/>
+      </a:fontRef>
+    </dgm:style>
+  </dgm:styleLbl>
+  <dgm:styleLbl name="vennNode1">
+    <dgm:scene3d>
+      <a:camera prst="orthographicFront"/>
+      <a:lightRig rig="threePt" dir="t"/>
+    </dgm:scene3d>
+    <dgm:sp3d/>
+    <dgm:txPr/>
+    <dgm:style>
+      <a:lnRef idx="2">
+        <a:scrgbClr r="0" g="0" b="0"/>
+      </a:lnRef>
+      <a:fillRef idx="1">
+        <a:scrgbClr r="0" g="0" b="0"/>
+      </a:fillRef>
+      <a:effectRef idx="0">
+        <a:scrgbClr r="0" g="0" b="0"/>
+      </a:effectRef>
+      <a:fontRef idx="minor">
+        <a:schemeClr val="tx1"/>
+      </a:fontRef>
+    </dgm:style>
+  </dgm:styleLbl>
+  <dgm:styleLbl name="alignNode1">
+    <dgm:scene3d>
+      <a:camera prst="orthographicFront"/>
+      <a:lightRig rig="threePt" dir="t"/>
+    </dgm:scene3d>
+    <dgm:sp3d/>
+    <dgm:txPr/>
+    <dgm:style>
+      <a:lnRef idx="2">
+        <a:scrgbClr r="0" g="0" b="0"/>
+      </a:lnRef>
+      <a:fillRef idx="1">
+        <a:scrgbClr r="0" g="0" b="0"/>
+      </a:fillRef>
+      <a:effectRef idx="0">
+        <a:scrgbClr r="0" g="0" b="0"/>
+      </a:effectRef>
+      <a:fontRef idx="minor">
+        <a:schemeClr val="lt1"/>
+      </a:fontRef>
+    </dgm:style>
+  </dgm:styleLbl>
+  <dgm:styleLbl name="node1">
+    <dgm:scene3d>
+      <a:camera prst="orthographicFront"/>
+      <a:lightRig rig="threePt" dir="t"/>
+    </dgm:scene3d>
+    <dgm:sp3d/>
+    <dgm:txPr/>
+    <dgm:style>
+      <a:lnRef idx="2">
+        <a:scrgbClr r="0" g="0" b="0"/>
+      </a:lnRef>
+      <a:fillRef idx="1">
+        <a:scrgbClr r="0" g="0" b="0"/>
+      </a:fillRef>
+      <a:effectRef idx="0">
+        <a:scrgbClr r="0" g="0" b="0"/>
+      </a:effectRef>
+      <a:fontRef idx="minor">
+        <a:schemeClr val="lt1"/>
+      </a:fontRef>
+    </dgm:style>
+  </dgm:styleLbl>
+  <dgm:styleLbl name="node2">
+    <dgm:scene3d>
+      <a:camera prst="orthographicFront"/>
+      <a:lightRig rig="threePt" dir="t"/>
+    </dgm:scene3d>
+    <dgm:sp3d/>
+    <dgm:txPr/>
+    <dgm:style>
+      <a:lnRef idx="2">
+        <a:scrgbClr r="0" g="0" b="0"/>
+      </a:lnRef>
+      <a:fillRef idx="1">
+        <a:scrgbClr r="0" g="0" b="0"/>
+      </a:fillRef>
+      <a:effectRef idx="0">
+        <a:scrgbClr r="0" g="0" b="0"/>
+      </a:effectRef>
+      <a:fontRef idx="minor">
+        <a:schemeClr val="lt1"/>
+      </a:fontRef>
+    </dgm:style>
+  </dgm:styleLbl>
+  <dgm:styleLbl name="node3">
+    <dgm:scene3d>
+      <a:camera prst="orthographicFront"/>
+      <a:lightRig rig="threePt" dir="t"/>
+    </dgm:scene3d>
+    <dgm:sp3d/>
+    <dgm:txPr/>
+    <dgm:style>
+      <a:lnRef idx="2">
+        <a:scrgbClr r="0" g="0" b="0"/>
+      </a:lnRef>
+      <a:fillRef idx="1">
+        <a:scrgbClr r="0" g="0" b="0"/>
+      </a:fillRef>
+      <a:effectRef idx="0">
+        <a:scrgbClr r="0" g="0" b="0"/>
+      </a:effectRef>
+      <a:fontRef idx="minor">
+        <a:schemeClr val="lt1"/>
+      </a:fontRef>
+    </dgm:style>
+  </dgm:styleLbl>
+  <dgm:styleLbl name="node4">
+    <dgm:scene3d>
+      <a:camera prst="orthographicFront"/>
+      <a:lightRig rig="threePt" dir="t"/>
+    </dgm:scene3d>
+    <dgm:sp3d/>
+    <dgm:txPr/>
+    <dgm:style>
+      <a:lnRef idx="2">
+        <a:scrgbClr r="0" g="0" b="0"/>
+      </a:lnRef>
+      <a:fillRef idx="1">
+        <a:scrgbClr r="0" g="0" b="0"/>
+      </a:fillRef>
+      <a:effectRef idx="0">
+        <a:scrgbClr r="0" g="0" b="0"/>
+      </a:effectRef>
+      <a:fontRef idx="minor">
+        <a:schemeClr val="lt1"/>
+      </a:fontRef>
+    </dgm:style>
+  </dgm:styleLbl>
+  <dgm:styleLbl name="fgImgPlace1">
+    <dgm:scene3d>
+      <a:camera prst="orthographicFront"/>
+      <a:lightRig rig="threePt" dir="t"/>
+    </dgm:scene3d>
+    <dgm:sp3d/>
+    <dgm:txPr/>
+    <dgm:style>
+      <a:lnRef idx="2">
+        <a:scrgbClr r="0" g="0" b="0"/>
+      </a:lnRef>
+      <a:fillRef idx="1">
+        <a:scrgbClr r="0" g="0" b="0"/>
+      </a:fillRef>
+      <a:effectRef idx="0">
+        <a:scrgbClr r="0" g="0" b="0"/>
+      </a:effectRef>
+      <a:fontRef idx="minor"/>
+    </dgm:style>
+  </dgm:styleLbl>
+  <dgm:styleLbl name="alignImgPlace1">
+    <dgm:scene3d>
+      <a:camera prst="orthographicFront"/>
+      <a:lightRig rig="threePt" dir="t"/>
+    </dgm:scene3d>
+    <dgm:sp3d/>
+    <dgm:txPr/>
+    <dgm:style>
+      <a:lnRef idx="2">
+        <a:scrgbClr r="0" g="0" b="0"/>
+      </a:lnRef>
+      <a:fillRef idx="1">
+        <a:scrgbClr r="0" g="0" b="0"/>
+      </a:fillRef>
+      <a:effectRef idx="0">
+        <a:scrgbClr r="0" g="0" b="0"/>
+      </a:effectRef>
+      <a:fontRef idx="minor"/>
+    </dgm:style>
+  </dgm:styleLbl>
+  <dgm:styleLbl name="bgImgPlace1">
+    <dgm:scene3d>
+      <a:camera prst="orthographicFront"/>
+      <a:lightRig rig="threePt" dir="t"/>
+    </dgm:scene3d>
+    <dgm:sp3d/>
+    <dgm:txPr/>
+    <dgm:style>
+      <a:lnRef idx="2">
+        <a:scrgbClr r="0" g="0" b="0"/>
+      </a:lnRef>
+      <a:fillRef idx="1">
+        <a:scrgbClr r="0" g="0" b="0"/>
+      </a:fillRef>
+      <a:effectRef idx="0">
+        <a:scrgbClr r="0" g="0" b="0"/>
+      </a:effectRef>
+      <a:fontRef idx="minor"/>
+    </dgm:style>
+  </dgm:styleLbl>
+  <dgm:styleLbl name="sibTrans2D1">
+    <dgm:scene3d>
+      <a:camera prst="orthographicFront"/>
+      <a:lightRig rig="threePt" dir="t"/>
+    </dgm:scene3d>
+    <dgm:sp3d/>
+    <dgm:txPr/>
+    <dgm:style>
+      <a:lnRef idx="0">
+        <a:scrgbClr r="0" g="0" b="0"/>
+      </a:lnRef>
+      <a:fillRef idx="1">
+        <a:scrgbClr r="0" g="0" b="0"/>
+      </a:fillRef>
+      <a:effectRef idx="0">
+        <a:scrgbClr r="0" g="0" b="0"/>
+      </a:effectRef>
+      <a:fontRef idx="minor">
+        <a:schemeClr val="lt1"/>
+      </a:fontRef>
+    </dgm:style>
+  </dgm:styleLbl>
+  <dgm:styleLbl name="fgSibTrans2D1">
+    <dgm:scene3d>
+      <a:camera prst="orthographicFront"/>
+      <a:lightRig rig="threePt" dir="t"/>
+    </dgm:scene3d>
+    <dgm:sp3d/>
+    <dgm:txPr/>
+    <dgm:style>
+      <a:lnRef idx="0">
+        <a:scrgbClr r="0" g="0" b="0"/>
+      </a:lnRef>
+      <a:fillRef idx="1">
+        <a:scrgbClr r="0" g="0" b="0"/>
+      </a:fillRef>
+      <a:effectRef idx="0">
+        <a:scrgbClr r="0" g="0" b="0"/>
+      </a:effectRef>
+      <a:fontRef idx="minor">
+        <a:schemeClr val="lt1"/>
+      </a:fontRef>
+    </dgm:style>
+  </dgm:styleLbl>
+  <dgm:styleLbl name="bgSibTrans2D1">
+    <dgm:scene3d>
+      <a:camera prst="orthographicFront"/>
+      <a:lightRig rig="threePt" dir="t"/>
+    </dgm:scene3d>
+    <dgm:sp3d/>
+    <dgm:txPr/>
+    <dgm:style>
+      <a:lnRef idx="0">
+        <a:scrgbClr r="0" g="0" b="0"/>
+      </a:lnRef>
+      <a:fillRef idx="1">
+        <a:scrgbClr r="0" g="0" b="0"/>
+      </a:fillRef>
+      <a:effectRef idx="0">
+        <a:scrgbClr r="0" g="0" b="0"/>
+      </a:effectRef>
+      <a:fontRef idx="minor">
+        <a:schemeClr val="lt1"/>
+      </a:fontRef>
+    </dgm:style>
+  </dgm:styleLbl>
+  <dgm:styleLbl name="sibTrans1D1">
+    <dgm:scene3d>
+      <a:camera prst="orthographicFront"/>
+      <a:lightRig rig="threePt" dir="t"/>
+    </dgm:scene3d>
+    <dgm:sp3d/>
+    <dgm:txPr/>
+    <dgm:style>
+      <a:lnRef idx="1">
+        <a:scrgbClr r="0" g="0" b="0"/>
+      </a:lnRef>
+      <a:fillRef idx="0">
+        <a:scrgbClr r="0" g="0" b="0"/>
+      </a:fillRef>
+      <a:effectRef idx="0">
+        <a:scrgbClr r="0" g="0" b="0"/>
+      </a:effectRef>
+      <a:fontRef idx="minor"/>
+    </dgm:style>
+  </dgm:styleLbl>
+  <dgm:styleLbl name="callout">
+    <dgm:scene3d>
+      <a:camera prst="orthographicFront"/>
+      <a:lightRig rig="threePt" dir="t"/>
+    </dgm:scene3d>
+    <dgm:sp3d/>
+    <dgm:txPr/>
+    <dgm:style>
+      <a:lnRef idx="2">
+        <a:scrgbClr r="0" g="0" b="0"/>
+      </a:lnRef>
+      <a:fillRef idx="1">
+        <a:scrgbClr r="0" g="0" b="0"/>
+      </a:fillRef>
+      <a:effectRef idx="0">
+        <a:scrgbClr r="0" g="0" b="0"/>
+      </a:effectRef>
+      <a:fontRef idx="minor"/>
+    </dgm:style>
+  </dgm:styleLbl>
+  <dgm:styleLbl name="asst0">
+    <dgm:scene3d>
+      <a:camera prst="orthographicFront"/>
+      <a:lightRig rig="threePt" dir="t"/>
+    </dgm:scene3d>
+    <dgm:sp3d/>
+    <dgm:txPr/>
+    <dgm:style>
+      <a:lnRef idx="2">
+        <a:scrgbClr r="0" g="0" b="0"/>
+      </a:lnRef>
+      <a:fillRef idx="1">
+        <a:scrgbClr r="0" g="0" b="0"/>
+      </a:fillRef>
+      <a:effectRef idx="0">
+        <a:scrgbClr r="0" g="0" b="0"/>
+      </a:effectRef>
+      <a:fontRef idx="minor">
+        <a:schemeClr val="lt1"/>
+      </a:fontRef>
+    </dgm:style>
+  </dgm:styleLbl>
+  <dgm:styleLbl name="asst1">
+    <dgm:scene3d>
+      <a:camera prst="orthographicFront"/>
+      <a:lightRig rig="threePt" dir="t"/>
+    </dgm:scene3d>
+    <dgm:sp3d/>
+    <dgm:txPr/>
+    <dgm:style>
+      <a:lnRef idx="2">
+        <a:scrgbClr r="0" g="0" b="0"/>
+      </a:lnRef>
+      <a:fillRef idx="1">
+        <a:scrgbClr r="0" g="0" b="0"/>
+      </a:fillRef>
+      <a:effectRef idx="0">
+        <a:scrgbClr r="0" g="0" b="0"/>
+      </a:effectRef>
+      <a:fontRef idx="minor">
+        <a:schemeClr val="lt1"/>
+      </a:fontRef>
+    </dgm:style>
+  </dgm:styleLbl>
+  <dgm:styleLbl name="asst2">
+    <dgm:scene3d>
+      <a:camera prst="orthographicFront"/>
+      <a:lightRig rig="threePt" dir="t"/>
+    </dgm:scene3d>
+    <dgm:sp3d/>
+    <dgm:txPr/>
+    <dgm:style>
+      <a:lnRef idx="2">
+        <a:scrgbClr r="0" g="0" b="0"/>
+      </a:lnRef>
+      <a:fillRef idx="1">
+        <a:scrgbClr r="0" g="0" b="0"/>
+      </a:fillRef>
+      <a:effectRef idx="0">
+        <a:scrgbClr r="0" g="0" b="0"/>
+      </a:effectRef>
+      <a:fontRef idx="minor">
+        <a:schemeClr val="lt1"/>
+      </a:fontRef>
+    </dgm:style>
+  </dgm:styleLbl>
+  <dgm:styleLbl name="asst3">
+    <dgm:scene3d>
+      <a:camera prst="orthographicFront"/>
+      <a:lightRig rig="threePt" dir="t"/>
+    </dgm:scene3d>
+    <dgm:sp3d/>
+    <dgm:txPr/>
+    <dgm:style>
+      <a:lnRef idx="2">
+        <a:scrgbClr r="0" g="0" b="0"/>
+      </a:lnRef>
+      <a:fillRef idx="1">
+        <a:scrgbClr r="0" g="0" b="0"/>
+      </a:fillRef>
+      <a:effectRef idx="0">
+        <a:scrgbClr r="0" g="0" b="0"/>
+      </a:effectRef>
+      <a:fontRef idx="minor">
+        <a:schemeClr val="lt1"/>
+      </a:fontRef>
+    </dgm:style>
+  </dgm:styleLbl>
+  <dgm:styleLbl name="asst4">
+    <dgm:scene3d>
+      <a:camera prst="orthographicFront"/>
+      <a:lightRig rig="threePt" dir="t"/>
+    </dgm:scene3d>
+    <dgm:sp3d/>
+    <dgm:txPr/>
+    <dgm:style>
+      <a:lnRef idx="2">
+        <a:scrgbClr r="0" g="0" b="0"/>
+      </a:lnRef>
+      <a:fillRef idx="1">
+        <a:scrgbClr r="0" g="0" b="0"/>
+      </a:fillRef>
+      <a:effectRef idx="0">
+        <a:scrgbClr r="0" g="0" b="0"/>
+      </a:effectRef>
+      <a:fontRef idx="minor">
+        <a:schemeClr val="lt1"/>
+      </a:fontRef>
+    </dgm:style>
+  </dgm:styleLbl>
+  <dgm:styleLbl name="parChTrans2D1">
+    <dgm:scene3d>
+      <a:camera prst="orthographicFront"/>
+      <a:lightRig rig="threePt" dir="t"/>
+    </dgm:scene3d>
+    <dgm:sp3d/>
+    <dgm:txPr/>
+    <dgm:style>
+      <a:lnRef idx="2">
+        <a:scrgbClr r="0" g="0" b="0"/>
+      </a:lnRef>
+      <a:fillRef idx="1">
+        <a:scrgbClr r="0" g="0" b="0"/>
+      </a:fillRef>
+      <a:effectRef idx="0">
+        <a:scrgbClr r="0" g="0" b="0"/>
+      </a:effectRef>
+      <a:fontRef idx="minor">
+        <a:schemeClr val="lt1"/>
+      </a:fontRef>
+    </dgm:style>
+  </dgm:styleLbl>
+  <dgm:styleLbl name="parChTrans2D2">
+    <dgm:scene3d>
+      <a:camera prst="orthographicFront"/>
+      <a:lightRig rig="threePt" dir="t"/>
+    </dgm:scene3d>
+    <dgm:sp3d/>
+    <dgm:txPr/>
+    <dgm:style>
+      <a:lnRef idx="2">
+        <a:scrgbClr r="0" g="0" b="0"/>
+      </a:lnRef>
+      <a:fillRef idx="1">
+        <a:scrgbClr r="0" g="0" b="0"/>
+      </a:fillRef>
+      <a:effectRef idx="0">
+        <a:scrgbClr r="0" g="0" b="0"/>
+      </a:effectRef>
+      <a:fontRef idx="minor">
+        <a:schemeClr val="lt1"/>
+      </a:fontRef>
+    </dgm:style>
+  </dgm:styleLbl>
+  <dgm:styleLbl name="parChTrans2D3">
+    <dgm:scene3d>
+      <a:camera prst="orthographicFront"/>
+      <a:lightRig rig="threePt" dir="t"/>
+    </dgm:scene3d>
+    <dgm:sp3d/>
+    <dgm:txPr/>
+    <dgm:style>
+      <a:lnRef idx="2">
+        <a:scrgbClr r="0" g="0" b="0"/>
+      </a:lnRef>
+      <a:fillRef idx="1">
+        <a:scrgbClr r="0" g="0" b="0"/>
+      </a:fillRef>
+      <a:effectRef idx="0">
+        <a:scrgbClr r="0" g="0" b="0"/>
+      </a:effectRef>
+      <a:fontRef idx="minor">
+        <a:schemeClr val="lt1"/>
+      </a:fontRef>
+    </dgm:style>
+  </dgm:styleLbl>
+  <dgm:styleLbl name="parChTrans2D4">
+    <dgm:scene3d>
+      <a:camera prst="orthographicFront"/>
+      <a:lightRig rig="threePt" dir="t"/>
+    </dgm:scene3d>
+    <dgm:sp3d/>
+    <dgm:txPr/>
+    <dgm:style>
+      <a:lnRef idx="2">
+        <a:scrgbClr r="0" g="0" b="0"/>
+      </a:lnRef>
+      <a:fillRef idx="1">
+        <a:scrgbClr r="0" g="0" b="0"/>
+      </a:fillRef>
+      <a:effectRef idx="0">
+        <a:scrgbClr r="0" g="0" b="0"/>
+      </a:effectRef>
+      <a:fontRef idx="minor">
+        <a:schemeClr val="lt1"/>
+      </a:fontRef>
+    </dgm:style>
+  </dgm:styleLbl>
+  <dgm:styleLbl name="parChTrans1D1">
+    <dgm:scene3d>
+      <a:camera prst="orthographicFront"/>
+      <a:lightRig rig="threePt" dir="t"/>
+    </dgm:scene3d>
+    <dgm:sp3d/>
+    <dgm:txPr/>
+    <dgm:style>
+      <a:lnRef idx="2">
+        <a:scrgbClr r="0" g="0" b="0"/>
+      </a:lnRef>
+      <a:fillRef idx="0">
+        <a:scrgbClr r="0" g="0" b="0"/>
+      </a:fillRef>
+      <a:effectRef idx="0">
+        <a:scrgbClr r="0" g="0" b="0"/>
+      </a:effectRef>
+      <a:fontRef idx="minor"/>
+    </dgm:style>
+  </dgm:styleLbl>
+  <dgm:styleLbl name="parChTrans1D2">
+    <dgm:scene3d>
+      <a:camera prst="orthographicFront"/>
+      <a:lightRig rig="threePt" dir="t"/>
+    </dgm:scene3d>
+    <dgm:sp3d/>
+    <dgm:txPr/>
+    <dgm:style>
+      <a:lnRef idx="2">
+        <a:scrgbClr r="0" g="0" b="0"/>
+      </a:lnRef>
+      <a:fillRef idx="0">
+        <a:scrgbClr r="0" g="0" b="0"/>
+      </a:fillRef>
+      <a:effectRef idx="0">
+        <a:scrgbClr r="0" g="0" b="0"/>
+      </a:effectRef>
+      <a:fontRef idx="minor"/>
+    </dgm:style>
+  </dgm:styleLbl>
+  <dgm:styleLbl name="parChTrans1D3">
+    <dgm:scene3d>
+      <a:camera prst="orthographicFront"/>
+      <a:lightRig rig="threePt" dir="t"/>
+    </dgm:scene3d>
+    <dgm:sp3d/>
+    <dgm:txPr/>
+    <dgm:style>
+      <a:lnRef idx="2">
+        <a:scrgbClr r="0" g="0" b="0"/>
+      </a:lnRef>
+      <a:fillRef idx="0">
+        <a:scrgbClr r="0" g="0" b="0"/>
+      </a:fillRef>
+      <a:effectRef idx="0">
+        <a:scrgbClr r="0" g="0" b="0"/>
+      </a:effectRef>
+      <a:fontRef idx="minor"/>
+    </dgm:style>
+  </dgm:styleLbl>
+  <dgm:styleLbl name="parChTrans1D4">
+    <dgm:scene3d>
+      <a:camera prst="orthographicFront"/>
+      <a:lightRig rig="threePt" dir="t"/>
+    </dgm:scene3d>
+    <dgm:sp3d/>
+    <dgm:txPr/>
+    <dgm:style>
+      <a:lnRef idx="2">
+        <a:scrgbClr r="0" g="0" b="0"/>
+      </a:lnRef>
+      <a:fillRef idx="0">
+        <a:scrgbClr r="0" g="0" b="0"/>
+      </a:fillRef>
+      <a:effectRef idx="0">
+        <a:scrgbClr r="0" g="0" b="0"/>
+      </a:effectRef>
+      <a:fontRef idx="minor"/>
+    </dgm:style>
+  </dgm:styleLbl>
+  <dgm:styleLbl name="fgAcc1">
+    <dgm:scene3d>
+      <a:camera prst="orthographicFront"/>
+      <a:lightRig rig="threePt" dir="t"/>
+    </dgm:scene3d>
+    <dgm:sp3d/>
+    <dgm:txPr/>
+    <dgm:style>
+      <a:lnRef idx="2">
+        <a:scrgbClr r="0" g="0" b="0"/>
+      </a:lnRef>
+      <a:fillRef idx="1">
+        <a:scrgbClr r="0" g="0" b="0"/>
+      </a:fillRef>
+      <a:effectRef idx="0">
+        <a:scrgbClr r="0" g="0" b="0"/>
+      </a:effectRef>
+      <a:fontRef idx="minor"/>
+    </dgm:style>
+  </dgm:styleLbl>
+  <dgm:styleLbl name="conFgAcc1">
+    <dgm:scene3d>
+      <a:camera prst="orthographicFront"/>
+      <a:lightRig rig="threePt" dir="t"/>
+    </dgm:scene3d>
+    <dgm:sp3d/>
+    <dgm:txPr/>
+    <dgm:style>
+      <a:lnRef idx="2">
+        <a:scrgbClr r="0" g="0" b="0"/>
+      </a:lnRef>
+      <a:fillRef idx="1">
+        <a:scrgbClr r="0" g="0" b="0"/>
+      </a:fillRef>
+      <a:effectRef idx="0">
+        <a:scrgbClr r="0" g="0" b="0"/>
+      </a:effectRef>
+      <a:fontRef idx="minor"/>
+    </dgm:style>
+  </dgm:styleLbl>
+  <dgm:styleLbl name="alignAcc1">
+    <dgm:scene3d>
+      <a:camera prst="orthographicFront"/>
+      <a:lightRig rig="threePt" dir="t"/>
+    </dgm:scene3d>
+    <dgm:sp3d/>
+    <dgm:txPr/>
+    <dgm:style>
+      <a:lnRef idx="2">
+        <a:scrgbClr r="0" g="0" b="0"/>
+      </a:lnRef>
+      <a:fillRef idx="1">
+        <a:scrgbClr r="0" g="0" b="0"/>
+      </a:fillRef>
+      <a:effectRef idx="0">
+        <a:scrgbClr r="0" g="0" b="0"/>
+      </a:effectRef>
+      <a:fontRef idx="minor"/>
+    </dgm:style>
+  </dgm:styleLbl>
+  <dgm:styleLbl name="trAlignAcc1">
+    <dgm:scene3d>
+      <a:camera prst="orthographicFront"/>
+      <a:lightRig rig="threePt" dir="t"/>
+    </dgm:scene3d>
+    <dgm:sp3d/>
+    <dgm:txPr/>
+    <dgm:style>
+      <a:lnRef idx="1">
+        <a:scrgbClr r="0" g="0" b="0"/>
+      </a:lnRef>
+      <a:fillRef idx="1">
+        <a:scrgbClr r="0" g="0" b="0"/>
+      </a:fillRef>
+      <a:effectRef idx="0">
+        <a:scrgbClr r="0" g="0" b="0"/>
+      </a:effectRef>
+      <a:fontRef idx="minor"/>
+    </dgm:style>
+  </dgm:styleLbl>
+  <dgm:styleLbl name="bgAcc1">
+    <dgm:scene3d>
+      <a:camera prst="orthographicFront"/>
+      <a:lightRig rig="threePt" dir="t"/>
+    </dgm:scene3d>
+    <dgm:sp3d/>
+    <dgm:txPr/>
+    <dgm:style>
+      <a:lnRef idx="2">
+        <a:scrgbClr r="0" g="0" b="0"/>
+      </a:lnRef>
+      <a:fillRef idx="1">
+        <a:scrgbClr r="0" g="0" b="0"/>
+      </a:fillRef>
+      <a:effectRef idx="0">
+        <a:scrgbClr r="0" g="0" b="0"/>
+      </a:effectRef>
+      <a:fontRef idx="minor"/>
+    </dgm:style>
+  </dgm:styleLbl>
+  <dgm:styleLbl name="solidFgAcc1">
+    <dgm:scene3d>
+      <a:camera prst="orthographicFront"/>
+      <a:lightRig rig="threePt" dir="t"/>
+    </dgm:scene3d>
+    <dgm:sp3d/>
+    <dgm:txPr/>
+    <dgm:style>
+      <a:lnRef idx="2">
+        <a:scrgbClr r="0" g="0" b="0"/>
+      </a:lnRef>
+      <a:fillRef idx="1">
+        <a:scrgbClr r="0" g="0" b="0"/>
+      </a:fillRef>
+      <a:effectRef idx="0">
+        <a:scrgbClr r="0" g="0" b="0"/>
+      </a:effectRef>
+      <a:fontRef idx="minor"/>
+    </dgm:style>
+  </dgm:styleLbl>
+  <dgm:styleLbl name="solidAlignAcc1">
+    <dgm:scene3d>
+      <a:camera prst="orthographicFront"/>
+      <a:lightRig rig="threePt" dir="t"/>
+    </dgm:scene3d>
+    <dgm:sp3d/>
+    <dgm:txPr/>
+    <dgm:style>
+      <a:lnRef idx="2">
+        <a:scrgbClr r="0" g="0" b="0"/>
+      </a:lnRef>
+      <a:fillRef idx="1">
+        <a:scrgbClr r="0" g="0" b="0"/>
+      </a:fillRef>
+      <a:effectRef idx="0">
+        <a:scrgbClr r="0" g="0" b="0"/>
+      </a:effectRef>
+      <a:fontRef idx="minor"/>
+    </dgm:style>
+  </dgm:styleLbl>
+  <dgm:styleLbl name="solidBgAcc1">
+    <dgm:scene3d>
+      <a:camera prst="orthographicFront"/>
+      <a:lightRig rig="threePt" dir="t"/>
+    </dgm:scene3d>
+    <dgm:sp3d/>
+    <dgm:txPr/>
+    <dgm:style>
+      <a:lnRef idx="2">
+        <a:scrgbClr r="0" g="0" b="0"/>
+      </a:lnRef>
+      <a:fillRef idx="1">
+        <a:scrgbClr r="0" g="0" b="0"/>
+      </a:fillRef>
+      <a:effectRef idx="0">
+        <a:scrgbClr r="0" g="0" b="0"/>
+      </a:effectRef>
+      <a:fontRef idx="minor"/>
+    </dgm:style>
+  </dgm:styleLbl>
+  <dgm:styleLbl name="fgAccFollowNode1">
+    <dgm:scene3d>
+      <a:camera prst="orthographicFront"/>
+      <a:lightRig rig="threePt" dir="t"/>
+    </dgm:scene3d>
+    <dgm:sp3d/>
+    <dgm:txPr/>
+    <dgm:style>
+      <a:lnRef idx="2">
+        <a:scrgbClr r="0" g="0" b="0"/>
+      </a:lnRef>
+      <a:fillRef idx="1">
+        <a:scrgbClr r="0" g="0" b="0"/>
+      </a:fillRef>
+      <a:effectRef idx="0">
+        <a:scrgbClr r="0" g="0" b="0"/>
+      </a:effectRef>
+      <a:fontRef idx="minor"/>
+    </dgm:style>
+  </dgm:styleLbl>
+  <dgm:styleLbl name="alignAccFollowNode1">
+    <dgm:scene3d>
+      <a:camera prst="orthographicFront"/>
+      <a:lightRig rig="threePt" dir="t"/>
+    </dgm:scene3d>
+    <dgm:sp3d/>
+    <dgm:txPr/>
+    <dgm:style>
+      <a:lnRef idx="2">
+        <a:scrgbClr r="0" g="0" b="0"/>
+      </a:lnRef>
+      <a:fillRef idx="1">
+        <a:scrgbClr r="0" g="0" b="0"/>
+      </a:fillRef>
+      <a:effectRef idx="0">
+        <a:scrgbClr r="0" g="0" b="0"/>
+      </a:effectRef>
+      <a:fontRef idx="minor"/>
+    </dgm:style>
+  </dgm:styleLbl>
+  <dgm:styleLbl name="bgAccFollowNode1">
+    <dgm:scene3d>
+      <a:camera prst="orthographicFront"/>
+      <a:lightRig rig="threePt" dir="t"/>
+    </dgm:scene3d>
+    <dgm:sp3d/>
+    <dgm:txPr/>
+    <dgm:style>
+      <a:lnRef idx="2">
+        <a:scrgbClr r="0" g="0" b="0"/>
+      </a:lnRef>
+      <a:fillRef idx="1">
+        <a:scrgbClr r="0" g="0" b="0"/>
+      </a:fillRef>
+      <a:effectRef idx="0">
+        <a:scrgbClr r="0" g="0" b="0"/>
+      </a:effectRef>
+      <a:fontRef idx="minor"/>
+    </dgm:style>
+  </dgm:styleLbl>
+  <dgm:styleLbl name="fgAcc0">
+    <dgm:scene3d>
+      <a:camera prst="orthographicFront"/>
+      <a:lightRig rig="threePt" dir="t"/>
+    </dgm:scene3d>
+    <dgm:sp3d/>
+    <dgm:txPr/>
+    <dgm:style>
+      <a:lnRef idx="2">
+        <a:scrgbClr r="0" g="0" b="0"/>
+      </a:lnRef>
+      <a:fillRef idx="1">
+        <a:scrgbClr r="0" g="0" b="0"/>
+      </a:fillRef>
+      <a:effectRef idx="0">
+        <a:scrgbClr r="0" g="0" b="0"/>
+      </a:effectRef>
+      <a:fontRef idx="minor"/>
+    </dgm:style>
+  </dgm:styleLbl>
+  <dgm:styleLbl name="fgAcc2">
+    <dgm:scene3d>
+      <a:camera prst="orthographicFront"/>
+      <a:lightRig rig="threePt" dir="t"/>
+    </dgm:scene3d>
+    <dgm:sp3d/>
+    <dgm:txPr/>
+    <dgm:style>
+      <a:lnRef idx="2">
+        <a:scrgbClr r="0" g="0" b="0"/>
+      </a:lnRef>
+      <a:fillRef idx="1">
+        <a:scrgbClr r="0" g="0" b="0"/>
+      </a:fillRef>
+      <a:effectRef idx="0">
+        <a:scrgbClr r="0" g="0" b="0"/>
+      </a:effectRef>
+      <a:fontRef idx="minor"/>
+    </dgm:style>
+  </dgm:styleLbl>
+  <dgm:styleLbl name="fgAcc3">
+    <dgm:scene3d>
+      <a:camera prst="orthographicFront"/>
+      <a:lightRig rig="threePt" dir="t"/>
+    </dgm:scene3d>
+    <dgm:sp3d/>
+    <dgm:txPr/>
+    <dgm:style>
+      <a:lnRef idx="2">
+        <a:scrgbClr r="0" g="0" b="0"/>
+      </a:lnRef>
+      <a:fillRef idx="1">
+        <a:scrgbClr r="0" g="0" b="0"/>
+      </a:fillRef>
+      <a:effectRef idx="0">
+        <a:scrgbClr r="0" g="0" b="0"/>
+      </a:effectRef>
+      <a:fontRef idx="minor"/>
+    </dgm:style>
+  </dgm:styleLbl>
+  <dgm:styleLbl name="fgAcc4">
+    <dgm:scene3d>
+      <a:camera prst="orthographicFront"/>
+      <a:lightRig rig="threePt" dir="t"/>
+    </dgm:scene3d>
+    <dgm:sp3d/>
+    <dgm:txPr/>
+    <dgm:style>
+      <a:lnRef idx="2">
+        <a:scrgbClr r="0" g="0" b="0"/>
+      </a:lnRef>
+      <a:fillRef idx="1">
+        <a:scrgbClr r="0" g="0" b="0"/>
+      </a:fillRef>
+      <a:effectRef idx="0">
+        <a:scrgbClr r="0" g="0" b="0"/>
+      </a:effectRef>
+      <a:fontRef idx="minor"/>
+    </dgm:style>
+  </dgm:styleLbl>
+  <dgm:styleLbl name="bgShp">
+    <dgm:scene3d>
+      <a:camera prst="orthographicFront"/>
+      <a:lightRig rig="threePt" dir="t"/>
+    </dgm:scene3d>
+    <dgm:sp3d/>
+    <dgm:txPr/>
+    <dgm:style>
+      <a:lnRef idx="0">
+        <a:scrgbClr r="0" g="0" b="0"/>
+      </a:lnRef>
+      <a:fillRef idx="1">
+        <a:scrgbClr r="0" g="0" b="0"/>
+      </a:fillRef>
+      <a:effectRef idx="0">
+        <a:scrgbClr r="0" g="0" b="0"/>
+      </a:effectRef>
+      <a:fontRef idx="minor"/>
+    </dgm:style>
+  </dgm:styleLbl>
+  <dgm:styleLbl name="dkBgShp">
+    <dgm:scene3d>
+      <a:camera prst="orthographicFront"/>
+      <a:lightRig rig="threePt" dir="t"/>
+    </dgm:scene3d>
+    <dgm:sp3d/>
+    <dgm:txPr/>
+    <dgm:style>
+      <a:lnRef idx="0">
+        <a:scrgbClr r="0" g="0" b="0"/>
+      </a:lnRef>
+      <a:fillRef idx="1">
+        <a:scrgbClr r="0" g="0" b="0"/>
+      </a:fillRef>
+      <a:effectRef idx="0">
+        <a:scrgbClr r="0" g="0" b="0"/>
+      </a:effectRef>
+      <a:fontRef idx="minor"/>
+    </dgm:style>
+  </dgm:styleLbl>
+  <dgm:styleLbl name="trBgShp">
+    <dgm:scene3d>
+      <a:camera prst="orthographicFront"/>
+      <a:lightRig rig="threePt" dir="t"/>
+    </dgm:scene3d>
+    <dgm:sp3d/>
+    <dgm:txPr/>
+    <dgm:style>
+      <a:lnRef idx="0">
+        <a:scrgbClr r="0" g="0" b="0"/>
+      </a:lnRef>
+      <a:fillRef idx="1">
+        <a:scrgbClr r="0" g="0" b="0"/>
+      </a:fillRef>
+      <a:effectRef idx="0">
+        <a:scrgbClr r="0" g="0" b="0"/>
+      </a:effectRef>
+      <a:fontRef idx="minor"/>
+    </dgm:style>
+  </dgm:styleLbl>
+  <dgm:styleLbl name="fgShp">
+    <dgm:scene3d>
+      <a:camera prst="orthographicFront"/>
+      <a:lightRig rig="threePt" dir="t"/>
+    </dgm:scene3d>
+    <dgm:sp3d/>
+    <dgm:txPr/>
+    <dgm:style>
+      <a:lnRef idx="2">
+        <a:scrgbClr r="0" g="0" b="0"/>
+      </a:lnRef>
+      <a:fillRef idx="1">
+        <a:scrgbClr r="0" g="0" b="0"/>
+      </a:fillRef>
+      <a:effectRef idx="0">
+        <a:scrgbClr r="0" g="0" b="0"/>
+      </a:effectRef>
+      <a:fontRef idx="minor"/>
+    </dgm:style>
+  </dgm:styleLbl>
+  <dgm:styleLbl name="revTx">
+    <dgm:scene3d>
+      <a:camera prst="orthographicFront"/>
+      <a:lightRig rig="threePt" dir="t"/>
+    </dgm:scene3d>
+    <dgm:sp3d/>
+    <dgm:txPr/>
+    <dgm:style>
+      <a:lnRef idx="0">
+        <a:scrgbClr r="0" g="0" b="0"/>
+      </a:lnRef>
+      <a:fillRef idx="0">
+        <a:scrgbClr r="0" g="0" b="0"/>
+      </a:fillRef>
+      <a:effectRef idx="0">
+        <a:scrgbClr r="0" g="0" b="0"/>
+      </a:effectRef>
+      <a:fontRef idx="minor"/>
+    </dgm:style>
+  </dgm:styleLbl>
+</dgm:styleDef>
+</file>
+
+<file path=ppt/diagrams/quickStyle3.xml><?xml version="1.0" encoding="utf-8"?>
 <dgm:styleDef xmlns:dgm="http://schemas.openxmlformats.org/drawingml/2006/diagram" xmlns:a="http://schemas.openxmlformats.org/drawingml/2006/main" uniqueId="urn:microsoft.com/office/officeart/2005/8/quickstyle/simple1">
   <dgm:title val=""/>
   <dgm:desc val=""/>
@@ -7005,7 +11115,7 @@
           <a:p>
             <a:fld id="{4B894305-BC8A-4BE5-9B4B-5C72E8126F7C}" type="datetimeFigureOut">
               <a:rPr lang="en-IE" smtClean="0"/>
-              <a:t>05/02/2014</a:t>
+              <a:t>06/02/2014</a:t>
             </a:fld>
             <a:endParaRPr lang="en-IE"/>
           </a:p>
@@ -10608,7 +14718,395 @@
 </p:sld>
 </file>
 
+<file path=ppt/slides/slide10.xml><?xml version="1.0" encoding="utf-8"?>
+<p:sld xmlns:a="http://schemas.openxmlformats.org/drawingml/2006/main" xmlns:r="http://schemas.openxmlformats.org/officeDocument/2006/relationships" xmlns:p="http://schemas.openxmlformats.org/presentationml/2006/main">
+  <p:cSld>
+    <p:spTree>
+      <p:nvGrpSpPr>
+        <p:cNvPr id="1" name=""/>
+        <p:cNvGrpSpPr/>
+        <p:nvPr/>
+      </p:nvGrpSpPr>
+      <p:grpSpPr>
+        <a:xfrm>
+          <a:off x="0" y="0"/>
+          <a:ext cx="0" cy="0"/>
+          <a:chOff x="0" y="0"/>
+          <a:chExt cx="0" cy="0"/>
+        </a:xfrm>
+      </p:grpSpPr>
+      <p:graphicFrame>
+        <p:nvGraphicFramePr>
+          <p:cNvPr id="10" name="Content Placeholder 9"/>
+          <p:cNvGraphicFramePr>
+            <a:graphicFrameLocks noGrp="1"/>
+          </p:cNvGraphicFramePr>
+          <p:nvPr>
+            <p:ph idx="1"/>
+            <p:extLst>
+              <p:ext uri="{D42A27DB-BD31-4B8C-83A1-F6EECF244321}">
+                <p14:modId xmlns:p14="http://schemas.microsoft.com/office/powerpoint/2010/main" val="2375212021"/>
+              </p:ext>
+            </p:extLst>
+          </p:nvPr>
+        </p:nvGraphicFramePr>
+        <p:xfrm>
+          <a:off x="457200" y="1600200"/>
+          <a:ext cx="8229600" cy="4525963"/>
+        </p:xfrm>
+        <a:graphic>
+          <a:graphicData uri="http://schemas.openxmlformats.org/drawingml/2006/diagram">
+            <dgm:relIds xmlns:dgm="http://schemas.openxmlformats.org/drawingml/2006/diagram" xmlns:r="http://schemas.openxmlformats.org/officeDocument/2006/relationships" r:dm="rId2" r:lo="rId3" r:qs="rId4" r:cs="rId5"/>
+          </a:graphicData>
+        </a:graphic>
+      </p:graphicFrame>
+      <p:sp>
+        <p:nvSpPr>
+          <p:cNvPr id="5" name="Date Placeholder 4"/>
+          <p:cNvSpPr>
+            <a:spLocks noGrp="1"/>
+          </p:cNvSpPr>
+          <p:nvPr>
+            <p:ph type="dt" sz="half" idx="10"/>
+          </p:nvPr>
+        </p:nvSpPr>
+        <p:spPr/>
+        <p:txBody>
+          <a:bodyPr/>
+          <a:lstStyle/>
+          <a:p>
+            <a:r>
+              <a:rPr lang="en-US" smtClean="0"/>
+              <a:t>07/02/2014</a:t>
+            </a:r>
+            <a:endParaRPr lang="en-IE" dirty="0"/>
+          </a:p>
+        </p:txBody>
+      </p:sp>
+      <p:sp>
+        <p:nvSpPr>
+          <p:cNvPr id="6" name="Footer Placeholder 5"/>
+          <p:cNvSpPr>
+            <a:spLocks noGrp="1"/>
+          </p:cNvSpPr>
+          <p:nvPr>
+            <p:ph type="ftr" sz="quarter" idx="11"/>
+          </p:nvPr>
+        </p:nvSpPr>
+        <p:spPr/>
+        <p:txBody>
+          <a:bodyPr/>
+          <a:lstStyle/>
+          <a:p>
+            <a:r>
+              <a:rPr lang="en-IE" smtClean="0"/>
+              <a:t>Intelligent Toy Interfaces 2014</a:t>
+            </a:r>
+            <a:endParaRPr lang="en-IE" dirty="0" smtClean="0"/>
+          </a:p>
+        </p:txBody>
+      </p:sp>
+      <p:sp>
+        <p:nvSpPr>
+          <p:cNvPr id="7" name="Slide Number Placeholder 6"/>
+          <p:cNvSpPr>
+            <a:spLocks noGrp="1"/>
+          </p:cNvSpPr>
+          <p:nvPr>
+            <p:ph type="sldNum" sz="quarter" idx="12"/>
+          </p:nvPr>
+        </p:nvSpPr>
+        <p:spPr/>
+        <p:txBody>
+          <a:bodyPr/>
+          <a:lstStyle/>
+          <a:p>
+            <a:fld id="{7235E11A-DC3C-4C5A-8EAD-B77EA3A0B827}" type="slidenum">
+              <a:rPr lang="en-IE" smtClean="0"/>
+              <a:t>10</a:t>
+            </a:fld>
+            <a:endParaRPr lang="en-IE"/>
+          </a:p>
+        </p:txBody>
+      </p:sp>
+      <p:sp>
+        <p:nvSpPr>
+          <p:cNvPr id="8" name="Title 7"/>
+          <p:cNvSpPr>
+            <a:spLocks noGrp="1"/>
+          </p:cNvSpPr>
+          <p:nvPr>
+            <p:ph type="title"/>
+          </p:nvPr>
+        </p:nvSpPr>
+        <p:spPr/>
+        <p:txBody>
+          <a:bodyPr/>
+          <a:lstStyle/>
+          <a:p>
+            <a:r>
+              <a:rPr lang="en-IE" dirty="0" smtClean="0"/>
+              <a:t>Bug Design</a:t>
+            </a:r>
+            <a:endParaRPr lang="en-IE" dirty="0"/>
+          </a:p>
+        </p:txBody>
+      </p:sp>
+    </p:spTree>
+    <p:extLst>
+      <p:ext uri="{BB962C8B-B14F-4D97-AF65-F5344CB8AC3E}">
+        <p14:creationId xmlns:p14="http://schemas.microsoft.com/office/powerpoint/2010/main" val="4088222526"/>
+      </p:ext>
+    </p:extLst>
+  </p:cSld>
+  <p:clrMapOvr>
+    <a:masterClrMapping/>
+  </p:clrMapOvr>
+  <p:timing>
+    <p:tnLst>
+      <p:par>
+        <p:cTn id="1" dur="indefinite" restart="never" nodeType="tmRoot"/>
+      </p:par>
+    </p:tnLst>
+  </p:timing>
+</p:sld>
+</file>
+
 <file path=ppt/slides/slide2.xml><?xml version="1.0" encoding="utf-8"?>
+<p:sld xmlns:a="http://schemas.openxmlformats.org/drawingml/2006/main" xmlns:r="http://schemas.openxmlformats.org/officeDocument/2006/relationships" xmlns:p="http://schemas.openxmlformats.org/presentationml/2006/main">
+  <p:cSld>
+    <p:spTree>
+      <p:nvGrpSpPr>
+        <p:cNvPr id="1" name=""/>
+        <p:cNvGrpSpPr/>
+        <p:nvPr/>
+      </p:nvGrpSpPr>
+      <p:grpSpPr>
+        <a:xfrm>
+          <a:off x="0" y="0"/>
+          <a:ext cx="0" cy="0"/>
+          <a:chOff x="0" y="0"/>
+          <a:chExt cx="0" cy="0"/>
+        </a:xfrm>
+      </p:grpSpPr>
+      <p:sp>
+        <p:nvSpPr>
+          <p:cNvPr id="2" name="Content Placeholder 1"/>
+          <p:cNvSpPr>
+            <a:spLocks noGrp="1"/>
+          </p:cNvSpPr>
+          <p:nvPr>
+            <p:ph idx="1"/>
+          </p:nvPr>
+        </p:nvSpPr>
+        <p:spPr/>
+        <p:txBody>
+          <a:bodyPr/>
+          <a:lstStyle/>
+          <a:p>
+            <a:pPr marL="571500" indent="-571500">
+              <a:buFont typeface="+mj-lt"/>
+              <a:buAutoNum type="romanUcPeriod"/>
+            </a:pPr>
+            <a:r>
+              <a:rPr lang="en-IE" dirty="0" smtClean="0"/>
+              <a:t>Project Overview</a:t>
+            </a:r>
+          </a:p>
+          <a:p>
+            <a:pPr marL="571500" indent="-571500">
+              <a:buFont typeface="+mj-lt"/>
+              <a:buAutoNum type="romanUcPeriod"/>
+            </a:pPr>
+            <a:endParaRPr lang="en-IE" dirty="0"/>
+          </a:p>
+          <a:p>
+            <a:pPr marL="571500" indent="-571500">
+              <a:buFont typeface="+mj-lt"/>
+              <a:buAutoNum type="romanUcPeriod"/>
+            </a:pPr>
+            <a:r>
+              <a:rPr lang="en-IE" dirty="0" smtClean="0"/>
+              <a:t>Work summary</a:t>
+            </a:r>
+          </a:p>
+          <a:p>
+            <a:pPr marL="571500" indent="-571500">
+              <a:buFont typeface="+mj-lt"/>
+              <a:buAutoNum type="romanUcPeriod"/>
+            </a:pPr>
+            <a:endParaRPr lang="en-IE" dirty="0"/>
+          </a:p>
+          <a:p>
+            <a:pPr marL="571500" indent="-571500">
+              <a:buFont typeface="+mj-lt"/>
+              <a:buAutoNum type="romanUcPeriod"/>
+            </a:pPr>
+            <a:r>
+              <a:rPr lang="en-IE" dirty="0" smtClean="0"/>
+              <a:t>System Design</a:t>
+            </a:r>
+          </a:p>
+          <a:p>
+            <a:pPr marL="571500" indent="-571500">
+              <a:buFont typeface="+mj-lt"/>
+              <a:buAutoNum type="romanUcPeriod"/>
+            </a:pPr>
+            <a:endParaRPr lang="en-IE" dirty="0"/>
+          </a:p>
+          <a:p>
+            <a:pPr marL="571500" indent="-571500">
+              <a:buFont typeface="+mj-lt"/>
+              <a:buAutoNum type="romanUcPeriod"/>
+            </a:pPr>
+            <a:r>
+              <a:rPr lang="en-IE" dirty="0" smtClean="0"/>
+              <a:t>Ethical considerations</a:t>
+            </a:r>
+          </a:p>
+          <a:p>
+            <a:pPr marL="571500" indent="-571500">
+              <a:buFont typeface="+mj-lt"/>
+              <a:buAutoNum type="romanUcPeriod"/>
+            </a:pPr>
+            <a:endParaRPr lang="en-IE" dirty="0"/>
+          </a:p>
+          <a:p>
+            <a:pPr marL="571500" indent="-571500">
+              <a:buFont typeface="+mj-lt"/>
+              <a:buAutoNum type="romanUcPeriod"/>
+            </a:pPr>
+            <a:endParaRPr lang="en-IE" dirty="0" smtClean="0"/>
+          </a:p>
+          <a:p>
+            <a:pPr marL="571500" indent="-571500">
+              <a:buFont typeface="+mj-lt"/>
+              <a:buAutoNum type="romanUcPeriod"/>
+            </a:pPr>
+            <a:endParaRPr lang="en-IE" dirty="0"/>
+          </a:p>
+          <a:p>
+            <a:pPr marL="571500" indent="-571500">
+              <a:buFont typeface="+mj-lt"/>
+              <a:buAutoNum type="romanUcPeriod"/>
+            </a:pPr>
+            <a:endParaRPr lang="en-IE" dirty="0"/>
+          </a:p>
+        </p:txBody>
+      </p:sp>
+      <p:sp>
+        <p:nvSpPr>
+          <p:cNvPr id="3" name="Date Placeholder 2"/>
+          <p:cNvSpPr>
+            <a:spLocks noGrp="1"/>
+          </p:cNvSpPr>
+          <p:nvPr>
+            <p:ph type="dt" sz="half" idx="10"/>
+          </p:nvPr>
+        </p:nvSpPr>
+        <p:spPr/>
+        <p:txBody>
+          <a:bodyPr/>
+          <a:lstStyle/>
+          <a:p>
+            <a:r>
+              <a:rPr lang="en-US" smtClean="0"/>
+              <a:t>07/02/2014</a:t>
+            </a:r>
+            <a:endParaRPr lang="en-IE" dirty="0" smtClean="0"/>
+          </a:p>
+        </p:txBody>
+      </p:sp>
+      <p:sp>
+        <p:nvSpPr>
+          <p:cNvPr id="4" name="Footer Placeholder 3"/>
+          <p:cNvSpPr>
+            <a:spLocks noGrp="1"/>
+          </p:cNvSpPr>
+          <p:nvPr>
+            <p:ph type="ftr" sz="quarter" idx="11"/>
+          </p:nvPr>
+        </p:nvSpPr>
+        <p:spPr/>
+        <p:txBody>
+          <a:bodyPr/>
+          <a:lstStyle/>
+          <a:p>
+            <a:r>
+              <a:rPr lang="en-IE" smtClean="0"/>
+              <a:t>Intelligent Toy Interfaces 2014</a:t>
+            </a:r>
+            <a:endParaRPr lang="en-IE" dirty="0"/>
+          </a:p>
+        </p:txBody>
+      </p:sp>
+      <p:sp>
+        <p:nvSpPr>
+          <p:cNvPr id="5" name="Slide Number Placeholder 4"/>
+          <p:cNvSpPr>
+            <a:spLocks noGrp="1"/>
+          </p:cNvSpPr>
+          <p:nvPr>
+            <p:ph type="sldNum" sz="quarter" idx="12"/>
+          </p:nvPr>
+        </p:nvSpPr>
+        <p:spPr/>
+        <p:txBody>
+          <a:bodyPr/>
+          <a:lstStyle/>
+          <a:p>
+            <a:fld id="{7235E11A-DC3C-4C5A-8EAD-B77EA3A0B827}" type="slidenum">
+              <a:rPr lang="en-IE" smtClean="0"/>
+              <a:t>2</a:t>
+            </a:fld>
+            <a:endParaRPr lang="en-IE"/>
+          </a:p>
+        </p:txBody>
+      </p:sp>
+      <p:sp>
+        <p:nvSpPr>
+          <p:cNvPr id="6" name="Title 5"/>
+          <p:cNvSpPr>
+            <a:spLocks noGrp="1"/>
+          </p:cNvSpPr>
+          <p:nvPr>
+            <p:ph type="title"/>
+          </p:nvPr>
+        </p:nvSpPr>
+        <p:spPr/>
+        <p:txBody>
+          <a:bodyPr/>
+          <a:lstStyle/>
+          <a:p>
+            <a:r>
+              <a:rPr lang="en-IE" dirty="0" smtClean="0"/>
+              <a:t>Agenda</a:t>
+            </a:r>
+            <a:endParaRPr lang="en-IE" dirty="0"/>
+          </a:p>
+        </p:txBody>
+      </p:sp>
+    </p:spTree>
+    <p:extLst>
+      <p:ext uri="{BB962C8B-B14F-4D97-AF65-F5344CB8AC3E}">
+        <p14:creationId xmlns:p14="http://schemas.microsoft.com/office/powerpoint/2010/main" val="1089226350"/>
+      </p:ext>
+    </p:extLst>
+  </p:cSld>
+  <p:clrMapOvr>
+    <a:masterClrMapping/>
+  </p:clrMapOvr>
+  <p:timing>
+    <p:tnLst>
+      <p:par>
+        <p:cTn id="1" dur="indefinite" restart="never" nodeType="tmRoot"/>
+      </p:par>
+    </p:tnLst>
+  </p:timing>
+</p:sld>
+</file>
+
+<file path=ppt/slides/slide3.xml><?xml version="1.0" encoding="utf-8"?>
 <p:sld xmlns:a="http://schemas.openxmlformats.org/drawingml/2006/main" xmlns:r="http://schemas.openxmlformats.org/officeDocument/2006/relationships" xmlns:p="http://schemas.openxmlformats.org/presentationml/2006/main">
   <p:cSld>
     <p:spTree>
@@ -10647,11 +15145,7 @@
           <a:p>
             <a:r>
               <a:rPr lang="en-IE" dirty="0" smtClean="0"/>
-              <a:t>P</a:t>
-            </a:r>
-            <a:r>
-              <a:rPr lang="en-IE" dirty="0" smtClean="0"/>
-              <a:t>roject Objectives</a:t>
+              <a:t>Project Objectives</a:t>
             </a:r>
             <a:endParaRPr lang="en-IE" dirty="0"/>
           </a:p>
@@ -10756,7 +15250,7 @@
           <a:p>
             <a:fld id="{7235E11A-DC3C-4C5A-8EAD-B77EA3A0B827}" type="slidenum">
               <a:rPr lang="en-IE" smtClean="0"/>
-              <a:t>2</a:t>
+              <a:t>3</a:t>
             </a:fld>
             <a:endParaRPr lang="en-IE"/>
           </a:p>
@@ -10800,7 +15294,7 @@
 </p:sld>
 </file>
 
-<file path=ppt/slides/slide3.xml><?xml version="1.0" encoding="utf-8"?>
+<file path=ppt/slides/slide4.xml><?xml version="1.0" encoding="utf-8"?>
 <p:sld xmlns:a="http://schemas.openxmlformats.org/drawingml/2006/main" xmlns:r="http://schemas.openxmlformats.org/officeDocument/2006/relationships" xmlns:p="http://schemas.openxmlformats.org/presentationml/2006/main">
   <p:cSld>
     <p:spTree>
@@ -10905,7 +15399,7 @@
           <a:p>
             <a:fld id="{7235E11A-DC3C-4C5A-8EAD-B77EA3A0B827}" type="slidenum">
               <a:rPr lang="en-IE" smtClean="0"/>
-              <a:t>3</a:t>
+              <a:t>4</a:t>
             </a:fld>
             <a:endParaRPr lang="en-IE"/>
           </a:p>
@@ -11044,7 +15538,7 @@
 </p:sld>
 </file>
 
-<file path=ppt/slides/slide4.xml><?xml version="1.0" encoding="utf-8"?>
+<file path=ppt/slides/slide5.xml><?xml version="1.0" encoding="utf-8"?>
 <p:sld xmlns:a="http://schemas.openxmlformats.org/drawingml/2006/main" xmlns:r="http://schemas.openxmlformats.org/officeDocument/2006/relationships" xmlns:p="http://schemas.openxmlformats.org/presentationml/2006/main">
   <p:cSld>
     <p:spTree>
@@ -11172,7 +15666,7 @@
           <a:p>
             <a:fld id="{7235E11A-DC3C-4C5A-8EAD-B77EA3A0B827}" type="slidenum">
               <a:rPr lang="en-IE" smtClean="0"/>
-              <a:t>4</a:t>
+              <a:t>5</a:t>
             </a:fld>
             <a:endParaRPr lang="en-IE"/>
           </a:p>
@@ -11411,7 +15905,7 @@
 </p:sld>
 </file>
 
-<file path=ppt/slides/slide5.xml><?xml version="1.0" encoding="utf-8"?>
+<file path=ppt/slides/slide6.xml><?xml version="1.0" encoding="utf-8"?>
 <p:sld xmlns:a="http://schemas.openxmlformats.org/drawingml/2006/main" xmlns:r="http://schemas.openxmlformats.org/officeDocument/2006/relationships" xmlns:p="http://schemas.openxmlformats.org/presentationml/2006/main">
   <p:cSld>
     <p:spTree>
@@ -11491,7 +15985,7 @@
           <a:p>
             <a:fld id="{7235E11A-DC3C-4C5A-8EAD-B77EA3A0B827}" type="slidenum">
               <a:rPr lang="en-IE" smtClean="0"/>
-              <a:t>5</a:t>
+              <a:t>6</a:t>
             </a:fld>
             <a:endParaRPr lang="en-IE"/>
           </a:p>
@@ -11562,7 +16056,7 @@
 </p:sld>
 </file>
 
-<file path=ppt/slides/slide6.xml><?xml version="1.0" encoding="utf-8"?>
+<file path=ppt/slides/slide7.xml><?xml version="1.0" encoding="utf-8"?>
 <p:sld xmlns:a="http://schemas.openxmlformats.org/drawingml/2006/main" xmlns:r="http://schemas.openxmlformats.org/officeDocument/2006/relationships" xmlns:p="http://schemas.openxmlformats.org/presentationml/2006/main">
   <p:cSld>
     <p:spTree>
@@ -11756,7 +16250,7 @@
           <a:p>
             <a:fld id="{7235E11A-DC3C-4C5A-8EAD-B77EA3A0B827}" type="slidenum">
               <a:rPr lang="en-IE" smtClean="0"/>
-              <a:t>6</a:t>
+              <a:t>7</a:t>
             </a:fld>
             <a:endParaRPr lang="en-IE"/>
           </a:p>
@@ -11849,7 +16343,7 @@
 </p:sld>
 </file>
 
-<file path=ppt/slides/slide7.xml><?xml version="1.0" encoding="utf-8"?>
+<file path=ppt/slides/slide8.xml><?xml version="1.0" encoding="utf-8"?>
 <p:sld xmlns:a="http://schemas.openxmlformats.org/drawingml/2006/main" xmlns:r="http://schemas.openxmlformats.org/officeDocument/2006/relationships" xmlns:p="http://schemas.openxmlformats.org/presentationml/2006/main">
   <p:cSld>
     <p:spTree>
@@ -11959,7 +16453,7 @@
         <p:spPr/>
         <p:txBody>
           <a:bodyPr>
-            <a:normAutofit lnSpcReduction="10000"/>
+            <a:normAutofit/>
           </a:bodyPr>
           <a:lstStyle/>
           <a:p>
@@ -11983,25 +16477,27 @@
           <a:p>
             <a:r>
               <a:rPr lang="en-IE" dirty="0" smtClean="0"/>
-              <a:t>Interfaced NAO with PC gaming joystick</a:t>
-            </a:r>
-          </a:p>
-          <a:p>
-            <a:endParaRPr lang="en-IE" dirty="0" smtClean="0"/>
-          </a:p>
-          <a:p>
-            <a:r>
-              <a:rPr lang="en-IE" dirty="0" smtClean="0"/>
-              <a:t>Demonstrated </a:t>
-            </a:r>
-            <a:r>
-              <a:rPr lang="en-IE" dirty="0" err="1" smtClean="0"/>
-              <a:t>Elec-Eng</a:t>
+              <a:t>NAO </a:t>
             </a:r>
             <a:r>
               <a:rPr lang="en-IE" dirty="0" smtClean="0"/>
-              <a:t> open day</a:t>
+              <a:t>with </a:t>
             </a:r>
+            <a:r>
+              <a:rPr lang="en-IE" dirty="0" smtClean="0"/>
+              <a:t>joystick</a:t>
+            </a:r>
+            <a:endParaRPr lang="en-IE" dirty="0" smtClean="0"/>
+          </a:p>
+          <a:p>
+            <a:endParaRPr lang="en-IE" dirty="0" smtClean="0"/>
+          </a:p>
+          <a:p>
+            <a:r>
+              <a:rPr lang="en-IE" dirty="0" smtClean="0"/>
+              <a:t>Infrared communications</a:t>
+            </a:r>
+            <a:endParaRPr lang="en-IE" dirty="0" smtClean="0"/>
           </a:p>
         </p:txBody>
       </p:sp>
@@ -12068,7 +16564,7 @@
           <a:p>
             <a:fld id="{7235E11A-DC3C-4C5A-8EAD-B77EA3A0B827}" type="slidenum">
               <a:rPr lang="en-IE" smtClean="0"/>
-              <a:t>7</a:t>
+              <a:t>8</a:t>
             </a:fld>
             <a:endParaRPr lang="en-IE"/>
           </a:p>
@@ -12135,7 +16631,7 @@
 </p:sld>
 </file>
 
-<file path=ppt/slides/slide8.xml><?xml version="1.0" encoding="utf-8"?>
+<file path=ppt/slides/slide9.xml><?xml version="1.0" encoding="utf-8"?>
 <p:sld xmlns:a="http://schemas.openxmlformats.org/drawingml/2006/main" xmlns:r="http://schemas.openxmlformats.org/officeDocument/2006/relationships" xmlns:p="http://schemas.openxmlformats.org/presentationml/2006/main">
   <p:cSld>
     <p:spTree>
@@ -12154,12 +16650,12 @@
       </p:grpSpPr>
       <p:sp>
         <p:nvSpPr>
-          <p:cNvPr id="9" name="Content Placeholder 8"/>
+          <p:cNvPr id="8" name="Title 7"/>
           <p:cNvSpPr>
             <a:spLocks noGrp="1"/>
           </p:cNvSpPr>
           <p:nvPr>
-            <p:ph idx="1"/>
+            <p:ph type="title"/>
           </p:nvPr>
         </p:nvSpPr>
         <p:spPr/>
@@ -12167,13 +16663,90 @@
           <a:bodyPr/>
           <a:lstStyle/>
           <a:p>
-            <a:pPr marL="0" indent="0">
-              <a:buNone/>
-            </a:pPr>
+            <a:r>
+              <a:rPr lang="en-IE" dirty="0" smtClean="0"/>
+              <a:t>System Design</a:t>
+            </a:r>
             <a:endParaRPr lang="en-IE" dirty="0"/>
           </a:p>
         </p:txBody>
       </p:sp>
+      <p:sp>
+        <p:nvSpPr>
+          <p:cNvPr id="3" name="Content Placeholder 2"/>
+          <p:cNvSpPr>
+            <a:spLocks noGrp="1"/>
+          </p:cNvSpPr>
+          <p:nvPr>
+            <p:ph sz="half" idx="1"/>
+          </p:nvPr>
+        </p:nvSpPr>
+        <p:spPr/>
+        <p:txBody>
+          <a:bodyPr/>
+          <a:lstStyle/>
+          <a:p>
+            <a:r>
+              <a:rPr lang="en-IE" dirty="0" smtClean="0"/>
+              <a:t>Give affordable toys senses</a:t>
+            </a:r>
+          </a:p>
+          <a:p>
+            <a:endParaRPr lang="en-IE" dirty="0" smtClean="0"/>
+          </a:p>
+          <a:p>
+            <a:r>
+              <a:rPr lang="en-IE" dirty="0" smtClean="0"/>
+              <a:t>Reaction to senses</a:t>
+            </a:r>
+          </a:p>
+          <a:p>
+            <a:endParaRPr lang="en-IE" dirty="0" smtClean="0"/>
+          </a:p>
+          <a:p>
+            <a:r>
+              <a:rPr lang="en-IE" dirty="0" smtClean="0"/>
+              <a:t>Enable collaboration</a:t>
+            </a:r>
+          </a:p>
+          <a:p>
+            <a:endParaRPr lang="en-IE" dirty="0" smtClean="0"/>
+          </a:p>
+          <a:p>
+            <a:r>
+              <a:rPr lang="en-IE" dirty="0" smtClean="0"/>
+              <a:t>Interact with NAO </a:t>
+            </a:r>
+            <a:endParaRPr lang="en-IE" dirty="0"/>
+          </a:p>
+        </p:txBody>
+      </p:sp>
+      <p:pic>
+        <p:nvPicPr>
+          <p:cNvPr id="11" name="Content Placeholder 10"/>
+          <p:cNvPicPr>
+            <a:picLocks noGrp="1" noChangeAspect="1"/>
+          </p:cNvPicPr>
+          <p:nvPr>
+            <p:ph sz="half" idx="2"/>
+          </p:nvPr>
+        </p:nvPicPr>
+        <p:blipFill>
+          <a:blip r:embed="rId2"/>
+          <a:stretch>
+            <a:fillRect/>
+          </a:stretch>
+        </p:blipFill>
+        <p:spPr>
+          <a:xfrm>
+            <a:off x="5376709" y="4448001"/>
+            <a:ext cx="2120896" cy="808687"/>
+          </a:xfrm>
+          <a:prstGeom prst="rect">
+            <a:avLst/>
+          </a:prstGeom>
+        </p:spPr>
+      </p:pic>
       <p:sp>
         <p:nvSpPr>
           <p:cNvPr id="5" name="Date Placeholder 4"/>
@@ -12237,35 +16810,240 @@
           <a:p>
             <a:fld id="{7235E11A-DC3C-4C5A-8EAD-B77EA3A0B827}" type="slidenum">
               <a:rPr lang="en-IE" smtClean="0"/>
-              <a:t>8</a:t>
+              <a:t>9</a:t>
             </a:fld>
             <a:endParaRPr lang="en-IE"/>
           </a:p>
         </p:txBody>
       </p:sp>
-      <p:sp>
-        <p:nvSpPr>
-          <p:cNvPr id="8" name="Title 7"/>
-          <p:cNvSpPr>
-            <a:spLocks noGrp="1"/>
-          </p:cNvSpPr>
-          <p:nvPr>
-            <p:ph type="title"/>
-          </p:nvPr>
-        </p:nvSpPr>
-        <p:spPr/>
-        <p:txBody>
-          <a:bodyPr/>
-          <a:lstStyle/>
-          <a:p>
-            <a:r>
-              <a:rPr lang="en-IE" dirty="0" smtClean="0"/>
-              <a:t>Requirements</a:t>
-            </a:r>
-            <a:endParaRPr lang="en-IE" dirty="0"/>
-          </a:p>
-        </p:txBody>
-      </p:sp>
+      <p:pic>
+        <p:nvPicPr>
+          <p:cNvPr id="10" name="Picture 2" descr="http://blog.jannahsteps.com/wp-content/uploads/2011/08/5-senses-cards.jpg"/>
+          <p:cNvPicPr>
+            <a:picLocks noChangeAspect="1" noChangeArrowheads="1"/>
+          </p:cNvPicPr>
+          <p:nvPr/>
+        </p:nvPicPr>
+        <p:blipFill>
+          <a:blip r:embed="rId3" cstate="print">
+            <a:extLst>
+              <a:ext uri="{28A0092B-C50C-407E-A947-70E740481C1C}">
+                <a14:useLocalDpi xmlns:a14="http://schemas.microsoft.com/office/drawing/2010/main" val="0"/>
+              </a:ext>
+            </a:extLst>
+          </a:blip>
+          <a:srcRect/>
+          <a:stretch>
+            <a:fillRect/>
+          </a:stretch>
+        </p:blipFill>
+        <p:spPr bwMode="auto">
+          <a:xfrm>
+            <a:off x="5624804" y="1558889"/>
+            <a:ext cx="1624707" cy="2103837"/>
+          </a:xfrm>
+          <a:prstGeom prst="rect">
+            <a:avLst/>
+          </a:prstGeom>
+          <a:noFill/>
+          <a:extLst>
+            <a:ext uri="{909E8E84-426E-40DD-AFC4-6F175D3DCCD1}">
+              <a14:hiddenFill xmlns:a14="http://schemas.microsoft.com/office/drawing/2010/main">
+                <a:solidFill>
+                  <a:srgbClr val="FFFFFF"/>
+                </a:solidFill>
+              </a14:hiddenFill>
+            </a:ext>
+          </a:extLst>
+        </p:spPr>
+      </p:pic>
+      <p:pic>
+        <p:nvPicPr>
+          <p:cNvPr id="13" name="Picture 12"/>
+          <p:cNvPicPr>
+            <a:picLocks noChangeAspect="1"/>
+          </p:cNvPicPr>
+          <p:nvPr/>
+        </p:nvPicPr>
+        <p:blipFill>
+          <a:blip r:embed="rId4">
+            <a:extLst>
+              <a:ext uri="{BEBA8EAE-BF5A-486C-A8C5-ECC9F3942E4B}">
+                <a14:imgProps xmlns:a14="http://schemas.microsoft.com/office/drawing/2010/main">
+                  <a14:imgLayer r:embed="rId5">
+                    <a14:imgEffect>
+                      <a14:backgroundRemoval t="0" b="100000" l="6296" r="92593">
+                        <a14:foregroundMark x1="74815" y1="44490" x2="88148" y2="29388"/>
+                        <a14:foregroundMark x1="87778" y1="29796" x2="92593" y2="42449"/>
+                        <a14:foregroundMark x1="91481" y1="42857" x2="90370" y2="80000"/>
+                        <a14:foregroundMark x1="89259" y1="80816" x2="83333" y2="86531"/>
+                        <a14:foregroundMark x1="82593" y1="86531" x2="81111" y2="84082"/>
+                        <a14:foregroundMark x1="81111" y1="84082" x2="82963" y2="55510"/>
+                        <a14:foregroundMark x1="82593" y1="55918" x2="71481" y2="66122"/>
+                        <a14:foregroundMark x1="71481" y1="65306" x2="70000" y2="51020"/>
+                        <a14:foregroundMark x1="70000" y1="51020" x2="75185" y2="43673"/>
+                        <a14:foregroundMark x1="74815" y1="43265" x2="81481" y2="36735"/>
+                        <a14:foregroundMark x1="72963" y1="51020" x2="78889" y2="45714"/>
+                        <a14:foregroundMark x1="23704" y1="45306" x2="6296" y2="28980"/>
+                        <a14:foregroundMark x1="19259" y1="57959" x2="9630" y2="51837"/>
+                        <a14:foregroundMark x1="21111" y1="48163" x2="9630" y2="37959"/>
+                      </a14:backgroundRemoval>
+                    </a14:imgEffect>
+                  </a14:imgLayer>
+                </a14:imgProps>
+              </a:ext>
+            </a:extLst>
+          </a:blip>
+          <a:stretch>
+            <a:fillRect/>
+          </a:stretch>
+        </p:blipFill>
+        <p:spPr>
+          <a:xfrm>
+            <a:off x="4733605" y="5227162"/>
+            <a:ext cx="534869" cy="485343"/>
+          </a:xfrm>
+          <a:prstGeom prst="rect">
+            <a:avLst/>
+          </a:prstGeom>
+        </p:spPr>
+      </p:pic>
+      <p:pic>
+        <p:nvPicPr>
+          <p:cNvPr id="14" name="Picture 13"/>
+          <p:cNvPicPr>
+            <a:picLocks noChangeAspect="1"/>
+          </p:cNvPicPr>
+          <p:nvPr/>
+        </p:nvPicPr>
+        <p:blipFill>
+          <a:blip r:embed="rId6">
+            <a:extLst>
+              <a:ext uri="{BEBA8EAE-BF5A-486C-A8C5-ECC9F3942E4B}">
+                <a14:imgProps xmlns:a14="http://schemas.microsoft.com/office/drawing/2010/main">
+                  <a14:imgLayer r:embed="rId7">
+                    <a14:imgEffect>
+                      <a14:backgroundRemoval t="3030" b="100000" l="4305" r="88742">
+                        <a14:foregroundMark x1="70530" y1="43182" x2="82450" y2="27273"/>
+                        <a14:foregroundMark x1="82450" y1="27273" x2="89073" y2="46212"/>
+                        <a14:foregroundMark x1="71523" y1="59470" x2="81457" y2="48864"/>
+                        <a14:foregroundMark x1="79139" y1="38636" x2="80464" y2="45076"/>
+                        <a14:foregroundMark x1="26490" y1="48106" x2="5629" y2="31818"/>
+                        <a14:foregroundMark x1="24503" y1="62121" x2="13245" y2="56818"/>
+                      </a14:backgroundRemoval>
+                    </a14:imgEffect>
+                  </a14:imgLayer>
+                </a14:imgProps>
+              </a:ext>
+            </a:extLst>
+          </a:blip>
+          <a:stretch>
+            <a:fillRect/>
+          </a:stretch>
+        </p:blipFill>
+        <p:spPr>
+          <a:xfrm flipH="1">
+            <a:off x="4705657" y="3938286"/>
+            <a:ext cx="603987" cy="527989"/>
+          </a:xfrm>
+          <a:prstGeom prst="rect">
+            <a:avLst/>
+          </a:prstGeom>
+        </p:spPr>
+      </p:pic>
+      <p:pic>
+        <p:nvPicPr>
+          <p:cNvPr id="15" name="Picture 14"/>
+          <p:cNvPicPr>
+            <a:picLocks noChangeAspect="1"/>
+          </p:cNvPicPr>
+          <p:nvPr/>
+        </p:nvPicPr>
+        <p:blipFill>
+          <a:blip r:embed="rId8">
+            <a:extLst>
+              <a:ext uri="{BEBA8EAE-BF5A-486C-A8C5-ECC9F3942E4B}">
+                <a14:imgProps xmlns:a14="http://schemas.microsoft.com/office/drawing/2010/main">
+                  <a14:imgLayer r:embed="rId9">
+                    <a14:imgEffect>
+                      <a14:backgroundRemoval t="0" b="98810" l="5435" r="96014"/>
+                    </a14:imgEffect>
+                  </a14:imgLayer>
+                </a14:imgProps>
+              </a:ext>
+            </a:extLst>
+          </a:blip>
+          <a:stretch>
+            <a:fillRect/>
+          </a:stretch>
+        </p:blipFill>
+        <p:spPr>
+          <a:xfrm flipH="1">
+            <a:off x="4482334" y="4544670"/>
+            <a:ext cx="573895" cy="523992"/>
+          </a:xfrm>
+          <a:prstGeom prst="rect">
+            <a:avLst/>
+          </a:prstGeom>
+        </p:spPr>
+      </p:pic>
+      <p:pic>
+        <p:nvPicPr>
+          <p:cNvPr id="16" name="Picture 2" descr="http://www.active-robots.com/media/catalog/product/cache/1/image/9df78eab33525d08d6e5fb8d27136e95/n/a/nao-h25-humanoid-robot-academic-edition-from-aldebaran-robotics-web-image-1.jpg"/>
+          <p:cNvPicPr>
+            <a:picLocks noChangeAspect="1" noChangeArrowheads="1"/>
+          </p:cNvPicPr>
+          <p:nvPr/>
+        </p:nvPicPr>
+        <p:blipFill>
+          <a:blip r:embed="rId10">
+            <a:extLst>
+              <a:ext uri="{BEBA8EAE-BF5A-486C-A8C5-ECC9F3942E4B}">
+                <a14:imgProps xmlns:a14="http://schemas.microsoft.com/office/drawing/2010/main">
+                  <a14:imgLayer r:embed="rId11">
+                    <a14:imgEffect>
+                      <a14:backgroundRemoval t="1750" b="99000" l="10000" r="90000"/>
+                    </a14:imgEffect>
+                  </a14:imgLayer>
+                </a14:imgProps>
+              </a:ext>
+              <a:ext uri="{28A0092B-C50C-407E-A947-70E740481C1C}">
+                <a14:useLocalDpi xmlns:a14="http://schemas.microsoft.com/office/drawing/2010/main" val="0"/>
+              </a:ext>
+            </a:extLst>
+          </a:blip>
+          <a:srcRect/>
+          <a:stretch>
+            <a:fillRect/>
+          </a:stretch>
+        </p:blipFill>
+        <p:spPr bwMode="auto">
+          <a:xfrm flipH="1">
+            <a:off x="7092280" y="3958265"/>
+            <a:ext cx="1825927" cy="1825927"/>
+          </a:xfrm>
+          <a:prstGeom prst="rect">
+            <a:avLst/>
+          </a:prstGeom>
+          <a:noFill/>
+          <a:effectLst>
+            <a:glow rad="127000">
+              <a:schemeClr val="accent1">
+                <a:alpha val="0"/>
+              </a:schemeClr>
+            </a:glow>
+          </a:effectLst>
+          <a:extLst>
+            <a:ext uri="{909E8E84-426E-40DD-AFC4-6F175D3DCCD1}">
+              <a14:hiddenFill xmlns:a14="http://schemas.microsoft.com/office/drawing/2010/main">
+                <a:solidFill>
+                  <a:srgbClr val="FFFFFF"/>
+                </a:solidFill>
+              </a14:hiddenFill>
+            </a:ext>
+          </a:extLst>
+        </p:spPr>
+      </p:pic>
     </p:spTree>
     <p:extLst>
       <p:ext uri="{BB962C8B-B14F-4D97-AF65-F5344CB8AC3E}">

--- a/Presentation.pptx
+++ b/Presentation.pptx
@@ -5,7 +5,7 @@
     <p:sldMasterId id="2147483648" r:id="rId1"/>
   </p:sldMasterIdLst>
   <p:notesMasterIdLst>
-    <p:notesMasterId r:id="rId12"/>
+    <p:notesMasterId r:id="rId13"/>
   </p:notesMasterIdLst>
   <p:sldIdLst>
     <p:sldId id="256" r:id="rId2"/>
@@ -18,6 +18,7 @@
     <p:sldId id="262" r:id="rId9"/>
     <p:sldId id="263" r:id="rId10"/>
     <p:sldId id="265" r:id="rId11"/>
+    <p:sldId id="266" r:id="rId12"/>
   </p:sldIdLst>
   <p:sldSz cx="9144000" cy="6858000" type="screen4x3"/>
   <p:notesSz cx="6858000" cy="9144000"/>
@@ -3669,7 +3670,7 @@
         <a:p>
           <a:r>
             <a:rPr lang="en-IE" dirty="0" smtClean="0"/>
-            <a:t>Accelerometer</a:t>
+            <a:t>Temp.. Pressure…</a:t>
           </a:r>
           <a:endParaRPr lang="en-IE" dirty="0"/>
         </a:p>
@@ -3687,49 +3688,6 @@
       </dgm:t>
     </dgm:pt>
     <dgm:pt modelId="{CF00E27D-56BE-4825-B4C7-35A1F92CCBE7}" type="sibTrans" cxnId="{5BD8B720-A66F-4E92-83B1-F2A924C80A16}">
-      <dgm:prSet/>
-      <dgm:spPr/>
-      <dgm:t>
-        <a:bodyPr/>
-        <a:lstStyle/>
-        <a:p>
-          <a:endParaRPr lang="en-IE"/>
-        </a:p>
-      </dgm:t>
-    </dgm:pt>
-    <dgm:pt modelId="{47B939A5-BBC0-457D-B3A1-B0EAF26DB73B}">
-      <dgm:prSet phldrT="[Text]" custT="1"/>
-      <dgm:spPr>
-        <a:solidFill>
-          <a:schemeClr val="accent3">
-            <a:lumMod val="75000"/>
-          </a:schemeClr>
-        </a:solidFill>
-      </dgm:spPr>
-      <dgm:t>
-        <a:bodyPr/>
-        <a:lstStyle/>
-        <a:p>
-          <a:r>
-            <a:rPr lang="en-IE" sz="2000" dirty="0" smtClean="0"/>
-            <a:t>Magnet</a:t>
-          </a:r>
-          <a:endParaRPr lang="en-IE" sz="2000" dirty="0"/>
-        </a:p>
-      </dgm:t>
-    </dgm:pt>
-    <dgm:pt modelId="{75C2AE73-6415-4128-A75E-860FE73E8E45}" type="parTrans" cxnId="{2A19530E-932C-4FFF-9131-72ECA1E4F6E3}">
-      <dgm:prSet/>
-      <dgm:spPr/>
-      <dgm:t>
-        <a:bodyPr/>
-        <a:lstStyle/>
-        <a:p>
-          <a:endParaRPr lang="en-IE"/>
-        </a:p>
-      </dgm:t>
-    </dgm:pt>
-    <dgm:pt modelId="{E080E766-9B90-458C-AEBB-EA0133108DF2}" type="sibTrans" cxnId="{2A19530E-932C-4FFF-9131-72ECA1E4F6E3}">
       <dgm:prSet/>
       <dgm:spPr/>
       <dgm:t>
@@ -3763,7 +3721,7 @@
         <a:p>
           <a:r>
             <a:rPr lang="en-IE" sz="2000" dirty="0" smtClean="0"/>
-            <a:t>TI RF2500</a:t>
+            <a:t>TI RF2500… Infrared</a:t>
           </a:r>
           <a:endParaRPr lang="en-IE" sz="2000" dirty="0"/>
         </a:p>
@@ -3806,7 +3764,23 @@
         <a:p>
           <a:r>
             <a:rPr lang="en-IE" sz="2000" dirty="0" smtClean="0"/>
-            <a:t>Gyro</a:t>
+            <a:t>Gyro… </a:t>
+          </a:r>
+          <a:r>
+            <a:rPr lang="en-IE" sz="2000" dirty="0" err="1" smtClean="0"/>
+            <a:t>Magn</a:t>
+          </a:r>
+          <a:r>
+            <a:rPr lang="en-IE" sz="2000" dirty="0" smtClean="0"/>
+            <a:t>… </a:t>
+          </a:r>
+          <a:r>
+            <a:rPr lang="en-IE" sz="2000" dirty="0" err="1" smtClean="0"/>
+            <a:t>Accel</a:t>
+          </a:r>
+          <a:r>
+            <a:rPr lang="en-IE" sz="2000" dirty="0" smtClean="0"/>
+            <a:t>..</a:t>
           </a:r>
           <a:endParaRPr lang="en-IE" sz="2000" dirty="0"/>
         </a:p>
@@ -3900,7 +3874,13 @@
         <a:p>
           <a:r>
             <a:rPr lang="en-IE" sz="2000" dirty="0" smtClean="0"/>
-            <a:t>Other Bugs</a:t>
+            <a:t>Bugs…</a:t>
+          </a:r>
+        </a:p>
+        <a:p>
+          <a:r>
+            <a:rPr lang="en-IE" sz="2000" dirty="0" smtClean="0"/>
+            <a:t>PC…</a:t>
           </a:r>
           <a:endParaRPr lang="en-IE" sz="2000" dirty="0"/>
         </a:p>
@@ -3918,6 +3898,57 @@
       </dgm:t>
     </dgm:pt>
     <dgm:pt modelId="{9CCF5637-87A6-4842-841C-0B18BE72BDF7}" type="sibTrans" cxnId="{FBEEEEAF-C514-483C-AABA-5BD0B0D7D830}">
+      <dgm:prSet/>
+      <dgm:spPr/>
+      <dgm:t>
+        <a:bodyPr/>
+        <a:lstStyle/>
+        <a:p>
+          <a:endParaRPr lang="en-IE"/>
+        </a:p>
+      </dgm:t>
+    </dgm:pt>
+    <dgm:pt modelId="{4BB0FBB2-1392-4F79-AA9E-48CAF5A3D526}">
+      <dgm:prSet phldrT="[Text]" custT="1"/>
+      <dgm:spPr>
+        <a:solidFill>
+          <a:schemeClr val="accent6">
+            <a:lumMod val="75000"/>
+          </a:schemeClr>
+        </a:solidFill>
+        <a:ln>
+          <a:solidFill>
+            <a:schemeClr val="accent5">
+              <a:lumMod val="60000"/>
+              <a:lumOff val="40000"/>
+            </a:schemeClr>
+          </a:solidFill>
+        </a:ln>
+      </dgm:spPr>
+      <dgm:t>
+        <a:bodyPr/>
+        <a:lstStyle/>
+        <a:p>
+          <a:r>
+            <a:rPr lang="en-IE" sz="2000" dirty="0" smtClean="0"/>
+            <a:t>NAO… Tech…</a:t>
+          </a:r>
+          <a:endParaRPr lang="en-IE" sz="2000" dirty="0"/>
+        </a:p>
+      </dgm:t>
+    </dgm:pt>
+    <dgm:pt modelId="{6DFE8E2D-CF21-4F46-8682-14621FFA83A8}" type="sibTrans" cxnId="{1739AB78-9C11-4DB3-BECC-85D0DF02E9ED}">
+      <dgm:prSet/>
+      <dgm:spPr/>
+      <dgm:t>
+        <a:bodyPr/>
+        <a:lstStyle/>
+        <a:p>
+          <a:endParaRPr lang="en-IE"/>
+        </a:p>
+      </dgm:t>
+    </dgm:pt>
+    <dgm:pt modelId="{DA52DEBB-FDE3-4A83-B3B9-BC0624650E05}" type="parTrans" cxnId="{1739AB78-9C11-4DB3-BECC-85D0DF02E9ED}">
       <dgm:prSet/>
       <dgm:spPr/>
       <dgm:t>
@@ -4085,6 +4116,13 @@
         </dgm:presLayoutVars>
       </dgm:prSet>
       <dgm:spPr/>
+      <dgm:t>
+        <a:bodyPr/>
+        <a:lstStyle/>
+        <a:p>
+          <a:endParaRPr lang="en-IE"/>
+        </a:p>
+      </dgm:t>
     </dgm:pt>
     <dgm:pt modelId="{16ACDD17-5C52-4187-8CA9-F4F604BFFF18}" type="pres">
       <dgm:prSet presAssocID="{675482F2-B034-4F2F-9C30-C322D13CDE2A}" presName="horzThree" presStyleCnt="0"/>
@@ -4108,33 +4146,6 @@
     </dgm:pt>
     <dgm:pt modelId="{7BCDA259-8856-4626-85B5-EB9E8B1A43C1}" type="pres">
       <dgm:prSet presAssocID="{E205E05E-F8DF-4D29-8FF8-FF90C436B7E9}" presName="horzThree" presStyleCnt="0"/>
-      <dgm:spPr/>
-    </dgm:pt>
-    <dgm:pt modelId="{5016EC65-334A-4CDE-8EF3-BBAC04064577}" type="pres">
-      <dgm:prSet presAssocID="{CF00E27D-56BE-4825-B4C7-35A1F92CCBE7}" presName="sibSpaceThree" presStyleCnt="0"/>
-      <dgm:spPr/>
-    </dgm:pt>
-    <dgm:pt modelId="{6FD51E7C-5E74-4543-A3C0-FA961BBED570}" type="pres">
-      <dgm:prSet presAssocID="{47B939A5-BBC0-457D-B3A1-B0EAF26DB73B}" presName="vertThree" presStyleCnt="0"/>
-      <dgm:spPr/>
-    </dgm:pt>
-    <dgm:pt modelId="{60F488CF-41F0-48FA-A61E-EA17F412EBEA}" type="pres">
-      <dgm:prSet presAssocID="{47B939A5-BBC0-457D-B3A1-B0EAF26DB73B}" presName="txThree" presStyleLbl="node3" presStyleIdx="5" presStyleCnt="7">
-        <dgm:presLayoutVars>
-          <dgm:chPref val="3"/>
-        </dgm:presLayoutVars>
-      </dgm:prSet>
-      <dgm:spPr/>
-      <dgm:t>
-        <a:bodyPr/>
-        <a:lstStyle/>
-        <a:p>
-          <a:endParaRPr lang="en-IE"/>
-        </a:p>
-      </dgm:t>
-    </dgm:pt>
-    <dgm:pt modelId="{F2D1E4DC-5F45-4F7A-AA42-42AAFE9250E6}" type="pres">
-      <dgm:prSet presAssocID="{47B939A5-BBC0-457D-B3A1-B0EAF26DB73B}" presName="horzThree" presStyleCnt="0"/>
       <dgm:spPr/>
     </dgm:pt>
     <dgm:pt modelId="{8CF9F0F6-3228-4E29-876E-89B4D773AF5E}" type="pres">
@@ -4173,42 +4184,76 @@
       <dgm:spPr/>
     </dgm:pt>
     <dgm:pt modelId="{7AD3F015-6D1E-48E1-AA48-C5E0F0FAD24E}" type="pres">
-      <dgm:prSet presAssocID="{26F95E85-41FF-4C05-8A3A-925EA477546D}" presName="txThree" presStyleLbl="node3" presStyleIdx="6" presStyleCnt="7">
+      <dgm:prSet presAssocID="{26F95E85-41FF-4C05-8A3A-925EA477546D}" presName="txThree" presStyleLbl="node3" presStyleIdx="5" presStyleCnt="7">
         <dgm:presLayoutVars>
           <dgm:chPref val="3"/>
         </dgm:presLayoutVars>
       </dgm:prSet>
       <dgm:spPr/>
+      <dgm:t>
+        <a:bodyPr/>
+        <a:lstStyle/>
+        <a:p>
+          <a:endParaRPr lang="en-IE"/>
+        </a:p>
+      </dgm:t>
     </dgm:pt>
     <dgm:pt modelId="{A2406600-AD73-4AA5-B28A-D78E36B4B16F}" type="pres">
       <dgm:prSet presAssocID="{26F95E85-41FF-4C05-8A3A-925EA477546D}" presName="horzThree" presStyleCnt="0"/>
       <dgm:spPr/>
     </dgm:pt>
+    <dgm:pt modelId="{3DC3B7CC-9373-46D7-A2C2-948712C8D475}" type="pres">
+      <dgm:prSet presAssocID="{9CCF5637-87A6-4842-841C-0B18BE72BDF7}" presName="sibSpaceThree" presStyleCnt="0"/>
+      <dgm:spPr/>
+    </dgm:pt>
+    <dgm:pt modelId="{F2EE65C7-60FC-4EA2-9EC9-A3E64AFA1A85}" type="pres">
+      <dgm:prSet presAssocID="{4BB0FBB2-1392-4F79-AA9E-48CAF5A3D526}" presName="vertThree" presStyleCnt="0"/>
+      <dgm:spPr/>
+    </dgm:pt>
+    <dgm:pt modelId="{21CAF308-296F-4212-BA05-7435951ED8C7}" type="pres">
+      <dgm:prSet presAssocID="{4BB0FBB2-1392-4F79-AA9E-48CAF5A3D526}" presName="txThree" presStyleLbl="node3" presStyleIdx="6" presStyleCnt="7">
+        <dgm:presLayoutVars>
+          <dgm:chPref val="3"/>
+        </dgm:presLayoutVars>
+      </dgm:prSet>
+      <dgm:spPr/>
+      <dgm:t>
+        <a:bodyPr/>
+        <a:lstStyle/>
+        <a:p>
+          <a:endParaRPr lang="en-IE"/>
+        </a:p>
+      </dgm:t>
+    </dgm:pt>
+    <dgm:pt modelId="{D6FCB597-1D93-457C-8044-B17198A2BCDC}" type="pres">
+      <dgm:prSet presAssocID="{4BB0FBB2-1392-4F79-AA9E-48CAF5A3D526}" presName="horzThree" presStyleCnt="0"/>
+      <dgm:spPr/>
+    </dgm:pt>
   </dgm:ptLst>
   <dgm:cxnLst>
-    <dgm:cxn modelId="{96C54804-9C37-400D-8582-A9488955F8CF}" type="presOf" srcId="{EBE593CE-DFE4-41C1-B662-A61CBB6F5D21}" destId="{E6263668-2E2A-4741-951D-261C0B61B6BA}" srcOrd="0" destOrd="0" presId="urn:microsoft.com/office/officeart/2005/8/layout/hierarchy4"/>
-    <dgm:cxn modelId="{1397FB00-8B0D-4B3B-8FC5-FEA6AD8B68FC}" srcId="{F11763F5-3192-447A-ABD3-1B4C5287BB8D}" destId="{675482F2-B034-4F2F-9C30-C322D13CDE2A}" srcOrd="0" destOrd="0" parTransId="{634CA3F1-5F78-45AD-A3B1-38117A44F89D}" sibTransId="{0666F475-9C6E-4B75-9FB3-59C102103A9A}"/>
+    <dgm:cxn modelId="{2C049FCF-F982-430B-B6A9-F13751A8873D}" srcId="{BA3B5B4E-0A31-498C-B1F0-35B84A5C0C96}" destId="{F11763F5-3192-447A-ABD3-1B4C5287BB8D}" srcOrd="1" destOrd="0" parTransId="{51EC8D4C-F564-4FB7-B322-15FE0265F070}" sibTransId="{955F8D05-3A94-49C5-AE33-CE27BE548708}"/>
+    <dgm:cxn modelId="{5F9DFA98-B1F5-4FB2-AD9D-FAF33EEFD91A}" srcId="{BA3B5B4E-0A31-498C-B1F0-35B84A5C0C96}" destId="{EE57CB00-67D5-4C2E-B05E-188E0D4F0D73}" srcOrd="0" destOrd="0" parTransId="{DF6E6DA3-F846-4059-81CC-60119F93F567}" sibTransId="{B43CCCE7-D2D1-4034-A264-71578BFA0F21}"/>
     <dgm:cxn modelId="{8E8522B9-6681-4D37-BAA7-672DD0230607}" srcId="{EE57CB00-67D5-4C2E-B05E-188E0D4F0D73}" destId="{6DBD489F-53AA-41A6-AE53-DC3B97E41637}" srcOrd="1" destOrd="0" parTransId="{4E10614B-FEFB-4BC4-B219-3FAB8A7251D3}" sibTransId="{5C188D77-3AAC-4ED2-A66E-80C393113ACD}"/>
-    <dgm:cxn modelId="{5BD8B720-A66F-4E92-83B1-F2A924C80A16}" srcId="{F11763F5-3192-447A-ABD3-1B4C5287BB8D}" destId="{E205E05E-F8DF-4D29-8FF8-FF90C436B7E9}" srcOrd="1" destOrd="0" parTransId="{A50D1597-3FD8-4D9F-8508-2CFEAA1318E5}" sibTransId="{CF00E27D-56BE-4825-B4C7-35A1F92CCBE7}"/>
-    <dgm:cxn modelId="{1CB0F50A-012E-4308-92A1-0BFE7915BB05}" srcId="{BA3B5B4E-0A31-498C-B1F0-35B84A5C0C96}" destId="{6E713355-0B9C-4CB1-9070-F399BBE63B2F}" srcOrd="2" destOrd="0" parTransId="{2D4922B4-9E01-42F3-AE28-428157DEF332}" sibTransId="{9F51A618-D9C2-4F3E-B2CA-222F231D5F18}"/>
-    <dgm:cxn modelId="{2C049FCF-F982-430B-B6A9-F13751A8873D}" srcId="{BA3B5B4E-0A31-498C-B1F0-35B84A5C0C96}" destId="{F11763F5-3192-447A-ABD3-1B4C5287BB8D}" srcOrd="1" destOrd="0" parTransId="{51EC8D4C-F564-4FB7-B322-15FE0265F070}" sibTransId="{955F8D05-3A94-49C5-AE33-CE27BE548708}"/>
-    <dgm:cxn modelId="{9D1E16E0-E1DC-4A0D-B1D9-9FFEE6CFA660}" srcId="{EE57CB00-67D5-4C2E-B05E-188E0D4F0D73}" destId="{EBE593CE-DFE4-41C1-B662-A61CBB6F5D21}" srcOrd="2" destOrd="0" parTransId="{0E5BFEE7-6651-40E0-9C59-72552DA7A2FA}" sibTransId="{27D5553E-9681-4751-A064-39AC58C46B69}"/>
-    <dgm:cxn modelId="{CB618BD5-26A5-4B01-B911-CBAB4086E7A4}" srcId="{EE57CB00-67D5-4C2E-B05E-188E0D4F0D73}" destId="{D5922203-9D0C-46D4-A13D-1633CD5F5227}" srcOrd="0" destOrd="0" parTransId="{779B047D-AE31-4C3E-8613-4EEDC78FC04E}" sibTransId="{830BE1F1-7F1F-4993-AB42-EB40A1E7A553}"/>
     <dgm:cxn modelId="{7B55FEDA-1433-4FF9-8217-268F1775CCC7}" type="presOf" srcId="{F11763F5-3192-447A-ABD3-1B4C5287BB8D}" destId="{D3406F35-89E4-414D-AC96-06767C8EF382}" srcOrd="0" destOrd="0" presId="urn:microsoft.com/office/officeart/2005/8/layout/hierarchy4"/>
     <dgm:cxn modelId="{26E314A6-BD42-45E5-9BD7-E95412125B5A}" type="presOf" srcId="{E205E05E-F8DF-4D29-8FF8-FF90C436B7E9}" destId="{BB19151D-9D7A-49BC-B9BD-A7DE7F52E01B}" srcOrd="0" destOrd="0" presId="urn:microsoft.com/office/officeart/2005/8/layout/hierarchy4"/>
+    <dgm:cxn modelId="{0E7A305D-AF2B-4E28-9EC6-E72B0161F7CF}" type="presOf" srcId="{EE57CB00-67D5-4C2E-B05E-188E0D4F0D73}" destId="{220C07AE-62C9-4F6B-A055-AAD46F333010}" srcOrd="0" destOrd="0" presId="urn:microsoft.com/office/officeart/2005/8/layout/hierarchy4"/>
+    <dgm:cxn modelId="{1CB0F50A-012E-4308-92A1-0BFE7915BB05}" srcId="{BA3B5B4E-0A31-498C-B1F0-35B84A5C0C96}" destId="{6E713355-0B9C-4CB1-9070-F399BBE63B2F}" srcOrd="2" destOrd="0" parTransId="{2D4922B4-9E01-42F3-AE28-428157DEF332}" sibTransId="{9F51A618-D9C2-4F3E-B2CA-222F231D5F18}"/>
+    <dgm:cxn modelId="{EECD3FEA-B585-415C-ABFD-A70FE711FFEC}" type="presOf" srcId="{675482F2-B034-4F2F-9C30-C322D13CDE2A}" destId="{12B7958C-0CB2-43B1-9D6E-3496503910B4}" srcOrd="0" destOrd="0" presId="urn:microsoft.com/office/officeart/2005/8/layout/hierarchy4"/>
+    <dgm:cxn modelId="{8F30416A-6EDC-4C86-91BA-54C587299349}" type="presOf" srcId="{6DBD489F-53AA-41A6-AE53-DC3B97E41637}" destId="{06FA772B-98AD-47F9-8019-FE322D3D6D01}" srcOrd="0" destOrd="0" presId="urn:microsoft.com/office/officeart/2005/8/layout/hierarchy4"/>
+    <dgm:cxn modelId="{87B89A59-DD39-4EB8-ABD8-BE0DF886B944}" type="presOf" srcId="{4BB0FBB2-1392-4F79-AA9E-48CAF5A3D526}" destId="{21CAF308-296F-4212-BA05-7435951ED8C7}" srcOrd="0" destOrd="0" presId="urn:microsoft.com/office/officeart/2005/8/layout/hierarchy4"/>
     <dgm:cxn modelId="{FBEEEEAF-C514-483C-AABA-5BD0B0D7D830}" srcId="{6E713355-0B9C-4CB1-9070-F399BBE63B2F}" destId="{26F95E85-41FF-4C05-8A3A-925EA477546D}" srcOrd="0" destOrd="0" parTransId="{13A6213B-D301-4ADE-B03F-8BB1354AFB9C}" sibTransId="{9CCF5637-87A6-4842-841C-0B18BE72BDF7}"/>
-    <dgm:cxn modelId="{5F9DFA98-B1F5-4FB2-AD9D-FAF33EEFD91A}" srcId="{BA3B5B4E-0A31-498C-B1F0-35B84A5C0C96}" destId="{EE57CB00-67D5-4C2E-B05E-188E0D4F0D73}" srcOrd="0" destOrd="0" parTransId="{DF6E6DA3-F846-4059-81CC-60119F93F567}" sibTransId="{B43CCCE7-D2D1-4034-A264-71578BFA0F21}"/>
-    <dgm:cxn modelId="{EECD3FEA-B585-415C-ABFD-A70FE711FFEC}" type="presOf" srcId="{675482F2-B034-4F2F-9C30-C322D13CDE2A}" destId="{12B7958C-0CB2-43B1-9D6E-3496503910B4}" srcOrd="0" destOrd="0" presId="urn:microsoft.com/office/officeart/2005/8/layout/hierarchy4"/>
     <dgm:cxn modelId="{048A1FBB-8A62-46C1-B8B6-ECDE53742687}" type="presOf" srcId="{BA3B5B4E-0A31-498C-B1F0-35B84A5C0C96}" destId="{86E92F1B-98FC-4A1F-B92F-5FDD61CE0609}" srcOrd="0" destOrd="0" presId="urn:microsoft.com/office/officeart/2005/8/layout/hierarchy4"/>
-    <dgm:cxn modelId="{0E7A305D-AF2B-4E28-9EC6-E72B0161F7CF}" type="presOf" srcId="{EE57CB00-67D5-4C2E-B05E-188E0D4F0D73}" destId="{220C07AE-62C9-4F6B-A055-AAD46F333010}" srcOrd="0" destOrd="0" presId="urn:microsoft.com/office/officeart/2005/8/layout/hierarchy4"/>
+    <dgm:cxn modelId="{A6BB3236-4859-4C12-8499-057E2E3B2C7C}" type="presOf" srcId="{D5922203-9D0C-46D4-A13D-1633CD5F5227}" destId="{1E5F6CBE-A1F4-4AEA-BB24-4573437EE0DB}" srcOrd="0" destOrd="0" presId="urn:microsoft.com/office/officeart/2005/8/layout/hierarchy4"/>
     <dgm:cxn modelId="{40A5F24A-F315-4DF3-A2D1-B54ACDA8B8D4}" type="presOf" srcId="{6E713355-0B9C-4CB1-9070-F399BBE63B2F}" destId="{61E1DF61-EE1C-4BC8-9FCD-15E8F5A0AE25}" srcOrd="0" destOrd="0" presId="urn:microsoft.com/office/officeart/2005/8/layout/hierarchy4"/>
-    <dgm:cxn modelId="{A6BB3236-4859-4C12-8499-057E2E3B2C7C}" type="presOf" srcId="{D5922203-9D0C-46D4-A13D-1633CD5F5227}" destId="{1E5F6CBE-A1F4-4AEA-BB24-4573437EE0DB}" srcOrd="0" destOrd="0" presId="urn:microsoft.com/office/officeart/2005/8/layout/hierarchy4"/>
+    <dgm:cxn modelId="{B4BA8233-B52F-464C-8054-933FBCA5FAF8}" srcId="{22B67C8C-A031-4EB2-8C92-3003381A3DA5}" destId="{BA3B5B4E-0A31-498C-B1F0-35B84A5C0C96}" srcOrd="0" destOrd="0" parTransId="{C68051A0-D28A-4710-B189-110627E7FB36}" sibTransId="{2F8950AC-828C-4C11-A120-32008FECC831}"/>
+    <dgm:cxn modelId="{5BD8B720-A66F-4E92-83B1-F2A924C80A16}" srcId="{F11763F5-3192-447A-ABD3-1B4C5287BB8D}" destId="{E205E05E-F8DF-4D29-8FF8-FF90C436B7E9}" srcOrd="1" destOrd="0" parTransId="{A50D1597-3FD8-4D9F-8508-2CFEAA1318E5}" sibTransId="{CF00E27D-56BE-4825-B4C7-35A1F92CCBE7}"/>
+    <dgm:cxn modelId="{CB618BD5-26A5-4B01-B911-CBAB4086E7A4}" srcId="{EE57CB00-67D5-4C2E-B05E-188E0D4F0D73}" destId="{D5922203-9D0C-46D4-A13D-1633CD5F5227}" srcOrd="0" destOrd="0" parTransId="{779B047D-AE31-4C3E-8613-4EEDC78FC04E}" sibTransId="{830BE1F1-7F1F-4993-AB42-EB40A1E7A553}"/>
     <dgm:cxn modelId="{9042B567-3E33-4F97-974C-C5CFF65C40E5}" type="presOf" srcId="{26F95E85-41FF-4C05-8A3A-925EA477546D}" destId="{7AD3F015-6D1E-48E1-AA48-C5E0F0FAD24E}" srcOrd="0" destOrd="0" presId="urn:microsoft.com/office/officeart/2005/8/layout/hierarchy4"/>
-    <dgm:cxn modelId="{2A19530E-932C-4FFF-9131-72ECA1E4F6E3}" srcId="{F11763F5-3192-447A-ABD3-1B4C5287BB8D}" destId="{47B939A5-BBC0-457D-B3A1-B0EAF26DB73B}" srcOrd="2" destOrd="0" parTransId="{75C2AE73-6415-4128-A75E-860FE73E8E45}" sibTransId="{E080E766-9B90-458C-AEBB-EA0133108DF2}"/>
+    <dgm:cxn modelId="{96C54804-9C37-400D-8582-A9488955F8CF}" type="presOf" srcId="{EBE593CE-DFE4-41C1-B662-A61CBB6F5D21}" destId="{E6263668-2E2A-4741-951D-261C0B61B6BA}" srcOrd="0" destOrd="0" presId="urn:microsoft.com/office/officeart/2005/8/layout/hierarchy4"/>
     <dgm:cxn modelId="{0AFFE9C0-D12A-4A61-99E5-F009CD869AE8}" type="presOf" srcId="{22B67C8C-A031-4EB2-8C92-3003381A3DA5}" destId="{34BBE19B-48E0-44D1-A96B-036BBC2B0573}" srcOrd="0" destOrd="0" presId="urn:microsoft.com/office/officeart/2005/8/layout/hierarchy4"/>
-    <dgm:cxn modelId="{B4BA8233-B52F-464C-8054-933FBCA5FAF8}" srcId="{22B67C8C-A031-4EB2-8C92-3003381A3DA5}" destId="{BA3B5B4E-0A31-498C-B1F0-35B84A5C0C96}" srcOrd="0" destOrd="0" parTransId="{C68051A0-D28A-4710-B189-110627E7FB36}" sibTransId="{2F8950AC-828C-4C11-A120-32008FECC831}"/>
-    <dgm:cxn modelId="{8F30416A-6EDC-4C86-91BA-54C587299349}" type="presOf" srcId="{6DBD489F-53AA-41A6-AE53-DC3B97E41637}" destId="{06FA772B-98AD-47F9-8019-FE322D3D6D01}" srcOrd="0" destOrd="0" presId="urn:microsoft.com/office/officeart/2005/8/layout/hierarchy4"/>
-    <dgm:cxn modelId="{3EC80630-BBA9-48C9-9D3A-18BF9D3AC46F}" type="presOf" srcId="{47B939A5-BBC0-457D-B3A1-B0EAF26DB73B}" destId="{60F488CF-41F0-48FA-A61E-EA17F412EBEA}" srcOrd="0" destOrd="0" presId="urn:microsoft.com/office/officeart/2005/8/layout/hierarchy4"/>
+    <dgm:cxn modelId="{1739AB78-9C11-4DB3-BECC-85D0DF02E9ED}" srcId="{6E713355-0B9C-4CB1-9070-F399BBE63B2F}" destId="{4BB0FBB2-1392-4F79-AA9E-48CAF5A3D526}" srcOrd="1" destOrd="0" parTransId="{DA52DEBB-FDE3-4A83-B3B9-BC0624650E05}" sibTransId="{6DFE8E2D-CF21-4F46-8682-14621FFA83A8}"/>
+    <dgm:cxn modelId="{1397FB00-8B0D-4B3B-8FC5-FEA6AD8B68FC}" srcId="{F11763F5-3192-447A-ABD3-1B4C5287BB8D}" destId="{675482F2-B034-4F2F-9C30-C322D13CDE2A}" srcOrd="0" destOrd="0" parTransId="{634CA3F1-5F78-45AD-A3B1-38117A44F89D}" sibTransId="{0666F475-9C6E-4B75-9FB3-59C102103A9A}"/>
+    <dgm:cxn modelId="{9D1E16E0-E1DC-4A0D-B1D9-9FFEE6CFA660}" srcId="{EE57CB00-67D5-4C2E-B05E-188E0D4F0D73}" destId="{EBE593CE-DFE4-41C1-B662-A61CBB6F5D21}" srcOrd="2" destOrd="0" parTransId="{0E5BFEE7-6651-40E0-9C59-72552DA7A2FA}" sibTransId="{27D5553E-9681-4751-A064-39AC58C46B69}"/>
     <dgm:cxn modelId="{6A02E0E9-8197-4620-9220-3D560188BD31}" type="presParOf" srcId="{34BBE19B-48E0-44D1-A96B-036BBC2B0573}" destId="{2631BB0A-1428-42D6-B7C2-02408C7AB567}" srcOrd="0" destOrd="0" presId="urn:microsoft.com/office/officeart/2005/8/layout/hierarchy4"/>
     <dgm:cxn modelId="{6FC4C0D8-CB89-462C-9A48-5A9D30AFE772}" type="presParOf" srcId="{2631BB0A-1428-42D6-B7C2-02408C7AB567}" destId="{86E92F1B-98FC-4A1F-B92F-5FDD61CE0609}" srcOrd="0" destOrd="0" presId="urn:microsoft.com/office/officeart/2005/8/layout/hierarchy4"/>
     <dgm:cxn modelId="{A837F57A-2DC9-4A74-B601-42108C5D5255}" type="presParOf" srcId="{2631BB0A-1428-42D6-B7C2-02408C7AB567}" destId="{B009ABCE-5FD0-467E-BD6A-FB55E9B9D42A}" srcOrd="1" destOrd="0" presId="urn:microsoft.com/office/officeart/2005/8/layout/hierarchy4"/>
@@ -4240,10 +4285,6 @@
     <dgm:cxn modelId="{F1B209A7-65A7-401E-8F3F-D4A17E046F48}" type="presParOf" srcId="{92725939-A7ED-4494-B0BC-28C5AA689CBD}" destId="{E1B000A0-8122-4396-A3EB-FB575D285CFC}" srcOrd="2" destOrd="0" presId="urn:microsoft.com/office/officeart/2005/8/layout/hierarchy4"/>
     <dgm:cxn modelId="{2A122739-F87B-4745-BE09-FE236627EA3B}" type="presParOf" srcId="{E1B000A0-8122-4396-A3EB-FB575D285CFC}" destId="{BB19151D-9D7A-49BC-B9BD-A7DE7F52E01B}" srcOrd="0" destOrd="0" presId="urn:microsoft.com/office/officeart/2005/8/layout/hierarchy4"/>
     <dgm:cxn modelId="{AA556FFD-FF18-4D88-A6C1-F57BD55ED801}" type="presParOf" srcId="{E1B000A0-8122-4396-A3EB-FB575D285CFC}" destId="{7BCDA259-8856-4626-85B5-EB9E8B1A43C1}" srcOrd="1" destOrd="0" presId="urn:microsoft.com/office/officeart/2005/8/layout/hierarchy4"/>
-    <dgm:cxn modelId="{C3DB3FEE-5CF2-456D-A101-5D1DAE4D23E2}" type="presParOf" srcId="{92725939-A7ED-4494-B0BC-28C5AA689CBD}" destId="{5016EC65-334A-4CDE-8EF3-BBAC04064577}" srcOrd="3" destOrd="0" presId="urn:microsoft.com/office/officeart/2005/8/layout/hierarchy4"/>
-    <dgm:cxn modelId="{BFDBACDF-A6C2-4889-81D2-17E7EF46B9AA}" type="presParOf" srcId="{92725939-A7ED-4494-B0BC-28C5AA689CBD}" destId="{6FD51E7C-5E74-4543-A3C0-FA961BBED570}" srcOrd="4" destOrd="0" presId="urn:microsoft.com/office/officeart/2005/8/layout/hierarchy4"/>
-    <dgm:cxn modelId="{B70EEA7D-A10D-436F-B1ED-C72F700AA8A8}" type="presParOf" srcId="{6FD51E7C-5E74-4543-A3C0-FA961BBED570}" destId="{60F488CF-41F0-48FA-A61E-EA17F412EBEA}" srcOrd="0" destOrd="0" presId="urn:microsoft.com/office/officeart/2005/8/layout/hierarchy4"/>
-    <dgm:cxn modelId="{E2E1CEDB-E74F-4127-B68E-B5D44C0676B9}" type="presParOf" srcId="{6FD51E7C-5E74-4543-A3C0-FA961BBED570}" destId="{F2D1E4DC-5F45-4F7A-AA42-42AAFE9250E6}" srcOrd="1" destOrd="0" presId="urn:microsoft.com/office/officeart/2005/8/layout/hierarchy4"/>
     <dgm:cxn modelId="{EDC80BE7-D942-42EB-BFB5-9B5B4A853EE0}" type="presParOf" srcId="{A8FFB516-0BE0-4372-A815-1FF07C6376E4}" destId="{8CF9F0F6-3228-4E29-876E-89B4D773AF5E}" srcOrd="3" destOrd="0" presId="urn:microsoft.com/office/officeart/2005/8/layout/hierarchy4"/>
     <dgm:cxn modelId="{948840E3-13A0-4314-BBC2-88C0D3D5CEBD}" type="presParOf" srcId="{A8FFB516-0BE0-4372-A815-1FF07C6376E4}" destId="{C119F0DC-A4FF-4871-895C-8DC47EE8C8FE}" srcOrd="4" destOrd="0" presId="urn:microsoft.com/office/officeart/2005/8/layout/hierarchy4"/>
     <dgm:cxn modelId="{56EE6707-B5CA-4771-B6A9-6818E1889410}" type="presParOf" srcId="{C119F0DC-A4FF-4871-895C-8DC47EE8C8FE}" destId="{61E1DF61-EE1C-4BC8-9FCD-15E8F5A0AE25}" srcOrd="0" destOrd="0" presId="urn:microsoft.com/office/officeart/2005/8/layout/hierarchy4"/>
@@ -4252,6 +4293,10 @@
     <dgm:cxn modelId="{AA885FB0-3CF0-4BB4-9CFF-ABCC417137FB}" type="presParOf" srcId="{217368B5-9CE6-4E6F-812E-8EB19C093CDF}" destId="{4291FEBA-C693-49A4-BE35-BB7A2BFBC57F}" srcOrd="0" destOrd="0" presId="urn:microsoft.com/office/officeart/2005/8/layout/hierarchy4"/>
     <dgm:cxn modelId="{0D13B632-9E16-4820-BFE3-92D5445E670D}" type="presParOf" srcId="{4291FEBA-C693-49A4-BE35-BB7A2BFBC57F}" destId="{7AD3F015-6D1E-48E1-AA48-C5E0F0FAD24E}" srcOrd="0" destOrd="0" presId="urn:microsoft.com/office/officeart/2005/8/layout/hierarchy4"/>
     <dgm:cxn modelId="{2F737236-F284-435C-B496-C69B185D0947}" type="presParOf" srcId="{4291FEBA-C693-49A4-BE35-BB7A2BFBC57F}" destId="{A2406600-AD73-4AA5-B28A-D78E36B4B16F}" srcOrd="1" destOrd="0" presId="urn:microsoft.com/office/officeart/2005/8/layout/hierarchy4"/>
+    <dgm:cxn modelId="{87ABCD4A-B150-4066-89AE-115D295D1C37}" type="presParOf" srcId="{217368B5-9CE6-4E6F-812E-8EB19C093CDF}" destId="{3DC3B7CC-9373-46D7-A2C2-948712C8D475}" srcOrd="1" destOrd="0" presId="urn:microsoft.com/office/officeart/2005/8/layout/hierarchy4"/>
+    <dgm:cxn modelId="{A5835142-25BE-47BE-844A-5CD5275554E4}" type="presParOf" srcId="{217368B5-9CE6-4E6F-812E-8EB19C093CDF}" destId="{F2EE65C7-60FC-4EA2-9EC9-A3E64AFA1A85}" srcOrd="2" destOrd="0" presId="urn:microsoft.com/office/officeart/2005/8/layout/hierarchy4"/>
+    <dgm:cxn modelId="{4B634BF2-CD48-4859-8298-6D1987F444D1}" type="presParOf" srcId="{F2EE65C7-60FC-4EA2-9EC9-A3E64AFA1A85}" destId="{21CAF308-296F-4212-BA05-7435951ED8C7}" srcOrd="0" destOrd="0" presId="urn:microsoft.com/office/officeart/2005/8/layout/hierarchy4"/>
+    <dgm:cxn modelId="{EFEFBAA4-FF00-4EBB-B22F-48D1A009EDC5}" type="presParOf" srcId="{F2EE65C7-60FC-4EA2-9EC9-A3E64AFA1A85}" destId="{D6FCB597-1D93-457C-8044-B17198A2BCDC}" srcOrd="1" destOrd="0" presId="urn:microsoft.com/office/officeart/2005/8/layout/hierarchy4"/>
   </dgm:cxnLst>
   <dgm:bg/>
   <dgm:whole/>
@@ -6041,7 +6086,7 @@
       <dsp:spPr>
         <a:xfrm>
           <a:off x="3555333" y="1556904"/>
-          <a:ext cx="3450791" cy="1412153"/>
+          <a:ext cx="2284862" cy="1412153"/>
         </a:xfrm>
         <a:prstGeom prst="roundRect">
           <a:avLst>
@@ -6106,7 +6151,7 @@
       </dsp:txBody>
       <dsp:txXfrm>
         <a:off x="3596694" y="1598265"/>
-        <a:ext cx="3368069" cy="1329431"/>
+        <a:ext cx="2202140" cy="1329431"/>
       </dsp:txXfrm>
     </dsp:sp>
     <dsp:sp modelId="{12B7958C-0CB2-43B1-9D6E-3496503910B4}">
@@ -6175,7 +6220,23 @@
           </a:pPr>
           <a:r>
             <a:rPr lang="en-IE" sz="2000" kern="1200" dirty="0" smtClean="0"/>
-            <a:t>Gyro</a:t>
+            <a:t>Gyro… </a:t>
+          </a:r>
+          <a:r>
+            <a:rPr lang="en-IE" sz="2000" kern="1200" dirty="0" err="1" smtClean="0"/>
+            <a:t>Magn</a:t>
+          </a:r>
+          <a:r>
+            <a:rPr lang="en-IE" sz="2000" kern="1200" dirty="0" smtClean="0"/>
+            <a:t>… </a:t>
+          </a:r>
+          <a:r>
+            <a:rPr lang="en-IE" sz="2000" kern="1200" dirty="0" err="1" smtClean="0"/>
+            <a:t>Accel</a:t>
+          </a:r>
+          <a:r>
+            <a:rPr lang="en-IE" sz="2000" kern="1200" dirty="0" smtClean="0"/>
+            <a:t>..</a:t>
           </a:r>
           <a:endParaRPr lang="en-IE" sz="2000" kern="1200" dirty="0"/>
         </a:p>
@@ -6233,12 +6294,12 @@
         </a:fontRef>
       </dsp:style>
       <dsp:txBody>
-        <a:bodyPr spcFirstLastPara="0" vert="horz" wrap="square" lIns="45720" tIns="45720" rIns="45720" bIns="45720" numCol="1" spcCol="1270" anchor="ctr" anchorCtr="0">
+        <a:bodyPr spcFirstLastPara="0" vert="horz" wrap="square" lIns="64770" tIns="64770" rIns="64770" bIns="64770" numCol="1" spcCol="1270" anchor="ctr" anchorCtr="0">
           <a:noAutofit/>
         </a:bodyPr>
         <a:lstStyle/>
         <a:p>
-          <a:pPr lvl="0" algn="ctr" defTabSz="533400">
+          <a:pPr lvl="0" algn="ctr" defTabSz="755650">
             <a:lnSpc>
               <a:spcPct val="90000"/>
             </a:lnSpc>
@@ -6250,10 +6311,10 @@
             </a:spcAft>
           </a:pPr>
           <a:r>
-            <a:rPr lang="en-IE" sz="1200" kern="1200" dirty="0" smtClean="0"/>
-            <a:t>Accelerometer</a:t>
+            <a:rPr lang="en-IE" sz="1700" kern="1200" dirty="0" smtClean="0"/>
+            <a:t>Temp.. Pressure…</a:t>
           </a:r>
-          <a:endParaRPr lang="en-IE" sz="1200" kern="1200" dirty="0"/>
+          <a:endParaRPr lang="en-IE" sz="1700" kern="1200" dirty="0"/>
         </a:p>
       </dsp:txBody>
       <dsp:txXfrm>
@@ -6261,15 +6322,15 @@
         <a:ext cx="1053389" cy="1346609"/>
       </dsp:txXfrm>
     </dsp:sp>
-    <dsp:sp modelId="{60F488CF-41F0-48FA-A61E-EA17F412EBEA}">
+    <dsp:sp modelId="{61E1DF61-EE1C-4BC8-9FCD-15E8F5A0AE25}">
       <dsp:nvSpPr>
         <dsp:cNvPr id="0" name=""/>
         <dsp:cNvSpPr/>
       </dsp:nvSpPr>
       <dsp:spPr>
         <a:xfrm>
-          <a:off x="5887190" y="3112851"/>
-          <a:ext cx="1118933" cy="1412153"/>
+          <a:off x="5934186" y="1556904"/>
+          <a:ext cx="2284862" cy="1412153"/>
         </a:xfrm>
         <a:prstGeom prst="roundRect">
           <a:avLst>
@@ -6277,17 +6338,15 @@
           </a:avLst>
         </a:prstGeom>
         <a:solidFill>
-          <a:schemeClr val="accent3">
+          <a:schemeClr val="accent6">
             <a:lumMod val="75000"/>
           </a:schemeClr>
         </a:solidFill>
         <a:ln w="25400" cap="flat" cmpd="sng" algn="ctr">
           <a:solidFill>
-            <a:schemeClr val="lt1">
-              <a:hueOff val="0"/>
-              <a:satOff val="0"/>
-              <a:lumOff val="0"/>
-              <a:alphaOff val="0"/>
+            <a:schemeClr val="accent5">
+              <a:lumMod val="60000"/>
+              <a:lumOff val="40000"/>
             </a:schemeClr>
           </a:solidFill>
           <a:prstDash val="solid"/>
@@ -6327,24 +6386,24 @@
           </a:pPr>
           <a:r>
             <a:rPr lang="en-IE" sz="2000" kern="1200" dirty="0" smtClean="0"/>
-            <a:t>Magnet</a:t>
+            <a:t>TI RF2500… Infrared</a:t>
           </a:r>
           <a:endParaRPr lang="en-IE" sz="2000" kern="1200" dirty="0"/>
         </a:p>
       </dsp:txBody>
       <dsp:txXfrm>
-        <a:off x="5919962" y="3145623"/>
-        <a:ext cx="1053389" cy="1346609"/>
+        <a:off x="5975547" y="1598265"/>
+        <a:ext cx="2202140" cy="1329431"/>
       </dsp:txXfrm>
     </dsp:sp>
-    <dsp:sp modelId="{61E1DF61-EE1C-4BC8-9FCD-15E8F5A0AE25}">
+    <dsp:sp modelId="{7AD3F015-6D1E-48E1-AA48-C5E0F0FAD24E}">
       <dsp:nvSpPr>
         <dsp:cNvPr id="0" name=""/>
         <dsp:cNvSpPr/>
       </dsp:nvSpPr>
       <dsp:spPr>
         <a:xfrm>
-          <a:off x="7100114" y="1556904"/>
+          <a:off x="5934186" y="3112851"/>
           <a:ext cx="1118933" cy="1412153"/>
         </a:xfrm>
         <a:prstGeom prst="roundRect">
@@ -6401,17 +6460,34 @@
           </a:pPr>
           <a:r>
             <a:rPr lang="en-IE" sz="2000" kern="1200" dirty="0" smtClean="0"/>
-            <a:t>TI RF2500</a:t>
+            <a:t>Bugs…</a:t>
+          </a:r>
+        </a:p>
+        <a:p>
+          <a:pPr lvl="0" algn="ctr" defTabSz="889000">
+            <a:lnSpc>
+              <a:spcPct val="90000"/>
+            </a:lnSpc>
+            <a:spcBef>
+              <a:spcPct val="0"/>
+            </a:spcBef>
+            <a:spcAft>
+              <a:spcPct val="35000"/>
+            </a:spcAft>
+          </a:pPr>
+          <a:r>
+            <a:rPr lang="en-IE" sz="2000" kern="1200" dirty="0" smtClean="0"/>
+            <a:t>PC…</a:t>
           </a:r>
           <a:endParaRPr lang="en-IE" sz="2000" kern="1200" dirty="0"/>
         </a:p>
       </dsp:txBody>
       <dsp:txXfrm>
-        <a:off x="7132886" y="1589676"/>
+        <a:off x="5966958" y="3145623"/>
         <a:ext cx="1053389" cy="1346609"/>
       </dsp:txXfrm>
     </dsp:sp>
-    <dsp:sp modelId="{7AD3F015-6D1E-48E1-AA48-C5E0F0FAD24E}">
+    <dsp:sp modelId="{21CAF308-296F-4212-BA05-7435951ED8C7}">
       <dsp:nvSpPr>
         <dsp:cNvPr id="0" name=""/>
         <dsp:cNvSpPr/>
@@ -6475,7 +6551,7 @@
           </a:pPr>
           <a:r>
             <a:rPr lang="en-IE" sz="2000" kern="1200" dirty="0" smtClean="0"/>
-            <a:t>Other Bugs</a:t>
+            <a:t>NAO… Tech…</a:t>
           </a:r>
           <a:endParaRPr lang="en-IE" sz="2000" kern="1200" dirty="0"/>
         </a:p>
@@ -14745,7 +14821,7 @@
             <p:ph idx="1"/>
             <p:extLst>
               <p:ext uri="{D42A27DB-BD31-4B8C-83A1-F6EECF244321}">
-                <p14:modId xmlns:p14="http://schemas.microsoft.com/office/powerpoint/2010/main" val="2375212021"/>
+                <p14:modId xmlns:p14="http://schemas.microsoft.com/office/powerpoint/2010/main" val="3426032867"/>
               </p:ext>
             </p:extLst>
           </p:nvPr>
@@ -14856,6 +14932,150 @@
     <p:extLst>
       <p:ext uri="{BB962C8B-B14F-4D97-AF65-F5344CB8AC3E}">
         <p14:creationId xmlns:p14="http://schemas.microsoft.com/office/powerpoint/2010/main" val="4088222526"/>
+      </p:ext>
+    </p:extLst>
+  </p:cSld>
+  <p:clrMapOvr>
+    <a:masterClrMapping/>
+  </p:clrMapOvr>
+  <p:timing>
+    <p:tnLst>
+      <p:par>
+        <p:cTn id="1" dur="indefinite" restart="never" nodeType="tmRoot"/>
+      </p:par>
+    </p:tnLst>
+  </p:timing>
+</p:sld>
+</file>
+
+<file path=ppt/slides/slide11.xml><?xml version="1.0" encoding="utf-8"?>
+<p:sld xmlns:a="http://schemas.openxmlformats.org/drawingml/2006/main" xmlns:r="http://schemas.openxmlformats.org/officeDocument/2006/relationships" xmlns:p="http://schemas.openxmlformats.org/presentationml/2006/main">
+  <p:cSld>
+    <p:spTree>
+      <p:nvGrpSpPr>
+        <p:cNvPr id="1" name=""/>
+        <p:cNvGrpSpPr/>
+        <p:nvPr/>
+      </p:nvGrpSpPr>
+      <p:grpSpPr>
+        <a:xfrm>
+          <a:off x="0" y="0"/>
+          <a:ext cx="0" cy="0"/>
+          <a:chOff x="0" y="0"/>
+          <a:chExt cx="0" cy="0"/>
+        </a:xfrm>
+      </p:grpSpPr>
+      <p:sp>
+        <p:nvSpPr>
+          <p:cNvPr id="2" name="Content Placeholder 1"/>
+          <p:cNvSpPr>
+            <a:spLocks noGrp="1"/>
+          </p:cNvSpPr>
+          <p:nvPr>
+            <p:ph idx="1"/>
+          </p:nvPr>
+        </p:nvSpPr>
+        <p:spPr/>
+        <p:txBody>
+          <a:bodyPr/>
+          <a:lstStyle/>
+          <a:p>
+            <a:endParaRPr lang="en-IE"/>
+          </a:p>
+        </p:txBody>
+      </p:sp>
+      <p:sp>
+        <p:nvSpPr>
+          <p:cNvPr id="3" name="Date Placeholder 2"/>
+          <p:cNvSpPr>
+            <a:spLocks noGrp="1"/>
+          </p:cNvSpPr>
+          <p:nvPr>
+            <p:ph type="dt" sz="half" idx="10"/>
+          </p:nvPr>
+        </p:nvSpPr>
+        <p:spPr/>
+        <p:txBody>
+          <a:bodyPr/>
+          <a:lstStyle/>
+          <a:p>
+            <a:r>
+              <a:rPr lang="en-US" smtClean="0"/>
+              <a:t>07/02/2014</a:t>
+            </a:r>
+            <a:endParaRPr lang="en-IE" dirty="0" smtClean="0"/>
+          </a:p>
+        </p:txBody>
+      </p:sp>
+      <p:sp>
+        <p:nvSpPr>
+          <p:cNvPr id="4" name="Footer Placeholder 3"/>
+          <p:cNvSpPr>
+            <a:spLocks noGrp="1"/>
+          </p:cNvSpPr>
+          <p:nvPr>
+            <p:ph type="ftr" sz="quarter" idx="11"/>
+          </p:nvPr>
+        </p:nvSpPr>
+        <p:spPr/>
+        <p:txBody>
+          <a:bodyPr/>
+          <a:lstStyle/>
+          <a:p>
+            <a:r>
+              <a:rPr lang="en-IE" smtClean="0"/>
+              <a:t>Intelligent Toy Interfaces 2014</a:t>
+            </a:r>
+            <a:endParaRPr lang="en-IE" dirty="0"/>
+          </a:p>
+        </p:txBody>
+      </p:sp>
+      <p:sp>
+        <p:nvSpPr>
+          <p:cNvPr id="5" name="Slide Number Placeholder 4"/>
+          <p:cNvSpPr>
+            <a:spLocks noGrp="1"/>
+          </p:cNvSpPr>
+          <p:nvPr>
+            <p:ph type="sldNum" sz="quarter" idx="12"/>
+          </p:nvPr>
+        </p:nvSpPr>
+        <p:spPr/>
+        <p:txBody>
+          <a:bodyPr/>
+          <a:lstStyle/>
+          <a:p>
+            <a:fld id="{7235E11A-DC3C-4C5A-8EAD-B77EA3A0B827}" type="slidenum">
+              <a:rPr lang="en-IE" smtClean="0"/>
+              <a:t>11</a:t>
+            </a:fld>
+            <a:endParaRPr lang="en-IE"/>
+          </a:p>
+        </p:txBody>
+      </p:sp>
+      <p:sp>
+        <p:nvSpPr>
+          <p:cNvPr id="6" name="Title 5"/>
+          <p:cNvSpPr>
+            <a:spLocks noGrp="1"/>
+          </p:cNvSpPr>
+          <p:nvPr>
+            <p:ph type="title"/>
+          </p:nvPr>
+        </p:nvSpPr>
+        <p:spPr/>
+        <p:txBody>
+          <a:bodyPr/>
+          <a:lstStyle/>
+          <a:p>
+            <a:endParaRPr lang="en-IE"/>
+          </a:p>
+        </p:txBody>
+      </p:sp>
+    </p:spTree>
+    <p:extLst>
+      <p:ext uri="{BB962C8B-B14F-4D97-AF65-F5344CB8AC3E}">
+        <p14:creationId xmlns:p14="http://schemas.microsoft.com/office/powerpoint/2010/main" val="2620371676"/>
       </p:ext>
     </p:extLst>
   </p:cSld>
